--- a/PRD-2017-G24/STW/非受控文件/翻转课堂作业/UML概述/UML概述.pptx
+++ b/PRD-2017-G24/STW/非受控文件/翻转课堂作业/UML概述/UML概述.pptx
@@ -5,32 +5,34 @@
     <p:sldMasterId id="2147483648" r:id="rId1"/>
   </p:sldMasterIdLst>
   <p:notesMasterIdLst>
-    <p:notesMasterId r:id="rId25"/>
+    <p:notesMasterId r:id="rId27"/>
   </p:notesMasterIdLst>
   <p:sldIdLst>
     <p:sldId id="256" r:id="rId2"/>
     <p:sldId id="257" r:id="rId3"/>
     <p:sldId id="258" r:id="rId4"/>
     <p:sldId id="277" r:id="rId5"/>
-    <p:sldId id="274" r:id="rId6"/>
-    <p:sldId id="259" r:id="rId7"/>
-    <p:sldId id="279" r:id="rId8"/>
-    <p:sldId id="281" r:id="rId9"/>
-    <p:sldId id="282" r:id="rId10"/>
-    <p:sldId id="262" r:id="rId11"/>
-    <p:sldId id="263" r:id="rId12"/>
-    <p:sldId id="278" r:id="rId13"/>
-    <p:sldId id="283" r:id="rId14"/>
-    <p:sldId id="284" r:id="rId15"/>
-    <p:sldId id="287" r:id="rId16"/>
-    <p:sldId id="291" r:id="rId17"/>
-    <p:sldId id="292" r:id="rId18"/>
-    <p:sldId id="293" r:id="rId19"/>
-    <p:sldId id="289" r:id="rId20"/>
-    <p:sldId id="290" r:id="rId21"/>
-    <p:sldId id="271" r:id="rId22"/>
-    <p:sldId id="272" r:id="rId23"/>
-    <p:sldId id="273" r:id="rId24"/>
+    <p:sldId id="294" r:id="rId6"/>
+    <p:sldId id="274" r:id="rId7"/>
+    <p:sldId id="259" r:id="rId8"/>
+    <p:sldId id="279" r:id="rId9"/>
+    <p:sldId id="281" r:id="rId10"/>
+    <p:sldId id="282" r:id="rId11"/>
+    <p:sldId id="262" r:id="rId12"/>
+    <p:sldId id="263" r:id="rId13"/>
+    <p:sldId id="278" r:id="rId14"/>
+    <p:sldId id="283" r:id="rId15"/>
+    <p:sldId id="284" r:id="rId16"/>
+    <p:sldId id="287" r:id="rId17"/>
+    <p:sldId id="291" r:id="rId18"/>
+    <p:sldId id="292" r:id="rId19"/>
+    <p:sldId id="293" r:id="rId20"/>
+    <p:sldId id="289" r:id="rId21"/>
+    <p:sldId id="290" r:id="rId22"/>
+    <p:sldId id="295" r:id="rId23"/>
+    <p:sldId id="271" r:id="rId24"/>
+    <p:sldId id="272" r:id="rId25"/>
+    <p:sldId id="273" r:id="rId26"/>
   </p:sldIdLst>
   <p:sldSz cx="12192000" cy="6858000"/>
   <p:notesSz cx="6858000" cy="9144000"/>
@@ -2105,6 +2107,13 @@
         </dgm:presLayoutVars>
       </dgm:prSet>
       <dgm:spPr/>
+      <dgm:t>
+        <a:bodyPr/>
+        <a:lstStyle/>
+        <a:p>
+          <a:endParaRPr lang="zh-CN" altLang="en-US"/>
+        </a:p>
+      </dgm:t>
     </dgm:pt>
     <dgm:pt modelId="{BB10B3FE-71B2-44C4-9881-9B1B6C4ED30A}" type="pres">
       <dgm:prSet presAssocID="{1FA03D0B-431E-4552-972E-930F5F39D8D4}" presName="thickLine" presStyleLbl="alignNode1" presStyleIdx="0" presStyleCnt="9"/>
@@ -2117,6 +2126,13 @@
     <dgm:pt modelId="{FC9D7768-4563-493E-B454-DDCFD4BDB902}" type="pres">
       <dgm:prSet presAssocID="{1FA03D0B-431E-4552-972E-930F5F39D8D4}" presName="tx1" presStyleLbl="revTx" presStyleIdx="0" presStyleCnt="9"/>
       <dgm:spPr/>
+      <dgm:t>
+        <a:bodyPr/>
+        <a:lstStyle/>
+        <a:p>
+          <a:endParaRPr lang="zh-CN" altLang="en-US"/>
+        </a:p>
+      </dgm:t>
     </dgm:pt>
     <dgm:pt modelId="{AD1CF356-254A-496B-8B30-7E65A8D385E9}" type="pres">
       <dgm:prSet presAssocID="{1FA03D0B-431E-4552-972E-930F5F39D8D4}" presName="vert1" presStyleCnt="0"/>
@@ -2133,6 +2149,13 @@
     <dgm:pt modelId="{BB3D9FB9-476E-49C0-B80D-9BE2F7650722}" type="pres">
       <dgm:prSet presAssocID="{F4D98294-6926-4BC8-9678-4AE0179FD98D}" presName="tx1" presStyleLbl="revTx" presStyleIdx="1" presStyleCnt="9"/>
       <dgm:spPr/>
+      <dgm:t>
+        <a:bodyPr/>
+        <a:lstStyle/>
+        <a:p>
+          <a:endParaRPr lang="zh-CN" altLang="en-US"/>
+        </a:p>
+      </dgm:t>
     </dgm:pt>
     <dgm:pt modelId="{D99806E3-20C1-4E7F-8374-0210A0C1A8AE}" type="pres">
       <dgm:prSet presAssocID="{F4D98294-6926-4BC8-9678-4AE0179FD98D}" presName="vert1" presStyleCnt="0"/>
@@ -2149,6 +2172,13 @@
     <dgm:pt modelId="{4115A148-7C9F-4251-95F8-2A051B52D5AC}" type="pres">
       <dgm:prSet presAssocID="{F26DE089-A9FD-4546-96AF-71432FD40C75}" presName="tx1" presStyleLbl="revTx" presStyleIdx="2" presStyleCnt="9"/>
       <dgm:spPr/>
+      <dgm:t>
+        <a:bodyPr/>
+        <a:lstStyle/>
+        <a:p>
+          <a:endParaRPr lang="zh-CN" altLang="en-US"/>
+        </a:p>
+      </dgm:t>
     </dgm:pt>
     <dgm:pt modelId="{394814FA-CDAF-4CC8-8109-62E7A5FA331D}" type="pres">
       <dgm:prSet presAssocID="{F26DE089-A9FD-4546-96AF-71432FD40C75}" presName="vert1" presStyleCnt="0"/>
@@ -2165,6 +2195,13 @@
     <dgm:pt modelId="{CF187C55-D274-4C80-A81A-7C74892EF144}" type="pres">
       <dgm:prSet presAssocID="{CBCE7A0C-1162-4DD8-8348-0E467EC325E0}" presName="tx1" presStyleLbl="revTx" presStyleIdx="3" presStyleCnt="9"/>
       <dgm:spPr/>
+      <dgm:t>
+        <a:bodyPr/>
+        <a:lstStyle/>
+        <a:p>
+          <a:endParaRPr lang="zh-CN" altLang="en-US"/>
+        </a:p>
+      </dgm:t>
     </dgm:pt>
     <dgm:pt modelId="{6B0C92B1-B619-46DC-9D61-064133EACD45}" type="pres">
       <dgm:prSet presAssocID="{CBCE7A0C-1162-4DD8-8348-0E467EC325E0}" presName="vert1" presStyleCnt="0"/>
@@ -2181,6 +2218,13 @@
     <dgm:pt modelId="{6D455BFA-CC98-472A-BB95-E26F8322A529}" type="pres">
       <dgm:prSet presAssocID="{390B9C77-7995-4357-AF04-9565041C9BF1}" presName="tx1" presStyleLbl="revTx" presStyleIdx="4" presStyleCnt="9"/>
       <dgm:spPr/>
+      <dgm:t>
+        <a:bodyPr/>
+        <a:lstStyle/>
+        <a:p>
+          <a:endParaRPr lang="zh-CN" altLang="en-US"/>
+        </a:p>
+      </dgm:t>
     </dgm:pt>
     <dgm:pt modelId="{6566A669-B31A-4342-B2F2-E8D66C00D8D2}" type="pres">
       <dgm:prSet presAssocID="{390B9C77-7995-4357-AF04-9565041C9BF1}" presName="vert1" presStyleCnt="0"/>
@@ -2197,6 +2241,13 @@
     <dgm:pt modelId="{733AD6BA-9EF6-487F-AE39-A6AB87079B67}" type="pres">
       <dgm:prSet presAssocID="{141B5341-4F8F-4B74-854E-A5FBA43D6D1E}" presName="tx1" presStyleLbl="revTx" presStyleIdx="5" presStyleCnt="9"/>
       <dgm:spPr/>
+      <dgm:t>
+        <a:bodyPr/>
+        <a:lstStyle/>
+        <a:p>
+          <a:endParaRPr lang="zh-CN" altLang="en-US"/>
+        </a:p>
+      </dgm:t>
     </dgm:pt>
     <dgm:pt modelId="{5F0C84B1-2009-464B-89D6-B90556266101}" type="pres">
       <dgm:prSet presAssocID="{141B5341-4F8F-4B74-854E-A5FBA43D6D1E}" presName="vert1" presStyleCnt="0"/>
@@ -2213,6 +2264,13 @@
     <dgm:pt modelId="{5FA7A339-4A97-496A-811A-E073C481D698}" type="pres">
       <dgm:prSet presAssocID="{CCBF378A-153E-4EE5-8F0A-8A5FB34A66CF}" presName="tx1" presStyleLbl="revTx" presStyleIdx="6" presStyleCnt="9"/>
       <dgm:spPr/>
+      <dgm:t>
+        <a:bodyPr/>
+        <a:lstStyle/>
+        <a:p>
+          <a:endParaRPr lang="zh-CN" altLang="en-US"/>
+        </a:p>
+      </dgm:t>
     </dgm:pt>
     <dgm:pt modelId="{94EA072E-AF86-4199-8755-931C99D3C01E}" type="pres">
       <dgm:prSet presAssocID="{CCBF378A-153E-4EE5-8F0A-8A5FB34A66CF}" presName="vert1" presStyleCnt="0"/>
@@ -2229,6 +2287,13 @@
     <dgm:pt modelId="{70DB64B1-1FDF-4B2A-AAEF-DB1E97CA5440}" type="pres">
       <dgm:prSet presAssocID="{DC329E2D-99D5-4712-80C4-E56DE34ADE60}" presName="tx1" presStyleLbl="revTx" presStyleIdx="7" presStyleCnt="9"/>
       <dgm:spPr/>
+      <dgm:t>
+        <a:bodyPr/>
+        <a:lstStyle/>
+        <a:p>
+          <a:endParaRPr lang="zh-CN" altLang="en-US"/>
+        </a:p>
+      </dgm:t>
     </dgm:pt>
     <dgm:pt modelId="{89E29417-B34E-4F3C-A6EB-3901844FD1F3}" type="pres">
       <dgm:prSet presAssocID="{DC329E2D-99D5-4712-80C4-E56DE34ADE60}" presName="vert1" presStyleCnt="0"/>
@@ -2245,6 +2310,13 @@
     <dgm:pt modelId="{4081DCFD-79DC-47DA-ACD7-E31D5B356590}" type="pres">
       <dgm:prSet presAssocID="{47F5D560-B56A-4095-BDC1-B1E4D1979825}" presName="tx1" presStyleLbl="revTx" presStyleIdx="8" presStyleCnt="9"/>
       <dgm:spPr/>
+      <dgm:t>
+        <a:bodyPr/>
+        <a:lstStyle/>
+        <a:p>
+          <a:endParaRPr lang="zh-CN" altLang="en-US"/>
+        </a:p>
+      </dgm:t>
     </dgm:pt>
     <dgm:pt modelId="{11281714-97DE-4F2E-9750-FD6D2D3E05E2}" type="pres">
       <dgm:prSet presAssocID="{47F5D560-B56A-4095-BDC1-B1E4D1979825}" presName="vert1" presStyleCnt="0"/>
@@ -2252,25 +2324,25 @@
     </dgm:pt>
   </dgm:ptLst>
   <dgm:cxnLst>
+    <dgm:cxn modelId="{921A8786-CEF7-4A09-8646-477EE41068EE}" srcId="{61344293-A1DE-4EC5-9A38-FAB9B9B4968C}" destId="{47F5D560-B56A-4095-BDC1-B1E4D1979825}" srcOrd="8" destOrd="0" parTransId="{13C0A50F-A094-4D9E-B9F1-D9E857774541}" sibTransId="{595CA217-5FB8-4751-9D92-FA205D95B673}"/>
+    <dgm:cxn modelId="{72C78C39-D2FD-4657-A685-C850D72D9035}" srcId="{61344293-A1DE-4EC5-9A38-FAB9B9B4968C}" destId="{1FA03D0B-431E-4552-972E-930F5F39D8D4}" srcOrd="0" destOrd="0" parTransId="{DCA24973-8AA7-41B9-9B6A-AC4F09257488}" sibTransId="{7A188E71-997C-494E-B9C2-BAD4C716D4A0}"/>
     <dgm:cxn modelId="{A1E9C406-5962-4320-B454-170FCB50286F}" type="presOf" srcId="{CCBF378A-153E-4EE5-8F0A-8A5FB34A66CF}" destId="{5FA7A339-4A97-496A-811A-E073C481D698}" srcOrd="0" destOrd="0" presId="urn:microsoft.com/office/officeart/2008/layout/LinedList"/>
+    <dgm:cxn modelId="{A87C39E1-E138-40B9-8A97-77B92E5EBC22}" type="presOf" srcId="{F4D98294-6926-4BC8-9678-4AE0179FD98D}" destId="{BB3D9FB9-476E-49C0-B80D-9BE2F7650722}" srcOrd="0" destOrd="0" presId="urn:microsoft.com/office/officeart/2008/layout/LinedList"/>
+    <dgm:cxn modelId="{7C80495A-D039-4CC0-AD85-F41F30EFBF07}" type="presOf" srcId="{1FA03D0B-431E-4552-972E-930F5F39D8D4}" destId="{FC9D7768-4563-493E-B454-DDCFD4BDB902}" srcOrd="0" destOrd="0" presId="urn:microsoft.com/office/officeart/2008/layout/LinedList"/>
+    <dgm:cxn modelId="{9D1D5B72-D290-471A-8897-4FC88C2E5D23}" srcId="{61344293-A1DE-4EC5-9A38-FAB9B9B4968C}" destId="{DC329E2D-99D5-4712-80C4-E56DE34ADE60}" srcOrd="7" destOrd="0" parTransId="{172F1330-ECEA-4AAE-A8A5-2AD1BB8F7FCC}" sibTransId="{6037AFAA-A079-4470-8AF5-855447CE326F}"/>
+    <dgm:cxn modelId="{0EDCF550-DA4A-4A70-A9D9-2D3A3C531AD5}" type="presOf" srcId="{F26DE089-A9FD-4546-96AF-71432FD40C75}" destId="{4115A148-7C9F-4251-95F8-2A051B52D5AC}" srcOrd="0" destOrd="0" presId="urn:microsoft.com/office/officeart/2008/layout/LinedList"/>
+    <dgm:cxn modelId="{2B747639-0EB3-4CA8-8B46-A220149A240C}" type="presOf" srcId="{CBCE7A0C-1162-4DD8-8348-0E467EC325E0}" destId="{CF187C55-D274-4C80-A81A-7C74892EF144}" srcOrd="0" destOrd="0" presId="urn:microsoft.com/office/officeart/2008/layout/LinedList"/>
+    <dgm:cxn modelId="{C2A4E7D5-0E91-4BC3-A55C-316FB74A93F5}" type="presOf" srcId="{390B9C77-7995-4357-AF04-9565041C9BF1}" destId="{6D455BFA-CC98-472A-BB95-E26F8322A529}" srcOrd="0" destOrd="0" presId="urn:microsoft.com/office/officeart/2008/layout/LinedList"/>
+    <dgm:cxn modelId="{9AAF5E9C-861F-4034-AF38-50013636D891}" type="presOf" srcId="{DC329E2D-99D5-4712-80C4-E56DE34ADE60}" destId="{70DB64B1-1FDF-4B2A-AAEF-DB1E97CA5440}" srcOrd="0" destOrd="0" presId="urn:microsoft.com/office/officeart/2008/layout/LinedList"/>
+    <dgm:cxn modelId="{6F74CE48-579E-431D-9583-58A5F2ED3C85}" srcId="{61344293-A1DE-4EC5-9A38-FAB9B9B4968C}" destId="{F26DE089-A9FD-4546-96AF-71432FD40C75}" srcOrd="2" destOrd="0" parTransId="{1A63B470-973A-4426-A553-6A92D4588D20}" sibTransId="{F05992B1-9FD4-41E0-8709-1F3CDB8109B3}"/>
+    <dgm:cxn modelId="{38A784BF-68AC-4895-B444-DF7125610734}" type="presOf" srcId="{47F5D560-B56A-4095-BDC1-B1E4D1979825}" destId="{4081DCFD-79DC-47DA-ACD7-E31D5B356590}" srcOrd="0" destOrd="0" presId="urn:microsoft.com/office/officeart/2008/layout/LinedList"/>
+    <dgm:cxn modelId="{A3534A96-073A-43CA-A326-8B12EE142B3F}" type="presOf" srcId="{141B5341-4F8F-4B74-854E-A5FBA43D6D1E}" destId="{733AD6BA-9EF6-487F-AE39-A6AB87079B67}" srcOrd="0" destOrd="0" presId="urn:microsoft.com/office/officeart/2008/layout/LinedList"/>
+    <dgm:cxn modelId="{FC96EF33-F0CD-420E-9A7B-30F9B6896026}" srcId="{61344293-A1DE-4EC5-9A38-FAB9B9B4968C}" destId="{F4D98294-6926-4BC8-9678-4AE0179FD98D}" srcOrd="1" destOrd="0" parTransId="{A14163C1-0CF1-4D38-B620-EB744E35794C}" sibTransId="{3796F5A7-8CBE-40D5-9D1D-9C0979F64A9C}"/>
     <dgm:cxn modelId="{25EC110C-6EF6-4C65-80E0-1871BBCC94F3}" srcId="{61344293-A1DE-4EC5-9A38-FAB9B9B4968C}" destId="{390B9C77-7995-4357-AF04-9565041C9BF1}" srcOrd="4" destOrd="0" parTransId="{EE403F8B-8568-4987-80D7-7FB2D18D7D16}" sibTransId="{290EC355-F468-41D9-90C5-D907CF21D967}"/>
     <dgm:cxn modelId="{D51ECB21-5218-49D4-980D-D86570A78CC9}" srcId="{61344293-A1DE-4EC5-9A38-FAB9B9B4968C}" destId="{141B5341-4F8F-4B74-854E-A5FBA43D6D1E}" srcOrd="5" destOrd="0" parTransId="{856EFA81-5ECF-4D6F-A8FF-5EA95BCEAF47}" sibTransId="{7A5DD433-F8FE-43BF-B663-090CAB808284}"/>
-    <dgm:cxn modelId="{FC96EF33-F0CD-420E-9A7B-30F9B6896026}" srcId="{61344293-A1DE-4EC5-9A38-FAB9B9B4968C}" destId="{F4D98294-6926-4BC8-9678-4AE0179FD98D}" srcOrd="1" destOrd="0" parTransId="{A14163C1-0CF1-4D38-B620-EB744E35794C}" sibTransId="{3796F5A7-8CBE-40D5-9D1D-9C0979F64A9C}"/>
-    <dgm:cxn modelId="{2B747639-0EB3-4CA8-8B46-A220149A240C}" type="presOf" srcId="{CBCE7A0C-1162-4DD8-8348-0E467EC325E0}" destId="{CF187C55-D274-4C80-A81A-7C74892EF144}" srcOrd="0" destOrd="0" presId="urn:microsoft.com/office/officeart/2008/layout/LinedList"/>
-    <dgm:cxn modelId="{72C78C39-D2FD-4657-A685-C850D72D9035}" srcId="{61344293-A1DE-4EC5-9A38-FAB9B9B4968C}" destId="{1FA03D0B-431E-4552-972E-930F5F39D8D4}" srcOrd="0" destOrd="0" parTransId="{DCA24973-8AA7-41B9-9B6A-AC4F09257488}" sibTransId="{7A188E71-997C-494E-B9C2-BAD4C716D4A0}"/>
-    <dgm:cxn modelId="{6F74CE48-579E-431D-9583-58A5F2ED3C85}" srcId="{61344293-A1DE-4EC5-9A38-FAB9B9B4968C}" destId="{F26DE089-A9FD-4546-96AF-71432FD40C75}" srcOrd="2" destOrd="0" parTransId="{1A63B470-973A-4426-A553-6A92D4588D20}" sibTransId="{F05992B1-9FD4-41E0-8709-1F3CDB8109B3}"/>
+    <dgm:cxn modelId="{97F1CCC4-1B19-4070-8C49-D818B7D503A3}" srcId="{61344293-A1DE-4EC5-9A38-FAB9B9B4968C}" destId="{CBCE7A0C-1162-4DD8-8348-0E467EC325E0}" srcOrd="3" destOrd="0" parTransId="{041D4F31-93BC-4168-A092-8AACF0FAE0A1}" sibTransId="{932E490C-516F-4D6F-9F44-B7FE8A9CCDAD}"/>
+    <dgm:cxn modelId="{FE4AB9E9-E8CD-45A8-A66A-2B24B34DB8B8}" srcId="{61344293-A1DE-4EC5-9A38-FAB9B9B4968C}" destId="{CCBF378A-153E-4EE5-8F0A-8A5FB34A66CF}" srcOrd="6" destOrd="0" parTransId="{CFEDB66F-5D05-479D-9B96-995EF1DCE1BF}" sibTransId="{B2BFBAE4-F714-46AB-8531-6F5C54896404}"/>
     <dgm:cxn modelId="{33D50369-788E-49A7-8974-C3AD880B79B4}" type="presOf" srcId="{61344293-A1DE-4EC5-9A38-FAB9B9B4968C}" destId="{16C4A9B8-6EFE-4EE6-A024-B6B528189985}" srcOrd="0" destOrd="0" presId="urn:microsoft.com/office/officeart/2008/layout/LinedList"/>
-    <dgm:cxn modelId="{0EDCF550-DA4A-4A70-A9D9-2D3A3C531AD5}" type="presOf" srcId="{F26DE089-A9FD-4546-96AF-71432FD40C75}" destId="{4115A148-7C9F-4251-95F8-2A051B52D5AC}" srcOrd="0" destOrd="0" presId="urn:microsoft.com/office/officeart/2008/layout/LinedList"/>
-    <dgm:cxn modelId="{9D1D5B72-D290-471A-8897-4FC88C2E5D23}" srcId="{61344293-A1DE-4EC5-9A38-FAB9B9B4968C}" destId="{DC329E2D-99D5-4712-80C4-E56DE34ADE60}" srcOrd="7" destOrd="0" parTransId="{172F1330-ECEA-4AAE-A8A5-2AD1BB8F7FCC}" sibTransId="{6037AFAA-A079-4470-8AF5-855447CE326F}"/>
-    <dgm:cxn modelId="{7C80495A-D039-4CC0-AD85-F41F30EFBF07}" type="presOf" srcId="{1FA03D0B-431E-4552-972E-930F5F39D8D4}" destId="{FC9D7768-4563-493E-B454-DDCFD4BDB902}" srcOrd="0" destOrd="0" presId="urn:microsoft.com/office/officeart/2008/layout/LinedList"/>
-    <dgm:cxn modelId="{921A8786-CEF7-4A09-8646-477EE41068EE}" srcId="{61344293-A1DE-4EC5-9A38-FAB9B9B4968C}" destId="{47F5D560-B56A-4095-BDC1-B1E4D1979825}" srcOrd="8" destOrd="0" parTransId="{13C0A50F-A094-4D9E-B9F1-D9E857774541}" sibTransId="{595CA217-5FB8-4751-9D92-FA205D95B673}"/>
-    <dgm:cxn modelId="{A3534A96-073A-43CA-A326-8B12EE142B3F}" type="presOf" srcId="{141B5341-4F8F-4B74-854E-A5FBA43D6D1E}" destId="{733AD6BA-9EF6-487F-AE39-A6AB87079B67}" srcOrd="0" destOrd="0" presId="urn:microsoft.com/office/officeart/2008/layout/LinedList"/>
-    <dgm:cxn modelId="{9AAF5E9C-861F-4034-AF38-50013636D891}" type="presOf" srcId="{DC329E2D-99D5-4712-80C4-E56DE34ADE60}" destId="{70DB64B1-1FDF-4B2A-AAEF-DB1E97CA5440}" srcOrd="0" destOrd="0" presId="urn:microsoft.com/office/officeart/2008/layout/LinedList"/>
-    <dgm:cxn modelId="{38A784BF-68AC-4895-B444-DF7125610734}" type="presOf" srcId="{47F5D560-B56A-4095-BDC1-B1E4D1979825}" destId="{4081DCFD-79DC-47DA-ACD7-E31D5B356590}" srcOrd="0" destOrd="0" presId="urn:microsoft.com/office/officeart/2008/layout/LinedList"/>
-    <dgm:cxn modelId="{97F1CCC4-1B19-4070-8C49-D818B7D503A3}" srcId="{61344293-A1DE-4EC5-9A38-FAB9B9B4968C}" destId="{CBCE7A0C-1162-4DD8-8348-0E467EC325E0}" srcOrd="3" destOrd="0" parTransId="{041D4F31-93BC-4168-A092-8AACF0FAE0A1}" sibTransId="{932E490C-516F-4D6F-9F44-B7FE8A9CCDAD}"/>
-    <dgm:cxn modelId="{C2A4E7D5-0E91-4BC3-A55C-316FB74A93F5}" type="presOf" srcId="{390B9C77-7995-4357-AF04-9565041C9BF1}" destId="{6D455BFA-CC98-472A-BB95-E26F8322A529}" srcOrd="0" destOrd="0" presId="urn:microsoft.com/office/officeart/2008/layout/LinedList"/>
-    <dgm:cxn modelId="{A87C39E1-E138-40B9-8A97-77B92E5EBC22}" type="presOf" srcId="{F4D98294-6926-4BC8-9678-4AE0179FD98D}" destId="{BB3D9FB9-476E-49C0-B80D-9BE2F7650722}" srcOrd="0" destOrd="0" presId="urn:microsoft.com/office/officeart/2008/layout/LinedList"/>
-    <dgm:cxn modelId="{FE4AB9E9-E8CD-45A8-A66A-2B24B34DB8B8}" srcId="{61344293-A1DE-4EC5-9A38-FAB9B9B4968C}" destId="{CCBF378A-153E-4EE5-8F0A-8A5FB34A66CF}" srcOrd="6" destOrd="0" parTransId="{CFEDB66F-5D05-479D-9B96-995EF1DCE1BF}" sibTransId="{B2BFBAE4-F714-46AB-8531-6F5C54896404}"/>
     <dgm:cxn modelId="{82E7AEFF-4A18-459E-9D95-FC25F3034281}" type="presParOf" srcId="{16C4A9B8-6EFE-4EE6-A024-B6B528189985}" destId="{BB10B3FE-71B2-44C4-9881-9B1B6C4ED30A}" srcOrd="0" destOrd="0" presId="urn:microsoft.com/office/officeart/2008/layout/LinedList"/>
     <dgm:cxn modelId="{0D745BA1-B015-43B1-A3DE-FD84DD748F8B}" type="presParOf" srcId="{16C4A9B8-6EFE-4EE6-A024-B6B528189985}" destId="{963CAB5B-C43A-4ACF-989E-11E2303E77FD}" srcOrd="1" destOrd="0" presId="urn:microsoft.com/office/officeart/2008/layout/LinedList"/>
     <dgm:cxn modelId="{9B738220-9BF1-40D4-AFBB-C8F4E77F79A1}" type="presParOf" srcId="{963CAB5B-C43A-4ACF-989E-11E2303E77FD}" destId="{FC9D7768-4563-493E-B454-DDCFD4BDB902}" srcOrd="0" destOrd="0" presId="urn:microsoft.com/office/officeart/2008/layout/LinedList"/>
@@ -2470,6 +2542,13 @@
         </dgm:presLayoutVars>
       </dgm:prSet>
       <dgm:spPr/>
+      <dgm:t>
+        <a:bodyPr/>
+        <a:lstStyle/>
+        <a:p>
+          <a:endParaRPr lang="zh-CN" altLang="en-US"/>
+        </a:p>
+      </dgm:t>
     </dgm:pt>
     <dgm:pt modelId="{06943FCA-F46C-4223-890A-D3877845AF57}" type="pres">
       <dgm:prSet presAssocID="{8415385F-4C50-4447-9CA3-AB4CA6F6A353}" presName="thickLine" presStyleLbl="alignNode1" presStyleIdx="0" presStyleCnt="3"/>
@@ -2482,6 +2561,13 @@
     <dgm:pt modelId="{BE58B695-7CF6-4678-AF36-F571F9EA8D7C}" type="pres">
       <dgm:prSet presAssocID="{8415385F-4C50-4447-9CA3-AB4CA6F6A353}" presName="tx1" presStyleLbl="revTx" presStyleIdx="0" presStyleCnt="3" custScaleY="93735"/>
       <dgm:spPr/>
+      <dgm:t>
+        <a:bodyPr/>
+        <a:lstStyle/>
+        <a:p>
+          <a:endParaRPr lang="zh-CN" altLang="en-US"/>
+        </a:p>
+      </dgm:t>
     </dgm:pt>
     <dgm:pt modelId="{7DF157A4-7458-4B2A-AD8C-7A21596AF8FE}" type="pres">
       <dgm:prSet presAssocID="{8415385F-4C50-4447-9CA3-AB4CA6F6A353}" presName="vert1" presStyleCnt="0"/>
@@ -2498,6 +2584,13 @@
     <dgm:pt modelId="{609E04FB-3A4B-4AC2-BFD1-271844259B3D}" type="pres">
       <dgm:prSet presAssocID="{945BD286-210A-41E0-B938-ACB30AEA698D}" presName="tx1" presStyleLbl="revTx" presStyleIdx="1" presStyleCnt="3"/>
       <dgm:spPr/>
+      <dgm:t>
+        <a:bodyPr/>
+        <a:lstStyle/>
+        <a:p>
+          <a:endParaRPr lang="zh-CN" altLang="en-US"/>
+        </a:p>
+      </dgm:t>
     </dgm:pt>
     <dgm:pt modelId="{963EEE8B-5EF3-44E8-B5AA-CF1CEE0AB87A}" type="pres">
       <dgm:prSet presAssocID="{945BD286-210A-41E0-B938-ACB30AEA698D}" presName="vert1" presStyleCnt="0"/>
@@ -2514,6 +2607,13 @@
     <dgm:pt modelId="{746267BE-B5BC-4366-804B-397E0E69C4EE}" type="pres">
       <dgm:prSet presAssocID="{3E7D623B-B6B2-4B8B-B301-4AD93CAD6599}" presName="tx1" presStyleLbl="revTx" presStyleIdx="2" presStyleCnt="3"/>
       <dgm:spPr/>
+      <dgm:t>
+        <a:bodyPr/>
+        <a:lstStyle/>
+        <a:p>
+          <a:endParaRPr lang="zh-CN" altLang="en-US"/>
+        </a:p>
+      </dgm:t>
     </dgm:pt>
     <dgm:pt modelId="{5100AB4F-F5C1-41F7-A951-EAEDA9FA89E3}" type="pres">
       <dgm:prSet presAssocID="{3E7D623B-B6B2-4B8B-B301-4AD93CAD6599}" presName="vert1" presStyleCnt="0"/>
@@ -2521,11 +2621,11 @@
     </dgm:pt>
   </dgm:ptLst>
   <dgm:cxnLst>
+    <dgm:cxn modelId="{2225B05B-9C8B-4EE8-A887-36D2B6525274}" srcId="{A92EB68C-F409-40C5-AAC8-F79C501EA969}" destId="{8415385F-4C50-4447-9CA3-AB4CA6F6A353}" srcOrd="0" destOrd="0" parTransId="{F4CE8B5F-7B59-4E84-8981-0F858CC6FE0F}" sibTransId="{ECA948E4-EEE1-4544-A088-81E1948CC005}"/>
     <dgm:cxn modelId="{603C6308-998E-4632-B4D5-B337E21B45A3}" srcId="{A92EB68C-F409-40C5-AAC8-F79C501EA969}" destId="{3E7D623B-B6B2-4B8B-B301-4AD93CAD6599}" srcOrd="2" destOrd="0" parTransId="{E3A57F47-AB4D-47AF-8640-C0F70FE9C057}" sibTransId="{6FE2BFDE-2AED-46C1-9CF9-678408784227}"/>
-    <dgm:cxn modelId="{901E201E-6B86-46FF-B75E-6B259D5BC0A3}" type="presOf" srcId="{8415385F-4C50-4447-9CA3-AB4CA6F6A353}" destId="{BE58B695-7CF6-4678-AF36-F571F9EA8D7C}" srcOrd="0" destOrd="0" presId="urn:microsoft.com/office/officeart/2008/layout/LinedList"/>
-    <dgm:cxn modelId="{2225B05B-9C8B-4EE8-A887-36D2B6525274}" srcId="{A92EB68C-F409-40C5-AAC8-F79C501EA969}" destId="{8415385F-4C50-4447-9CA3-AB4CA6F6A353}" srcOrd="0" destOrd="0" parTransId="{F4CE8B5F-7B59-4E84-8981-0F858CC6FE0F}" sibTransId="{ECA948E4-EEE1-4544-A088-81E1948CC005}"/>
     <dgm:cxn modelId="{8D820671-9F26-4E68-98EE-B46AFDE05520}" type="presOf" srcId="{A92EB68C-F409-40C5-AAC8-F79C501EA969}" destId="{68459F01-3BED-4E5F-9759-3052B9C6D5BF}" srcOrd="0" destOrd="0" presId="urn:microsoft.com/office/officeart/2008/layout/LinedList"/>
     <dgm:cxn modelId="{ECB35473-3020-4B1B-ABCB-557124611E26}" type="presOf" srcId="{3E7D623B-B6B2-4B8B-B301-4AD93CAD6599}" destId="{746267BE-B5BC-4366-804B-397E0E69C4EE}" srcOrd="0" destOrd="0" presId="urn:microsoft.com/office/officeart/2008/layout/LinedList"/>
+    <dgm:cxn modelId="{901E201E-6B86-46FF-B75E-6B259D5BC0A3}" type="presOf" srcId="{8415385F-4C50-4447-9CA3-AB4CA6F6A353}" destId="{BE58B695-7CF6-4678-AF36-F571F9EA8D7C}" srcOrd="0" destOrd="0" presId="urn:microsoft.com/office/officeart/2008/layout/LinedList"/>
     <dgm:cxn modelId="{344863AB-00BC-42A2-9B1E-AED574146F83}" type="presOf" srcId="{945BD286-210A-41E0-B938-ACB30AEA698D}" destId="{609E04FB-3A4B-4AC2-BFD1-271844259B3D}" srcOrd="0" destOrd="0" presId="urn:microsoft.com/office/officeart/2008/layout/LinedList"/>
     <dgm:cxn modelId="{38D5DFEC-E4C9-487E-B6D2-7916B3352CD4}" srcId="{A92EB68C-F409-40C5-AAC8-F79C501EA969}" destId="{945BD286-210A-41E0-B938-ACB30AEA698D}" srcOrd="1" destOrd="0" parTransId="{769A0D81-DBBD-444B-9814-13F093AAF1B2}" sibTransId="{5640C9F5-9F83-47AE-B448-EBCB56A59E25}"/>
     <dgm:cxn modelId="{C68E32BF-43F9-413B-A2BC-DA4374AF1B4C}" type="presParOf" srcId="{68459F01-3BED-4E5F-9759-3052B9C6D5BF}" destId="{06943FCA-F46C-4223-890A-D3877845AF57}" srcOrd="0" destOrd="0" presId="urn:microsoft.com/office/officeart/2008/layout/LinedList"/>
@@ -2660,7 +2760,7 @@
         </a:bodyPr>
         <a:lstStyle/>
         <a:p>
-          <a:pPr marL="0" lvl="0" indent="0" algn="l" defTabSz="1200150">
+          <a:pPr lvl="0" algn="l" defTabSz="1200150">
             <a:lnSpc>
               <a:spcPct val="90000"/>
             </a:lnSpc>
@@ -2670,7 +2770,6 @@
             <a:spcAft>
               <a:spcPct val="35000"/>
             </a:spcAft>
-            <a:buNone/>
           </a:pPr>
           <a:r>
             <a:rPr lang="en-US" sz="2700" kern="1200" dirty="0"/>
@@ -2792,7 +2891,7 @@
         </a:bodyPr>
         <a:lstStyle/>
         <a:p>
-          <a:pPr marL="0" lvl="0" indent="0" algn="l" defTabSz="1200150">
+          <a:pPr lvl="0" algn="l" defTabSz="1200150">
             <a:lnSpc>
               <a:spcPct val="90000"/>
             </a:lnSpc>
@@ -2802,7 +2901,6 @@
             <a:spcAft>
               <a:spcPct val="35000"/>
             </a:spcAft>
-            <a:buNone/>
           </a:pPr>
           <a:r>
             <a:rPr lang="en-US" sz="2700" kern="1200" dirty="0"/>
@@ -2929,7 +3027,7 @@
         </a:bodyPr>
         <a:lstStyle/>
         <a:p>
-          <a:pPr marL="0" lvl="0" indent="0" algn="l" defTabSz="1200150">
+          <a:pPr lvl="0" algn="l" defTabSz="1200150">
             <a:lnSpc>
               <a:spcPct val="90000"/>
             </a:lnSpc>
@@ -2939,7 +3037,6 @@
             <a:spcAft>
               <a:spcPct val="35000"/>
             </a:spcAft>
-            <a:buNone/>
           </a:pPr>
           <a:r>
             <a:rPr lang="en-US" sz="2700" kern="1200" dirty="0"/>
@@ -3066,7 +3163,7 @@
         </a:bodyPr>
         <a:lstStyle/>
         <a:p>
-          <a:pPr marL="0" lvl="0" indent="0" algn="l" defTabSz="1200150">
+          <a:pPr lvl="0" algn="l" defTabSz="1200150">
             <a:lnSpc>
               <a:spcPct val="90000"/>
             </a:lnSpc>
@@ -3076,7 +3173,6 @@
             <a:spcAft>
               <a:spcPct val="35000"/>
             </a:spcAft>
-            <a:buNone/>
           </a:pPr>
           <a:r>
             <a:rPr lang="en-US" sz="2700" kern="1200" dirty="0"/>
@@ -3203,7 +3299,7 @@
         </a:bodyPr>
         <a:lstStyle/>
         <a:p>
-          <a:pPr marL="0" lvl="0" indent="0" algn="l" defTabSz="1200150">
+          <a:pPr lvl="0" algn="l" defTabSz="1200150">
             <a:lnSpc>
               <a:spcPct val="90000"/>
             </a:lnSpc>
@@ -3213,7 +3309,6 @@
             <a:spcAft>
               <a:spcPct val="35000"/>
             </a:spcAft>
-            <a:buNone/>
           </a:pPr>
           <a:r>
             <a:rPr lang="en-US" sz="2700" kern="1200" dirty="0"/>
@@ -3340,7 +3435,7 @@
         </a:bodyPr>
         <a:lstStyle/>
         <a:p>
-          <a:pPr marL="0" lvl="0" indent="0" algn="l" defTabSz="1200150">
+          <a:pPr lvl="0" algn="l" defTabSz="1200150">
             <a:lnSpc>
               <a:spcPct val="90000"/>
             </a:lnSpc>
@@ -3350,7 +3445,6 @@
             <a:spcAft>
               <a:spcPct val="35000"/>
             </a:spcAft>
-            <a:buNone/>
           </a:pPr>
           <a:r>
             <a:rPr lang="en-US" sz="2700" kern="1200" dirty="0"/>
@@ -3477,7 +3571,7 @@
         </a:bodyPr>
         <a:lstStyle/>
         <a:p>
-          <a:pPr marL="0" lvl="0" indent="0" algn="l" defTabSz="1200150">
+          <a:pPr lvl="0" algn="l" defTabSz="1200150">
             <a:lnSpc>
               <a:spcPct val="90000"/>
             </a:lnSpc>
@@ -3487,7 +3581,6 @@
             <a:spcAft>
               <a:spcPct val="35000"/>
             </a:spcAft>
-            <a:buNone/>
           </a:pPr>
           <a:r>
             <a:rPr lang="en-US" sz="2700" kern="1200" dirty="0"/>
@@ -3614,7 +3707,7 @@
         </a:bodyPr>
         <a:lstStyle/>
         <a:p>
-          <a:pPr marL="0" lvl="0" indent="0" algn="l" defTabSz="1200150">
+          <a:pPr lvl="0" algn="l" defTabSz="1200150">
             <a:lnSpc>
               <a:spcPct val="90000"/>
             </a:lnSpc>
@@ -3624,7 +3717,6 @@
             <a:spcAft>
               <a:spcPct val="35000"/>
             </a:spcAft>
-            <a:buNone/>
           </a:pPr>
           <a:r>
             <a:rPr lang="en-US" sz="2700" kern="1200" dirty="0"/>
@@ -3751,7 +3843,7 @@
         </a:bodyPr>
         <a:lstStyle/>
         <a:p>
-          <a:pPr marL="0" lvl="0" indent="0" algn="l" defTabSz="1200150">
+          <a:pPr lvl="0" algn="l" defTabSz="1200150">
             <a:lnSpc>
               <a:spcPct val="90000"/>
             </a:lnSpc>
@@ -3761,7 +3853,6 @@
             <a:spcAft>
               <a:spcPct val="35000"/>
             </a:spcAft>
-            <a:buNone/>
           </a:pPr>
           <a:r>
             <a:rPr lang="en-US" sz="2700" kern="1200"/>
@@ -3900,7 +3991,7 @@
         </a:bodyPr>
         <a:lstStyle/>
         <a:p>
-          <a:pPr marL="0" lvl="0" indent="0" algn="l" defTabSz="1466850">
+          <a:pPr lvl="0" algn="l" defTabSz="1466850">
             <a:lnSpc>
               <a:spcPct val="90000"/>
             </a:lnSpc>
@@ -3910,7 +4001,6 @@
             <a:spcAft>
               <a:spcPct val="35000"/>
             </a:spcAft>
-            <a:buNone/>
           </a:pPr>
           <a:r>
             <a:rPr lang="en-US" sz="3300" kern="1200"/>
@@ -4037,7 +4127,7 @@
         </a:bodyPr>
         <a:lstStyle/>
         <a:p>
-          <a:pPr marL="0" lvl="0" indent="0" algn="l" defTabSz="1466850">
+          <a:pPr lvl="0" algn="l" defTabSz="1466850">
             <a:lnSpc>
               <a:spcPct val="90000"/>
             </a:lnSpc>
@@ -4047,7 +4137,6 @@
             <a:spcAft>
               <a:spcPct val="35000"/>
             </a:spcAft>
-            <a:buNone/>
           </a:pPr>
           <a:r>
             <a:rPr lang="en-US" sz="3300" kern="1200"/>
@@ -4165,7 +4254,7 @@
         </a:bodyPr>
         <a:lstStyle/>
         <a:p>
-          <a:pPr marL="0" lvl="0" indent="0" algn="l" defTabSz="1466850">
+          <a:pPr lvl="0" algn="l" defTabSz="1466850">
             <a:lnSpc>
               <a:spcPct val="90000"/>
             </a:lnSpc>
@@ -4175,7 +4264,6 @@
             <a:spcAft>
               <a:spcPct val="35000"/>
             </a:spcAft>
-            <a:buNone/>
           </a:pPr>
           <a:r>
             <a:rPr lang="en-US" sz="3300" kern="1200"/>
@@ -7279,7 +7367,7 @@
             <a:fld id="{BC02ACD8-9D28-445F-BAFE-92DA3311E912}" type="datetimeFigureOut">
               <a:rPr lang="zh-CN" altLang="en-US" smtClean="0"/>
               <a:pPr/>
-              <a:t>2017/10/20</a:t>
+              <a:t>2017/10/25</a:t>
             </a:fld>
             <a:endParaRPr lang="zh-CN" altLang="en-US"/>
           </a:p>
@@ -7786,9 +7874,18 @@
           <a:lstStyle/>
           <a:p>
             <a:r>
-              <a:rPr lang="zh-CN" altLang="en-US" dirty="0"/>
-              <a:t>内容简化</a:t>
-            </a:r>
+              <a:rPr lang="zh-CN" altLang="zh-CN" dirty="0">
+                <a:latin typeface="Arial Unicode MS" panose="020B0604020202020204" pitchFamily="34" charset="-122"/>
+              </a:rPr>
+              <a:t>OMT，OOSE和Booch</a:t>
+            </a:r>
+            <a:r>
+              <a:rPr lang="zh-CN" altLang="en-US" dirty="0">
+                <a:latin typeface="Arial Unicode MS" panose="020B0604020202020204" pitchFamily="34" charset="-122"/>
+              </a:rPr>
+              <a:t>要有介绍</a:t>
+            </a:r>
+            <a:endParaRPr lang="zh-CN" altLang="en-US" dirty="0"/>
           </a:p>
         </p:txBody>
       </p:sp>
@@ -7819,7 +7916,7 @@
     </p:spTree>
     <p:extLst>
       <p:ext uri="{BB962C8B-B14F-4D97-AF65-F5344CB8AC3E}">
-        <p14:creationId xmlns:p14="http://schemas.microsoft.com/office/powerpoint/2010/main" val="3133964934"/>
+        <p14:creationId xmlns:p14="http://schemas.microsoft.com/office/powerpoint/2010/main" val="2591247295"/>
       </p:ext>
     </p:extLst>
   </p:cSld>
@@ -7870,12 +7967,13 @@
         </p:nvSpPr>
         <p:spPr/>
         <p:txBody>
-          <a:bodyPr>
-            <a:normAutofit/>
-          </a:bodyPr>
+          <a:bodyPr/>
           <a:lstStyle/>
           <a:p>
-            <a:endParaRPr lang="zh-CN" altLang="en-US" dirty="0"/>
+            <a:r>
+              <a:rPr lang="zh-CN" altLang="en-US" dirty="0"/>
+              <a:t>内容简化</a:t>
+            </a:r>
           </a:p>
         </p:txBody>
       </p:sp>
@@ -7897,7 +7995,94 @@
             <a:fld id="{C4695241-9A56-403A-B917-C50E8DA6F1E5}" type="slidenum">
               <a:rPr lang="zh-CN" altLang="en-US" smtClean="0"/>
               <a:pPr/>
-              <a:t>9</a:t>
+              <a:t>6</a:t>
+            </a:fld>
+            <a:endParaRPr lang="zh-CN" altLang="en-US"/>
+          </a:p>
+        </p:txBody>
+      </p:sp>
+    </p:spTree>
+    <p:extLst>
+      <p:ext uri="{BB962C8B-B14F-4D97-AF65-F5344CB8AC3E}">
+        <p14:creationId xmlns:p14="http://schemas.microsoft.com/office/powerpoint/2010/main" val="3133964934"/>
+      </p:ext>
+    </p:extLst>
+  </p:cSld>
+  <p:clrMapOvr>
+    <a:masterClrMapping/>
+  </p:clrMapOvr>
+</p:notes>
+</file>
+
+<file path=ppt/notesSlides/notesSlide5.xml><?xml version="1.0" encoding="utf-8"?>
+<p:notes xmlns:a="http://schemas.openxmlformats.org/drawingml/2006/main" xmlns:r="http://schemas.openxmlformats.org/officeDocument/2006/relationships" xmlns:p="http://schemas.openxmlformats.org/presentationml/2006/main">
+  <p:cSld>
+    <p:spTree>
+      <p:nvGrpSpPr>
+        <p:cNvPr id="1" name=""/>
+        <p:cNvGrpSpPr/>
+        <p:nvPr/>
+      </p:nvGrpSpPr>
+      <p:grpSpPr>
+        <a:xfrm>
+          <a:off x="0" y="0"/>
+          <a:ext cx="0" cy="0"/>
+          <a:chOff x="0" y="0"/>
+          <a:chExt cx="0" cy="0"/>
+        </a:xfrm>
+      </p:grpSpPr>
+      <p:sp>
+        <p:nvSpPr>
+          <p:cNvPr id="2" name="幻灯片图像占位符 1"/>
+          <p:cNvSpPr>
+            <a:spLocks noGrp="1" noRot="1" noChangeAspect="1"/>
+          </p:cNvSpPr>
+          <p:nvPr>
+            <p:ph type="sldImg"/>
+          </p:nvPr>
+        </p:nvSpPr>
+        <p:spPr/>
+      </p:sp>
+      <p:sp>
+        <p:nvSpPr>
+          <p:cNvPr id="3" name="备注占位符 2"/>
+          <p:cNvSpPr>
+            <a:spLocks noGrp="1"/>
+          </p:cNvSpPr>
+          <p:nvPr>
+            <p:ph type="body" idx="1"/>
+          </p:nvPr>
+        </p:nvSpPr>
+        <p:spPr/>
+        <p:txBody>
+          <a:bodyPr>
+            <a:normAutofit/>
+          </a:bodyPr>
+          <a:lstStyle/>
+          <a:p>
+            <a:endParaRPr lang="zh-CN" altLang="en-US" dirty="0"/>
+          </a:p>
+        </p:txBody>
+      </p:sp>
+      <p:sp>
+        <p:nvSpPr>
+          <p:cNvPr id="4" name="灯片编号占位符 3"/>
+          <p:cNvSpPr>
+            <a:spLocks noGrp="1"/>
+          </p:cNvSpPr>
+          <p:nvPr>
+            <p:ph type="sldNum" sz="quarter" idx="10"/>
+          </p:nvPr>
+        </p:nvSpPr>
+        <p:spPr/>
+        <p:txBody>
+          <a:bodyPr/>
+          <a:lstStyle/>
+          <a:p>
+            <a:fld id="{C4695241-9A56-403A-B917-C50E8DA6F1E5}" type="slidenum">
+              <a:rPr lang="zh-CN" altLang="en-US" smtClean="0"/>
+              <a:pPr/>
+              <a:t>10</a:t>
             </a:fld>
             <a:endParaRPr lang="zh-CN" altLang="en-US"/>
           </a:p>
@@ -8006,7 +8191,7 @@
           <a:effectLst/>
           <a:extLst>
             <a:ext uri="{91240B29-F687-4f45-9708-019B960494DF}">
-              <a14:hiddenLine xmlns:a14="http://schemas.microsoft.com/office/drawing/2010/main" xmlns="" w="9525">
+              <a14:hiddenLine xmlns="" xmlns:a14="http://schemas.microsoft.com/office/drawing/2010/main" w="9525">
                 <a:solidFill>
                   <a:srgbClr val="000000"/>
                 </a:solidFill>
@@ -8199,7 +8384,7 @@
             <a:fld id="{08B9EBBA-996F-894A-B54A-D6246ED52CEA}" type="datetimeFigureOut">
               <a:rPr lang="en-US" dirty="0"/>
               <a:pPr/>
-              <a:t>10/20/2017</a:t>
+              <a:t>10/25/2017</a:t>
             </a:fld>
             <a:endParaRPr lang="en-US" dirty="0"/>
           </a:p>
@@ -8514,7 +8699,7 @@
             <a:fld id="{18C79C5D-2A6F-F04D-97DA-BEF2467B64E4}" type="datetimeFigureOut">
               <a:rPr lang="en-US" dirty="0"/>
               <a:pPr/>
-              <a:t>10/20/2017</a:t>
+              <a:t>10/25/2017</a:t>
             </a:fld>
             <a:endParaRPr lang="en-US" dirty="0"/>
           </a:p>
@@ -8999,7 +9184,7 @@
             <a:fld id="{8DFA1846-DA80-1C48-A609-854EA85C59AD}" type="datetimeFigureOut">
               <a:rPr lang="en-US" dirty="0"/>
               <a:pPr/>
-              <a:t>10/20/2017</a:t>
+              <a:t>10/25/2017</a:t>
             </a:fld>
             <a:endParaRPr lang="en-US" dirty="0"/>
           </a:p>
@@ -9365,7 +9550,7 @@
             <a:fld id="{FBF54567-0DE4-3F47-BF90-CB84690072F9}" type="datetimeFigureOut">
               <a:rPr lang="en-US" dirty="0"/>
               <a:pPr/>
-              <a:t>10/20/2017</a:t>
+              <a:t>10/25/2017</a:t>
             </a:fld>
             <a:endParaRPr lang="en-US" dirty="0"/>
           </a:p>
@@ -9516,7 +9701,7 @@
           <a:ln/>
           <a:extLst>
             <a:ext uri="{91240B29-F687-4f45-9708-019B960494DF}">
-              <a14:hiddenLine xmlns:a14="http://schemas.microsoft.com/office/drawing/2010/main" xmlns="" w="9525">
+              <a14:hiddenLine xmlns="" xmlns:a14="http://schemas.microsoft.com/office/drawing/2010/main" w="9525">
                 <a:solidFill>
                   <a:srgbClr val="000000"/>
                 </a:solidFill>
@@ -9635,7 +9820,7 @@
             <a:fld id="{C6C52C72-DE31-F449-A4ED-4C594FD91407}" type="datetimeFigureOut">
               <a:rPr lang="en-US" dirty="0"/>
               <a:pPr/>
-              <a:t>10/20/2017</a:t>
+              <a:t>10/25/2017</a:t>
             </a:fld>
             <a:endParaRPr lang="en-US" dirty="0"/>
           </a:p>
@@ -9788,7 +9973,7 @@
           <a:ln/>
           <a:extLst>
             <a:ext uri="{91240B29-F687-4f45-9708-019B960494DF}">
-              <a14:hiddenLine xmlns:a14="http://schemas.microsoft.com/office/drawing/2010/main" xmlns="" w="9525">
+              <a14:hiddenLine xmlns="" xmlns:a14="http://schemas.microsoft.com/office/drawing/2010/main" w="9525">
                 <a:solidFill>
                   <a:srgbClr val="000000"/>
                 </a:solidFill>
@@ -9917,7 +10102,7 @@
             <a:fld id="{ED62726E-379B-B349-9EED-81ED093FA806}" type="datetimeFigureOut">
               <a:rPr lang="en-US" dirty="0"/>
               <a:pPr/>
-              <a:t>10/20/2017</a:t>
+              <a:t>10/25/2017</a:t>
             </a:fld>
             <a:endParaRPr lang="en-US" dirty="0"/>
           </a:p>
@@ -10068,7 +10253,7 @@
           <a:ln/>
           <a:extLst>
             <a:ext uri="{91240B29-F687-4f45-9708-019B960494DF}">
-              <a14:hiddenLine xmlns:a14="http://schemas.microsoft.com/office/drawing/2010/main" xmlns="" w="9525">
+              <a14:hiddenLine xmlns="" xmlns:a14="http://schemas.microsoft.com/office/drawing/2010/main" w="9525">
                 <a:solidFill>
                   <a:srgbClr val="000000"/>
                 </a:solidFill>
@@ -10197,7 +10382,7 @@
             <a:fld id="{9B3A1323-8D79-1946-B0D7-40001CF92E9D}" type="datetimeFigureOut">
               <a:rPr lang="en-US" dirty="0"/>
               <a:pPr/>
-              <a:t>10/20/2017</a:t>
+              <a:t>10/25/2017</a:t>
             </a:fld>
             <a:endParaRPr lang="en-US" dirty="0"/>
           </a:p>
@@ -10537,7 +10722,7 @@
             <a:fld id="{8DFA1846-DA80-1C48-A609-854EA85C59AD}" type="datetimeFigureOut">
               <a:rPr lang="en-US" dirty="0"/>
               <a:pPr/>
-              <a:t>10/20/2017</a:t>
+              <a:t>10/25/2017</a:t>
             </a:fld>
             <a:endParaRPr lang="en-US" dirty="0"/>
           </a:p>
@@ -10688,7 +10873,7 @@
           <a:ln/>
           <a:extLst>
             <a:ext uri="{91240B29-F687-4f45-9708-019B960494DF}">
-              <a14:hiddenLine xmlns:a14="http://schemas.microsoft.com/office/drawing/2010/main" xmlns="" w="9525">
+              <a14:hiddenLine xmlns="" xmlns:a14="http://schemas.microsoft.com/office/drawing/2010/main" w="9525">
                 <a:solidFill>
                   <a:srgbClr val="000000"/>
                 </a:solidFill>
@@ -10873,7 +11058,7 @@
             <a:fld id="{57302355-E14B-8545-A8F8-0FE83CC9D524}" type="datetimeFigureOut">
               <a:rPr lang="en-US" dirty="0"/>
               <a:pPr/>
-              <a:t>10/20/2017</a:t>
+              <a:t>10/25/2017</a:t>
             </a:fld>
             <a:endParaRPr lang="en-US" dirty="0"/>
           </a:p>
@@ -11024,7 +11209,7 @@
           <a:ln/>
           <a:extLst>
             <a:ext uri="{91240B29-F687-4f45-9708-019B960494DF}">
-              <a14:hiddenLine xmlns:a14="http://schemas.microsoft.com/office/drawing/2010/main" xmlns="" w="9525">
+              <a14:hiddenLine xmlns="" xmlns:a14="http://schemas.microsoft.com/office/drawing/2010/main" w="9525">
                 <a:solidFill>
                   <a:srgbClr val="000000"/>
                 </a:solidFill>
@@ -11347,7 +11532,7 @@
             <a:fld id="{02640F58-564D-2B4F-AE67-E407BA4FCF45}" type="datetimeFigureOut">
               <a:rPr lang="en-US" dirty="0"/>
               <a:pPr/>
-              <a:t>10/20/2017</a:t>
+              <a:t>10/25/2017</a:t>
             </a:fld>
             <a:endParaRPr lang="en-US" dirty="0"/>
           </a:p>
@@ -11498,7 +11683,7 @@
           <a:ln/>
           <a:extLst>
             <a:ext uri="{91240B29-F687-4f45-9708-019B960494DF}">
-              <a14:hiddenLine xmlns:a14="http://schemas.microsoft.com/office/drawing/2010/main" xmlns="" w="9525">
+              <a14:hiddenLine xmlns="" xmlns:a14="http://schemas.microsoft.com/office/drawing/2010/main" w="9525">
                 <a:solidFill>
                   <a:srgbClr val="000000"/>
                 </a:solidFill>
@@ -11565,7 +11750,7 @@
             <a:fld id="{F13A34C8-038E-2045-AF43-DF7DBB8E0E9E}" type="datetimeFigureOut">
               <a:rPr lang="en-US" dirty="0"/>
               <a:pPr/>
-              <a:t>10/20/2017</a:t>
+              <a:t>10/25/2017</a:t>
             </a:fld>
             <a:endParaRPr lang="en-US" dirty="0"/>
           </a:p>
@@ -11657,7 +11842,7 @@
             <a:fld id="{8818C68F-D26B-8F47-958C-23B49CF8A634}" type="datetimeFigureOut">
               <a:rPr lang="en-US" dirty="0"/>
               <a:pPr/>
-              <a:t>10/20/2017</a:t>
+              <a:t>10/25/2017</a:t>
             </a:fld>
             <a:endParaRPr lang="en-US" dirty="0"/>
           </a:p>
@@ -11921,7 +12106,7 @@
           <a:ln/>
           <a:extLst>
             <a:ext uri="{91240B29-F687-4f45-9708-019B960494DF}">
-              <a14:hiddenLine xmlns:a14="http://schemas.microsoft.com/office/drawing/2010/main" xmlns="" w="9525">
+              <a14:hiddenLine xmlns="" xmlns:a14="http://schemas.microsoft.com/office/drawing/2010/main" w="9525">
                 <a:solidFill>
                   <a:srgbClr val="000000"/>
                 </a:solidFill>
@@ -12121,7 +12306,7 @@
             <a:fld id="{D0DF5E60-9974-AC48-9591-99C2BB44B7CF}" type="datetimeFigureOut">
               <a:rPr lang="en-US" dirty="0"/>
               <a:pPr/>
-              <a:t>10/20/2017</a:t>
+              <a:t>10/25/2017</a:t>
             </a:fld>
             <a:endParaRPr lang="en-US" dirty="0"/>
           </a:p>
@@ -12431,7 +12616,7 @@
             <a:fld id="{18C79C5D-2A6F-F04D-97DA-BEF2467B64E4}" type="datetimeFigureOut">
               <a:rPr lang="en-US" dirty="0"/>
               <a:pPr/>
-              <a:t>10/20/2017</a:t>
+              <a:t>10/25/2017</a:t>
             </a:fld>
             <a:endParaRPr lang="en-US" dirty="0"/>
           </a:p>
@@ -12698,7 +12883,7 @@
             <a:fld id="{09B482E8-6E0E-1B4F-B1FD-C69DB9E858D9}" type="datetimeFigureOut">
               <a:rPr lang="en-US" dirty="0"/>
               <a:pPr/>
-              <a:t>10/20/2017</a:t>
+              <a:t>10/25/2017</a:t>
             </a:fld>
             <a:endParaRPr lang="en-US" dirty="0"/>
           </a:p>
@@ -13395,6 +13580,1164 @@
           <p:cNvPr id="2" name="标题 1">
             <a:extLst>
               <a:ext uri="{FF2B5EF4-FFF2-40B4-BE49-F238E27FC236}">
+                <a16:creationId xmlns:a16="http://schemas.microsoft.com/office/drawing/2014/main" id="{517EC9A4-0166-49F8-91E4-2DC45DDAA464}"/>
+              </a:ext>
+            </a:extLst>
+          </p:cNvPr>
+          <p:cNvSpPr>
+            <a:spLocks noGrp="1"/>
+          </p:cNvSpPr>
+          <p:nvPr>
+            <p:ph type="title"/>
+          </p:nvPr>
+        </p:nvSpPr>
+        <p:spPr/>
+        <p:txBody>
+          <a:bodyPr/>
+          <a:lstStyle/>
+          <a:p>
+            <a:pPr algn="ctr"/>
+            <a:r>
+              <a:rPr lang="en-US" altLang="zh-CN" sz="6000" dirty="0"/>
+              <a:t>UML</a:t>
+            </a:r>
+            <a:r>
+              <a:rPr lang="zh-CN" altLang="en-US" sz="6000" dirty="0"/>
+              <a:t>的关系</a:t>
+            </a:r>
+          </a:p>
+        </p:txBody>
+      </p:sp>
+      <p:sp>
+        <p:nvSpPr>
+          <p:cNvPr id="8" name="矩形 7">
+            <a:extLst>
+              <a:ext uri="{FF2B5EF4-FFF2-40B4-BE49-F238E27FC236}">
+                <a16:creationId xmlns:a16="http://schemas.microsoft.com/office/drawing/2014/main" id="{C8569A67-5C39-44DB-A938-392E732A0BF4}"/>
+              </a:ext>
+            </a:extLst>
+          </p:cNvPr>
+          <p:cNvSpPr/>
+          <p:nvPr/>
+        </p:nvSpPr>
+        <p:spPr>
+          <a:xfrm>
+            <a:off x="6187414" y="2330340"/>
+            <a:ext cx="4828929" cy="1904302"/>
+          </a:xfrm>
+          <a:prstGeom prst="rect">
+            <a:avLst/>
+          </a:prstGeom>
+          <a:noFill/>
+          <a:ln w="9525" cap="flat" cmpd="sng" algn="ctr">
+            <a:solidFill>
+              <a:schemeClr val="tx1"/>
+            </a:solidFill>
+            <a:prstDash val="sysDash"/>
+            <a:round/>
+            <a:headEnd type="none" w="med" len="med"/>
+            <a:tailEnd type="none" w="med" len="med"/>
+          </a:ln>
+        </p:spPr>
+        <p:style>
+          <a:lnRef idx="0">
+            <a:scrgbClr r="0" g="0" b="0"/>
+          </a:lnRef>
+          <a:fillRef idx="0">
+            <a:scrgbClr r="0" g="0" b="0"/>
+          </a:fillRef>
+          <a:effectRef idx="0">
+            <a:scrgbClr r="0" g="0" b="0"/>
+          </a:effectRef>
+          <a:fontRef idx="minor">
+            <a:schemeClr val="dk1"/>
+          </a:fontRef>
+        </p:style>
+        <p:txBody>
+          <a:bodyPr rtlCol="0" anchor="ctr"/>
+          <a:lstStyle/>
+          <a:p>
+            <a:pPr algn="ctr"/>
+            <a:endParaRPr lang="zh-CN" altLang="en-US" dirty="0"/>
+          </a:p>
+        </p:txBody>
+      </p:sp>
+      <p:sp>
+        <p:nvSpPr>
+          <p:cNvPr id="9" name="矩形 8">
+            <a:extLst>
+              <a:ext uri="{FF2B5EF4-FFF2-40B4-BE49-F238E27FC236}">
+                <a16:creationId xmlns:a16="http://schemas.microsoft.com/office/drawing/2014/main" id="{01739E7F-8D37-46F3-A0AB-2013E8564C52}"/>
+              </a:ext>
+            </a:extLst>
+          </p:cNvPr>
+          <p:cNvSpPr/>
+          <p:nvPr/>
+        </p:nvSpPr>
+        <p:spPr>
+          <a:xfrm>
+            <a:off x="6187414" y="4526314"/>
+            <a:ext cx="4850699" cy="1904302"/>
+          </a:xfrm>
+          <a:prstGeom prst="rect">
+            <a:avLst/>
+          </a:prstGeom>
+          <a:noFill/>
+          <a:ln w="9525" cap="flat" cmpd="sng" algn="ctr">
+            <a:solidFill>
+              <a:schemeClr val="tx1"/>
+            </a:solidFill>
+            <a:prstDash val="sysDash"/>
+            <a:round/>
+            <a:headEnd type="none" w="med" len="med"/>
+            <a:tailEnd type="none" w="med" len="med"/>
+          </a:ln>
+        </p:spPr>
+        <p:style>
+          <a:lnRef idx="0">
+            <a:scrgbClr r="0" g="0" b="0"/>
+          </a:lnRef>
+          <a:fillRef idx="0">
+            <a:scrgbClr r="0" g="0" b="0"/>
+          </a:fillRef>
+          <a:effectRef idx="0">
+            <a:scrgbClr r="0" g="0" b="0"/>
+          </a:effectRef>
+          <a:fontRef idx="minor">
+            <a:schemeClr val="dk1"/>
+          </a:fontRef>
+        </p:style>
+        <p:txBody>
+          <a:bodyPr rtlCol="0" anchor="ctr"/>
+          <a:lstStyle/>
+          <a:p>
+            <a:pPr algn="ctr"/>
+            <a:endParaRPr lang="zh-CN" altLang="en-US" dirty="0"/>
+          </a:p>
+        </p:txBody>
+      </p:sp>
+      <p:sp>
+        <p:nvSpPr>
+          <p:cNvPr id="26" name="文本框 25">
+            <a:extLst>
+              <a:ext uri="{FF2B5EF4-FFF2-40B4-BE49-F238E27FC236}">
+                <a16:creationId xmlns:a16="http://schemas.microsoft.com/office/drawing/2014/main" id="{98740C3D-1798-47B2-8196-0DF8066D4EDE}"/>
+              </a:ext>
+            </a:extLst>
+          </p:cNvPr>
+          <p:cNvSpPr txBox="1"/>
+          <p:nvPr/>
+        </p:nvSpPr>
+        <p:spPr>
+          <a:xfrm>
+            <a:off x="701143" y="4845049"/>
+            <a:ext cx="4611086" cy="1200329"/>
+          </a:xfrm>
+          <a:prstGeom prst="rect">
+            <a:avLst/>
+          </a:prstGeom>
+          <a:noFill/>
+        </p:spPr>
+        <p:txBody>
+          <a:bodyPr wrap="square" rtlCol="0">
+            <a:spAutoFit/>
+          </a:bodyPr>
+          <a:lstStyle/>
+          <a:p>
+            <a:pPr marL="285750" indent="-285750" algn="ctr">
+              <a:buFont typeface="Wingdings" panose="05000000000000000000" pitchFamily="2" charset="2"/>
+              <a:buChar char="l"/>
+            </a:pPr>
+            <a:r>
+              <a:rPr lang="zh-CN" altLang="en-US" dirty="0"/>
+              <a:t>泛化</a:t>
+            </a:r>
+            <a:endParaRPr lang="en-US" altLang="zh-CN" dirty="0"/>
+          </a:p>
+          <a:p>
+            <a:pPr marL="285750" indent="-285750">
+              <a:buFont typeface="Wingdings" panose="05000000000000000000" pitchFamily="2" charset="2"/>
+              <a:buChar char="l"/>
+            </a:pPr>
+            <a:endParaRPr lang="en-US" altLang="zh-CN" dirty="0"/>
+          </a:p>
+          <a:p>
+            <a:endParaRPr lang="en-US" altLang="zh-CN" dirty="0"/>
+          </a:p>
+          <a:p>
+            <a:r>
+              <a:rPr lang="zh-CN" altLang="en-US" dirty="0"/>
+              <a:t>子类                                                   父类                                     </a:t>
+            </a:r>
+          </a:p>
+        </p:txBody>
+      </p:sp>
+      <p:sp>
+        <p:nvSpPr>
+          <p:cNvPr id="33" name="矩形 32">
+            <a:extLst>
+              <a:ext uri="{FF2B5EF4-FFF2-40B4-BE49-F238E27FC236}">
+                <a16:creationId xmlns:a16="http://schemas.microsoft.com/office/drawing/2014/main" id="{D006F9C7-AE01-4281-9A20-1FD69B3BA225}"/>
+              </a:ext>
+            </a:extLst>
+          </p:cNvPr>
+          <p:cNvSpPr/>
+          <p:nvPr/>
+        </p:nvSpPr>
+        <p:spPr>
+          <a:xfrm>
+            <a:off x="809999" y="4538444"/>
+            <a:ext cx="4545771" cy="1904302"/>
+          </a:xfrm>
+          <a:prstGeom prst="rect">
+            <a:avLst/>
+          </a:prstGeom>
+          <a:noFill/>
+          <a:ln w="9525" cap="flat" cmpd="sng" algn="ctr">
+            <a:solidFill>
+              <a:schemeClr val="tx1"/>
+            </a:solidFill>
+            <a:prstDash val="sysDash"/>
+            <a:round/>
+            <a:headEnd type="none" w="med" len="med"/>
+            <a:tailEnd type="none" w="med" len="med"/>
+          </a:ln>
+        </p:spPr>
+        <p:style>
+          <a:lnRef idx="0">
+            <a:scrgbClr r="0" g="0" b="0"/>
+          </a:lnRef>
+          <a:fillRef idx="0">
+            <a:scrgbClr r="0" g="0" b="0"/>
+          </a:fillRef>
+          <a:effectRef idx="0">
+            <a:scrgbClr r="0" g="0" b="0"/>
+          </a:effectRef>
+          <a:fontRef idx="minor">
+            <a:schemeClr val="dk1"/>
+          </a:fontRef>
+        </p:style>
+        <p:txBody>
+          <a:bodyPr rtlCol="0" anchor="ctr"/>
+          <a:lstStyle/>
+          <a:p>
+            <a:pPr algn="ctr"/>
+            <a:endParaRPr lang="zh-CN" altLang="en-US" dirty="0"/>
+          </a:p>
+        </p:txBody>
+      </p:sp>
+      <p:sp>
+        <p:nvSpPr>
+          <p:cNvPr id="34" name="矩形 33">
+            <a:extLst>
+              <a:ext uri="{FF2B5EF4-FFF2-40B4-BE49-F238E27FC236}">
+                <a16:creationId xmlns:a16="http://schemas.microsoft.com/office/drawing/2014/main" id="{CDDA93DE-A456-4076-87B5-8B79B5AB610B}"/>
+              </a:ext>
+            </a:extLst>
+          </p:cNvPr>
+          <p:cNvSpPr/>
+          <p:nvPr/>
+        </p:nvSpPr>
+        <p:spPr>
+          <a:xfrm>
+            <a:off x="810000" y="2356262"/>
+            <a:ext cx="4524000" cy="1878380"/>
+          </a:xfrm>
+          <a:prstGeom prst="rect">
+            <a:avLst/>
+          </a:prstGeom>
+          <a:noFill/>
+          <a:ln w="9525" cap="flat" cmpd="sng" algn="ctr">
+            <a:solidFill>
+              <a:schemeClr val="tx1"/>
+            </a:solidFill>
+            <a:prstDash val="sysDash"/>
+            <a:round/>
+            <a:headEnd type="none" w="med" len="med"/>
+            <a:tailEnd type="none" w="med" len="med"/>
+          </a:ln>
+        </p:spPr>
+        <p:style>
+          <a:lnRef idx="0">
+            <a:scrgbClr r="0" g="0" b="0"/>
+          </a:lnRef>
+          <a:fillRef idx="0">
+            <a:scrgbClr r="0" g="0" b="0"/>
+          </a:fillRef>
+          <a:effectRef idx="0">
+            <a:scrgbClr r="0" g="0" b="0"/>
+          </a:effectRef>
+          <a:fontRef idx="minor">
+            <a:schemeClr val="dk1"/>
+          </a:fontRef>
+        </p:style>
+        <p:txBody>
+          <a:bodyPr rtlCol="0" anchor="ctr"/>
+          <a:lstStyle/>
+          <a:p>
+            <a:pPr algn="ctr"/>
+            <a:endParaRPr lang="zh-CN" altLang="en-US" dirty="0"/>
+          </a:p>
+        </p:txBody>
+      </p:sp>
+      <p:sp>
+        <p:nvSpPr>
+          <p:cNvPr id="35" name="文本框 34">
+            <a:extLst>
+              <a:ext uri="{FF2B5EF4-FFF2-40B4-BE49-F238E27FC236}">
+                <a16:creationId xmlns:a16="http://schemas.microsoft.com/office/drawing/2014/main" id="{29ACA48C-64BC-4D5F-BBA7-FE293E7CCB2B}"/>
+              </a:ext>
+            </a:extLst>
+          </p:cNvPr>
+          <p:cNvSpPr txBox="1"/>
+          <p:nvPr/>
+        </p:nvSpPr>
+        <p:spPr>
+          <a:xfrm>
+            <a:off x="810000" y="2682326"/>
+            <a:ext cx="4564433" cy="1200329"/>
+          </a:xfrm>
+          <a:prstGeom prst="rect">
+            <a:avLst/>
+          </a:prstGeom>
+          <a:noFill/>
+        </p:spPr>
+        <p:txBody>
+          <a:bodyPr wrap="square" rtlCol="0">
+            <a:spAutoFit/>
+          </a:bodyPr>
+          <a:lstStyle/>
+          <a:p>
+            <a:pPr marL="285750" indent="-285750" algn="ctr">
+              <a:buFont typeface="Wingdings" panose="05000000000000000000" pitchFamily="2" charset="2"/>
+              <a:buChar char="l"/>
+            </a:pPr>
+            <a:r>
+              <a:rPr lang="zh-CN" altLang="en-US" dirty="0"/>
+              <a:t>依赖</a:t>
+            </a:r>
+            <a:endParaRPr lang="en-US" altLang="zh-CN" dirty="0"/>
+          </a:p>
+          <a:p>
+            <a:pPr marL="285750" indent="-285750" algn="ctr">
+              <a:buFont typeface="Wingdings" panose="05000000000000000000" pitchFamily="2" charset="2"/>
+              <a:buChar char="l"/>
+            </a:pPr>
+            <a:endParaRPr lang="en-US" altLang="zh-CN" dirty="0"/>
+          </a:p>
+          <a:p>
+            <a:pPr marL="285750" indent="-285750">
+              <a:buFont typeface="Wingdings" panose="05000000000000000000" pitchFamily="2" charset="2"/>
+              <a:buChar char="Ø"/>
+            </a:pPr>
+            <a:endParaRPr lang="en-US" altLang="zh-CN" dirty="0"/>
+          </a:p>
+          <a:p>
+            <a:r>
+              <a:rPr lang="zh-CN" altLang="en-US" dirty="0"/>
+              <a:t>独立元素  </a:t>
+            </a:r>
+            <a:r>
+              <a:rPr lang="zh-CN" altLang="en-US" dirty="0">
+                <a:solidFill>
+                  <a:schemeClr val="accent2">
+                    <a:lumMod val="75000"/>
+                  </a:schemeClr>
+                </a:solidFill>
+              </a:rPr>
+              <a:t>                                   </a:t>
+            </a:r>
+            <a:r>
+              <a:rPr lang="zh-CN" altLang="en-US" dirty="0"/>
+              <a:t>依赖元素        </a:t>
+            </a:r>
+          </a:p>
+        </p:txBody>
+      </p:sp>
+      <p:sp>
+        <p:nvSpPr>
+          <p:cNvPr id="36" name="文本框 35">
+            <a:extLst>
+              <a:ext uri="{FF2B5EF4-FFF2-40B4-BE49-F238E27FC236}">
+                <a16:creationId xmlns:a16="http://schemas.microsoft.com/office/drawing/2014/main" id="{985E6DBE-2AA1-4337-BB25-D4C8F22A18F3}"/>
+              </a:ext>
+            </a:extLst>
+          </p:cNvPr>
+          <p:cNvSpPr txBox="1"/>
+          <p:nvPr/>
+        </p:nvSpPr>
+        <p:spPr>
+          <a:xfrm>
+            <a:off x="7448512" y="2407485"/>
+            <a:ext cx="2855087" cy="1754326"/>
+          </a:xfrm>
+          <a:prstGeom prst="rect">
+            <a:avLst/>
+          </a:prstGeom>
+          <a:noFill/>
+        </p:spPr>
+        <p:txBody>
+          <a:bodyPr wrap="square" rtlCol="0">
+            <a:spAutoFit/>
+          </a:bodyPr>
+          <a:lstStyle/>
+          <a:p>
+            <a:pPr marL="285750" indent="-285750" algn="ctr">
+              <a:buFont typeface="Wingdings" panose="05000000000000000000" pitchFamily="2" charset="2"/>
+              <a:buChar char="l"/>
+            </a:pPr>
+            <a:r>
+              <a:rPr lang="zh-CN" altLang="en-US" dirty="0"/>
+              <a:t>关联</a:t>
+            </a:r>
+            <a:endParaRPr lang="en-US" altLang="zh-CN" dirty="0"/>
+          </a:p>
+          <a:p>
+            <a:pPr marL="285750" indent="-285750">
+              <a:buFont typeface="Wingdings" panose="05000000000000000000" pitchFamily="2" charset="2"/>
+              <a:buChar char="l"/>
+            </a:pPr>
+            <a:endParaRPr lang="en-US" altLang="zh-CN" dirty="0"/>
+          </a:p>
+          <a:p>
+            <a:r>
+              <a:rPr lang="en-US" altLang="zh-CN" dirty="0"/>
+              <a:t>0..1   </a:t>
+            </a:r>
+          </a:p>
+          <a:p>
+            <a:r>
+              <a:rPr lang="en-US" altLang="zh-CN" dirty="0"/>
+              <a:t>                            .</a:t>
+            </a:r>
+          </a:p>
+          <a:p>
+            <a:endParaRPr lang="en-US" altLang="zh-CN" dirty="0"/>
+          </a:p>
+          <a:p>
+            <a:r>
+              <a:rPr lang="zh-CN" altLang="en-US" dirty="0"/>
+              <a:t>读者                     管理员</a:t>
+            </a:r>
+            <a:endParaRPr lang="en-US" altLang="zh-CN" dirty="0"/>
+          </a:p>
+        </p:txBody>
+      </p:sp>
+      <p:sp>
+        <p:nvSpPr>
+          <p:cNvPr id="37" name="文本框 36">
+            <a:extLst>
+              <a:ext uri="{FF2B5EF4-FFF2-40B4-BE49-F238E27FC236}">
+                <a16:creationId xmlns:a16="http://schemas.microsoft.com/office/drawing/2014/main" id="{46232BBC-F007-45B9-A6FB-D82E254AE3EE}"/>
+              </a:ext>
+            </a:extLst>
+          </p:cNvPr>
+          <p:cNvSpPr txBox="1"/>
+          <p:nvPr/>
+        </p:nvSpPr>
+        <p:spPr>
+          <a:xfrm>
+            <a:off x="6171086" y="4784591"/>
+            <a:ext cx="5220815" cy="1477328"/>
+          </a:xfrm>
+          <a:prstGeom prst="rect">
+            <a:avLst/>
+          </a:prstGeom>
+          <a:noFill/>
+        </p:spPr>
+        <p:txBody>
+          <a:bodyPr wrap="square" rtlCol="0">
+            <a:spAutoFit/>
+          </a:bodyPr>
+          <a:lstStyle/>
+          <a:p>
+            <a:pPr marL="285750" indent="-285750" algn="ctr">
+              <a:buFont typeface="Wingdings" panose="05000000000000000000" pitchFamily="2" charset="2"/>
+              <a:buChar char="l"/>
+            </a:pPr>
+            <a:r>
+              <a:rPr lang="zh-CN" altLang="en-US" dirty="0"/>
+              <a:t>实现</a:t>
+            </a:r>
+            <a:endParaRPr lang="en-US" altLang="zh-CN" dirty="0"/>
+          </a:p>
+          <a:p>
+            <a:pPr marL="285750" indent="-285750" algn="ctr">
+              <a:buFont typeface="Wingdings" panose="05000000000000000000" pitchFamily="2" charset="2"/>
+              <a:buChar char="l"/>
+            </a:pPr>
+            <a:endParaRPr lang="en-US" altLang="zh-CN" dirty="0"/>
+          </a:p>
+          <a:p>
+            <a:pPr marL="285750" indent="-285750" algn="ctr">
+              <a:buFont typeface="Wingdings" panose="05000000000000000000" pitchFamily="2" charset="2"/>
+              <a:buChar char="l"/>
+            </a:pPr>
+            <a:endParaRPr lang="en-US" altLang="zh-CN" dirty="0"/>
+          </a:p>
+          <a:p>
+            <a:pPr marL="2571750" lvl="5" indent="-285750">
+              <a:buFont typeface="Wingdings" panose="05000000000000000000" pitchFamily="2" charset="2"/>
+              <a:buChar char="l"/>
+            </a:pPr>
+            <a:endParaRPr lang="en-US" altLang="zh-CN" dirty="0"/>
+          </a:p>
+          <a:p>
+            <a:r>
+              <a:rPr lang="zh-CN" altLang="en-US" dirty="0"/>
+              <a:t>类</a:t>
+            </a:r>
+            <a:r>
+              <a:rPr lang="en-US" altLang="zh-CN" dirty="0"/>
+              <a:t>/</a:t>
+            </a:r>
+            <a:r>
+              <a:rPr lang="zh-CN" altLang="en-US" dirty="0"/>
+              <a:t>接口                                                   接口</a:t>
+            </a:r>
+            <a:endParaRPr lang="en-US" altLang="zh-CN" dirty="0"/>
+          </a:p>
+        </p:txBody>
+      </p:sp>
+      <p:pic>
+        <p:nvPicPr>
+          <p:cNvPr id="1027" name="Picture 3" descr="C:\Users\Administrator\Desktop\d\软件需求分析\关联.jpg"/>
+          <p:cNvPicPr>
+            <a:picLocks noChangeAspect="1" noChangeArrowheads="1"/>
+          </p:cNvPicPr>
+          <p:nvPr/>
+        </p:nvPicPr>
+        <p:blipFill>
+          <a:blip r:embed="rId3"/>
+          <a:srcRect/>
+          <a:stretch>
+            <a:fillRect/>
+          </a:stretch>
+        </p:blipFill>
+        <p:spPr bwMode="auto">
+          <a:xfrm>
+            <a:off x="7611996" y="3309392"/>
+            <a:ext cx="2528047" cy="361150"/>
+          </a:xfrm>
+          <a:prstGeom prst="rect">
+            <a:avLst/>
+          </a:prstGeom>
+          <a:noFill/>
+        </p:spPr>
+      </p:pic>
+      <p:pic>
+        <p:nvPicPr>
+          <p:cNvPr id="1028" name="Picture 4" descr="C:\Users\Administrator\Desktop\d\软件需求分析\泛化.jpg"/>
+          <p:cNvPicPr>
+            <a:picLocks noChangeAspect="1" noChangeArrowheads="1"/>
+          </p:cNvPicPr>
+          <p:nvPr/>
+        </p:nvPicPr>
+        <p:blipFill>
+          <a:blip r:embed="rId4"/>
+          <a:srcRect/>
+          <a:stretch>
+            <a:fillRect/>
+          </a:stretch>
+        </p:blipFill>
+        <p:spPr bwMode="auto">
+          <a:xfrm>
+            <a:off x="1550255" y="5752137"/>
+            <a:ext cx="3083858" cy="379693"/>
+          </a:xfrm>
+          <a:prstGeom prst="rect">
+            <a:avLst/>
+          </a:prstGeom>
+          <a:noFill/>
+        </p:spPr>
+      </p:pic>
+      <p:pic>
+        <p:nvPicPr>
+          <p:cNvPr id="1029" name="Picture 5" descr="C:\Users\Administrator\Desktop\d\软件需求分析\实现.jpg"/>
+          <p:cNvPicPr>
+            <a:picLocks noChangeAspect="1" noChangeArrowheads="1"/>
+          </p:cNvPicPr>
+          <p:nvPr/>
+        </p:nvPicPr>
+        <p:blipFill>
+          <a:blip r:embed="rId5"/>
+          <a:srcRect/>
+          <a:stretch>
+            <a:fillRect/>
+          </a:stretch>
+        </p:blipFill>
+        <p:spPr bwMode="auto">
+          <a:xfrm>
+            <a:off x="7188133" y="5746077"/>
+            <a:ext cx="3196198" cy="510448"/>
+          </a:xfrm>
+          <a:prstGeom prst="rect">
+            <a:avLst/>
+          </a:prstGeom>
+          <a:noFill/>
+        </p:spPr>
+      </p:pic>
+      <p:pic>
+        <p:nvPicPr>
+          <p:cNvPr id="1030" name="Picture 6" descr="C:\Users\Administrator\Desktop\d\软件需求分析\依赖.jpg"/>
+          <p:cNvPicPr>
+            <a:picLocks noChangeAspect="1" noChangeArrowheads="1"/>
+          </p:cNvPicPr>
+          <p:nvPr/>
+        </p:nvPicPr>
+        <p:blipFill>
+          <a:blip r:embed="rId6"/>
+          <a:srcRect/>
+          <a:stretch>
+            <a:fillRect/>
+          </a:stretch>
+        </p:blipFill>
+        <p:spPr bwMode="auto">
+          <a:xfrm>
+            <a:off x="1864660" y="3478307"/>
+            <a:ext cx="2348296" cy="396410"/>
+          </a:xfrm>
+          <a:prstGeom prst="rect">
+            <a:avLst/>
+          </a:prstGeom>
+          <a:noFill/>
+        </p:spPr>
+      </p:pic>
+    </p:spTree>
+    <p:extLst>
+      <p:ext uri="{BB962C8B-B14F-4D97-AF65-F5344CB8AC3E}">
+        <p14:creationId xmlns:p14="http://schemas.microsoft.com/office/powerpoint/2010/main" val="3824438527"/>
+      </p:ext>
+    </p:extLst>
+  </p:cSld>
+  <p:clrMapOvr>
+    <a:masterClrMapping/>
+  </p:clrMapOvr>
+  <p:timing>
+    <p:tnLst>
+      <p:par>
+        <p:cTn id="1" dur="indefinite" restart="never" nodeType="tmRoot">
+          <p:childTnLst>
+            <p:seq concurrent="1" nextAc="seek">
+              <p:cTn id="2" dur="indefinite" nodeType="mainSeq">
+                <p:childTnLst>
+                  <p:par>
+                    <p:cTn id="3" fill="hold">
+                      <p:stCondLst>
+                        <p:cond delay="indefinite"/>
+                      </p:stCondLst>
+                      <p:childTnLst>
+                        <p:par>
+                          <p:cTn id="4" fill="hold">
+                            <p:stCondLst>
+                              <p:cond delay="0"/>
+                            </p:stCondLst>
+                            <p:childTnLst>
+                              <p:par>
+                                <p:cTn id="5" presetID="14" presetClass="entr" presetSubtype="10" fill="hold" nodeType="clickEffect">
+                                  <p:stCondLst>
+                                    <p:cond delay="0"/>
+                                  </p:stCondLst>
+                                  <p:childTnLst>
+                                    <p:set>
+                                      <p:cBhvr>
+                                        <p:cTn id="6" dur="1" fill="hold">
+                                          <p:stCondLst>
+                                            <p:cond delay="0"/>
+                                          </p:stCondLst>
+                                        </p:cTn>
+                                        <p:tgtEl>
+                                          <p:spTgt spid="35">
+                                            <p:txEl>
+                                              <p:pRg st="3" end="3"/>
+                                            </p:txEl>
+                                          </p:spTgt>
+                                        </p:tgtEl>
+                                        <p:attrNameLst>
+                                          <p:attrName>style.visibility</p:attrName>
+                                        </p:attrNameLst>
+                                      </p:cBhvr>
+                                      <p:to>
+                                        <p:strVal val="visible"/>
+                                      </p:to>
+                                    </p:set>
+                                    <p:animEffect transition="in" filter="randombar(horizontal)">
+                                      <p:cBhvr>
+                                        <p:cTn id="7" dur="500"/>
+                                        <p:tgtEl>
+                                          <p:spTgt spid="35">
+                                            <p:txEl>
+                                              <p:pRg st="3" end="3"/>
+                                            </p:txEl>
+                                          </p:spTgt>
+                                        </p:tgtEl>
+                                      </p:cBhvr>
+                                    </p:animEffect>
+                                  </p:childTnLst>
+                                </p:cTn>
+                              </p:par>
+                              <p:par>
+                                <p:cTn id="8" presetID="14" presetClass="entr" presetSubtype="10" fill="hold" nodeType="withEffect">
+                                  <p:stCondLst>
+                                    <p:cond delay="0"/>
+                                  </p:stCondLst>
+                                  <p:childTnLst>
+                                    <p:set>
+                                      <p:cBhvr>
+                                        <p:cTn id="9" dur="1" fill="hold">
+                                          <p:stCondLst>
+                                            <p:cond delay="0"/>
+                                          </p:stCondLst>
+                                        </p:cTn>
+                                        <p:tgtEl>
+                                          <p:spTgt spid="1030"/>
+                                        </p:tgtEl>
+                                        <p:attrNameLst>
+                                          <p:attrName>style.visibility</p:attrName>
+                                        </p:attrNameLst>
+                                      </p:cBhvr>
+                                      <p:to>
+                                        <p:strVal val="visible"/>
+                                      </p:to>
+                                    </p:set>
+                                    <p:animEffect transition="in" filter="randombar(horizontal)">
+                                      <p:cBhvr>
+                                        <p:cTn id="10" dur="500"/>
+                                        <p:tgtEl>
+                                          <p:spTgt spid="1030"/>
+                                        </p:tgtEl>
+                                      </p:cBhvr>
+                                    </p:animEffect>
+                                  </p:childTnLst>
+                                </p:cTn>
+                              </p:par>
+                            </p:childTnLst>
+                          </p:cTn>
+                        </p:par>
+                      </p:childTnLst>
+                    </p:cTn>
+                  </p:par>
+                  <p:par>
+                    <p:cTn id="11" fill="hold">
+                      <p:stCondLst>
+                        <p:cond delay="indefinite"/>
+                      </p:stCondLst>
+                      <p:childTnLst>
+                        <p:par>
+                          <p:cTn id="12" fill="hold">
+                            <p:stCondLst>
+                              <p:cond delay="0"/>
+                            </p:stCondLst>
+                            <p:childTnLst>
+                              <p:par>
+                                <p:cTn id="13" presetID="14" presetClass="entr" presetSubtype="10" fill="hold" nodeType="clickEffect">
+                                  <p:stCondLst>
+                                    <p:cond delay="0"/>
+                                  </p:stCondLst>
+                                  <p:childTnLst>
+                                    <p:set>
+                                      <p:cBhvr>
+                                        <p:cTn id="14" dur="1" fill="hold">
+                                          <p:stCondLst>
+                                            <p:cond delay="0"/>
+                                          </p:stCondLst>
+                                        </p:cTn>
+                                        <p:tgtEl>
+                                          <p:spTgt spid="36">
+                                            <p:txEl>
+                                              <p:pRg st="2" end="2"/>
+                                            </p:txEl>
+                                          </p:spTgt>
+                                        </p:tgtEl>
+                                        <p:attrNameLst>
+                                          <p:attrName>style.visibility</p:attrName>
+                                        </p:attrNameLst>
+                                      </p:cBhvr>
+                                      <p:to>
+                                        <p:strVal val="visible"/>
+                                      </p:to>
+                                    </p:set>
+                                    <p:animEffect transition="in" filter="randombar(horizontal)">
+                                      <p:cBhvr>
+                                        <p:cTn id="15" dur="500"/>
+                                        <p:tgtEl>
+                                          <p:spTgt spid="36">
+                                            <p:txEl>
+                                              <p:pRg st="2" end="2"/>
+                                            </p:txEl>
+                                          </p:spTgt>
+                                        </p:tgtEl>
+                                      </p:cBhvr>
+                                    </p:animEffect>
+                                  </p:childTnLst>
+                                </p:cTn>
+                              </p:par>
+                              <p:par>
+                                <p:cTn id="16" presetID="14" presetClass="entr" presetSubtype="10" fill="hold" nodeType="withEffect">
+                                  <p:stCondLst>
+                                    <p:cond delay="0"/>
+                                  </p:stCondLst>
+                                  <p:childTnLst>
+                                    <p:set>
+                                      <p:cBhvr>
+                                        <p:cTn id="17" dur="1" fill="hold">
+                                          <p:stCondLst>
+                                            <p:cond delay="0"/>
+                                          </p:stCondLst>
+                                        </p:cTn>
+                                        <p:tgtEl>
+                                          <p:spTgt spid="36">
+                                            <p:txEl>
+                                              <p:pRg st="3" end="3"/>
+                                            </p:txEl>
+                                          </p:spTgt>
+                                        </p:tgtEl>
+                                        <p:attrNameLst>
+                                          <p:attrName>style.visibility</p:attrName>
+                                        </p:attrNameLst>
+                                      </p:cBhvr>
+                                      <p:to>
+                                        <p:strVal val="visible"/>
+                                      </p:to>
+                                    </p:set>
+                                    <p:animEffect transition="in" filter="randombar(horizontal)">
+                                      <p:cBhvr>
+                                        <p:cTn id="18" dur="500"/>
+                                        <p:tgtEl>
+                                          <p:spTgt spid="36">
+                                            <p:txEl>
+                                              <p:pRg st="3" end="3"/>
+                                            </p:txEl>
+                                          </p:spTgt>
+                                        </p:tgtEl>
+                                      </p:cBhvr>
+                                    </p:animEffect>
+                                  </p:childTnLst>
+                                </p:cTn>
+                              </p:par>
+                              <p:par>
+                                <p:cTn id="19" presetID="14" presetClass="entr" presetSubtype="10" fill="hold" nodeType="withEffect">
+                                  <p:stCondLst>
+                                    <p:cond delay="0"/>
+                                  </p:stCondLst>
+                                  <p:childTnLst>
+                                    <p:set>
+                                      <p:cBhvr>
+                                        <p:cTn id="20" dur="1" fill="hold">
+                                          <p:stCondLst>
+                                            <p:cond delay="0"/>
+                                          </p:stCondLst>
+                                        </p:cTn>
+                                        <p:tgtEl>
+                                          <p:spTgt spid="36">
+                                            <p:txEl>
+                                              <p:pRg st="5" end="5"/>
+                                            </p:txEl>
+                                          </p:spTgt>
+                                        </p:tgtEl>
+                                        <p:attrNameLst>
+                                          <p:attrName>style.visibility</p:attrName>
+                                        </p:attrNameLst>
+                                      </p:cBhvr>
+                                      <p:to>
+                                        <p:strVal val="visible"/>
+                                      </p:to>
+                                    </p:set>
+                                    <p:animEffect transition="in" filter="randombar(horizontal)">
+                                      <p:cBhvr>
+                                        <p:cTn id="21" dur="500"/>
+                                        <p:tgtEl>
+                                          <p:spTgt spid="36">
+                                            <p:txEl>
+                                              <p:pRg st="5" end="5"/>
+                                            </p:txEl>
+                                          </p:spTgt>
+                                        </p:tgtEl>
+                                      </p:cBhvr>
+                                    </p:animEffect>
+                                  </p:childTnLst>
+                                </p:cTn>
+                              </p:par>
+                              <p:par>
+                                <p:cTn id="22" presetID="14" presetClass="entr" presetSubtype="10" fill="hold" nodeType="withEffect">
+                                  <p:stCondLst>
+                                    <p:cond delay="0"/>
+                                  </p:stCondLst>
+                                  <p:childTnLst>
+                                    <p:set>
+                                      <p:cBhvr>
+                                        <p:cTn id="23" dur="1" fill="hold">
+                                          <p:stCondLst>
+                                            <p:cond delay="0"/>
+                                          </p:stCondLst>
+                                        </p:cTn>
+                                        <p:tgtEl>
+                                          <p:spTgt spid="1027"/>
+                                        </p:tgtEl>
+                                        <p:attrNameLst>
+                                          <p:attrName>style.visibility</p:attrName>
+                                        </p:attrNameLst>
+                                      </p:cBhvr>
+                                      <p:to>
+                                        <p:strVal val="visible"/>
+                                      </p:to>
+                                    </p:set>
+                                    <p:animEffect transition="in" filter="randombar(horizontal)">
+                                      <p:cBhvr>
+                                        <p:cTn id="24" dur="500"/>
+                                        <p:tgtEl>
+                                          <p:spTgt spid="1027"/>
+                                        </p:tgtEl>
+                                      </p:cBhvr>
+                                    </p:animEffect>
+                                  </p:childTnLst>
+                                </p:cTn>
+                              </p:par>
+                            </p:childTnLst>
+                          </p:cTn>
+                        </p:par>
+                      </p:childTnLst>
+                    </p:cTn>
+                  </p:par>
+                  <p:par>
+                    <p:cTn id="25" fill="hold">
+                      <p:stCondLst>
+                        <p:cond delay="indefinite"/>
+                      </p:stCondLst>
+                      <p:childTnLst>
+                        <p:par>
+                          <p:cTn id="26" fill="hold">
+                            <p:stCondLst>
+                              <p:cond delay="0"/>
+                            </p:stCondLst>
+                            <p:childTnLst>
+                              <p:par>
+                                <p:cTn id="27" presetID="14" presetClass="entr" presetSubtype="10" fill="hold" nodeType="clickEffect">
+                                  <p:stCondLst>
+                                    <p:cond delay="0"/>
+                                  </p:stCondLst>
+                                  <p:childTnLst>
+                                    <p:set>
+                                      <p:cBhvr>
+                                        <p:cTn id="28" dur="1" fill="hold">
+                                          <p:stCondLst>
+                                            <p:cond delay="0"/>
+                                          </p:stCondLst>
+                                        </p:cTn>
+                                        <p:tgtEl>
+                                          <p:spTgt spid="26">
+                                            <p:txEl>
+                                              <p:pRg st="3" end="3"/>
+                                            </p:txEl>
+                                          </p:spTgt>
+                                        </p:tgtEl>
+                                        <p:attrNameLst>
+                                          <p:attrName>style.visibility</p:attrName>
+                                        </p:attrNameLst>
+                                      </p:cBhvr>
+                                      <p:to>
+                                        <p:strVal val="visible"/>
+                                      </p:to>
+                                    </p:set>
+                                    <p:animEffect transition="in" filter="randombar(horizontal)">
+                                      <p:cBhvr>
+                                        <p:cTn id="29" dur="500"/>
+                                        <p:tgtEl>
+                                          <p:spTgt spid="26">
+                                            <p:txEl>
+                                              <p:pRg st="3" end="3"/>
+                                            </p:txEl>
+                                          </p:spTgt>
+                                        </p:tgtEl>
+                                      </p:cBhvr>
+                                    </p:animEffect>
+                                  </p:childTnLst>
+                                </p:cTn>
+                              </p:par>
+                              <p:par>
+                                <p:cTn id="30" presetID="14" presetClass="entr" presetSubtype="10" fill="hold" nodeType="withEffect">
+                                  <p:stCondLst>
+                                    <p:cond delay="0"/>
+                                  </p:stCondLst>
+                                  <p:childTnLst>
+                                    <p:set>
+                                      <p:cBhvr>
+                                        <p:cTn id="31" dur="1" fill="hold">
+                                          <p:stCondLst>
+                                            <p:cond delay="0"/>
+                                          </p:stCondLst>
+                                        </p:cTn>
+                                        <p:tgtEl>
+                                          <p:spTgt spid="1028"/>
+                                        </p:tgtEl>
+                                        <p:attrNameLst>
+                                          <p:attrName>style.visibility</p:attrName>
+                                        </p:attrNameLst>
+                                      </p:cBhvr>
+                                      <p:to>
+                                        <p:strVal val="visible"/>
+                                      </p:to>
+                                    </p:set>
+                                    <p:animEffect transition="in" filter="randombar(horizontal)">
+                                      <p:cBhvr>
+                                        <p:cTn id="32" dur="500"/>
+                                        <p:tgtEl>
+                                          <p:spTgt spid="1028"/>
+                                        </p:tgtEl>
+                                      </p:cBhvr>
+                                    </p:animEffect>
+                                  </p:childTnLst>
+                                </p:cTn>
+                              </p:par>
+                            </p:childTnLst>
+                          </p:cTn>
+                        </p:par>
+                      </p:childTnLst>
+                    </p:cTn>
+                  </p:par>
+                  <p:par>
+                    <p:cTn id="33" fill="hold">
+                      <p:stCondLst>
+                        <p:cond delay="indefinite"/>
+                      </p:stCondLst>
+                      <p:childTnLst>
+                        <p:par>
+                          <p:cTn id="34" fill="hold">
+                            <p:stCondLst>
+                              <p:cond delay="0"/>
+                            </p:stCondLst>
+                            <p:childTnLst>
+                              <p:par>
+                                <p:cTn id="35" presetID="14" presetClass="entr" presetSubtype="10" fill="hold" nodeType="clickEffect">
+                                  <p:stCondLst>
+                                    <p:cond delay="0"/>
+                                  </p:stCondLst>
+                                  <p:childTnLst>
+                                    <p:set>
+                                      <p:cBhvr>
+                                        <p:cTn id="36" dur="1" fill="hold">
+                                          <p:stCondLst>
+                                            <p:cond delay="0"/>
+                                          </p:stCondLst>
+                                        </p:cTn>
+                                        <p:tgtEl>
+                                          <p:spTgt spid="37">
+                                            <p:txEl>
+                                              <p:pRg st="4" end="4"/>
+                                            </p:txEl>
+                                          </p:spTgt>
+                                        </p:tgtEl>
+                                        <p:attrNameLst>
+                                          <p:attrName>style.visibility</p:attrName>
+                                        </p:attrNameLst>
+                                      </p:cBhvr>
+                                      <p:to>
+                                        <p:strVal val="visible"/>
+                                      </p:to>
+                                    </p:set>
+                                    <p:animEffect transition="in" filter="randombar(horizontal)">
+                                      <p:cBhvr>
+                                        <p:cTn id="37" dur="500"/>
+                                        <p:tgtEl>
+                                          <p:spTgt spid="37">
+                                            <p:txEl>
+                                              <p:pRg st="4" end="4"/>
+                                            </p:txEl>
+                                          </p:spTgt>
+                                        </p:tgtEl>
+                                      </p:cBhvr>
+                                    </p:animEffect>
+                                  </p:childTnLst>
+                                </p:cTn>
+                              </p:par>
+                              <p:par>
+                                <p:cTn id="38" presetID="14" presetClass="entr" presetSubtype="10" fill="hold" nodeType="withEffect">
+                                  <p:stCondLst>
+                                    <p:cond delay="0"/>
+                                  </p:stCondLst>
+                                  <p:childTnLst>
+                                    <p:set>
+                                      <p:cBhvr>
+                                        <p:cTn id="39" dur="1" fill="hold">
+                                          <p:stCondLst>
+                                            <p:cond delay="0"/>
+                                          </p:stCondLst>
+                                        </p:cTn>
+                                        <p:tgtEl>
+                                          <p:spTgt spid="1029"/>
+                                        </p:tgtEl>
+                                        <p:attrNameLst>
+                                          <p:attrName>style.visibility</p:attrName>
+                                        </p:attrNameLst>
+                                      </p:cBhvr>
+                                      <p:to>
+                                        <p:strVal val="visible"/>
+                                      </p:to>
+                                    </p:set>
+                                    <p:animEffect transition="in" filter="randombar(horizontal)">
+                                      <p:cBhvr>
+                                        <p:cTn id="40" dur="500"/>
+                                        <p:tgtEl>
+                                          <p:spTgt spid="1029"/>
+                                        </p:tgtEl>
+                                      </p:cBhvr>
+                                    </p:animEffect>
+                                  </p:childTnLst>
+                                </p:cTn>
+                              </p:par>
+                            </p:childTnLst>
+                          </p:cTn>
+                        </p:par>
+                      </p:childTnLst>
+                    </p:cTn>
+                  </p:par>
+                </p:childTnLst>
+              </p:cTn>
+              <p:prevCondLst>
+                <p:cond evt="onPrev" delay="0">
+                  <p:tgtEl>
+                    <p:sldTgt/>
+                  </p:tgtEl>
+                </p:cond>
+              </p:prevCondLst>
+              <p:nextCondLst>
+                <p:cond evt="onNext" delay="0">
+                  <p:tgtEl>
+                    <p:sldTgt/>
+                  </p:tgtEl>
+                </p:cond>
+              </p:nextCondLst>
+            </p:seq>
+          </p:childTnLst>
+        </p:cTn>
+      </p:par>
+    </p:tnLst>
+  </p:timing>
+</p:sld>
+</file>
+
+<file path=ppt/slides/slide11.xml><?xml version="1.0" encoding="utf-8"?>
+<p:sld xmlns:a="http://schemas.openxmlformats.org/drawingml/2006/main" xmlns:r="http://schemas.openxmlformats.org/officeDocument/2006/relationships" xmlns:p="http://schemas.openxmlformats.org/presentationml/2006/main">
+  <p:cSld>
+    <p:spTree>
+      <p:nvGrpSpPr>
+        <p:cNvPr id="1" name=""/>
+        <p:cNvGrpSpPr/>
+        <p:nvPr/>
+      </p:nvGrpSpPr>
+      <p:grpSpPr>
+        <a:xfrm>
+          <a:off x="0" y="0"/>
+          <a:ext cx="0" cy="0"/>
+          <a:chOff x="0" y="0"/>
+          <a:chExt cx="0" cy="0"/>
+        </a:xfrm>
+      </p:grpSpPr>
+      <p:sp>
+        <p:nvSpPr>
+          <p:cNvPr id="2" name="标题 1">
+            <a:extLst>
+              <a:ext uri="{FF2B5EF4-FFF2-40B4-BE49-F238E27FC236}">
                 <a16:creationId xmlns:a16="http://schemas.microsoft.com/office/drawing/2014/main" id="{EBCFB24A-4F80-4BF8-8F86-F80D7DE26470}"/>
               </a:ext>
             </a:extLst>
@@ -13869,7 +15212,7 @@
 </p:sld>
 </file>
 
-<file path=ppt/slides/slide11.xml><?xml version="1.0" encoding="utf-8"?>
+<file path=ppt/slides/slide12.xml><?xml version="1.0" encoding="utf-8"?>
 <p:sld xmlns:a="http://schemas.openxmlformats.org/drawingml/2006/main" xmlns:r="http://schemas.openxmlformats.org/officeDocument/2006/relationships" xmlns:p="http://schemas.openxmlformats.org/presentationml/2006/main">
   <p:cSld>
     <p:spTree>
@@ -14504,7 +15847,7 @@
 </p:sld>
 </file>
 
-<file path=ppt/slides/slide12.xml><?xml version="1.0" encoding="utf-8"?>
+<file path=ppt/slides/slide13.xml><?xml version="1.0" encoding="utf-8"?>
 <p:sld xmlns:a="http://schemas.openxmlformats.org/drawingml/2006/main" xmlns:r="http://schemas.openxmlformats.org/officeDocument/2006/relationships" xmlns:p="http://schemas.openxmlformats.org/presentationml/2006/main">
   <p:cSld>
     <p:spTree>
@@ -14643,7 +15986,7 @@
           <a:ln/>
           <a:extLst>
             <a:ext uri="{91240B29-F687-4f45-9708-019B960494DF}">
-              <a14:hiddenLine xmlns:a14="http://schemas.microsoft.com/office/drawing/2010/main" xmlns="" w="9525">
+              <a14:hiddenLine xmlns="" xmlns:a14="http://schemas.microsoft.com/office/drawing/2010/main" w="9525">
                 <a:solidFill>
                   <a:srgbClr val="000000"/>
                 </a:solidFill>
@@ -14936,7 +16279,7 @@
           <a:effectLst/>
           <a:extLst>
             <a:ext uri="{91240B29-F687-4f45-9708-019B960494DF}">
-              <a14:hiddenLine xmlns:a14="http://schemas.microsoft.com/office/drawing/2010/main" xmlns:p14="http://schemas.microsoft.com/office/powerpoint/2010/main" xmlns:a16="http://schemas.microsoft.com/office/drawing/2014/main" xmlns="" w="9525">
+              <a14:hiddenLine xmlns="" xmlns:a16="http://schemas.microsoft.com/office/drawing/2014/main" xmlns:p14="http://schemas.microsoft.com/office/powerpoint/2010/main" xmlns:a14="http://schemas.microsoft.com/office/drawing/2010/main" w="9525">
                 <a:solidFill>
                   <a:srgbClr val="000000"/>
                 </a:solidFill>
@@ -15037,7 +16380,7 @@
         <p:spPr>
           <a:xfrm>
             <a:off x="242596" y="1791478"/>
-            <a:ext cx="4287916" cy="4247317"/>
+            <a:ext cx="4287916" cy="2954655"/>
           </a:xfrm>
           <a:prstGeom prst="rect">
             <a:avLst/>
@@ -15077,33 +16420,7 @@
           </a:p>
           <a:p>
             <a:r>
-              <a:rPr lang="en-US" altLang="zh-CN" sz="2800" dirty="0">
-                <a:latin typeface="+mn-ea"/>
-              </a:rPr>
-              <a:t>【</a:t>
-            </a:r>
-            <a:r>
-              <a:rPr lang="zh-CN" altLang="en-US" sz="2800" dirty="0">
-                <a:latin typeface="+mn-ea"/>
-              </a:rPr>
-              <a:t>描述方式</a:t>
-            </a:r>
-            <a:r>
-              <a:rPr lang="en-US" altLang="zh-CN" sz="2800" dirty="0">
-                <a:latin typeface="+mn-ea"/>
-              </a:rPr>
-              <a:t>】</a:t>
-            </a:r>
-            <a:r>
-              <a:rPr lang="zh-CN" altLang="en-US" sz="2800" dirty="0">
-                <a:latin typeface="+mn-ea"/>
-              </a:rPr>
-              <a:t>椭圆表示某个用例；人形符号表示角色</a:t>
-            </a:r>
-          </a:p>
-          <a:p>
-            <a:r>
-              <a:rPr lang="en-US" altLang="zh-CN" sz="2800" dirty="0">
+              <a:rPr lang="en-US" altLang="zh-CN" sz="2800" dirty="0" smtClean="0">
                 <a:latin typeface="+mn-ea"/>
               </a:rPr>
               <a:t>【</a:t>
@@ -15278,49 +16595,6 @@
                                   </p:childTnLst>
                                 </p:cTn>
                               </p:par>
-                              <p:par>
-                                <p:cTn id="11" presetID="14" presetClass="entr" presetSubtype="10" fill="hold" nodeType="withEffect">
-                                  <p:stCondLst>
-                                    <p:cond delay="0"/>
-                                  </p:stCondLst>
-                                  <p:childTnLst>
-                                    <p:set>
-                                      <p:cBhvr>
-                                        <p:cTn id="12" dur="1" fill="hold">
-                                          <p:stCondLst>
-                                            <p:cond delay="0"/>
-                                          </p:stCondLst>
-                                        </p:cTn>
-                                        <p:tgtEl>
-                                          <p:spTgt spid="6">
-                                            <p:txEl>
-                                              <p:pRg st="2" end="2"/>
-                                            </p:txEl>
-                                          </p:spTgt>
-                                        </p:tgtEl>
-                                        <p:attrNameLst>
-                                          <p:attrName>style.visibility</p:attrName>
-                                        </p:attrNameLst>
-                                      </p:cBhvr>
-                                      <p:to>
-                                        <p:strVal val="visible"/>
-                                      </p:to>
-                                    </p:set>
-                                    <p:animEffect transition="in" filter="randombar(horizontal)">
-                                      <p:cBhvr>
-                                        <p:cTn id="13" dur="500"/>
-                                        <p:tgtEl>
-                                          <p:spTgt spid="6">
-                                            <p:txEl>
-                                              <p:pRg st="2" end="2"/>
-                                            </p:txEl>
-                                          </p:spTgt>
-                                        </p:tgtEl>
-                                      </p:cBhvr>
-                                    </p:animEffect>
-                                  </p:childTnLst>
-                                </p:cTn>
-                              </p:par>
                             </p:childTnLst>
                           </p:cTn>
                         </p:par>
@@ -15352,7 +16626,7 @@
 </p:sld>
 </file>
 
-<file path=ppt/slides/slide13.xml><?xml version="1.0" encoding="utf-8"?>
+<file path=ppt/slides/slide14.xml><?xml version="1.0" encoding="utf-8"?>
 <p:sld xmlns:a="http://schemas.openxmlformats.org/drawingml/2006/main" xmlns:r="http://schemas.openxmlformats.org/officeDocument/2006/relationships" xmlns:p="http://schemas.openxmlformats.org/presentationml/2006/main">
   <p:cSld>
     <p:spTree>
@@ -15491,7 +16765,7 @@
           <a:ln/>
           <a:extLst>
             <a:ext uri="{91240B29-F687-4f45-9708-019B960494DF}">
-              <a14:hiddenLine xmlns="" xmlns:a14="http://schemas.microsoft.com/office/drawing/2010/main" w="9525">
+              <a14:hiddenLine xmlns:a14="http://schemas.microsoft.com/office/drawing/2010/main" xmlns="" w="9525">
                 <a:solidFill>
                   <a:srgbClr val="000000"/>
                 </a:solidFill>
@@ -15819,7 +17093,7 @@
           <a:effectLst/>
           <a:extLst>
             <a:ext uri="{91240B29-F687-4f45-9708-019B960494DF}">
-              <a14:hiddenLine xmlns="" xmlns:a16="http://schemas.microsoft.com/office/drawing/2014/main" xmlns:p14="http://schemas.microsoft.com/office/powerpoint/2010/main" xmlns:a14="http://schemas.microsoft.com/office/drawing/2010/main" w="9525">
+              <a14:hiddenLine xmlns:a14="http://schemas.microsoft.com/office/drawing/2010/main" xmlns:p14="http://schemas.microsoft.com/office/powerpoint/2010/main" xmlns:a16="http://schemas.microsoft.com/office/drawing/2014/main" xmlns="" w="9525">
                 <a:solidFill>
                   <a:srgbClr val="000000"/>
                 </a:solidFill>
@@ -15890,7 +17164,7 @@
         <p:spPr>
           <a:xfrm>
             <a:off x="8191525" y="1804081"/>
-            <a:ext cx="4000475" cy="3970318"/>
+            <a:ext cx="4000475" cy="2677656"/>
           </a:xfrm>
           <a:prstGeom prst="rect">
             <a:avLst/>
@@ -15930,7 +17204,7 @@
           </a:p>
           <a:p>
             <a:r>
-              <a:rPr lang="en-US" altLang="zh-CN" sz="2800" dirty="0">
+              <a:rPr lang="en-US" altLang="zh-CN" sz="2800" dirty="0" smtClean="0">
                 <a:latin typeface="+mn-ea"/>
               </a:rPr>
               <a:t>【</a:t>
@@ -15939,7 +17213,7 @@
               <a:rPr lang="zh-CN" altLang="en-US" sz="2800" dirty="0">
                 <a:latin typeface="+mn-ea"/>
               </a:rPr>
-              <a:t>描述方式</a:t>
+              <a:t>目的</a:t>
             </a:r>
             <a:r>
               <a:rPr lang="en-US" altLang="zh-CN" sz="2800" dirty="0">
@@ -15948,36 +17222,28 @@
               <a:t>】</a:t>
             </a:r>
             <a:r>
+              <a:rPr lang="zh-CN" altLang="en-US" sz="2800" dirty="0" smtClean="0">
+                <a:latin typeface="+mn-ea"/>
+              </a:rPr>
+              <a:t>表示用户</a:t>
+            </a:r>
+            <a:r>
               <a:rPr lang="zh-CN" altLang="en-US" sz="2800" dirty="0">
                 <a:latin typeface="+mn-ea"/>
               </a:rPr>
-              <a:t>三个矩形  </a:t>
-            </a:r>
-          </a:p>
-          <a:p>
-            <a:r>
-              <a:rPr lang="en-US" altLang="zh-CN" sz="2800" dirty="0">
+              <a:t>的业务所涉及的</a:t>
+            </a:r>
+            <a:r>
+              <a:rPr lang="zh-CN" altLang="en-US" sz="2800" dirty="0" smtClean="0">
                 <a:latin typeface="+mn-ea"/>
               </a:rPr>
-              <a:t>【</a:t>
+              <a:t>事物和程序员</a:t>
             </a:r>
             <a:r>
               <a:rPr lang="zh-CN" altLang="en-US" sz="2800" dirty="0">
                 <a:latin typeface="+mn-ea"/>
               </a:rPr>
-              <a:t>目的</a:t>
-            </a:r>
-            <a:r>
-              <a:rPr lang="en-US" altLang="zh-CN" sz="2800" dirty="0">
-                <a:latin typeface="+mn-ea"/>
-              </a:rPr>
-              <a:t>】</a:t>
-            </a:r>
-            <a:r>
-              <a:rPr lang="zh-CN" altLang="en-US" sz="2800" dirty="0">
-                <a:latin typeface="+mn-ea"/>
-              </a:rPr>
-              <a:t>表示一个逻辑类或实现类，逻辑类通常是用户的业务所涉及的事物；实现类是程序员处理的实体</a:t>
+              <a:t>处理的实体</a:t>
             </a:r>
           </a:p>
         </p:txBody>
@@ -16158,49 +17424,6 @@
                                   </p:childTnLst>
                                 </p:cTn>
                               </p:par>
-                              <p:par>
-                                <p:cTn id="11" presetID="14" presetClass="entr" presetSubtype="10" fill="hold" nodeType="withEffect">
-                                  <p:stCondLst>
-                                    <p:cond delay="0"/>
-                                  </p:stCondLst>
-                                  <p:childTnLst>
-                                    <p:set>
-                                      <p:cBhvr>
-                                        <p:cTn id="12" dur="1" fill="hold">
-                                          <p:stCondLst>
-                                            <p:cond delay="0"/>
-                                          </p:stCondLst>
-                                        </p:cTn>
-                                        <p:tgtEl>
-                                          <p:spTgt spid="3">
-                                            <p:txEl>
-                                              <p:pRg st="2" end="2"/>
-                                            </p:txEl>
-                                          </p:spTgt>
-                                        </p:tgtEl>
-                                        <p:attrNameLst>
-                                          <p:attrName>style.visibility</p:attrName>
-                                        </p:attrNameLst>
-                                      </p:cBhvr>
-                                      <p:to>
-                                        <p:strVal val="visible"/>
-                                      </p:to>
-                                    </p:set>
-                                    <p:animEffect transition="in" filter="randombar(horizontal)">
-                                      <p:cBhvr>
-                                        <p:cTn id="13" dur="500"/>
-                                        <p:tgtEl>
-                                          <p:spTgt spid="3">
-                                            <p:txEl>
-                                              <p:pRg st="2" end="2"/>
-                                            </p:txEl>
-                                          </p:spTgt>
-                                        </p:tgtEl>
-                                      </p:cBhvr>
-                                    </p:animEffect>
-                                  </p:childTnLst>
-                                </p:cTn>
-                              </p:par>
                             </p:childTnLst>
                           </p:cTn>
                         </p:par>
@@ -16232,7 +17455,7 @@
 </p:sld>
 </file>
 
-<file path=ppt/slides/slide14.xml><?xml version="1.0" encoding="utf-8"?>
+<file path=ppt/slides/slide15.xml><?xml version="1.0" encoding="utf-8"?>
 <p:sld xmlns:a="http://schemas.openxmlformats.org/drawingml/2006/main" xmlns:r="http://schemas.openxmlformats.org/officeDocument/2006/relationships" xmlns:p="http://schemas.openxmlformats.org/presentationml/2006/main">
   <p:cSld>
     <p:spTree>
@@ -16371,7 +17594,7 @@
           <a:ln/>
           <a:extLst>
             <a:ext uri="{91240B29-F687-4f45-9708-019B960494DF}">
-              <a14:hiddenLine xmlns="" xmlns:a14="http://schemas.microsoft.com/office/drawing/2010/main" w="9525">
+              <a14:hiddenLine xmlns:a14="http://schemas.microsoft.com/office/drawing/2010/main" xmlns="" w="9525">
                 <a:solidFill>
                   <a:srgbClr val="000000"/>
                 </a:solidFill>
@@ -16664,7 +17887,7 @@
           <a:effectLst/>
           <a:extLst>
             <a:ext uri="{91240B29-F687-4f45-9708-019B960494DF}">
-              <a14:hiddenLine xmlns="" xmlns:a16="http://schemas.microsoft.com/office/drawing/2014/main" xmlns:p14="http://schemas.microsoft.com/office/powerpoint/2010/main" xmlns:a14="http://schemas.microsoft.com/office/drawing/2010/main" w="9525">
+              <a14:hiddenLine xmlns:a14="http://schemas.microsoft.com/office/drawing/2010/main" xmlns:p14="http://schemas.microsoft.com/office/powerpoint/2010/main" xmlns:a16="http://schemas.microsoft.com/office/drawing/2014/main" xmlns="" w="9525">
                 <a:solidFill>
                   <a:srgbClr val="000000"/>
                 </a:solidFill>
@@ -16735,7 +17958,7 @@
         <p:spPr>
           <a:xfrm>
             <a:off x="249793" y="2791242"/>
-            <a:ext cx="4216400" cy="1815882"/>
+            <a:ext cx="4216400" cy="2246769"/>
           </a:xfrm>
           <a:prstGeom prst="rect">
             <a:avLst/>
@@ -16770,8 +17993,46 @@
               <a:rPr lang="zh-CN" altLang="en-US" sz="2800" dirty="0">
                 <a:latin typeface="+mn-ea"/>
               </a:rPr>
-              <a:t>类图的一个实例，描述系统在具体时间点上所包含的对象以及各个对象的关系</a:t>
-            </a:r>
+              <a:t>类图的一个实例，描述系统在具体时间点上所包含的对象以及各个对象的</a:t>
+            </a:r>
+            <a:r>
+              <a:rPr lang="zh-CN" altLang="en-US" sz="2800" dirty="0" smtClean="0">
+                <a:latin typeface="+mn-ea"/>
+              </a:rPr>
+              <a:t>关系</a:t>
+            </a:r>
+            <a:endParaRPr lang="en-US" altLang="zh-CN" sz="2800" dirty="0" smtClean="0">
+              <a:latin typeface="+mn-ea"/>
+            </a:endParaRPr>
+          </a:p>
+          <a:p>
+            <a:r>
+              <a:rPr lang="en-US" altLang="zh-CN" sz="2800" dirty="0">
+                <a:latin typeface="+mn-ea"/>
+              </a:rPr>
+              <a:t>【</a:t>
+            </a:r>
+            <a:r>
+              <a:rPr lang="zh-CN" altLang="en-US" sz="2800" dirty="0">
+                <a:latin typeface="+mn-ea"/>
+              </a:rPr>
+              <a:t>目的</a:t>
+            </a:r>
+            <a:r>
+              <a:rPr lang="en-US" altLang="zh-CN" sz="2800" dirty="0" smtClean="0">
+                <a:latin typeface="+mn-ea"/>
+              </a:rPr>
+              <a:t>】</a:t>
+            </a:r>
+            <a:r>
+              <a:rPr lang="zh-CN" altLang="en-US" sz="2800" dirty="0" smtClean="0">
+                <a:latin typeface="+mn-ea"/>
+              </a:rPr>
+              <a:t>同类图</a:t>
+            </a:r>
+            <a:endParaRPr lang="zh-CN" altLang="en-US" sz="2800" dirty="0">
+              <a:latin typeface="+mn-ea"/>
+            </a:endParaRPr>
           </a:p>
         </p:txBody>
       </p:sp>
@@ -16922,6 +18183,67 @@
                       </p:childTnLst>
                     </p:cTn>
                   </p:par>
+                  <p:par>
+                    <p:cTn id="8" fill="hold">
+                      <p:stCondLst>
+                        <p:cond delay="indefinite"/>
+                      </p:stCondLst>
+                      <p:childTnLst>
+                        <p:par>
+                          <p:cTn id="9" fill="hold">
+                            <p:stCondLst>
+                              <p:cond delay="0"/>
+                            </p:stCondLst>
+                            <p:childTnLst>
+                              <p:par>
+                                <p:cTn id="10" presetID="14" presetClass="entr" presetSubtype="10" fill="hold" nodeType="clickEffect">
+                                  <p:stCondLst>
+                                    <p:cond delay="0"/>
+                                  </p:stCondLst>
+                                  <p:childTnLst>
+                                    <p:set>
+                                      <p:cBhvr>
+                                        <p:cTn id="11" dur="1" fill="hold">
+                                          <p:stCondLst>
+                                            <p:cond delay="0"/>
+                                          </p:stCondLst>
+                                        </p:cTn>
+                                        <p:tgtEl>
+                                          <p:spTgt spid="6">
+                                            <p:txEl>
+                                              <p:pRg st="1" end="1"/>
+                                            </p:txEl>
+                                          </p:spTgt>
+                                        </p:tgtEl>
+                                        <p:attrNameLst>
+                                          <p:attrName>style.visibility</p:attrName>
+                                        </p:attrNameLst>
+                                      </p:cBhvr>
+                                      <p:to>
+                                        <p:strVal val="visible"/>
+                                      </p:to>
+                                    </p:set>
+                                    <p:animEffect transition="in" filter="randombar(horizontal)">
+                                      <p:cBhvr>
+                                        <p:cTn id="12" dur="500"/>
+                                        <p:tgtEl>
+                                          <p:spTgt spid="6">
+                                            <p:txEl>
+                                              <p:pRg st="1" end="1"/>
+                                            </p:txEl>
+                                          </p:spTgt>
+                                        </p:tgtEl>
+                                      </p:cBhvr>
+                                    </p:animEffect>
+                                  </p:childTnLst>
+                                </p:cTn>
+                              </p:par>
+                            </p:childTnLst>
+                          </p:cTn>
+                        </p:par>
+                      </p:childTnLst>
+                    </p:cTn>
+                  </p:par>
                 </p:childTnLst>
               </p:cTn>
               <p:prevCondLst>
@@ -16947,7 +18269,7 @@
 </p:sld>
 </file>
 
-<file path=ppt/slides/slide15.xml><?xml version="1.0" encoding="utf-8"?>
+<file path=ppt/slides/slide16.xml><?xml version="1.0" encoding="utf-8"?>
 <p:sld xmlns:a="http://schemas.openxmlformats.org/drawingml/2006/main" xmlns:r="http://schemas.openxmlformats.org/officeDocument/2006/relationships" xmlns:p="http://schemas.openxmlformats.org/presentationml/2006/main">
   <p:cSld>
     <p:spTree>
@@ -17086,7 +18408,7 @@
           <a:ln/>
           <a:extLst>
             <a:ext uri="{91240B29-F687-4f45-9708-019B960494DF}">
-              <a14:hiddenLine xmlns="" xmlns:a14="http://schemas.microsoft.com/office/drawing/2010/main" w="9525">
+              <a14:hiddenLine xmlns:a14="http://schemas.microsoft.com/office/drawing/2010/main" xmlns="" w="9525">
                 <a:solidFill>
                   <a:srgbClr val="000000"/>
                 </a:solidFill>
@@ -17414,7 +18736,7 @@
           <a:effectLst/>
           <a:extLst>
             <a:ext uri="{91240B29-F687-4f45-9708-019B960494DF}">
-              <a14:hiddenLine xmlns="" xmlns:a16="http://schemas.microsoft.com/office/drawing/2014/main" xmlns:p14="http://schemas.microsoft.com/office/powerpoint/2010/main" xmlns:a14="http://schemas.microsoft.com/office/drawing/2010/main" w="9525">
+              <a14:hiddenLine xmlns:a14="http://schemas.microsoft.com/office/drawing/2010/main" xmlns:p14="http://schemas.microsoft.com/office/powerpoint/2010/main" xmlns:a16="http://schemas.microsoft.com/office/drawing/2014/main" xmlns="" w="9525">
                 <a:solidFill>
                   <a:srgbClr val="000000"/>
                 </a:solidFill>
@@ -17708,7 +19030,7 @@
 </p:sld>
 </file>
 
-<file path=ppt/slides/slide16.xml><?xml version="1.0" encoding="utf-8"?>
+<file path=ppt/slides/slide17.xml><?xml version="1.0" encoding="utf-8"?>
 <p:sld xmlns:a="http://schemas.openxmlformats.org/drawingml/2006/main" xmlns:r="http://schemas.openxmlformats.org/officeDocument/2006/relationships" xmlns:p="http://schemas.openxmlformats.org/presentationml/2006/main">
   <p:cSld>
     <p:spTree>
@@ -17847,7 +19169,7 @@
           <a:ln/>
           <a:extLst>
             <a:ext uri="{91240B29-F687-4f45-9708-019B960494DF}">
-              <a14:hiddenLine xmlns="" xmlns:a14="http://schemas.microsoft.com/office/drawing/2010/main" w="9525">
+              <a14:hiddenLine xmlns:a14="http://schemas.microsoft.com/office/drawing/2010/main" xmlns="" w="9525">
                 <a:solidFill>
                   <a:srgbClr val="000000"/>
                 </a:solidFill>
@@ -18140,7 +19462,7 @@
           <a:effectLst/>
           <a:extLst>
             <a:ext uri="{91240B29-F687-4f45-9708-019B960494DF}">
-              <a14:hiddenLine xmlns="" xmlns:a16="http://schemas.microsoft.com/office/drawing/2014/main" xmlns:p14="http://schemas.microsoft.com/office/powerpoint/2010/main" xmlns:a14="http://schemas.microsoft.com/office/drawing/2010/main" w="9525">
+              <a14:hiddenLine xmlns:a14="http://schemas.microsoft.com/office/drawing/2010/main" xmlns:p14="http://schemas.microsoft.com/office/powerpoint/2010/main" xmlns:a16="http://schemas.microsoft.com/office/drawing/2014/main" xmlns="" w="9525">
                 <a:solidFill>
                   <a:srgbClr val="000000"/>
                 </a:solidFill>
@@ -18210,8 +19532,8 @@
         </p:nvSpPr>
         <p:spPr>
           <a:xfrm>
-            <a:off x="0" y="772248"/>
-            <a:ext cx="4216400" cy="5693866"/>
+            <a:off x="-2" y="2090171"/>
+            <a:ext cx="4216400" cy="2677656"/>
           </a:xfrm>
           <a:prstGeom prst="rect">
             <a:avLst/>
@@ -18243,49 +19565,7 @@
           </a:p>
           <a:p>
             <a:r>
-              <a:rPr lang="en-US" altLang="zh-CN" sz="2800" dirty="0"/>
-              <a:t>【</a:t>
-            </a:r>
-            <a:r>
-              <a:rPr lang="zh-CN" altLang="en-US" sz="2800" dirty="0"/>
-              <a:t>描述方式</a:t>
-            </a:r>
-            <a:r>
-              <a:rPr lang="en-US" altLang="zh-CN" sz="2800" dirty="0"/>
-              <a:t>】 </a:t>
-            </a:r>
-          </a:p>
-          <a:p>
-            <a:pPr lvl="1"/>
-            <a:r>
-              <a:rPr lang="zh-CN" altLang="en-US" sz="2800" dirty="0"/>
-              <a:t>起始点：实心圆 </a:t>
-            </a:r>
-          </a:p>
-          <a:p>
-            <a:pPr lvl="1"/>
-            <a:r>
-              <a:rPr lang="zh-CN" altLang="en-US" sz="2800" dirty="0"/>
-              <a:t>活动：圆角矩形 </a:t>
-            </a:r>
-          </a:p>
-          <a:p>
-            <a:pPr lvl="1"/>
-            <a:r>
-              <a:rPr lang="zh-CN" altLang="en-US" sz="2800" dirty="0"/>
-              <a:t>终止点：内部包含实心圆的圆 </a:t>
-            </a:r>
-          </a:p>
-          <a:p>
-            <a:pPr lvl="1"/>
-            <a:r>
-              <a:rPr lang="zh-CN" altLang="en-US" sz="2800" dirty="0"/>
-              <a:t>泳道：实际执行活动的对象</a:t>
-            </a:r>
-          </a:p>
-          <a:p>
-            <a:r>
-              <a:rPr lang="en-US" altLang="zh-CN" sz="2800" dirty="0"/>
+              <a:rPr lang="en-US" altLang="zh-CN" sz="2800" dirty="0" smtClean="0"/>
               <a:t>【</a:t>
             </a:r>
             <a:r>
@@ -18493,221 +19773,6 @@
                                   </p:childTnLst>
                                 </p:cTn>
                               </p:par>
-                              <p:par>
-                                <p:cTn id="11" presetID="14" presetClass="entr" presetSubtype="10" fill="hold" nodeType="withEffect">
-                                  <p:stCondLst>
-                                    <p:cond delay="0"/>
-                                  </p:stCondLst>
-                                  <p:childTnLst>
-                                    <p:set>
-                                      <p:cBhvr>
-                                        <p:cTn id="12" dur="1" fill="hold">
-                                          <p:stCondLst>
-                                            <p:cond delay="0"/>
-                                          </p:stCondLst>
-                                        </p:cTn>
-                                        <p:tgtEl>
-                                          <p:spTgt spid="6">
-                                            <p:txEl>
-                                              <p:pRg st="2" end="2"/>
-                                            </p:txEl>
-                                          </p:spTgt>
-                                        </p:tgtEl>
-                                        <p:attrNameLst>
-                                          <p:attrName>style.visibility</p:attrName>
-                                        </p:attrNameLst>
-                                      </p:cBhvr>
-                                      <p:to>
-                                        <p:strVal val="visible"/>
-                                      </p:to>
-                                    </p:set>
-                                    <p:animEffect transition="in" filter="randombar(horizontal)">
-                                      <p:cBhvr>
-                                        <p:cTn id="13" dur="500"/>
-                                        <p:tgtEl>
-                                          <p:spTgt spid="6">
-                                            <p:txEl>
-                                              <p:pRg st="2" end="2"/>
-                                            </p:txEl>
-                                          </p:spTgt>
-                                        </p:tgtEl>
-                                      </p:cBhvr>
-                                    </p:animEffect>
-                                  </p:childTnLst>
-                                </p:cTn>
-                              </p:par>
-                              <p:par>
-                                <p:cTn id="14" presetID="14" presetClass="entr" presetSubtype="10" fill="hold" nodeType="withEffect">
-                                  <p:stCondLst>
-                                    <p:cond delay="0"/>
-                                  </p:stCondLst>
-                                  <p:childTnLst>
-                                    <p:set>
-                                      <p:cBhvr>
-                                        <p:cTn id="15" dur="1" fill="hold">
-                                          <p:stCondLst>
-                                            <p:cond delay="0"/>
-                                          </p:stCondLst>
-                                        </p:cTn>
-                                        <p:tgtEl>
-                                          <p:spTgt spid="6">
-                                            <p:txEl>
-                                              <p:pRg st="3" end="3"/>
-                                            </p:txEl>
-                                          </p:spTgt>
-                                        </p:tgtEl>
-                                        <p:attrNameLst>
-                                          <p:attrName>style.visibility</p:attrName>
-                                        </p:attrNameLst>
-                                      </p:cBhvr>
-                                      <p:to>
-                                        <p:strVal val="visible"/>
-                                      </p:to>
-                                    </p:set>
-                                    <p:animEffect transition="in" filter="randombar(horizontal)">
-                                      <p:cBhvr>
-                                        <p:cTn id="16" dur="500"/>
-                                        <p:tgtEl>
-                                          <p:spTgt spid="6">
-                                            <p:txEl>
-                                              <p:pRg st="3" end="3"/>
-                                            </p:txEl>
-                                          </p:spTgt>
-                                        </p:tgtEl>
-                                      </p:cBhvr>
-                                    </p:animEffect>
-                                  </p:childTnLst>
-                                </p:cTn>
-                              </p:par>
-                              <p:par>
-                                <p:cTn id="17" presetID="14" presetClass="entr" presetSubtype="10" fill="hold" nodeType="withEffect">
-                                  <p:stCondLst>
-                                    <p:cond delay="0"/>
-                                  </p:stCondLst>
-                                  <p:childTnLst>
-                                    <p:set>
-                                      <p:cBhvr>
-                                        <p:cTn id="18" dur="1" fill="hold">
-                                          <p:stCondLst>
-                                            <p:cond delay="0"/>
-                                          </p:stCondLst>
-                                        </p:cTn>
-                                        <p:tgtEl>
-                                          <p:spTgt spid="6">
-                                            <p:txEl>
-                                              <p:pRg st="4" end="4"/>
-                                            </p:txEl>
-                                          </p:spTgt>
-                                        </p:tgtEl>
-                                        <p:attrNameLst>
-                                          <p:attrName>style.visibility</p:attrName>
-                                        </p:attrNameLst>
-                                      </p:cBhvr>
-                                      <p:to>
-                                        <p:strVal val="visible"/>
-                                      </p:to>
-                                    </p:set>
-                                    <p:animEffect transition="in" filter="randombar(horizontal)">
-                                      <p:cBhvr>
-                                        <p:cTn id="19" dur="500"/>
-                                        <p:tgtEl>
-                                          <p:spTgt spid="6">
-                                            <p:txEl>
-                                              <p:pRg st="4" end="4"/>
-                                            </p:txEl>
-                                          </p:spTgt>
-                                        </p:tgtEl>
-                                      </p:cBhvr>
-                                    </p:animEffect>
-                                  </p:childTnLst>
-                                </p:cTn>
-                              </p:par>
-                              <p:par>
-                                <p:cTn id="20" presetID="14" presetClass="entr" presetSubtype="10" fill="hold" nodeType="withEffect">
-                                  <p:stCondLst>
-                                    <p:cond delay="0"/>
-                                  </p:stCondLst>
-                                  <p:childTnLst>
-                                    <p:set>
-                                      <p:cBhvr>
-                                        <p:cTn id="21" dur="1" fill="hold">
-                                          <p:stCondLst>
-                                            <p:cond delay="0"/>
-                                          </p:stCondLst>
-                                        </p:cTn>
-                                        <p:tgtEl>
-                                          <p:spTgt spid="6">
-                                            <p:txEl>
-                                              <p:pRg st="5" end="5"/>
-                                            </p:txEl>
-                                          </p:spTgt>
-                                        </p:tgtEl>
-                                        <p:attrNameLst>
-                                          <p:attrName>style.visibility</p:attrName>
-                                        </p:attrNameLst>
-                                      </p:cBhvr>
-                                      <p:to>
-                                        <p:strVal val="visible"/>
-                                      </p:to>
-                                    </p:set>
-                                    <p:animEffect transition="in" filter="randombar(horizontal)">
-                                      <p:cBhvr>
-                                        <p:cTn id="22" dur="500"/>
-                                        <p:tgtEl>
-                                          <p:spTgt spid="6">
-                                            <p:txEl>
-                                              <p:pRg st="5" end="5"/>
-                                            </p:txEl>
-                                          </p:spTgt>
-                                        </p:tgtEl>
-                                      </p:cBhvr>
-                                    </p:animEffect>
-                                  </p:childTnLst>
-                                </p:cTn>
-                              </p:par>
-                              <p:par>
-                                <p:cTn id="23" presetID="14" presetClass="entr" presetSubtype="10" fill="hold" nodeType="withEffect">
-                                  <p:stCondLst>
-                                    <p:cond delay="0"/>
-                                  </p:stCondLst>
-                                  <p:childTnLst>
-                                    <p:set>
-                                      <p:cBhvr>
-                                        <p:cTn id="24" dur="1" fill="hold">
-                                          <p:stCondLst>
-                                            <p:cond delay="0"/>
-                                          </p:stCondLst>
-                                        </p:cTn>
-                                        <p:tgtEl>
-                                          <p:spTgt spid="6">
-                                            <p:txEl>
-                                              <p:pRg st="6" end="6"/>
-                                            </p:txEl>
-                                          </p:spTgt>
-                                        </p:tgtEl>
-                                        <p:attrNameLst>
-                                          <p:attrName>style.visibility</p:attrName>
-                                        </p:attrNameLst>
-                                      </p:cBhvr>
-                                      <p:to>
-                                        <p:strVal val="visible"/>
-                                      </p:to>
-                                    </p:set>
-                                    <p:animEffect transition="in" filter="randombar(horizontal)">
-                                      <p:cBhvr>
-                                        <p:cTn id="25" dur="500"/>
-                                        <p:tgtEl>
-                                          <p:spTgt spid="6">
-                                            <p:txEl>
-                                              <p:pRg st="6" end="6"/>
-                                            </p:txEl>
-                                          </p:spTgt>
-                                        </p:tgtEl>
-                                      </p:cBhvr>
-                                    </p:animEffect>
-                                  </p:childTnLst>
-                                </p:cTn>
-                              </p:par>
                             </p:childTnLst>
                           </p:cTn>
                         </p:par>
@@ -18739,7 +19804,7 @@
 </p:sld>
 </file>
 
-<file path=ppt/slides/slide17.xml><?xml version="1.0" encoding="utf-8"?>
+<file path=ppt/slides/slide18.xml><?xml version="1.0" encoding="utf-8"?>
 <p:sld xmlns:a="http://schemas.openxmlformats.org/drawingml/2006/main" xmlns:r="http://schemas.openxmlformats.org/officeDocument/2006/relationships" xmlns:p="http://schemas.openxmlformats.org/presentationml/2006/main">
   <p:cSld>
     <p:spTree>
@@ -18878,7 +19943,7 @@
           <a:ln/>
           <a:extLst>
             <a:ext uri="{91240B29-F687-4f45-9708-019B960494DF}">
-              <a14:hiddenLine xmlns="" xmlns:a14="http://schemas.microsoft.com/office/drawing/2010/main" w="9525">
+              <a14:hiddenLine xmlns:a14="http://schemas.microsoft.com/office/drawing/2010/main" xmlns="" w="9525">
                 <a:solidFill>
                   <a:srgbClr val="000000"/>
                 </a:solidFill>
@@ -19206,7 +20271,7 @@
           <a:effectLst/>
           <a:extLst>
             <a:ext uri="{91240B29-F687-4f45-9708-019B960494DF}">
-              <a14:hiddenLine xmlns="" xmlns:a16="http://schemas.microsoft.com/office/drawing/2014/main" xmlns:p14="http://schemas.microsoft.com/office/powerpoint/2010/main" xmlns:a14="http://schemas.microsoft.com/office/drawing/2010/main" w="9525">
+              <a14:hiddenLine xmlns:a14="http://schemas.microsoft.com/office/drawing/2010/main" xmlns:p14="http://schemas.microsoft.com/office/powerpoint/2010/main" xmlns:a16="http://schemas.microsoft.com/office/drawing/2014/main" xmlns="" w="9525">
                 <a:solidFill>
                   <a:srgbClr val="000000"/>
                 </a:solidFill>
@@ -19277,8 +20342,8 @@
         </p:nvSpPr>
         <p:spPr>
           <a:xfrm>
-            <a:off x="8191525" y="1164134"/>
-            <a:ext cx="3766795" cy="5693866"/>
+            <a:off x="8191525" y="1743254"/>
+            <a:ext cx="3766795" cy="3539430"/>
           </a:xfrm>
           <a:prstGeom prst="rect">
             <a:avLst/>
@@ -19317,33 +20382,7 @@
           </a:p>
           <a:p>
             <a:r>
-              <a:rPr lang="en-US" altLang="zh-CN" sz="2800" dirty="0">
-                <a:latin typeface="+mn-ea"/>
-              </a:rPr>
-              <a:t>【</a:t>
-            </a:r>
-            <a:r>
-              <a:rPr lang="zh-CN" altLang="en-US" sz="2800" dirty="0">
-                <a:latin typeface="+mn-ea"/>
-              </a:rPr>
-              <a:t>描述方式</a:t>
-            </a:r>
-            <a:r>
-              <a:rPr lang="en-US" altLang="zh-CN" sz="2800" dirty="0">
-                <a:latin typeface="+mn-ea"/>
-              </a:rPr>
-              <a:t>】</a:t>
-            </a:r>
-            <a:r>
-              <a:rPr lang="zh-CN" altLang="en-US" sz="2800" dirty="0">
-                <a:latin typeface="+mn-ea"/>
-              </a:rPr>
-              <a:t>横跨图的顶部，每个框表示每个类的实例或对象；类实例名称和类名称使用冒号分开</a:t>
-            </a:r>
-          </a:p>
-          <a:p>
-            <a:r>
-              <a:rPr lang="en-US" altLang="zh-CN" sz="2800" dirty="0">
+              <a:rPr lang="en-US" altLang="zh-CN" sz="2800" dirty="0" smtClean="0">
                 <a:latin typeface="+mn-ea"/>
               </a:rPr>
               <a:t>【</a:t>
@@ -19553,49 +20592,6 @@
                                   </p:childTnLst>
                                 </p:cTn>
                               </p:par>
-                              <p:par>
-                                <p:cTn id="11" presetID="14" presetClass="entr" presetSubtype="10" fill="hold" nodeType="withEffect">
-                                  <p:stCondLst>
-                                    <p:cond delay="0"/>
-                                  </p:stCondLst>
-                                  <p:childTnLst>
-                                    <p:set>
-                                      <p:cBhvr>
-                                        <p:cTn id="12" dur="1" fill="hold">
-                                          <p:stCondLst>
-                                            <p:cond delay="0"/>
-                                          </p:stCondLst>
-                                        </p:cTn>
-                                        <p:tgtEl>
-                                          <p:spTgt spid="4">
-                                            <p:txEl>
-                                              <p:pRg st="2" end="2"/>
-                                            </p:txEl>
-                                          </p:spTgt>
-                                        </p:tgtEl>
-                                        <p:attrNameLst>
-                                          <p:attrName>style.visibility</p:attrName>
-                                        </p:attrNameLst>
-                                      </p:cBhvr>
-                                      <p:to>
-                                        <p:strVal val="visible"/>
-                                      </p:to>
-                                    </p:set>
-                                    <p:animEffect transition="in" filter="randombar(horizontal)">
-                                      <p:cBhvr>
-                                        <p:cTn id="13" dur="500"/>
-                                        <p:tgtEl>
-                                          <p:spTgt spid="4">
-                                            <p:txEl>
-                                              <p:pRg st="2" end="2"/>
-                                            </p:txEl>
-                                          </p:spTgt>
-                                        </p:tgtEl>
-                                      </p:cBhvr>
-                                    </p:animEffect>
-                                  </p:childTnLst>
-                                </p:cTn>
-                              </p:par>
                             </p:childTnLst>
                           </p:cTn>
                         </p:par>
@@ -19627,7 +20623,7 @@
 </p:sld>
 </file>
 
-<file path=ppt/slides/slide18.xml><?xml version="1.0" encoding="utf-8"?>
+<file path=ppt/slides/slide19.xml><?xml version="1.0" encoding="utf-8"?>
 <p:sld xmlns:a="http://schemas.openxmlformats.org/drawingml/2006/main" xmlns:r="http://schemas.openxmlformats.org/officeDocument/2006/relationships" xmlns:p="http://schemas.openxmlformats.org/presentationml/2006/main">
   <p:cSld>
     <p:spTree>
@@ -19766,7 +20762,7 @@
           <a:ln/>
           <a:extLst>
             <a:ext uri="{91240B29-F687-4f45-9708-019B960494DF}">
-              <a14:hiddenLine xmlns="" xmlns:a14="http://schemas.microsoft.com/office/drawing/2010/main" w="9525">
+              <a14:hiddenLine xmlns:a14="http://schemas.microsoft.com/office/drawing/2010/main" xmlns="" w="9525">
                 <a:solidFill>
                   <a:srgbClr val="000000"/>
                 </a:solidFill>
@@ -20059,7 +21055,7 @@
           <a:effectLst/>
           <a:extLst>
             <a:ext uri="{91240B29-F687-4f45-9708-019B960494DF}">
-              <a14:hiddenLine xmlns="" xmlns:a16="http://schemas.microsoft.com/office/drawing/2014/main" xmlns:p14="http://schemas.microsoft.com/office/powerpoint/2010/main" xmlns:a14="http://schemas.microsoft.com/office/drawing/2010/main" w="9525">
+              <a14:hiddenLine xmlns:a14="http://schemas.microsoft.com/office/drawing/2010/main" xmlns:p14="http://schemas.microsoft.com/office/powerpoint/2010/main" xmlns:a16="http://schemas.microsoft.com/office/drawing/2014/main" xmlns="" w="9525">
                 <a:solidFill>
                   <a:srgbClr val="000000"/>
                 </a:solidFill>
@@ -20134,7 +21130,7 @@
         <p:spPr>
           <a:xfrm>
             <a:off x="314112" y="2413336"/>
-            <a:ext cx="4216400" cy="1384995"/>
+            <a:ext cx="4216400" cy="3108543"/>
           </a:xfrm>
           <a:prstGeom prst="rect">
             <a:avLst/>
@@ -20171,6 +21167,43 @@
               </a:rPr>
               <a:t>描述对象之间的合作关系，侧重对象之间的消息传递 </a:t>
             </a:r>
+            <a:endParaRPr lang="en-US" altLang="zh-CN" sz="2800" dirty="0" smtClean="0">
+              <a:latin typeface="+mn-ea"/>
+            </a:endParaRPr>
+          </a:p>
+          <a:p>
+            <a:r>
+              <a:rPr lang="en-US" altLang="zh-CN" sz="2800" dirty="0">
+                <a:latin typeface="+mn-ea"/>
+              </a:rPr>
+              <a:t>【</a:t>
+            </a:r>
+            <a:r>
+              <a:rPr lang="zh-CN" altLang="en-US" sz="2800" dirty="0">
+                <a:latin typeface="+mn-ea"/>
+              </a:rPr>
+              <a:t>目的</a:t>
+            </a:r>
+            <a:r>
+              <a:rPr lang="en-US" altLang="zh-CN" sz="2800" dirty="0" smtClean="0">
+                <a:latin typeface="+mn-ea"/>
+              </a:rPr>
+              <a:t>】</a:t>
+            </a:r>
+            <a:r>
+              <a:rPr lang="zh-CN" altLang="en-US" sz="2800" dirty="0" smtClean="0">
+                <a:latin typeface="+mn-ea"/>
+              </a:rPr>
+              <a:t>显示对象及其交互关系的空间组织结构，而非交互的顺序</a:t>
+            </a:r>
+            <a:endParaRPr lang="zh-CN" altLang="en-US" sz="2800" dirty="0">
+              <a:latin typeface="+mn-ea"/>
+            </a:endParaRPr>
+          </a:p>
+          <a:p>
+            <a:endParaRPr lang="zh-CN" altLang="en-US" sz="2800" dirty="0">
+              <a:latin typeface="+mn-ea"/>
+            </a:endParaRPr>
           </a:p>
         </p:txBody>
       </p:sp>
@@ -20326,809 +21359,33 @@
                       </p:childTnLst>
                     </p:cTn>
                   </p:par>
-                </p:childTnLst>
-              </p:cTn>
-              <p:prevCondLst>
-                <p:cond evt="onPrev" delay="0">
-                  <p:tgtEl>
-                    <p:sldTgt/>
-                  </p:tgtEl>
-                </p:cond>
-              </p:prevCondLst>
-              <p:nextCondLst>
-                <p:cond evt="onNext" delay="0">
-                  <p:tgtEl>
-                    <p:sldTgt/>
-                  </p:tgtEl>
-                </p:cond>
-              </p:nextCondLst>
-            </p:seq>
-          </p:childTnLst>
-        </p:cTn>
-      </p:par>
-    </p:tnLst>
-  </p:timing>
-</p:sld>
-</file>
-
-<file path=ppt/slides/slide19.xml><?xml version="1.0" encoding="utf-8"?>
-<p:sld xmlns:a="http://schemas.openxmlformats.org/drawingml/2006/main" xmlns:r="http://schemas.openxmlformats.org/officeDocument/2006/relationships" xmlns:p="http://schemas.openxmlformats.org/presentationml/2006/main">
-  <p:cSld>
-    <p:spTree>
-      <p:nvGrpSpPr>
-        <p:cNvPr id="1" name=""/>
-        <p:cNvGrpSpPr/>
-        <p:nvPr/>
-      </p:nvGrpSpPr>
-      <p:grpSpPr>
-        <a:xfrm>
-          <a:off x="0" y="0"/>
-          <a:ext cx="0" cy="0"/>
-          <a:chOff x="0" y="0"/>
-          <a:chExt cx="0" cy="0"/>
-        </a:xfrm>
-      </p:grpSpPr>
-      <p:sp>
-        <p:nvSpPr>
-          <p:cNvPr id="9" name="Rectangle 8"/>
-          <p:cNvSpPr>
-            <a:spLocks noGrp="1" noRot="1" noChangeAspect="1" noMove="1" noResize="1" noEditPoints="1" noAdjustHandles="1" noChangeArrowheads="1" noChangeShapeType="1" noTextEdit="1"/>
-          </p:cNvSpPr>
-          <p:nvPr>
-            <p:extLst>
-              <p:ext uri="{386F3935-93C4-4BCD-93E2-E3B085C9AB24}">
-                <p16:designElem xmlns:p16="http://schemas.microsoft.com/office/powerpoint/2015/main" val="1"/>
-              </p:ext>
-            </p:extLst>
-          </p:nvPr>
-        </p:nvSpPr>
-        <p:spPr bwMode="white">
-          <a:xfrm>
-            <a:off x="0" y="0"/>
-            <a:ext cx="12192000" cy="6858000"/>
-          </a:xfrm>
-          <a:prstGeom prst="rect">
-            <a:avLst/>
-          </a:prstGeom>
-          <a:solidFill>
-            <a:schemeClr val="bg2"/>
-          </a:solidFill>
-          <a:ln>
-            <a:noFill/>
-          </a:ln>
-          <a:effectLst/>
-        </p:spPr>
-      </p:sp>
-      <p:sp>
-        <p:nvSpPr>
-          <p:cNvPr id="11" name="Freeform 6">
-            <a:extLst>
-              <a:ext uri="{FF2B5EF4-FFF2-40B4-BE49-F238E27FC236}">
-                <a16:creationId xmlns:a16="http://schemas.microsoft.com/office/drawing/2014/main" id="{8EE457FF-670E-4EC1-ACD4-1173DA9A7975}"/>
-              </a:ext>
-            </a:extLst>
-          </p:cNvPr>
-          <p:cNvSpPr>
-            <a:spLocks noGrp="1" noRot="1" noChangeAspect="1" noMove="1" noResize="1" noEditPoints="1" noAdjustHandles="1" noChangeArrowheads="1" noChangeShapeType="1" noTextEdit="1"/>
-          </p:cNvSpPr>
-          <p:nvPr>
-            <p:extLst>
-              <p:ext uri="{386F3935-93C4-4BCD-93E2-E3B085C9AB24}">
-                <p16:designElem xmlns:p16="http://schemas.microsoft.com/office/powerpoint/2015/main" val="1"/>
-              </p:ext>
-            </p:extLst>
-          </p:nvPr>
-        </p:nvSpPr>
-        <p:spPr bwMode="auto">
-          <a:xfrm>
-            <a:off x="0" y="0"/>
-            <a:ext cx="12192000" cy="2185988"/>
-          </a:xfrm>
-          <a:custGeom>
-            <a:avLst/>
-            <a:gdLst/>
-            <a:ahLst/>
-            <a:cxnLst/>
-            <a:rect l="0" t="0" r="r" b="b"/>
-            <a:pathLst>
-              <a:path w="5760" h="1377">
-                <a:moveTo>
-                  <a:pt x="5760" y="0"/>
-                </a:moveTo>
-                <a:lnTo>
-                  <a:pt x="0" y="0"/>
-                </a:lnTo>
-                <a:lnTo>
-                  <a:pt x="0" y="1189"/>
-                </a:lnTo>
-                <a:lnTo>
-                  <a:pt x="943" y="1189"/>
-                </a:lnTo>
-                <a:lnTo>
-                  <a:pt x="1123" y="1369"/>
-                </a:lnTo>
-                <a:lnTo>
-                  <a:pt x="1123" y="1369"/>
-                </a:lnTo>
-                <a:lnTo>
-                  <a:pt x="1127" y="1371"/>
-                </a:lnTo>
-                <a:lnTo>
-                  <a:pt x="1133" y="1374"/>
-                </a:lnTo>
-                <a:lnTo>
-                  <a:pt x="1139" y="1377"/>
-                </a:lnTo>
-                <a:lnTo>
-                  <a:pt x="1144" y="1377"/>
-                </a:lnTo>
-                <a:lnTo>
-                  <a:pt x="1150" y="1377"/>
-                </a:lnTo>
-                <a:lnTo>
-                  <a:pt x="1155" y="1374"/>
-                </a:lnTo>
-                <a:lnTo>
-                  <a:pt x="1161" y="1371"/>
-                </a:lnTo>
-                <a:lnTo>
-                  <a:pt x="1165" y="1369"/>
-                </a:lnTo>
-                <a:lnTo>
-                  <a:pt x="1345" y="1189"/>
-                </a:lnTo>
-                <a:lnTo>
-                  <a:pt x="5760" y="1189"/>
-                </a:lnTo>
-                <a:lnTo>
-                  <a:pt x="5760" y="0"/>
-                </a:lnTo>
-                <a:close/>
-              </a:path>
-            </a:pathLst>
-          </a:custGeom>
-          <a:ln/>
-          <a:extLst>
-            <a:ext uri="{91240B29-F687-4f45-9708-019B960494DF}">
-              <a14:hiddenLine xmlns="" xmlns:a14="http://schemas.microsoft.com/office/drawing/2010/main" w="9525">
-                <a:solidFill>
-                  <a:srgbClr val="000000"/>
-                </a:solidFill>
-                <a:round/>
-                <a:headEnd/>
-                <a:tailEnd/>
-              </a14:hiddenLine>
-            </a:ext>
-          </a:extLst>
-        </p:spPr>
-        <p:style>
-          <a:lnRef idx="1">
-            <a:schemeClr val="accent1"/>
-          </a:lnRef>
-          <a:fillRef idx="3">
-            <a:schemeClr val="accent1"/>
-          </a:fillRef>
-          <a:effectRef idx="2">
-            <a:schemeClr val="accent1"/>
-          </a:effectRef>
-          <a:fontRef idx="minor">
-            <a:schemeClr val="lt1"/>
-          </a:fontRef>
-        </p:style>
-      </p:sp>
-      <p:sp>
-        <p:nvSpPr>
-          <p:cNvPr id="13" name="Rectangle 12">
-            <a:extLst>
-              <a:ext uri="{FF2B5EF4-FFF2-40B4-BE49-F238E27FC236}">
-                <a16:creationId xmlns:a16="http://schemas.microsoft.com/office/drawing/2014/main" id="{089A69AF-D57B-49B4-886C-D4A5DC194421}"/>
-              </a:ext>
-            </a:extLst>
-          </p:cNvPr>
-          <p:cNvSpPr>
-            <a:spLocks noGrp="1" noRot="1" noChangeAspect="1" noMove="1" noResize="1" noEditPoints="1" noAdjustHandles="1" noChangeArrowheads="1" noChangeShapeType="1" noTextEdit="1"/>
-          </p:cNvSpPr>
-          <p:nvPr>
-            <p:extLst>
-              <p:ext uri="{386F3935-93C4-4BCD-93E2-E3B085C9AB24}">
-                <p16:designElem xmlns:p16="http://schemas.microsoft.com/office/powerpoint/2015/main" val="1"/>
-              </p:ext>
-            </p:extLst>
-          </p:nvPr>
-        </p:nvSpPr>
-        <p:spPr>
-          <a:xfrm>
-            <a:off x="0" y="0"/>
-            <a:ext cx="12192000" cy="6858000"/>
-          </a:xfrm>
-          <a:prstGeom prst="rect">
-            <a:avLst/>
-          </a:prstGeom>
-          <a:solidFill>
-            <a:schemeClr val="accent1"/>
-          </a:solidFill>
-          <a:ln>
-            <a:noFill/>
-          </a:ln>
-        </p:spPr>
-        <p:style>
-          <a:lnRef idx="2">
-            <a:schemeClr val="accent1">
-              <a:shade val="50000"/>
-            </a:schemeClr>
-          </a:lnRef>
-          <a:fillRef idx="1">
-            <a:schemeClr val="accent1"/>
-          </a:fillRef>
-          <a:effectRef idx="0">
-            <a:schemeClr val="accent1"/>
-          </a:effectRef>
-          <a:fontRef idx="minor">
-            <a:schemeClr val="lt1"/>
-          </a:fontRef>
-        </p:style>
-        <p:txBody>
-          <a:bodyPr rtlCol="0" anchor="ctr"/>
-          <a:lstStyle/>
-          <a:p>
-            <a:pPr algn="ctr"/>
-            <a:endParaRPr lang="en-US"/>
-          </a:p>
-        </p:txBody>
-      </p:sp>
-      <p:sp useBgFill="1">
-        <p:nvSpPr>
-          <p:cNvPr id="15" name="Freeform: Shape 14">
-            <a:extLst>
-              <a:ext uri="{FF2B5EF4-FFF2-40B4-BE49-F238E27FC236}">
-                <a16:creationId xmlns:a16="http://schemas.microsoft.com/office/drawing/2014/main" id="{68F2977E-E0AE-4EB4-A059-59E908EB862A}"/>
-              </a:ext>
-            </a:extLst>
-          </p:cNvPr>
-          <p:cNvSpPr>
-            <a:spLocks noGrp="1" noRot="1" noChangeAspect="1" noMove="1" noResize="1" noEditPoints="1" noAdjustHandles="1" noChangeArrowheads="1" noChangeShapeType="1" noTextEdit="1"/>
-          </p:cNvSpPr>
-          <p:nvPr>
-            <p:extLst>
-              <p:ext uri="{386F3935-93C4-4BCD-93E2-E3B085C9AB24}">
-                <p16:designElem xmlns:p16="http://schemas.microsoft.com/office/powerpoint/2015/main" val="1"/>
-              </p:ext>
-            </p:extLst>
-          </p:nvPr>
-        </p:nvSpPr>
-        <p:spPr bwMode="auto">
-          <a:xfrm rot="16200000">
-            <a:off x="666761" y="-666761"/>
-            <a:ext cx="6858002" cy="8191524"/>
-          </a:xfrm>
-          <a:custGeom>
-            <a:avLst/>
-            <a:gdLst>
-              <a:gd name="connsiteX0" fmla="*/ 6858002 w 6858002"/>
-              <a:gd name="connsiteY0" fmla="*/ 6080676 h 8191524"/>
-              <a:gd name="connsiteX1" fmla="*/ 3829244 w 6858002"/>
-              <a:gd name="connsiteY1" fmla="*/ 8068294 h 8191524"/>
-              <a:gd name="connsiteX2" fmla="*/ 3827371 w 6858002"/>
-              <a:gd name="connsiteY2" fmla="*/ 8069839 h 8191524"/>
-              <a:gd name="connsiteX3" fmla="*/ 3824585 w 6858002"/>
-              <a:gd name="connsiteY3" fmla="*/ 8071350 h 8191524"/>
-              <a:gd name="connsiteX4" fmla="*/ 3798695 w 6858002"/>
-              <a:gd name="connsiteY4" fmla="*/ 8088342 h 8191524"/>
-              <a:gd name="connsiteX5" fmla="*/ 3785013 w 6858002"/>
-              <a:gd name="connsiteY5" fmla="*/ 8092830 h 8191524"/>
-              <a:gd name="connsiteX6" fmla="*/ 3706341 w 6858002"/>
-              <a:gd name="connsiteY6" fmla="*/ 8135531 h 8191524"/>
-              <a:gd name="connsiteX7" fmla="*/ 3429000 w 6858002"/>
-              <a:gd name="connsiteY7" fmla="*/ 8191524 h 8191524"/>
-              <a:gd name="connsiteX8" fmla="*/ 3151660 w 6858002"/>
-              <a:gd name="connsiteY8" fmla="*/ 8135531 h 8191524"/>
-              <a:gd name="connsiteX9" fmla="*/ 3072998 w 6858002"/>
-              <a:gd name="connsiteY9" fmla="*/ 8092835 h 8191524"/>
-              <a:gd name="connsiteX10" fmla="*/ 3059300 w 6858002"/>
-              <a:gd name="connsiteY10" fmla="*/ 8088342 h 8191524"/>
-              <a:gd name="connsiteX11" fmla="*/ 3033385 w 6858002"/>
-              <a:gd name="connsiteY11" fmla="*/ 8071334 h 8191524"/>
-              <a:gd name="connsiteX12" fmla="*/ 3030629 w 6858002"/>
-              <a:gd name="connsiteY12" fmla="*/ 8069839 h 8191524"/>
-              <a:gd name="connsiteX13" fmla="*/ 3028777 w 6858002"/>
-              <a:gd name="connsiteY13" fmla="*/ 8068310 h 8191524"/>
-              <a:gd name="connsiteX14" fmla="*/ 2 w 6858002"/>
-              <a:gd name="connsiteY14" fmla="*/ 6080676 h 8191524"/>
-              <a:gd name="connsiteX15" fmla="*/ 6858002 w 6858002"/>
-              <a:gd name="connsiteY15" fmla="*/ 0 h 8191524"/>
-              <a:gd name="connsiteX16" fmla="*/ 6858002 w 6858002"/>
-              <a:gd name="connsiteY16" fmla="*/ 2634972 h 8191524"/>
-              <a:gd name="connsiteX17" fmla="*/ 6858002 w 6858002"/>
-              <a:gd name="connsiteY17" fmla="*/ 2984308 h 8191524"/>
-              <a:gd name="connsiteX18" fmla="*/ 6858002 w 6858002"/>
-              <a:gd name="connsiteY18" fmla="*/ 3291840 h 8191524"/>
-              <a:gd name="connsiteX19" fmla="*/ 6858002 w 6858002"/>
-              <a:gd name="connsiteY19" fmla="*/ 6080675 h 8191524"/>
-              <a:gd name="connsiteX20" fmla="*/ 2 w 6858002"/>
-              <a:gd name="connsiteY20" fmla="*/ 6080675 h 8191524"/>
-              <a:gd name="connsiteX21" fmla="*/ 2 w 6858002"/>
-              <a:gd name="connsiteY21" fmla="*/ 3291840 h 8191524"/>
-              <a:gd name="connsiteX22" fmla="*/ 0 w 6858002"/>
-              <a:gd name="connsiteY22" fmla="*/ 3291840 h 8191524"/>
-              <a:gd name="connsiteX23" fmla="*/ 0 w 6858002"/>
-              <a:gd name="connsiteY23" fmla="*/ 0 h 8191524"/>
-            </a:gdLst>
-            <a:ahLst/>
-            <a:cxnLst>
-              <a:cxn ang="0">
-                <a:pos x="connsiteX0" y="connsiteY0"/>
-              </a:cxn>
-              <a:cxn ang="0">
-                <a:pos x="connsiteX1" y="connsiteY1"/>
-              </a:cxn>
-              <a:cxn ang="0">
-                <a:pos x="connsiteX2" y="connsiteY2"/>
-              </a:cxn>
-              <a:cxn ang="0">
-                <a:pos x="connsiteX3" y="connsiteY3"/>
-              </a:cxn>
-              <a:cxn ang="0">
-                <a:pos x="connsiteX4" y="connsiteY4"/>
-              </a:cxn>
-              <a:cxn ang="0">
-                <a:pos x="connsiteX5" y="connsiteY5"/>
-              </a:cxn>
-              <a:cxn ang="0">
-                <a:pos x="connsiteX6" y="connsiteY6"/>
-              </a:cxn>
-              <a:cxn ang="0">
-                <a:pos x="connsiteX7" y="connsiteY7"/>
-              </a:cxn>
-              <a:cxn ang="0">
-                <a:pos x="connsiteX8" y="connsiteY8"/>
-              </a:cxn>
-              <a:cxn ang="0">
-                <a:pos x="connsiteX9" y="connsiteY9"/>
-              </a:cxn>
-              <a:cxn ang="0">
-                <a:pos x="connsiteX10" y="connsiteY10"/>
-              </a:cxn>
-              <a:cxn ang="0">
-                <a:pos x="connsiteX11" y="connsiteY11"/>
-              </a:cxn>
-              <a:cxn ang="0">
-                <a:pos x="connsiteX12" y="connsiteY12"/>
-              </a:cxn>
-              <a:cxn ang="0">
-                <a:pos x="connsiteX13" y="connsiteY13"/>
-              </a:cxn>
-              <a:cxn ang="0">
-                <a:pos x="connsiteX14" y="connsiteY14"/>
-              </a:cxn>
-              <a:cxn ang="0">
-                <a:pos x="connsiteX15" y="connsiteY15"/>
-              </a:cxn>
-              <a:cxn ang="0">
-                <a:pos x="connsiteX16" y="connsiteY16"/>
-              </a:cxn>
-              <a:cxn ang="0">
-                <a:pos x="connsiteX17" y="connsiteY17"/>
-              </a:cxn>
-              <a:cxn ang="0">
-                <a:pos x="connsiteX18" y="connsiteY18"/>
-              </a:cxn>
-              <a:cxn ang="0">
-                <a:pos x="connsiteX19" y="connsiteY19"/>
-              </a:cxn>
-              <a:cxn ang="0">
-                <a:pos x="connsiteX20" y="connsiteY20"/>
-              </a:cxn>
-              <a:cxn ang="0">
-                <a:pos x="connsiteX21" y="connsiteY21"/>
-              </a:cxn>
-              <a:cxn ang="0">
-                <a:pos x="connsiteX22" y="connsiteY22"/>
-              </a:cxn>
-              <a:cxn ang="0">
-                <a:pos x="connsiteX23" y="connsiteY23"/>
-              </a:cxn>
-            </a:cxnLst>
-            <a:rect l="l" t="t" r="r" b="b"/>
-            <a:pathLst>
-              <a:path w="6858002" h="8191524">
-                <a:moveTo>
-                  <a:pt x="6858002" y="6080676"/>
-                </a:moveTo>
-                <a:lnTo>
-                  <a:pt x="3829244" y="8068294"/>
-                </a:lnTo>
-                <a:lnTo>
-                  <a:pt x="3827371" y="8069839"/>
-                </a:lnTo>
-                <a:lnTo>
-                  <a:pt x="3824585" y="8071350"/>
-                </a:lnTo>
-                <a:lnTo>
-                  <a:pt x="3798695" y="8088342"/>
-                </a:lnTo>
-                <a:lnTo>
-                  <a:pt x="3785013" y="8092830"/>
-                </a:lnTo>
-                <a:lnTo>
-                  <a:pt x="3706341" y="8135531"/>
-                </a:lnTo>
-                <a:cubicBezTo>
-                  <a:pt x="3621098" y="8171586"/>
-                  <a:pt x="3527377" y="8191524"/>
-                  <a:pt x="3429000" y="8191524"/>
-                </a:cubicBezTo>
-                <a:cubicBezTo>
-                  <a:pt x="3330623" y="8191524"/>
-                  <a:pt x="3236903" y="8171586"/>
-                  <a:pt x="3151660" y="8135531"/>
-                </a:cubicBezTo>
-                <a:lnTo>
-                  <a:pt x="3072998" y="8092835"/>
-                </a:lnTo>
-                <a:lnTo>
-                  <a:pt x="3059300" y="8088342"/>
-                </a:lnTo>
-                <a:lnTo>
-                  <a:pt x="3033385" y="8071334"/>
-                </a:lnTo>
-                <a:lnTo>
-                  <a:pt x="3030629" y="8069839"/>
-                </a:lnTo>
-                <a:lnTo>
-                  <a:pt x="3028777" y="8068310"/>
-                </a:lnTo>
-                <a:lnTo>
-                  <a:pt x="2" y="6080676"/>
-                </a:lnTo>
-                <a:close/>
-                <a:moveTo>
-                  <a:pt x="6858002" y="0"/>
-                </a:moveTo>
-                <a:lnTo>
-                  <a:pt x="6858002" y="2634972"/>
-                </a:lnTo>
-                <a:lnTo>
-                  <a:pt x="6858002" y="2984308"/>
-                </a:lnTo>
-                <a:lnTo>
-                  <a:pt x="6858002" y="3291840"/>
-                </a:lnTo>
-                <a:lnTo>
-                  <a:pt x="6858002" y="6080675"/>
-                </a:lnTo>
-                <a:lnTo>
-                  <a:pt x="2" y="6080675"/>
-                </a:lnTo>
-                <a:lnTo>
-                  <a:pt x="2" y="3291840"/>
-                </a:lnTo>
-                <a:lnTo>
-                  <a:pt x="0" y="3291840"/>
-                </a:lnTo>
-                <a:lnTo>
-                  <a:pt x="0" y="0"/>
-                </a:lnTo>
-                <a:close/>
-              </a:path>
-            </a:pathLst>
-          </a:custGeom>
-          <a:ln>
-            <a:noFill/>
-          </a:ln>
-          <a:effectLst/>
-          <a:extLst>
-            <a:ext uri="{91240B29-F687-4f45-9708-019B960494DF}">
-              <a14:hiddenLine xmlns="" xmlns:a16="http://schemas.microsoft.com/office/drawing/2014/main" xmlns:p14="http://schemas.microsoft.com/office/powerpoint/2010/main" xmlns:a14="http://schemas.microsoft.com/office/drawing/2010/main" w="9525">
-                <a:solidFill>
-                  <a:srgbClr val="000000"/>
-                </a:solidFill>
-                <a:round/>
-                <a:headEnd/>
-                <a:tailEnd/>
-              </a14:hiddenLine>
-            </a:ext>
-          </a:extLst>
-        </p:spPr>
-        <p:style>
-          <a:lnRef idx="1">
-            <a:schemeClr val="accent1"/>
-          </a:lnRef>
-          <a:fillRef idx="3">
-            <a:schemeClr val="accent1"/>
-          </a:fillRef>
-          <a:effectRef idx="2">
-            <a:schemeClr val="accent1"/>
-          </a:effectRef>
-          <a:fontRef idx="minor">
-            <a:schemeClr val="lt1"/>
-          </a:fontRef>
-        </p:style>
-      </p:sp>
-      <p:sp>
-        <p:nvSpPr>
-          <p:cNvPr id="2" name="标题 1">
-            <a:extLst>
-              <a:ext uri="{FF2B5EF4-FFF2-40B4-BE49-F238E27FC236}">
-                <a16:creationId xmlns:a16="http://schemas.microsoft.com/office/drawing/2014/main" id="{C02436D1-70D4-4430-AC58-3D56BFE150F9}"/>
-              </a:ext>
-            </a:extLst>
-          </p:cNvPr>
-          <p:cNvSpPr>
-            <a:spLocks noGrp="1"/>
-          </p:cNvSpPr>
-          <p:nvPr>
-            <p:ph type="title"/>
-          </p:nvPr>
-        </p:nvSpPr>
-        <p:spPr>
-          <a:xfrm>
-            <a:off x="10363225" y="-2"/>
-            <a:ext cx="1828775" cy="789847"/>
-          </a:xfrm>
-          <a:effectLst/>
-        </p:spPr>
-        <p:txBody>
-          <a:bodyPr vert="horz" lIns="91440" tIns="45720" rIns="91440" bIns="45720" rtlCol="0" anchor="ctr">
-            <a:normAutofit/>
-          </a:bodyPr>
-          <a:lstStyle/>
-          <a:p>
-            <a:r>
-              <a:rPr lang="zh-CN" altLang="en-US" sz="4000" b="1" dirty="0"/>
-              <a:t>构件图</a:t>
-            </a:r>
-          </a:p>
-        </p:txBody>
-      </p:sp>
-      <p:sp>
-        <p:nvSpPr>
-          <p:cNvPr id="3" name="文本框 2"/>
-          <p:cNvSpPr txBox="1"/>
-          <p:nvPr/>
-        </p:nvSpPr>
-        <p:spPr>
-          <a:xfrm>
-            <a:off x="8191525" y="2032682"/>
-            <a:ext cx="4000475" cy="3539430"/>
-          </a:xfrm>
-          <a:prstGeom prst="rect">
-            <a:avLst/>
-          </a:prstGeom>
-          <a:noFill/>
-        </p:spPr>
-        <p:txBody>
-          <a:bodyPr wrap="square" rtlCol="0">
-            <a:spAutoFit/>
-          </a:bodyPr>
-          <a:lstStyle/>
-          <a:p>
-            <a:r>
-              <a:rPr lang="en-US" altLang="zh-CN" sz="2800" dirty="0">
-                <a:latin typeface="+mn-ea"/>
-              </a:rPr>
-              <a:t>【</a:t>
-            </a:r>
-            <a:r>
-              <a:rPr lang="zh-CN" altLang="en-US" sz="2800" dirty="0">
-                <a:latin typeface="+mn-ea"/>
-              </a:rPr>
-              <a:t>概念</a:t>
-            </a:r>
-            <a:r>
-              <a:rPr lang="en-US" altLang="zh-CN" sz="2800" dirty="0">
-                <a:latin typeface="+mn-ea"/>
-              </a:rPr>
-              <a:t>】</a:t>
-            </a:r>
-            <a:r>
-              <a:rPr lang="zh-CN" altLang="en-US" sz="2800" dirty="0">
-                <a:latin typeface="+mn-ea"/>
-              </a:rPr>
-              <a:t>描述代码构件的物理结构以及各构件之间的依赖关系</a:t>
-            </a:r>
-          </a:p>
-          <a:p>
-            <a:r>
-              <a:rPr lang="en-US" altLang="zh-CN" sz="2800" dirty="0">
-                <a:latin typeface="+mn-ea"/>
-              </a:rPr>
-              <a:t>【</a:t>
-            </a:r>
-            <a:r>
-              <a:rPr lang="zh-CN" altLang="en-US" sz="2800" dirty="0">
-                <a:latin typeface="+mn-ea"/>
-              </a:rPr>
-              <a:t>描述方式</a:t>
-            </a:r>
-            <a:r>
-              <a:rPr lang="en-US" altLang="zh-CN" sz="2800" dirty="0">
-                <a:latin typeface="+mn-ea"/>
-              </a:rPr>
-              <a:t>】</a:t>
-            </a:r>
-            <a:r>
-              <a:rPr lang="zh-CN" altLang="en-US" sz="2800" dirty="0">
-                <a:latin typeface="+mn-ea"/>
-              </a:rPr>
-              <a:t>构件</a:t>
-            </a:r>
-          </a:p>
-          <a:p>
-            <a:r>
-              <a:rPr lang="en-US" altLang="zh-CN" sz="2800" dirty="0">
-                <a:latin typeface="+mn-ea"/>
-              </a:rPr>
-              <a:t>【</a:t>
-            </a:r>
-            <a:r>
-              <a:rPr lang="zh-CN" altLang="en-US" sz="2800" dirty="0">
-                <a:latin typeface="+mn-ea"/>
-              </a:rPr>
-              <a:t>目的</a:t>
-            </a:r>
-            <a:r>
-              <a:rPr lang="en-US" altLang="zh-CN" sz="2800" dirty="0">
-                <a:latin typeface="+mn-ea"/>
-              </a:rPr>
-              <a:t>】</a:t>
-            </a:r>
-            <a:r>
-              <a:rPr lang="zh-CN" altLang="en-US" sz="2800" dirty="0">
-                <a:latin typeface="+mn-ea"/>
-              </a:rPr>
-              <a:t>提供系统的物理视图，根据系统的代码构件显示系统代码的整个物理结构</a:t>
-            </a:r>
-          </a:p>
-        </p:txBody>
-      </p:sp>
-      <p:pic>
-        <p:nvPicPr>
-          <p:cNvPr id="4" name="图片 3"/>
-          <p:cNvPicPr>
-            <a:picLocks noChangeAspect="1"/>
-          </p:cNvPicPr>
-          <p:nvPr/>
-        </p:nvPicPr>
-        <p:blipFill>
-          <a:blip r:embed="rId2">
-            <a:extLst>
-              <a:ext uri="{28A0092B-C50C-407E-A947-70E740481C1C}">
-                <a14:useLocalDpi xmlns:a14="http://schemas.microsoft.com/office/drawing/2010/main" val="0"/>
-              </a:ext>
-            </a:extLst>
-          </a:blip>
-          <a:stretch>
-            <a:fillRect/>
-          </a:stretch>
-        </p:blipFill>
-        <p:spPr>
-          <a:xfrm>
-            <a:off x="0" y="1543093"/>
-            <a:ext cx="7086600" cy="3747364"/>
-          </a:xfrm>
-          <a:prstGeom prst="rect">
-            <a:avLst/>
-          </a:prstGeom>
-        </p:spPr>
-      </p:pic>
-      <p:sp>
-        <p:nvSpPr>
-          <p:cNvPr id="10" name="文本框 9"/>
-          <p:cNvSpPr txBox="1"/>
-          <p:nvPr/>
-        </p:nvSpPr>
-        <p:spPr>
-          <a:xfrm>
-            <a:off x="1248592" y="5483860"/>
-            <a:ext cx="4023360" cy="584775"/>
-          </a:xfrm>
-          <a:prstGeom prst="rect">
-            <a:avLst/>
-          </a:prstGeom>
-          <a:noFill/>
-        </p:spPr>
-        <p:txBody>
-          <a:bodyPr wrap="square" rtlCol="0">
-            <a:spAutoFit/>
-          </a:bodyPr>
-          <a:lstStyle/>
-          <a:p>
-            <a:pPr algn="ctr"/>
-            <a:r>
-              <a:rPr lang="zh-CN" altLang="en-US" sz="3200" dirty="0"/>
-              <a:t>机房收费系统</a:t>
-            </a:r>
-          </a:p>
-        </p:txBody>
-      </p:sp>
-    </p:spTree>
-    <p:extLst>
-      <p:ext uri="{BB962C8B-B14F-4D97-AF65-F5344CB8AC3E}">
-        <p14:creationId xmlns:p14="http://schemas.microsoft.com/office/powerpoint/2010/main" val="1256486772"/>
-      </p:ext>
-    </p:extLst>
-  </p:cSld>
-  <p:clrMapOvr>
-    <a:masterClrMapping/>
-  </p:clrMapOvr>
-  <p:timing>
-    <p:tnLst>
-      <p:par>
-        <p:cTn id="1" dur="indefinite" restart="never" nodeType="tmRoot">
-          <p:childTnLst>
-            <p:seq concurrent="1" nextAc="seek">
-              <p:cTn id="2" dur="indefinite" nodeType="mainSeq">
-                <p:childTnLst>
                   <p:par>
-                    <p:cTn id="3" fill="hold">
+                    <p:cTn id="8" fill="hold">
                       <p:stCondLst>
                         <p:cond delay="indefinite"/>
                       </p:stCondLst>
                       <p:childTnLst>
                         <p:par>
-                          <p:cTn id="4" fill="hold">
+                          <p:cTn id="9" fill="hold">
                             <p:stCondLst>
                               <p:cond delay="0"/>
                             </p:stCondLst>
                             <p:childTnLst>
                               <p:par>
-                                <p:cTn id="5" presetID="14" presetClass="entr" presetSubtype="10" fill="hold" nodeType="clickEffect">
+                                <p:cTn id="10" presetID="14" presetClass="entr" presetSubtype="10" fill="hold" nodeType="clickEffect">
                                   <p:stCondLst>
                                     <p:cond delay="0"/>
                                   </p:stCondLst>
                                   <p:childTnLst>
                                     <p:set>
                                       <p:cBhvr>
-                                        <p:cTn id="6" dur="1" fill="hold">
+                                        <p:cTn id="11" dur="1" fill="hold">
                                           <p:stCondLst>
                                             <p:cond delay="0"/>
                                           </p:stCondLst>
                                         </p:cTn>
                                         <p:tgtEl>
-                                          <p:spTgt spid="3">
-                                            <p:txEl>
-                                              <p:pRg st="0" end="0"/>
-                                            </p:txEl>
-                                          </p:spTgt>
-                                        </p:tgtEl>
-                                        <p:attrNameLst>
-                                          <p:attrName>style.visibility</p:attrName>
-                                        </p:attrNameLst>
-                                      </p:cBhvr>
-                                      <p:to>
-                                        <p:strVal val="visible"/>
-                                      </p:to>
-                                    </p:set>
-                                    <p:animEffect transition="in" filter="randombar(horizontal)">
-                                      <p:cBhvr>
-                                        <p:cTn id="7" dur="500"/>
-                                        <p:tgtEl>
-                                          <p:spTgt spid="3">
-                                            <p:txEl>
-                                              <p:pRg st="0" end="0"/>
-                                            </p:txEl>
-                                          </p:spTgt>
-                                        </p:tgtEl>
-                                      </p:cBhvr>
-                                    </p:animEffect>
-                                  </p:childTnLst>
-                                </p:cTn>
-                              </p:par>
-                              <p:par>
-                                <p:cTn id="8" presetID="14" presetClass="entr" presetSubtype="10" fill="hold" nodeType="withEffect">
-                                  <p:stCondLst>
-                                    <p:cond delay="0"/>
-                                  </p:stCondLst>
-                                  <p:childTnLst>
-                                    <p:set>
-                                      <p:cBhvr>
-                                        <p:cTn id="9" dur="1" fill="hold">
-                                          <p:stCondLst>
-                                            <p:cond delay="0"/>
-                                          </p:stCondLst>
-                                        </p:cTn>
-                                        <p:tgtEl>
-                                          <p:spTgt spid="3">
+                                          <p:spTgt spid="6">
                                             <p:txEl>
                                               <p:pRg st="1" end="1"/>
                                             </p:txEl>
@@ -21144,54 +21401,11 @@
                                     </p:set>
                                     <p:animEffect transition="in" filter="randombar(horizontal)">
                                       <p:cBhvr>
-                                        <p:cTn id="10" dur="500"/>
+                                        <p:cTn id="12" dur="500"/>
                                         <p:tgtEl>
-                                          <p:spTgt spid="3">
+                                          <p:spTgt spid="6">
                                             <p:txEl>
                                               <p:pRg st="1" end="1"/>
-                                            </p:txEl>
-                                          </p:spTgt>
-                                        </p:tgtEl>
-                                      </p:cBhvr>
-                                    </p:animEffect>
-                                  </p:childTnLst>
-                                </p:cTn>
-                              </p:par>
-                              <p:par>
-                                <p:cTn id="11" presetID="14" presetClass="entr" presetSubtype="10" fill="hold" nodeType="withEffect">
-                                  <p:stCondLst>
-                                    <p:cond delay="0"/>
-                                  </p:stCondLst>
-                                  <p:childTnLst>
-                                    <p:set>
-                                      <p:cBhvr>
-                                        <p:cTn id="12" dur="1" fill="hold">
-                                          <p:stCondLst>
-                                            <p:cond delay="0"/>
-                                          </p:stCondLst>
-                                        </p:cTn>
-                                        <p:tgtEl>
-                                          <p:spTgt spid="3">
-                                            <p:txEl>
-                                              <p:pRg st="2" end="2"/>
-                                            </p:txEl>
-                                          </p:spTgt>
-                                        </p:tgtEl>
-                                        <p:attrNameLst>
-                                          <p:attrName>style.visibility</p:attrName>
-                                        </p:attrNameLst>
-                                      </p:cBhvr>
-                                      <p:to>
-                                        <p:strVal val="visible"/>
-                                      </p:to>
-                                    </p:set>
-                                    <p:animEffect transition="in" filter="randombar(horizontal)">
-                                      <p:cBhvr>
-                                        <p:cTn id="13" dur="500"/>
-                                        <p:tgtEl>
-                                          <p:spTgt spid="3">
-                                            <p:txEl>
-                                              <p:pRg st="2" end="2"/>
                                             </p:txEl>
                                           </p:spTgt>
                                         </p:tgtEl>
@@ -21370,7 +21584,7 @@
           <a:ln/>
           <a:extLst>
             <a:ext uri="{91240B29-F687-4f45-9708-019B960494DF}">
-              <a14:hiddenLine xmlns:a14="http://schemas.microsoft.com/office/drawing/2010/main" xmlns="" w="9525">
+              <a14:hiddenLine xmlns="" xmlns:a14="http://schemas.microsoft.com/office/drawing/2010/main" w="9525">
                 <a:solidFill>
                   <a:srgbClr val="000000"/>
                 </a:solidFill>
@@ -21936,7 +22150,818 @@
           <a:ln/>
           <a:extLst>
             <a:ext uri="{91240B29-F687-4f45-9708-019B960494DF}">
-              <a14:hiddenLine xmlns="" xmlns:a14="http://schemas.microsoft.com/office/drawing/2010/main" w="9525">
+              <a14:hiddenLine xmlns:a14="http://schemas.microsoft.com/office/drawing/2010/main" xmlns="" w="9525">
+                <a:solidFill>
+                  <a:srgbClr val="000000"/>
+                </a:solidFill>
+                <a:round/>
+                <a:headEnd/>
+                <a:tailEnd/>
+              </a14:hiddenLine>
+            </a:ext>
+          </a:extLst>
+        </p:spPr>
+        <p:style>
+          <a:lnRef idx="1">
+            <a:schemeClr val="accent1"/>
+          </a:lnRef>
+          <a:fillRef idx="3">
+            <a:schemeClr val="accent1"/>
+          </a:fillRef>
+          <a:effectRef idx="2">
+            <a:schemeClr val="accent1"/>
+          </a:effectRef>
+          <a:fontRef idx="minor">
+            <a:schemeClr val="lt1"/>
+          </a:fontRef>
+        </p:style>
+      </p:sp>
+      <p:sp>
+        <p:nvSpPr>
+          <p:cNvPr id="13" name="Rectangle 12">
+            <a:extLst>
+              <a:ext uri="{FF2B5EF4-FFF2-40B4-BE49-F238E27FC236}">
+                <a16:creationId xmlns:a16="http://schemas.microsoft.com/office/drawing/2014/main" id="{089A69AF-D57B-49B4-886C-D4A5DC194421}"/>
+              </a:ext>
+            </a:extLst>
+          </p:cNvPr>
+          <p:cNvSpPr>
+            <a:spLocks noGrp="1" noRot="1" noChangeAspect="1" noMove="1" noResize="1" noEditPoints="1" noAdjustHandles="1" noChangeArrowheads="1" noChangeShapeType="1" noTextEdit="1"/>
+          </p:cNvSpPr>
+          <p:nvPr>
+            <p:extLst>
+              <p:ext uri="{386F3935-93C4-4BCD-93E2-E3B085C9AB24}">
+                <p16:designElem xmlns:p16="http://schemas.microsoft.com/office/powerpoint/2015/main" val="1"/>
+              </p:ext>
+            </p:extLst>
+          </p:nvPr>
+        </p:nvSpPr>
+        <p:spPr>
+          <a:xfrm>
+            <a:off x="0" y="0"/>
+            <a:ext cx="12192000" cy="6858000"/>
+          </a:xfrm>
+          <a:prstGeom prst="rect">
+            <a:avLst/>
+          </a:prstGeom>
+          <a:solidFill>
+            <a:schemeClr val="accent1"/>
+          </a:solidFill>
+          <a:ln>
+            <a:noFill/>
+          </a:ln>
+        </p:spPr>
+        <p:style>
+          <a:lnRef idx="2">
+            <a:schemeClr val="accent1">
+              <a:shade val="50000"/>
+            </a:schemeClr>
+          </a:lnRef>
+          <a:fillRef idx="1">
+            <a:schemeClr val="accent1"/>
+          </a:fillRef>
+          <a:effectRef idx="0">
+            <a:schemeClr val="accent1"/>
+          </a:effectRef>
+          <a:fontRef idx="minor">
+            <a:schemeClr val="lt1"/>
+          </a:fontRef>
+        </p:style>
+        <p:txBody>
+          <a:bodyPr rtlCol="0" anchor="ctr"/>
+          <a:lstStyle/>
+          <a:p>
+            <a:pPr algn="ctr"/>
+            <a:endParaRPr lang="en-US"/>
+          </a:p>
+        </p:txBody>
+      </p:sp>
+      <p:sp useBgFill="1">
+        <p:nvSpPr>
+          <p:cNvPr id="15" name="Freeform: Shape 14">
+            <a:extLst>
+              <a:ext uri="{FF2B5EF4-FFF2-40B4-BE49-F238E27FC236}">
+                <a16:creationId xmlns:a16="http://schemas.microsoft.com/office/drawing/2014/main" id="{68F2977E-E0AE-4EB4-A059-59E908EB862A}"/>
+              </a:ext>
+            </a:extLst>
+          </p:cNvPr>
+          <p:cNvSpPr>
+            <a:spLocks noGrp="1" noRot="1" noChangeAspect="1" noMove="1" noResize="1" noEditPoints="1" noAdjustHandles="1" noChangeArrowheads="1" noChangeShapeType="1" noTextEdit="1"/>
+          </p:cNvSpPr>
+          <p:nvPr>
+            <p:extLst>
+              <p:ext uri="{386F3935-93C4-4BCD-93E2-E3B085C9AB24}">
+                <p16:designElem xmlns:p16="http://schemas.microsoft.com/office/powerpoint/2015/main" val="1"/>
+              </p:ext>
+            </p:extLst>
+          </p:nvPr>
+        </p:nvSpPr>
+        <p:spPr bwMode="auto">
+          <a:xfrm rot="16200000">
+            <a:off x="666761" y="-666761"/>
+            <a:ext cx="6858002" cy="8191524"/>
+          </a:xfrm>
+          <a:custGeom>
+            <a:avLst/>
+            <a:gdLst>
+              <a:gd name="connsiteX0" fmla="*/ 6858002 w 6858002"/>
+              <a:gd name="connsiteY0" fmla="*/ 6080676 h 8191524"/>
+              <a:gd name="connsiteX1" fmla="*/ 3829244 w 6858002"/>
+              <a:gd name="connsiteY1" fmla="*/ 8068294 h 8191524"/>
+              <a:gd name="connsiteX2" fmla="*/ 3827371 w 6858002"/>
+              <a:gd name="connsiteY2" fmla="*/ 8069839 h 8191524"/>
+              <a:gd name="connsiteX3" fmla="*/ 3824585 w 6858002"/>
+              <a:gd name="connsiteY3" fmla="*/ 8071350 h 8191524"/>
+              <a:gd name="connsiteX4" fmla="*/ 3798695 w 6858002"/>
+              <a:gd name="connsiteY4" fmla="*/ 8088342 h 8191524"/>
+              <a:gd name="connsiteX5" fmla="*/ 3785013 w 6858002"/>
+              <a:gd name="connsiteY5" fmla="*/ 8092830 h 8191524"/>
+              <a:gd name="connsiteX6" fmla="*/ 3706341 w 6858002"/>
+              <a:gd name="connsiteY6" fmla="*/ 8135531 h 8191524"/>
+              <a:gd name="connsiteX7" fmla="*/ 3429000 w 6858002"/>
+              <a:gd name="connsiteY7" fmla="*/ 8191524 h 8191524"/>
+              <a:gd name="connsiteX8" fmla="*/ 3151660 w 6858002"/>
+              <a:gd name="connsiteY8" fmla="*/ 8135531 h 8191524"/>
+              <a:gd name="connsiteX9" fmla="*/ 3072998 w 6858002"/>
+              <a:gd name="connsiteY9" fmla="*/ 8092835 h 8191524"/>
+              <a:gd name="connsiteX10" fmla="*/ 3059300 w 6858002"/>
+              <a:gd name="connsiteY10" fmla="*/ 8088342 h 8191524"/>
+              <a:gd name="connsiteX11" fmla="*/ 3033385 w 6858002"/>
+              <a:gd name="connsiteY11" fmla="*/ 8071334 h 8191524"/>
+              <a:gd name="connsiteX12" fmla="*/ 3030629 w 6858002"/>
+              <a:gd name="connsiteY12" fmla="*/ 8069839 h 8191524"/>
+              <a:gd name="connsiteX13" fmla="*/ 3028777 w 6858002"/>
+              <a:gd name="connsiteY13" fmla="*/ 8068310 h 8191524"/>
+              <a:gd name="connsiteX14" fmla="*/ 2 w 6858002"/>
+              <a:gd name="connsiteY14" fmla="*/ 6080676 h 8191524"/>
+              <a:gd name="connsiteX15" fmla="*/ 6858002 w 6858002"/>
+              <a:gd name="connsiteY15" fmla="*/ 0 h 8191524"/>
+              <a:gd name="connsiteX16" fmla="*/ 6858002 w 6858002"/>
+              <a:gd name="connsiteY16" fmla="*/ 2634972 h 8191524"/>
+              <a:gd name="connsiteX17" fmla="*/ 6858002 w 6858002"/>
+              <a:gd name="connsiteY17" fmla="*/ 2984308 h 8191524"/>
+              <a:gd name="connsiteX18" fmla="*/ 6858002 w 6858002"/>
+              <a:gd name="connsiteY18" fmla="*/ 3291840 h 8191524"/>
+              <a:gd name="connsiteX19" fmla="*/ 6858002 w 6858002"/>
+              <a:gd name="connsiteY19" fmla="*/ 6080675 h 8191524"/>
+              <a:gd name="connsiteX20" fmla="*/ 2 w 6858002"/>
+              <a:gd name="connsiteY20" fmla="*/ 6080675 h 8191524"/>
+              <a:gd name="connsiteX21" fmla="*/ 2 w 6858002"/>
+              <a:gd name="connsiteY21" fmla="*/ 3291840 h 8191524"/>
+              <a:gd name="connsiteX22" fmla="*/ 0 w 6858002"/>
+              <a:gd name="connsiteY22" fmla="*/ 3291840 h 8191524"/>
+              <a:gd name="connsiteX23" fmla="*/ 0 w 6858002"/>
+              <a:gd name="connsiteY23" fmla="*/ 0 h 8191524"/>
+            </a:gdLst>
+            <a:ahLst/>
+            <a:cxnLst>
+              <a:cxn ang="0">
+                <a:pos x="connsiteX0" y="connsiteY0"/>
+              </a:cxn>
+              <a:cxn ang="0">
+                <a:pos x="connsiteX1" y="connsiteY1"/>
+              </a:cxn>
+              <a:cxn ang="0">
+                <a:pos x="connsiteX2" y="connsiteY2"/>
+              </a:cxn>
+              <a:cxn ang="0">
+                <a:pos x="connsiteX3" y="connsiteY3"/>
+              </a:cxn>
+              <a:cxn ang="0">
+                <a:pos x="connsiteX4" y="connsiteY4"/>
+              </a:cxn>
+              <a:cxn ang="0">
+                <a:pos x="connsiteX5" y="connsiteY5"/>
+              </a:cxn>
+              <a:cxn ang="0">
+                <a:pos x="connsiteX6" y="connsiteY6"/>
+              </a:cxn>
+              <a:cxn ang="0">
+                <a:pos x="connsiteX7" y="connsiteY7"/>
+              </a:cxn>
+              <a:cxn ang="0">
+                <a:pos x="connsiteX8" y="connsiteY8"/>
+              </a:cxn>
+              <a:cxn ang="0">
+                <a:pos x="connsiteX9" y="connsiteY9"/>
+              </a:cxn>
+              <a:cxn ang="0">
+                <a:pos x="connsiteX10" y="connsiteY10"/>
+              </a:cxn>
+              <a:cxn ang="0">
+                <a:pos x="connsiteX11" y="connsiteY11"/>
+              </a:cxn>
+              <a:cxn ang="0">
+                <a:pos x="connsiteX12" y="connsiteY12"/>
+              </a:cxn>
+              <a:cxn ang="0">
+                <a:pos x="connsiteX13" y="connsiteY13"/>
+              </a:cxn>
+              <a:cxn ang="0">
+                <a:pos x="connsiteX14" y="connsiteY14"/>
+              </a:cxn>
+              <a:cxn ang="0">
+                <a:pos x="connsiteX15" y="connsiteY15"/>
+              </a:cxn>
+              <a:cxn ang="0">
+                <a:pos x="connsiteX16" y="connsiteY16"/>
+              </a:cxn>
+              <a:cxn ang="0">
+                <a:pos x="connsiteX17" y="connsiteY17"/>
+              </a:cxn>
+              <a:cxn ang="0">
+                <a:pos x="connsiteX18" y="connsiteY18"/>
+              </a:cxn>
+              <a:cxn ang="0">
+                <a:pos x="connsiteX19" y="connsiteY19"/>
+              </a:cxn>
+              <a:cxn ang="0">
+                <a:pos x="connsiteX20" y="connsiteY20"/>
+              </a:cxn>
+              <a:cxn ang="0">
+                <a:pos x="connsiteX21" y="connsiteY21"/>
+              </a:cxn>
+              <a:cxn ang="0">
+                <a:pos x="connsiteX22" y="connsiteY22"/>
+              </a:cxn>
+              <a:cxn ang="0">
+                <a:pos x="connsiteX23" y="connsiteY23"/>
+              </a:cxn>
+            </a:cxnLst>
+            <a:rect l="l" t="t" r="r" b="b"/>
+            <a:pathLst>
+              <a:path w="6858002" h="8191524">
+                <a:moveTo>
+                  <a:pt x="6858002" y="6080676"/>
+                </a:moveTo>
+                <a:lnTo>
+                  <a:pt x="3829244" y="8068294"/>
+                </a:lnTo>
+                <a:lnTo>
+                  <a:pt x="3827371" y="8069839"/>
+                </a:lnTo>
+                <a:lnTo>
+                  <a:pt x="3824585" y="8071350"/>
+                </a:lnTo>
+                <a:lnTo>
+                  <a:pt x="3798695" y="8088342"/>
+                </a:lnTo>
+                <a:lnTo>
+                  <a:pt x="3785013" y="8092830"/>
+                </a:lnTo>
+                <a:lnTo>
+                  <a:pt x="3706341" y="8135531"/>
+                </a:lnTo>
+                <a:cubicBezTo>
+                  <a:pt x="3621098" y="8171586"/>
+                  <a:pt x="3527377" y="8191524"/>
+                  <a:pt x="3429000" y="8191524"/>
+                </a:cubicBezTo>
+                <a:cubicBezTo>
+                  <a:pt x="3330623" y="8191524"/>
+                  <a:pt x="3236903" y="8171586"/>
+                  <a:pt x="3151660" y="8135531"/>
+                </a:cubicBezTo>
+                <a:lnTo>
+                  <a:pt x="3072998" y="8092835"/>
+                </a:lnTo>
+                <a:lnTo>
+                  <a:pt x="3059300" y="8088342"/>
+                </a:lnTo>
+                <a:lnTo>
+                  <a:pt x="3033385" y="8071334"/>
+                </a:lnTo>
+                <a:lnTo>
+                  <a:pt x="3030629" y="8069839"/>
+                </a:lnTo>
+                <a:lnTo>
+                  <a:pt x="3028777" y="8068310"/>
+                </a:lnTo>
+                <a:lnTo>
+                  <a:pt x="2" y="6080676"/>
+                </a:lnTo>
+                <a:close/>
+                <a:moveTo>
+                  <a:pt x="6858002" y="0"/>
+                </a:moveTo>
+                <a:lnTo>
+                  <a:pt x="6858002" y="2634972"/>
+                </a:lnTo>
+                <a:lnTo>
+                  <a:pt x="6858002" y="2984308"/>
+                </a:lnTo>
+                <a:lnTo>
+                  <a:pt x="6858002" y="3291840"/>
+                </a:lnTo>
+                <a:lnTo>
+                  <a:pt x="6858002" y="6080675"/>
+                </a:lnTo>
+                <a:lnTo>
+                  <a:pt x="2" y="6080675"/>
+                </a:lnTo>
+                <a:lnTo>
+                  <a:pt x="2" y="3291840"/>
+                </a:lnTo>
+                <a:lnTo>
+                  <a:pt x="0" y="3291840"/>
+                </a:lnTo>
+                <a:lnTo>
+                  <a:pt x="0" y="0"/>
+                </a:lnTo>
+                <a:close/>
+              </a:path>
+            </a:pathLst>
+          </a:custGeom>
+          <a:ln>
+            <a:noFill/>
+          </a:ln>
+          <a:effectLst/>
+          <a:extLst>
+            <a:ext uri="{91240B29-F687-4f45-9708-019B960494DF}">
+              <a14:hiddenLine xmlns:a14="http://schemas.microsoft.com/office/drawing/2010/main" xmlns:p14="http://schemas.microsoft.com/office/powerpoint/2010/main" xmlns:a16="http://schemas.microsoft.com/office/drawing/2014/main" xmlns="" w="9525">
+                <a:solidFill>
+                  <a:srgbClr val="000000"/>
+                </a:solidFill>
+                <a:round/>
+                <a:headEnd/>
+                <a:tailEnd/>
+              </a14:hiddenLine>
+            </a:ext>
+          </a:extLst>
+        </p:spPr>
+        <p:style>
+          <a:lnRef idx="1">
+            <a:schemeClr val="accent1"/>
+          </a:lnRef>
+          <a:fillRef idx="3">
+            <a:schemeClr val="accent1"/>
+          </a:fillRef>
+          <a:effectRef idx="2">
+            <a:schemeClr val="accent1"/>
+          </a:effectRef>
+          <a:fontRef idx="minor">
+            <a:schemeClr val="lt1"/>
+          </a:fontRef>
+        </p:style>
+      </p:sp>
+      <p:sp>
+        <p:nvSpPr>
+          <p:cNvPr id="2" name="标题 1">
+            <a:extLst>
+              <a:ext uri="{FF2B5EF4-FFF2-40B4-BE49-F238E27FC236}">
+                <a16:creationId xmlns:a16="http://schemas.microsoft.com/office/drawing/2014/main" id="{C02436D1-70D4-4430-AC58-3D56BFE150F9}"/>
+              </a:ext>
+            </a:extLst>
+          </p:cNvPr>
+          <p:cNvSpPr>
+            <a:spLocks noGrp="1"/>
+          </p:cNvSpPr>
+          <p:nvPr>
+            <p:ph type="title"/>
+          </p:nvPr>
+        </p:nvSpPr>
+        <p:spPr>
+          <a:xfrm>
+            <a:off x="10363225" y="-2"/>
+            <a:ext cx="1828775" cy="789847"/>
+          </a:xfrm>
+          <a:effectLst/>
+        </p:spPr>
+        <p:txBody>
+          <a:bodyPr vert="horz" lIns="91440" tIns="45720" rIns="91440" bIns="45720" rtlCol="0" anchor="ctr">
+            <a:normAutofit/>
+          </a:bodyPr>
+          <a:lstStyle/>
+          <a:p>
+            <a:r>
+              <a:rPr lang="zh-CN" altLang="en-US" sz="4000" b="1" dirty="0"/>
+              <a:t>构件图</a:t>
+            </a:r>
+          </a:p>
+        </p:txBody>
+      </p:sp>
+      <p:sp>
+        <p:nvSpPr>
+          <p:cNvPr id="3" name="文本框 2"/>
+          <p:cNvSpPr txBox="1"/>
+          <p:nvPr/>
+        </p:nvSpPr>
+        <p:spPr>
+          <a:xfrm>
+            <a:off x="8191525" y="2032682"/>
+            <a:ext cx="4000475" cy="3108543"/>
+          </a:xfrm>
+          <a:prstGeom prst="rect">
+            <a:avLst/>
+          </a:prstGeom>
+          <a:noFill/>
+        </p:spPr>
+        <p:txBody>
+          <a:bodyPr wrap="square" rtlCol="0">
+            <a:spAutoFit/>
+          </a:bodyPr>
+          <a:lstStyle/>
+          <a:p>
+            <a:r>
+              <a:rPr lang="en-US" altLang="zh-CN" sz="2800" dirty="0">
+                <a:latin typeface="+mn-ea"/>
+              </a:rPr>
+              <a:t>【</a:t>
+            </a:r>
+            <a:r>
+              <a:rPr lang="zh-CN" altLang="en-US" sz="2800" dirty="0">
+                <a:latin typeface="+mn-ea"/>
+              </a:rPr>
+              <a:t>概念</a:t>
+            </a:r>
+            <a:r>
+              <a:rPr lang="en-US" altLang="zh-CN" sz="2800" dirty="0">
+                <a:latin typeface="+mn-ea"/>
+              </a:rPr>
+              <a:t>】</a:t>
+            </a:r>
+            <a:r>
+              <a:rPr lang="zh-CN" altLang="en-US" sz="2800" dirty="0">
+                <a:latin typeface="+mn-ea"/>
+              </a:rPr>
+              <a:t>描述代码构件的物理结构以及各构件之间的依赖关系</a:t>
+            </a:r>
+          </a:p>
+          <a:p>
+            <a:r>
+              <a:rPr lang="en-US" altLang="zh-CN" sz="2800" dirty="0" smtClean="0">
+                <a:latin typeface="+mn-ea"/>
+              </a:rPr>
+              <a:t>【</a:t>
+            </a:r>
+            <a:r>
+              <a:rPr lang="zh-CN" altLang="en-US" sz="2800" dirty="0">
+                <a:latin typeface="+mn-ea"/>
+              </a:rPr>
+              <a:t>目的</a:t>
+            </a:r>
+            <a:r>
+              <a:rPr lang="en-US" altLang="zh-CN" sz="2800" dirty="0">
+                <a:latin typeface="+mn-ea"/>
+              </a:rPr>
+              <a:t>】</a:t>
+            </a:r>
+            <a:r>
+              <a:rPr lang="zh-CN" altLang="en-US" sz="2800" dirty="0">
+                <a:latin typeface="+mn-ea"/>
+              </a:rPr>
+              <a:t>提供系统的物理视图，根据系统的代码构件显示系统代码的整个物理结构</a:t>
+            </a:r>
+          </a:p>
+        </p:txBody>
+      </p:sp>
+      <p:pic>
+        <p:nvPicPr>
+          <p:cNvPr id="4" name="图片 3"/>
+          <p:cNvPicPr>
+            <a:picLocks noChangeAspect="1"/>
+          </p:cNvPicPr>
+          <p:nvPr/>
+        </p:nvPicPr>
+        <p:blipFill>
+          <a:blip r:embed="rId2">
+            <a:extLst>
+              <a:ext uri="{28A0092B-C50C-407E-A947-70E740481C1C}">
+                <a14:useLocalDpi xmlns:a14="http://schemas.microsoft.com/office/drawing/2010/main" val="0"/>
+              </a:ext>
+            </a:extLst>
+          </a:blip>
+          <a:stretch>
+            <a:fillRect/>
+          </a:stretch>
+        </p:blipFill>
+        <p:spPr>
+          <a:xfrm>
+            <a:off x="0" y="1543093"/>
+            <a:ext cx="7086600" cy="3747364"/>
+          </a:xfrm>
+          <a:prstGeom prst="rect">
+            <a:avLst/>
+          </a:prstGeom>
+        </p:spPr>
+      </p:pic>
+      <p:sp>
+        <p:nvSpPr>
+          <p:cNvPr id="10" name="文本框 9"/>
+          <p:cNvSpPr txBox="1"/>
+          <p:nvPr/>
+        </p:nvSpPr>
+        <p:spPr>
+          <a:xfrm>
+            <a:off x="1248592" y="5483860"/>
+            <a:ext cx="4023360" cy="584775"/>
+          </a:xfrm>
+          <a:prstGeom prst="rect">
+            <a:avLst/>
+          </a:prstGeom>
+          <a:noFill/>
+        </p:spPr>
+        <p:txBody>
+          <a:bodyPr wrap="square" rtlCol="0">
+            <a:spAutoFit/>
+          </a:bodyPr>
+          <a:lstStyle/>
+          <a:p>
+            <a:pPr algn="ctr"/>
+            <a:r>
+              <a:rPr lang="zh-CN" altLang="en-US" sz="3200" dirty="0"/>
+              <a:t>机房收费系统</a:t>
+            </a:r>
+          </a:p>
+        </p:txBody>
+      </p:sp>
+    </p:spTree>
+    <p:extLst>
+      <p:ext uri="{BB962C8B-B14F-4D97-AF65-F5344CB8AC3E}">
+        <p14:creationId xmlns:p14="http://schemas.microsoft.com/office/powerpoint/2010/main" val="1256486772"/>
+      </p:ext>
+    </p:extLst>
+  </p:cSld>
+  <p:clrMapOvr>
+    <a:masterClrMapping/>
+  </p:clrMapOvr>
+  <p:timing>
+    <p:tnLst>
+      <p:par>
+        <p:cTn id="1" dur="indefinite" restart="never" nodeType="tmRoot">
+          <p:childTnLst>
+            <p:seq concurrent="1" nextAc="seek">
+              <p:cTn id="2" dur="indefinite" nodeType="mainSeq">
+                <p:childTnLst>
+                  <p:par>
+                    <p:cTn id="3" fill="hold">
+                      <p:stCondLst>
+                        <p:cond delay="indefinite"/>
+                      </p:stCondLst>
+                      <p:childTnLst>
+                        <p:par>
+                          <p:cTn id="4" fill="hold">
+                            <p:stCondLst>
+                              <p:cond delay="0"/>
+                            </p:stCondLst>
+                            <p:childTnLst>
+                              <p:par>
+                                <p:cTn id="5" presetID="14" presetClass="entr" presetSubtype="10" fill="hold" nodeType="clickEffect">
+                                  <p:stCondLst>
+                                    <p:cond delay="0"/>
+                                  </p:stCondLst>
+                                  <p:childTnLst>
+                                    <p:set>
+                                      <p:cBhvr>
+                                        <p:cTn id="6" dur="1" fill="hold">
+                                          <p:stCondLst>
+                                            <p:cond delay="0"/>
+                                          </p:stCondLst>
+                                        </p:cTn>
+                                        <p:tgtEl>
+                                          <p:spTgt spid="3">
+                                            <p:txEl>
+                                              <p:pRg st="0" end="0"/>
+                                            </p:txEl>
+                                          </p:spTgt>
+                                        </p:tgtEl>
+                                        <p:attrNameLst>
+                                          <p:attrName>style.visibility</p:attrName>
+                                        </p:attrNameLst>
+                                      </p:cBhvr>
+                                      <p:to>
+                                        <p:strVal val="visible"/>
+                                      </p:to>
+                                    </p:set>
+                                    <p:animEffect transition="in" filter="randombar(horizontal)">
+                                      <p:cBhvr>
+                                        <p:cTn id="7" dur="500"/>
+                                        <p:tgtEl>
+                                          <p:spTgt spid="3">
+                                            <p:txEl>
+                                              <p:pRg st="0" end="0"/>
+                                            </p:txEl>
+                                          </p:spTgt>
+                                        </p:tgtEl>
+                                      </p:cBhvr>
+                                    </p:animEffect>
+                                  </p:childTnLst>
+                                </p:cTn>
+                              </p:par>
+                              <p:par>
+                                <p:cTn id="8" presetID="14" presetClass="entr" presetSubtype="10" fill="hold" nodeType="withEffect">
+                                  <p:stCondLst>
+                                    <p:cond delay="0"/>
+                                  </p:stCondLst>
+                                  <p:childTnLst>
+                                    <p:set>
+                                      <p:cBhvr>
+                                        <p:cTn id="9" dur="1" fill="hold">
+                                          <p:stCondLst>
+                                            <p:cond delay="0"/>
+                                          </p:stCondLst>
+                                        </p:cTn>
+                                        <p:tgtEl>
+                                          <p:spTgt spid="3">
+                                            <p:txEl>
+                                              <p:pRg st="1" end="1"/>
+                                            </p:txEl>
+                                          </p:spTgt>
+                                        </p:tgtEl>
+                                        <p:attrNameLst>
+                                          <p:attrName>style.visibility</p:attrName>
+                                        </p:attrNameLst>
+                                      </p:cBhvr>
+                                      <p:to>
+                                        <p:strVal val="visible"/>
+                                      </p:to>
+                                    </p:set>
+                                    <p:animEffect transition="in" filter="randombar(horizontal)">
+                                      <p:cBhvr>
+                                        <p:cTn id="10" dur="500"/>
+                                        <p:tgtEl>
+                                          <p:spTgt spid="3">
+                                            <p:txEl>
+                                              <p:pRg st="1" end="1"/>
+                                            </p:txEl>
+                                          </p:spTgt>
+                                        </p:tgtEl>
+                                      </p:cBhvr>
+                                    </p:animEffect>
+                                  </p:childTnLst>
+                                </p:cTn>
+                              </p:par>
+                            </p:childTnLst>
+                          </p:cTn>
+                        </p:par>
+                      </p:childTnLst>
+                    </p:cTn>
+                  </p:par>
+                </p:childTnLst>
+              </p:cTn>
+              <p:prevCondLst>
+                <p:cond evt="onPrev" delay="0">
+                  <p:tgtEl>
+                    <p:sldTgt/>
+                  </p:tgtEl>
+                </p:cond>
+              </p:prevCondLst>
+              <p:nextCondLst>
+                <p:cond evt="onNext" delay="0">
+                  <p:tgtEl>
+                    <p:sldTgt/>
+                  </p:tgtEl>
+                </p:cond>
+              </p:nextCondLst>
+            </p:seq>
+          </p:childTnLst>
+        </p:cTn>
+      </p:par>
+    </p:tnLst>
+  </p:timing>
+</p:sld>
+</file>
+
+<file path=ppt/slides/slide21.xml><?xml version="1.0" encoding="utf-8"?>
+<p:sld xmlns:a="http://schemas.openxmlformats.org/drawingml/2006/main" xmlns:r="http://schemas.openxmlformats.org/officeDocument/2006/relationships" xmlns:p="http://schemas.openxmlformats.org/presentationml/2006/main">
+  <p:cSld>
+    <p:spTree>
+      <p:nvGrpSpPr>
+        <p:cNvPr id="1" name=""/>
+        <p:cNvGrpSpPr/>
+        <p:nvPr/>
+      </p:nvGrpSpPr>
+      <p:grpSpPr>
+        <a:xfrm>
+          <a:off x="0" y="0"/>
+          <a:ext cx="0" cy="0"/>
+          <a:chOff x="0" y="0"/>
+          <a:chExt cx="0" cy="0"/>
+        </a:xfrm>
+      </p:grpSpPr>
+      <p:sp>
+        <p:nvSpPr>
+          <p:cNvPr id="9" name="Rectangle 8"/>
+          <p:cNvSpPr>
+            <a:spLocks noGrp="1" noRot="1" noChangeAspect="1" noMove="1" noResize="1" noEditPoints="1" noAdjustHandles="1" noChangeArrowheads="1" noChangeShapeType="1" noTextEdit="1"/>
+          </p:cNvSpPr>
+          <p:nvPr>
+            <p:extLst>
+              <p:ext uri="{386F3935-93C4-4BCD-93E2-E3B085C9AB24}">
+                <p16:designElem xmlns:p16="http://schemas.microsoft.com/office/powerpoint/2015/main" val="1"/>
+              </p:ext>
+            </p:extLst>
+          </p:nvPr>
+        </p:nvSpPr>
+        <p:spPr bwMode="white">
+          <a:xfrm>
+            <a:off x="0" y="0"/>
+            <a:ext cx="12192000" cy="6858000"/>
+          </a:xfrm>
+          <a:prstGeom prst="rect">
+            <a:avLst/>
+          </a:prstGeom>
+          <a:solidFill>
+            <a:schemeClr val="bg2"/>
+          </a:solidFill>
+          <a:ln>
+            <a:noFill/>
+          </a:ln>
+          <a:effectLst/>
+        </p:spPr>
+      </p:sp>
+      <p:sp>
+        <p:nvSpPr>
+          <p:cNvPr id="11" name="Freeform 6">
+            <a:extLst>
+              <a:ext uri="{FF2B5EF4-FFF2-40B4-BE49-F238E27FC236}">
+                <a16:creationId xmlns:a16="http://schemas.microsoft.com/office/drawing/2014/main" id="{8EE457FF-670E-4EC1-ACD4-1173DA9A7975}"/>
+              </a:ext>
+            </a:extLst>
+          </p:cNvPr>
+          <p:cNvSpPr>
+            <a:spLocks noGrp="1" noRot="1" noChangeAspect="1" noMove="1" noResize="1" noEditPoints="1" noAdjustHandles="1" noChangeArrowheads="1" noChangeShapeType="1" noTextEdit="1"/>
+          </p:cNvSpPr>
+          <p:nvPr>
+            <p:extLst>
+              <p:ext uri="{386F3935-93C4-4BCD-93E2-E3B085C9AB24}">
+                <p16:designElem xmlns:p16="http://schemas.microsoft.com/office/powerpoint/2015/main" val="1"/>
+              </p:ext>
+            </p:extLst>
+          </p:nvPr>
+        </p:nvSpPr>
+        <p:spPr bwMode="auto">
+          <a:xfrm>
+            <a:off x="0" y="0"/>
+            <a:ext cx="12192000" cy="2185988"/>
+          </a:xfrm>
+          <a:custGeom>
+            <a:avLst/>
+            <a:gdLst/>
+            <a:ahLst/>
+            <a:cxnLst/>
+            <a:rect l="0" t="0" r="r" b="b"/>
+            <a:pathLst>
+              <a:path w="5760" h="1377">
+                <a:moveTo>
+                  <a:pt x="5760" y="0"/>
+                </a:moveTo>
+                <a:lnTo>
+                  <a:pt x="0" y="0"/>
+                </a:lnTo>
+                <a:lnTo>
+                  <a:pt x="0" y="1189"/>
+                </a:lnTo>
+                <a:lnTo>
+                  <a:pt x="943" y="1189"/>
+                </a:lnTo>
+                <a:lnTo>
+                  <a:pt x="1123" y="1369"/>
+                </a:lnTo>
+                <a:lnTo>
+                  <a:pt x="1123" y="1369"/>
+                </a:lnTo>
+                <a:lnTo>
+                  <a:pt x="1127" y="1371"/>
+                </a:lnTo>
+                <a:lnTo>
+                  <a:pt x="1133" y="1374"/>
+                </a:lnTo>
+                <a:lnTo>
+                  <a:pt x="1139" y="1377"/>
+                </a:lnTo>
+                <a:lnTo>
+                  <a:pt x="1144" y="1377"/>
+                </a:lnTo>
+                <a:lnTo>
+                  <a:pt x="1150" y="1377"/>
+                </a:lnTo>
+                <a:lnTo>
+                  <a:pt x="1155" y="1374"/>
+                </a:lnTo>
+                <a:lnTo>
+                  <a:pt x="1161" y="1371"/>
+                </a:lnTo>
+                <a:lnTo>
+                  <a:pt x="1165" y="1369"/>
+                </a:lnTo>
+                <a:lnTo>
+                  <a:pt x="1345" y="1189"/>
+                </a:lnTo>
+                <a:lnTo>
+                  <a:pt x="5760" y="1189"/>
+                </a:lnTo>
+                <a:lnTo>
+                  <a:pt x="5760" y="0"/>
+                </a:lnTo>
+                <a:close/>
+              </a:path>
+            </a:pathLst>
+          </a:custGeom>
+          <a:ln/>
+          <a:extLst>
+            <a:ext uri="{91240B29-F687-4f45-9708-019B960494DF}">
+              <a14:hiddenLine xmlns:a14="http://schemas.microsoft.com/office/drawing/2010/main" xmlns="" w="9525">
                 <a:solidFill>
                   <a:srgbClr val="000000"/>
                 </a:solidFill>
@@ -22229,7 +23254,7 @@
           <a:effectLst/>
           <a:extLst>
             <a:ext uri="{91240B29-F687-4f45-9708-019B960494DF}">
-              <a14:hiddenLine xmlns="" xmlns:a16="http://schemas.microsoft.com/office/drawing/2014/main" xmlns:p14="http://schemas.microsoft.com/office/powerpoint/2010/main" xmlns:a14="http://schemas.microsoft.com/office/drawing/2010/main" w="9525">
+              <a14:hiddenLine xmlns:a14="http://schemas.microsoft.com/office/drawing/2010/main" xmlns:p14="http://schemas.microsoft.com/office/powerpoint/2010/main" xmlns:a16="http://schemas.microsoft.com/office/drawing/2014/main" xmlns="" w="9525">
                 <a:solidFill>
                   <a:srgbClr val="000000"/>
                 </a:solidFill>
@@ -22300,7 +23325,7 @@
         <p:spPr>
           <a:xfrm>
             <a:off x="281455" y="2054107"/>
-            <a:ext cx="4216400" cy="3539430"/>
+            <a:ext cx="4216400" cy="1815882"/>
           </a:xfrm>
           <a:prstGeom prst="rect">
             <a:avLst/>
@@ -22335,50 +23360,21 @@
               <a:rPr lang="zh-CN" altLang="en-US" sz="2800" dirty="0">
                 <a:latin typeface="+mn-ea"/>
               </a:rPr>
-              <a:t>系统中硬件的物理体系结构</a:t>
-            </a:r>
-          </a:p>
-          <a:p>
-            <a:r>
-              <a:rPr lang="en-US" altLang="zh-CN" sz="2800" dirty="0">
+              <a:t>系统中硬件的物理</a:t>
+            </a:r>
+            <a:r>
+              <a:rPr lang="zh-CN" altLang="en-US" sz="2800" dirty="0" smtClean="0">
                 <a:latin typeface="+mn-ea"/>
               </a:rPr>
-              <a:t>【</a:t>
-            </a:r>
-            <a:r>
-              <a:rPr lang="zh-CN" altLang="en-US" sz="2800" dirty="0">
-                <a:latin typeface="+mn-ea"/>
-              </a:rPr>
-              <a:t>描述方式</a:t>
-            </a:r>
-            <a:r>
-              <a:rPr lang="en-US" altLang="zh-CN" sz="2800" dirty="0">
-                <a:latin typeface="+mn-ea"/>
-              </a:rPr>
-              <a:t>】 </a:t>
-            </a:r>
-          </a:p>
-          <a:p>
-            <a:pPr lvl="1"/>
-            <a:r>
-              <a:rPr lang="zh-CN" altLang="en-US" sz="2800" dirty="0">
-                <a:latin typeface="+mn-ea"/>
-              </a:rPr>
-              <a:t>三维立方体表示部件 </a:t>
-            </a:r>
-          </a:p>
-          <a:p>
-            <a:pPr lvl="1"/>
-            <a:r>
-              <a:rPr lang="zh-CN" altLang="en-US" sz="2800" dirty="0">
-                <a:latin typeface="+mn-ea"/>
-              </a:rPr>
-              <a:t>节点名称位于立方体上部</a:t>
-            </a:r>
-          </a:p>
-          <a:p>
-            <a:r>
-              <a:rPr lang="en-US" altLang="zh-CN" sz="2800" dirty="0">
+              <a:t>体系结构</a:t>
+            </a:r>
+            <a:endParaRPr lang="en-US" altLang="zh-CN" sz="2800" dirty="0" smtClean="0">
+              <a:latin typeface="+mn-ea"/>
+            </a:endParaRPr>
+          </a:p>
+          <a:p>
+            <a:r>
+              <a:rPr lang="en-US" altLang="zh-CN" sz="2800" dirty="0" smtClean="0">
                 <a:latin typeface="+mn-ea"/>
               </a:rPr>
               <a:t>【</a:t>
@@ -22537,15 +23533,33 @@
                                   </p:childTnLst>
                                 </p:cTn>
                               </p:par>
+                            </p:childTnLst>
+                          </p:cTn>
+                        </p:par>
+                      </p:childTnLst>
+                    </p:cTn>
+                  </p:par>
+                  <p:par>
+                    <p:cTn id="8" fill="hold">
+                      <p:stCondLst>
+                        <p:cond delay="indefinite"/>
+                      </p:stCondLst>
+                      <p:childTnLst>
+                        <p:par>
+                          <p:cTn id="9" fill="hold">
+                            <p:stCondLst>
+                              <p:cond delay="0"/>
+                            </p:stCondLst>
+                            <p:childTnLst>
                               <p:par>
-                                <p:cTn id="8" presetID="14" presetClass="entr" presetSubtype="10" fill="hold" nodeType="withEffect">
+                                <p:cTn id="10" presetID="14" presetClass="entr" presetSubtype="10" fill="hold" nodeType="clickEffect">
                                   <p:stCondLst>
                                     <p:cond delay="0"/>
                                   </p:stCondLst>
                                   <p:childTnLst>
                                     <p:set>
                                       <p:cBhvr>
-                                        <p:cTn id="9" dur="1" fill="hold">
+                                        <p:cTn id="11" dur="1" fill="hold">
                                           <p:stCondLst>
                                             <p:cond delay="0"/>
                                           </p:stCondLst>
@@ -22567,7 +23581,7 @@
                                     </p:set>
                                     <p:animEffect transition="in" filter="randombar(horizontal)">
                                       <p:cBhvr>
-                                        <p:cTn id="10" dur="500"/>
+                                        <p:cTn id="12" dur="500"/>
                                         <p:tgtEl>
                                           <p:spTgt spid="6">
                                             <p:txEl>
@@ -22580,21 +23594,550 @@
                                   </p:childTnLst>
                                 </p:cTn>
                               </p:par>
+                            </p:childTnLst>
+                          </p:cTn>
+                        </p:par>
+                      </p:childTnLst>
+                    </p:cTn>
+                  </p:par>
+                </p:childTnLst>
+              </p:cTn>
+              <p:prevCondLst>
+                <p:cond evt="onPrev" delay="0">
+                  <p:tgtEl>
+                    <p:sldTgt/>
+                  </p:tgtEl>
+                </p:cond>
+              </p:prevCondLst>
+              <p:nextCondLst>
+                <p:cond evt="onNext" delay="0">
+                  <p:tgtEl>
+                    <p:sldTgt/>
+                  </p:tgtEl>
+                </p:cond>
+              </p:nextCondLst>
+            </p:seq>
+          </p:childTnLst>
+        </p:cTn>
+      </p:par>
+    </p:tnLst>
+  </p:timing>
+</p:sld>
+</file>
+
+<file path=ppt/slides/slide22.xml><?xml version="1.0" encoding="utf-8"?>
+<p:sld xmlns:a="http://schemas.openxmlformats.org/drawingml/2006/main" xmlns:r="http://schemas.openxmlformats.org/officeDocument/2006/relationships" xmlns:p="http://schemas.openxmlformats.org/presentationml/2006/main">
+  <p:cSld>
+    <p:spTree>
+      <p:nvGrpSpPr>
+        <p:cNvPr id="1" name=""/>
+        <p:cNvGrpSpPr/>
+        <p:nvPr/>
+      </p:nvGrpSpPr>
+      <p:grpSpPr>
+        <a:xfrm>
+          <a:off x="0" y="0"/>
+          <a:ext cx="0" cy="0"/>
+          <a:chOff x="0" y="0"/>
+          <a:chExt cx="0" cy="0"/>
+        </a:xfrm>
+      </p:grpSpPr>
+      <p:sp>
+        <p:nvSpPr>
+          <p:cNvPr id="2" name="标题 1">
+            <a:extLst>
+              <a:ext uri="{FF2B5EF4-FFF2-40B4-BE49-F238E27FC236}">
+                <a16:creationId xmlns:a16="http://schemas.microsoft.com/office/drawing/2014/main" id="{029433F6-C7F9-4690-9C8A-51E513DA7BE9}"/>
+              </a:ext>
+            </a:extLst>
+          </p:cNvPr>
+          <p:cNvSpPr>
+            <a:spLocks noGrp="1"/>
+          </p:cNvSpPr>
+          <p:nvPr>
+            <p:ph type="title"/>
+          </p:nvPr>
+        </p:nvSpPr>
+        <p:spPr>
+          <a:xfrm>
+            <a:off x="4584966" y="362111"/>
+            <a:ext cx="10571998" cy="970450"/>
+          </a:xfrm>
+        </p:spPr>
+        <p:txBody>
+          <a:bodyPr/>
+          <a:lstStyle/>
+          <a:p>
+            <a:r>
+              <a:rPr lang="en-US" altLang="zh-CN" b="0" dirty="0" smtClean="0"/>
+              <a:t>UML 2.0</a:t>
+            </a:r>
+            <a:endParaRPr lang="zh-CN" altLang="en-US" b="0" dirty="0"/>
+          </a:p>
+        </p:txBody>
+      </p:sp>
+      <p:sp>
+        <p:nvSpPr>
+          <p:cNvPr id="5" name="内容占位符 2">
+            <a:extLst>
+              <a:ext uri="{FF2B5EF4-FFF2-40B4-BE49-F238E27FC236}">
+                <a16:creationId xmlns:a16="http://schemas.microsoft.com/office/drawing/2014/main" id="{095AF313-D740-4308-BC08-BFF7F6AE6620}"/>
+              </a:ext>
+            </a:extLst>
+          </p:cNvPr>
+          <p:cNvSpPr txBox="1">
+            <a:spLocks/>
+          </p:cNvSpPr>
+          <p:nvPr/>
+        </p:nvSpPr>
+        <p:spPr>
+          <a:xfrm>
+            <a:off x="818712" y="2222287"/>
+            <a:ext cx="10554574" cy="3172673"/>
+          </a:xfrm>
+          <a:prstGeom prst="rect">
+            <a:avLst/>
+          </a:prstGeom>
+        </p:spPr>
+        <p:txBody>
+          <a:bodyPr>
+            <a:normAutofit lnSpcReduction="10000"/>
+          </a:bodyPr>
+          <a:lstStyle>
+            <a:lvl1pPr marL="342900" indent="-342900" algn="l" defTabSz="457200" rtl="0" eaLnBrk="1" latinLnBrk="0" hangingPunct="1">
+              <a:spcBef>
+                <a:spcPct val="20000"/>
+              </a:spcBef>
+              <a:spcAft>
+                <a:spcPts val="600"/>
+              </a:spcAft>
+              <a:buClr>
+                <a:schemeClr val="accent1"/>
+              </a:buClr>
+              <a:buFont typeface="Wingdings 2" charset="2"/>
+              <a:buChar char=""/>
+              <a:defRPr sz="1800" kern="1200">
+                <a:solidFill>
+                  <a:schemeClr val="tx1"/>
+                </a:solidFill>
+                <a:latin typeface="+mn-lt"/>
+                <a:ea typeface="+mn-ea"/>
+                <a:cs typeface="+mn-cs"/>
+              </a:defRPr>
+            </a:lvl1pPr>
+            <a:lvl2pPr marL="742950" indent="-285750" algn="l" defTabSz="457200" rtl="0" eaLnBrk="1" latinLnBrk="0" hangingPunct="1">
+              <a:spcBef>
+                <a:spcPct val="20000"/>
+              </a:spcBef>
+              <a:spcAft>
+                <a:spcPts val="600"/>
+              </a:spcAft>
+              <a:buClr>
+                <a:schemeClr val="accent1"/>
+              </a:buClr>
+              <a:buFont typeface="Wingdings 2" charset="2"/>
+              <a:buChar char=""/>
+              <a:defRPr sz="1600" kern="1200">
+                <a:solidFill>
+                  <a:schemeClr val="tx1"/>
+                </a:solidFill>
+                <a:latin typeface="+mn-lt"/>
+                <a:ea typeface="+mn-ea"/>
+                <a:cs typeface="+mn-cs"/>
+              </a:defRPr>
+            </a:lvl2pPr>
+            <a:lvl3pPr marL="1143000" indent="-228600" algn="l" defTabSz="457200" rtl="0" eaLnBrk="1" latinLnBrk="0" hangingPunct="1">
+              <a:spcBef>
+                <a:spcPct val="20000"/>
+              </a:spcBef>
+              <a:spcAft>
+                <a:spcPts val="600"/>
+              </a:spcAft>
+              <a:buClr>
+                <a:schemeClr val="accent1"/>
+              </a:buClr>
+              <a:buFont typeface="Wingdings 2" charset="2"/>
+              <a:buChar char=""/>
+              <a:defRPr sz="1400" kern="1200">
+                <a:solidFill>
+                  <a:schemeClr val="tx1"/>
+                </a:solidFill>
+                <a:latin typeface="+mn-lt"/>
+                <a:ea typeface="+mn-ea"/>
+                <a:cs typeface="+mn-cs"/>
+              </a:defRPr>
+            </a:lvl3pPr>
+            <a:lvl4pPr marL="1600200" indent="-228600" algn="l" defTabSz="457200" rtl="0" eaLnBrk="1" latinLnBrk="0" hangingPunct="1">
+              <a:spcBef>
+                <a:spcPct val="20000"/>
+              </a:spcBef>
+              <a:spcAft>
+                <a:spcPts val="600"/>
+              </a:spcAft>
+              <a:buClr>
+                <a:schemeClr val="accent1"/>
+              </a:buClr>
+              <a:buFont typeface="Wingdings 2" charset="2"/>
+              <a:buChar char=""/>
+              <a:defRPr sz="1200" kern="1200">
+                <a:solidFill>
+                  <a:schemeClr val="tx1"/>
+                </a:solidFill>
+                <a:latin typeface="+mn-lt"/>
+                <a:ea typeface="+mn-ea"/>
+                <a:cs typeface="+mn-cs"/>
+              </a:defRPr>
+            </a:lvl4pPr>
+            <a:lvl5pPr marL="2057400" indent="-228600" algn="l" defTabSz="457200" rtl="0" eaLnBrk="1" latinLnBrk="0" hangingPunct="1">
+              <a:spcBef>
+                <a:spcPct val="20000"/>
+              </a:spcBef>
+              <a:spcAft>
+                <a:spcPts val="600"/>
+              </a:spcAft>
+              <a:buClr>
+                <a:schemeClr val="accent1"/>
+              </a:buClr>
+              <a:buFont typeface="Wingdings 2" charset="2"/>
+              <a:buChar char=""/>
+              <a:defRPr sz="1200" kern="1200">
+                <a:solidFill>
+                  <a:schemeClr val="tx1"/>
+                </a:solidFill>
+                <a:latin typeface="+mn-lt"/>
+                <a:ea typeface="+mn-ea"/>
+                <a:cs typeface="+mn-cs"/>
+              </a:defRPr>
+            </a:lvl5pPr>
+            <a:lvl6pPr marL="2400000" indent="-228600" algn="l" defTabSz="457200" rtl="0" eaLnBrk="1" latinLnBrk="0" hangingPunct="1">
+              <a:spcBef>
+                <a:spcPct val="20000"/>
+              </a:spcBef>
+              <a:spcAft>
+                <a:spcPts val="600"/>
+              </a:spcAft>
+              <a:buClr>
+                <a:schemeClr val="accent1"/>
+              </a:buClr>
+              <a:buFont typeface="Wingdings 2" charset="2"/>
+              <a:buChar char=""/>
+              <a:defRPr sz="1200" kern="1200">
+                <a:solidFill>
+                  <a:schemeClr val="tx1"/>
+                </a:solidFill>
+                <a:latin typeface="+mn-lt"/>
+                <a:ea typeface="+mn-ea"/>
+                <a:cs typeface="+mn-cs"/>
+              </a:defRPr>
+            </a:lvl6pPr>
+            <a:lvl7pPr marL="2800000" indent="-228600" algn="l" defTabSz="457200" rtl="0" eaLnBrk="1" latinLnBrk="0" hangingPunct="1">
+              <a:spcBef>
+                <a:spcPct val="20000"/>
+              </a:spcBef>
+              <a:spcAft>
+                <a:spcPts val="600"/>
+              </a:spcAft>
+              <a:buClr>
+                <a:schemeClr val="accent1"/>
+              </a:buClr>
+              <a:buFont typeface="Wingdings 2" charset="2"/>
+              <a:buChar char=""/>
+              <a:defRPr sz="1200" kern="1200">
+                <a:solidFill>
+                  <a:schemeClr val="tx1"/>
+                </a:solidFill>
+                <a:latin typeface="+mn-lt"/>
+                <a:ea typeface="+mn-ea"/>
+                <a:cs typeface="+mn-cs"/>
+              </a:defRPr>
+            </a:lvl7pPr>
+            <a:lvl8pPr marL="3200000" indent="-228600" algn="l" defTabSz="457200" rtl="0" eaLnBrk="1" latinLnBrk="0" hangingPunct="1">
+              <a:spcBef>
+                <a:spcPct val="20000"/>
+              </a:spcBef>
+              <a:spcAft>
+                <a:spcPts val="600"/>
+              </a:spcAft>
+              <a:buClr>
+                <a:schemeClr val="accent1"/>
+              </a:buClr>
+              <a:buFont typeface="Wingdings 2" charset="2"/>
+              <a:buChar char=""/>
+              <a:defRPr sz="1200" kern="1200">
+                <a:solidFill>
+                  <a:schemeClr val="tx1"/>
+                </a:solidFill>
+                <a:latin typeface="+mn-lt"/>
+                <a:ea typeface="+mn-ea"/>
+                <a:cs typeface="+mn-cs"/>
+              </a:defRPr>
+            </a:lvl8pPr>
+            <a:lvl9pPr marL="3600000" indent="-228600" algn="l" defTabSz="457200" rtl="0" eaLnBrk="1" latinLnBrk="0" hangingPunct="1">
+              <a:spcBef>
+                <a:spcPct val="20000"/>
+              </a:spcBef>
+              <a:spcAft>
+                <a:spcPts val="600"/>
+              </a:spcAft>
+              <a:buClr>
+                <a:schemeClr val="accent1"/>
+              </a:buClr>
+              <a:buFont typeface="Wingdings 2" charset="2"/>
+              <a:buChar char=""/>
+              <a:defRPr sz="1200" kern="1200">
+                <a:solidFill>
+                  <a:schemeClr val="tx1"/>
+                </a:solidFill>
+                <a:latin typeface="+mn-lt"/>
+                <a:ea typeface="+mn-ea"/>
+                <a:cs typeface="+mn-cs"/>
+              </a:defRPr>
+            </a:lvl9pPr>
+          </a:lstStyle>
+          <a:p>
+            <a:r>
+              <a:rPr lang="en-US" altLang="zh-CN" sz="2800" dirty="0" smtClean="0"/>
+              <a:t>UML2.0</a:t>
+            </a:r>
+            <a:r>
+              <a:rPr lang="zh-CN" altLang="en-US" sz="2800" dirty="0" smtClean="0"/>
+              <a:t>不仅在用例图、顺序图、活动图和构件图上增加了新特性，还增加了</a:t>
+            </a:r>
+            <a:r>
+              <a:rPr lang="en-US" altLang="zh-CN" sz="2800" dirty="0" smtClean="0"/>
+              <a:t>4</a:t>
+            </a:r>
+            <a:r>
+              <a:rPr lang="zh-CN" altLang="en-US" sz="2800" dirty="0" smtClean="0"/>
+              <a:t>中先的图。</a:t>
+            </a:r>
+            <a:endParaRPr lang="en-US" altLang="zh-CN" sz="2800" dirty="0" smtClean="0"/>
+          </a:p>
+          <a:p>
+            <a:r>
+              <a:rPr lang="en-US" altLang="zh-CN" sz="2800" dirty="0" smtClean="0"/>
+              <a:t>1</a:t>
+            </a:r>
+            <a:r>
+              <a:rPr lang="zh-CN" altLang="en-US" sz="2800" dirty="0" smtClean="0"/>
+              <a:t>、包图：展现模型要素的基本组织单元。</a:t>
+            </a:r>
+            <a:endParaRPr lang="en-US" altLang="zh-CN" sz="2800" dirty="0" smtClean="0"/>
+          </a:p>
+          <a:p>
+            <a:r>
+              <a:rPr lang="en-US" altLang="zh-CN" sz="2800" dirty="0" smtClean="0"/>
+              <a:t>2</a:t>
+            </a:r>
+            <a:r>
+              <a:rPr lang="zh-CN" altLang="en-US" sz="2800" dirty="0" smtClean="0"/>
+              <a:t>、</a:t>
+            </a:r>
+            <a:r>
+              <a:rPr lang="zh-CN" altLang="en-US" sz="2800" dirty="0"/>
+              <a:t>组合</a:t>
+            </a:r>
+            <a:r>
+              <a:rPr lang="zh-CN" altLang="en-US" sz="2800" dirty="0" smtClean="0"/>
+              <a:t>结构图：描述系统中的某一部分的内部内容。</a:t>
+            </a:r>
+            <a:endParaRPr lang="en-US" altLang="zh-CN" sz="2800" dirty="0" smtClean="0"/>
+          </a:p>
+          <a:p>
+            <a:r>
+              <a:rPr lang="en-US" altLang="zh-CN" sz="2800" dirty="0" smtClean="0"/>
+              <a:t>3</a:t>
+            </a:r>
+            <a:r>
+              <a:rPr lang="zh-CN" altLang="en-US" sz="2800" dirty="0"/>
+              <a:t>、</a:t>
+            </a:r>
+            <a:r>
+              <a:rPr lang="zh-CN" altLang="en-US" sz="2800" dirty="0" smtClean="0"/>
+              <a:t>交互概览图：使用顺序图表示活动的务个步骤。</a:t>
+            </a:r>
+            <a:endParaRPr lang="en-US" altLang="zh-CN" sz="2800" dirty="0" smtClean="0"/>
+          </a:p>
+          <a:p>
+            <a:r>
+              <a:rPr lang="en-US" altLang="zh-CN" sz="2800" dirty="0" smtClean="0"/>
+              <a:t>4</a:t>
+            </a:r>
+            <a:r>
+              <a:rPr lang="zh-CN" altLang="en-US" sz="2800" dirty="0" smtClean="0"/>
+              <a:t>、时间图：显示消息和对象状态的准确时间限制。</a:t>
+            </a:r>
+            <a:endParaRPr lang="zh-CN" altLang="en-US" sz="2800" dirty="0"/>
+          </a:p>
+        </p:txBody>
+      </p:sp>
+    </p:spTree>
+    <p:extLst>
+      <p:ext uri="{BB962C8B-B14F-4D97-AF65-F5344CB8AC3E}">
+        <p14:creationId xmlns:p14="http://schemas.microsoft.com/office/powerpoint/2010/main" val="4036578816"/>
+      </p:ext>
+    </p:extLst>
+  </p:cSld>
+  <p:clrMapOvr>
+    <a:masterClrMapping/>
+  </p:clrMapOvr>
+  <p:timing>
+    <p:tnLst>
+      <p:par>
+        <p:cTn id="1" dur="indefinite" restart="never" nodeType="tmRoot">
+          <p:childTnLst>
+            <p:seq concurrent="1" nextAc="seek">
+              <p:cTn id="2" dur="indefinite" nodeType="mainSeq">
+                <p:childTnLst>
+                  <p:par>
+                    <p:cTn id="3" fill="hold">
+                      <p:stCondLst>
+                        <p:cond delay="indefinite"/>
+                      </p:stCondLst>
+                      <p:childTnLst>
+                        <p:par>
+                          <p:cTn id="4" fill="hold">
+                            <p:stCondLst>
+                              <p:cond delay="0"/>
+                            </p:stCondLst>
+                            <p:childTnLst>
                               <p:par>
-                                <p:cTn id="11" presetID="14" presetClass="entr" presetSubtype="10" fill="hold" nodeType="withEffect">
+                                <p:cTn id="5" presetID="14" presetClass="entr" presetSubtype="10" fill="hold" nodeType="clickEffect">
                                   <p:stCondLst>
                                     <p:cond delay="0"/>
                                   </p:stCondLst>
                                   <p:childTnLst>
                                     <p:set>
                                       <p:cBhvr>
-                                        <p:cTn id="12" dur="1" fill="hold">
+                                        <p:cTn id="6" dur="1" fill="hold">
                                           <p:stCondLst>
                                             <p:cond delay="0"/>
                                           </p:stCondLst>
                                         </p:cTn>
                                         <p:tgtEl>
-                                          <p:spTgt spid="6">
+                                          <p:spTgt spid="5">
+                                            <p:txEl>
+                                              <p:pRg st="0" end="0"/>
+                                            </p:txEl>
+                                          </p:spTgt>
+                                        </p:tgtEl>
+                                        <p:attrNameLst>
+                                          <p:attrName>style.visibility</p:attrName>
+                                        </p:attrNameLst>
+                                      </p:cBhvr>
+                                      <p:to>
+                                        <p:strVal val="visible"/>
+                                      </p:to>
+                                    </p:set>
+                                    <p:animEffect transition="in" filter="randombar(horizontal)">
+                                      <p:cBhvr>
+                                        <p:cTn id="7" dur="500"/>
+                                        <p:tgtEl>
+                                          <p:spTgt spid="5">
+                                            <p:txEl>
+                                              <p:pRg st="0" end="0"/>
+                                            </p:txEl>
+                                          </p:spTgt>
+                                        </p:tgtEl>
+                                      </p:cBhvr>
+                                    </p:animEffect>
+                                  </p:childTnLst>
+                                </p:cTn>
+                              </p:par>
+                            </p:childTnLst>
+                          </p:cTn>
+                        </p:par>
+                      </p:childTnLst>
+                    </p:cTn>
+                  </p:par>
+                  <p:par>
+                    <p:cTn id="8" fill="hold">
+                      <p:stCondLst>
+                        <p:cond delay="indefinite"/>
+                      </p:stCondLst>
+                      <p:childTnLst>
+                        <p:par>
+                          <p:cTn id="9" fill="hold">
+                            <p:stCondLst>
+                              <p:cond delay="0"/>
+                            </p:stCondLst>
+                            <p:childTnLst>
+                              <p:par>
+                                <p:cTn id="10" presetID="14" presetClass="entr" presetSubtype="10" fill="hold" nodeType="clickEffect">
+                                  <p:stCondLst>
+                                    <p:cond delay="0"/>
+                                  </p:stCondLst>
+                                  <p:childTnLst>
+                                    <p:set>
+                                      <p:cBhvr>
+                                        <p:cTn id="11" dur="1" fill="hold">
+                                          <p:stCondLst>
+                                            <p:cond delay="0"/>
+                                          </p:stCondLst>
+                                        </p:cTn>
+                                        <p:tgtEl>
+                                          <p:spTgt spid="5">
+                                            <p:txEl>
+                                              <p:pRg st="1" end="1"/>
+                                            </p:txEl>
+                                          </p:spTgt>
+                                        </p:tgtEl>
+                                        <p:attrNameLst>
+                                          <p:attrName>style.visibility</p:attrName>
+                                        </p:attrNameLst>
+                                      </p:cBhvr>
+                                      <p:to>
+                                        <p:strVal val="visible"/>
+                                      </p:to>
+                                    </p:set>
+                                    <p:animEffect transition="in" filter="randombar(horizontal)">
+                                      <p:cBhvr>
+                                        <p:cTn id="12" dur="500"/>
+                                        <p:tgtEl>
+                                          <p:spTgt spid="5">
+                                            <p:txEl>
+                                              <p:pRg st="1" end="1"/>
+                                            </p:txEl>
+                                          </p:spTgt>
+                                        </p:tgtEl>
+                                      </p:cBhvr>
+                                    </p:animEffect>
+                                  </p:childTnLst>
+                                </p:cTn>
+                              </p:par>
+                            </p:childTnLst>
+                          </p:cTn>
+                        </p:par>
+                      </p:childTnLst>
+                    </p:cTn>
+                  </p:par>
+                  <p:par>
+                    <p:cTn id="13" fill="hold">
+                      <p:stCondLst>
+                        <p:cond delay="indefinite"/>
+                      </p:stCondLst>
+                      <p:childTnLst>
+                        <p:par>
+                          <p:cTn id="14" fill="hold">
+                            <p:stCondLst>
+                              <p:cond delay="0"/>
+                            </p:stCondLst>
+                            <p:childTnLst>
+                              <p:par>
+                                <p:cTn id="15" presetID="14" presetClass="entr" presetSubtype="10" fill="hold" nodeType="clickEffect">
+                                  <p:stCondLst>
+                                    <p:cond delay="0"/>
+                                  </p:stCondLst>
+                                  <p:childTnLst>
+                                    <p:set>
+                                      <p:cBhvr>
+                                        <p:cTn id="16" dur="1" fill="hold">
+                                          <p:stCondLst>
+                                            <p:cond delay="0"/>
+                                          </p:stCondLst>
+                                        </p:cTn>
+                                        <p:tgtEl>
+                                          <p:spTgt spid="5">
                                             <p:txEl>
                                               <p:pRg st="2" end="2"/>
                                             </p:txEl>
@@ -22610,9 +24153,9 @@
                                     </p:set>
                                     <p:animEffect transition="in" filter="randombar(horizontal)">
                                       <p:cBhvr>
-                                        <p:cTn id="13" dur="500"/>
+                                        <p:cTn id="17" dur="500"/>
                                         <p:tgtEl>
-                                          <p:spTgt spid="6">
+                                          <p:spTgt spid="5">
                                             <p:txEl>
                                               <p:pRg st="2" end="2"/>
                                             </p:txEl>
@@ -22623,21 +24166,39 @@
                                   </p:childTnLst>
                                 </p:cTn>
                               </p:par>
+                            </p:childTnLst>
+                          </p:cTn>
+                        </p:par>
+                      </p:childTnLst>
+                    </p:cTn>
+                  </p:par>
+                  <p:par>
+                    <p:cTn id="18" fill="hold">
+                      <p:stCondLst>
+                        <p:cond delay="indefinite"/>
+                      </p:stCondLst>
+                      <p:childTnLst>
+                        <p:par>
+                          <p:cTn id="19" fill="hold">
+                            <p:stCondLst>
+                              <p:cond delay="0"/>
+                            </p:stCondLst>
+                            <p:childTnLst>
                               <p:par>
-                                <p:cTn id="14" presetID="14" presetClass="entr" presetSubtype="10" fill="hold" nodeType="withEffect">
+                                <p:cTn id="20" presetID="14" presetClass="entr" presetSubtype="10" fill="hold" nodeType="clickEffect">
                                   <p:stCondLst>
                                     <p:cond delay="0"/>
                                   </p:stCondLst>
                                   <p:childTnLst>
                                     <p:set>
                                       <p:cBhvr>
-                                        <p:cTn id="15" dur="1" fill="hold">
+                                        <p:cTn id="21" dur="1" fill="hold">
                                           <p:stCondLst>
                                             <p:cond delay="0"/>
                                           </p:stCondLst>
                                         </p:cTn>
                                         <p:tgtEl>
-                                          <p:spTgt spid="6">
+                                          <p:spTgt spid="5">
                                             <p:txEl>
                                               <p:pRg st="3" end="3"/>
                                             </p:txEl>
@@ -22653,9 +24214,9 @@
                                     </p:set>
                                     <p:animEffect transition="in" filter="randombar(horizontal)">
                                       <p:cBhvr>
-                                        <p:cTn id="16" dur="500"/>
+                                        <p:cTn id="22" dur="500"/>
                                         <p:tgtEl>
-                                          <p:spTgt spid="6">
+                                          <p:spTgt spid="5">
                                             <p:txEl>
                                               <p:pRg st="3" end="3"/>
                                             </p:txEl>
@@ -22666,21 +24227,39 @@
                                   </p:childTnLst>
                                 </p:cTn>
                               </p:par>
+                            </p:childTnLst>
+                          </p:cTn>
+                        </p:par>
+                      </p:childTnLst>
+                    </p:cTn>
+                  </p:par>
+                  <p:par>
+                    <p:cTn id="23" fill="hold">
+                      <p:stCondLst>
+                        <p:cond delay="indefinite"/>
+                      </p:stCondLst>
+                      <p:childTnLst>
+                        <p:par>
+                          <p:cTn id="24" fill="hold">
+                            <p:stCondLst>
+                              <p:cond delay="0"/>
+                            </p:stCondLst>
+                            <p:childTnLst>
                               <p:par>
-                                <p:cTn id="17" presetID="14" presetClass="entr" presetSubtype="10" fill="hold" nodeType="withEffect">
+                                <p:cTn id="25" presetID="14" presetClass="entr" presetSubtype="10" fill="hold" nodeType="clickEffect">
                                   <p:stCondLst>
                                     <p:cond delay="0"/>
                                   </p:stCondLst>
                                   <p:childTnLst>
                                     <p:set>
                                       <p:cBhvr>
-                                        <p:cTn id="18" dur="1" fill="hold">
+                                        <p:cTn id="26" dur="1" fill="hold">
                                           <p:stCondLst>
                                             <p:cond delay="0"/>
                                           </p:stCondLst>
                                         </p:cTn>
                                         <p:tgtEl>
-                                          <p:spTgt spid="6">
+                                          <p:spTgt spid="5">
                                             <p:txEl>
                                               <p:pRg st="4" end="4"/>
                                             </p:txEl>
@@ -22696,9 +24275,9 @@
                                     </p:set>
                                     <p:animEffect transition="in" filter="randombar(horizontal)">
                                       <p:cBhvr>
-                                        <p:cTn id="19" dur="500"/>
+                                        <p:cTn id="27" dur="500"/>
                                         <p:tgtEl>
-                                          <p:spTgt spid="6">
+                                          <p:spTgt spid="5">
                                             <p:txEl>
                                               <p:pRg st="4" end="4"/>
                                             </p:txEl>
@@ -22740,7 +24319,7 @@
 </p:sld>
 </file>
 
-<file path=ppt/slides/slide21.xml><?xml version="1.0" encoding="utf-8"?>
+<file path=ppt/slides/slide23.xml><?xml version="1.0" encoding="utf-8"?>
 <p:sld xmlns:a="http://schemas.openxmlformats.org/drawingml/2006/main" xmlns:r="http://schemas.openxmlformats.org/officeDocument/2006/relationships" xmlns:p="http://schemas.openxmlformats.org/presentationml/2006/main">
   <p:cSld>
     <p:spTree>
@@ -22805,8 +24384,8 @@
         </p:nvSpPr>
         <p:spPr>
           <a:xfrm>
-            <a:off x="854014" y="2734575"/>
-            <a:ext cx="10546477" cy="3693319"/>
+            <a:off x="610174" y="2185935"/>
+            <a:ext cx="11120352" cy="4431983"/>
           </a:xfrm>
           <a:prstGeom prst="rect">
             <a:avLst/>
@@ -22850,9 +24429,15 @@
               <a:rPr lang="en-US" altLang="zh-CN" sz="2400" dirty="0">
                 <a:hlinkClick r:id="rId3"/>
               </a:rPr>
-              <a:t>http://blog.csdn.net/chenxiaochan/article/details/39252823</a:t>
-            </a:r>
-            <a:endParaRPr lang="en-US" altLang="zh-CN" sz="2400" dirty="0"/>
+              <a:t>http://</a:t>
+            </a:r>
+            <a:r>
+              <a:rPr lang="en-US" altLang="zh-CN" sz="2400" dirty="0" smtClean="0">
+                <a:hlinkClick r:id="rId3"/>
+              </a:rPr>
+              <a:t>blog.csdn.net/chenxiaochan/article/details/39252823</a:t>
+            </a:r>
+            <a:endParaRPr lang="en-US" altLang="zh-CN" sz="2400" dirty="0" smtClean="0"/>
           </a:p>
           <a:p>
             <a:pPr marL="285750" indent="-285750">
@@ -22868,13 +24453,26 @@
             </a:pPr>
             <a:r>
               <a:rPr lang="en-US" altLang="zh-CN" sz="2400" dirty="0"/>
-              <a:t>http://blog.csdn.net/wind19/article/details</a:t>
-            </a:r>
-            <a:r>
-              <a:rPr lang="en-US" altLang="zh-CN" sz="2400"/>
-              <a:t>/7583357</a:t>
+              <a:t>http://www.360doc.com/content/13/1103/23/9615799_326430837.shtml</a:t>
             </a:r>
             <a:endParaRPr lang="en-US" altLang="zh-CN" sz="2400" dirty="0"/>
+          </a:p>
+          <a:p>
+            <a:pPr marL="285750" indent="-285750">
+              <a:buFont typeface="Wingdings" panose="05000000000000000000" pitchFamily="2" charset="2"/>
+              <a:buChar char="l"/>
+            </a:pPr>
+            <a:endParaRPr lang="en-US" altLang="zh-CN" sz="2400" dirty="0"/>
+          </a:p>
+          <a:p>
+            <a:pPr marL="285750" indent="-285750">
+              <a:buFont typeface="Wingdings" panose="05000000000000000000" pitchFamily="2" charset="2"/>
+              <a:buChar char="l"/>
+            </a:pPr>
+            <a:r>
+              <a:rPr lang="en-US" altLang="zh-CN" sz="2400" dirty="0"/>
+              <a:t>http://blog.csdn.net/wind19/article/details/7583357</a:t>
+            </a:r>
           </a:p>
           <a:p>
             <a:pPr marL="285750" indent="-285750">
@@ -23108,7 +24706,7 @@
 </p:sld>
 </file>
 
-<file path=ppt/slides/slide22.xml><?xml version="1.0" encoding="utf-8"?>
+<file path=ppt/slides/slide24.xml><?xml version="1.0" encoding="utf-8"?>
 <p:sld xmlns:a="http://schemas.openxmlformats.org/drawingml/2006/main" xmlns:r="http://schemas.openxmlformats.org/officeDocument/2006/relationships" xmlns:p="http://schemas.openxmlformats.org/presentationml/2006/main">
   <p:cSld>
     <p:spTree>
@@ -23322,10 +24920,17 @@
   <p:clrMapOvr>
     <a:masterClrMapping/>
   </p:clrMapOvr>
+  <p:timing>
+    <p:tnLst>
+      <p:par>
+        <p:cTn id="1" dur="indefinite" restart="never" nodeType="tmRoot"/>
+      </p:par>
+    </p:tnLst>
+  </p:timing>
 </p:sld>
 </file>
 
-<file path=ppt/slides/slide23.xml><?xml version="1.0" encoding="utf-8"?>
+<file path=ppt/slides/slide25.xml><?xml version="1.0" encoding="utf-8"?>
 <p:sld xmlns:a="http://schemas.openxmlformats.org/drawingml/2006/main" xmlns:r="http://schemas.openxmlformats.org/officeDocument/2006/relationships" xmlns:p="http://schemas.openxmlformats.org/presentationml/2006/main">
   <p:cSld>
     <p:spTree>
@@ -23495,6 +25100,13 @@
   <p:clrMapOvr>
     <a:masterClrMapping/>
   </p:clrMapOvr>
+  <p:timing>
+    <p:tnLst>
+      <p:par>
+        <p:cTn id="1" dur="indefinite" restart="never" nodeType="tmRoot"/>
+      </p:par>
+    </p:tnLst>
+  </p:timing>
 </p:sld>
 </file>
 
@@ -23885,12 +25497,14 @@
         </p:nvSpPr>
         <p:spPr>
           <a:xfrm>
-            <a:off x="829345" y="2360428"/>
-            <a:ext cx="10845204" cy="3838352"/>
+            <a:off x="673397" y="2067878"/>
+            <a:ext cx="10845204" cy="4129722"/>
           </a:xfrm>
         </p:spPr>
         <p:txBody>
-          <a:bodyPr/>
+          <a:bodyPr>
+            <a:normAutofit fontScale="70000" lnSpcReduction="20000"/>
+          </a:bodyPr>
           <a:lstStyle/>
           <a:p>
             <a:pPr marL="0" indent="0">
@@ -23901,7 +25515,11 @@
             </a:endParaRPr>
           </a:p>
           <a:p>
-            <a:pPr lvl="0"/>
+            <a:pPr lvl="0">
+              <a:lnSpc>
+                <a:spcPct val="120000"/>
+              </a:lnSpc>
+            </a:pPr>
             <a:r>
               <a:rPr lang="en-US" altLang="zh-CN" sz="3200" dirty="0">
                 <a:latin typeface="+mn-ea"/>
@@ -24014,8 +25632,225 @@
               <a:rPr lang="zh-CN" altLang="zh-CN" sz="3200" dirty="0">
                 <a:latin typeface="+mn-ea"/>
               </a:rPr>
-              <a:t>）。最终，他们联合起来，实现了开放的标准。 </a:t>
-            </a:r>
+              <a:t>）</a:t>
+            </a:r>
+            <a:r>
+              <a:rPr lang="zh-CN" altLang="zh-CN" sz="3200" dirty="0" smtClean="0">
+                <a:latin typeface="+mn-ea"/>
+              </a:rPr>
+              <a:t>。</a:t>
+            </a:r>
+            <a:r>
+              <a:rPr lang="en-GB" altLang="zh-CN" sz="3200" dirty="0" err="1" smtClean="0">
+                <a:latin typeface="+mn-ea"/>
+              </a:rPr>
+              <a:t>Rumbaugh</a:t>
+            </a:r>
+            <a:r>
+              <a:rPr lang="zh-CN" altLang="en-US" sz="3200" dirty="0">
+                <a:latin typeface="+mn-ea"/>
+              </a:rPr>
+              <a:t>于</a:t>
+            </a:r>
+            <a:r>
+              <a:rPr lang="en-US" altLang="zh-CN" sz="3200" dirty="0">
+                <a:latin typeface="+mn-ea"/>
+              </a:rPr>
+              <a:t>1994</a:t>
+            </a:r>
+            <a:r>
+              <a:rPr lang="zh-CN" altLang="en-US" sz="3200" dirty="0">
+                <a:latin typeface="+mn-ea"/>
+              </a:rPr>
+              <a:t>年离开</a:t>
+            </a:r>
+            <a:r>
+              <a:rPr lang="en-GB" altLang="zh-CN" sz="3200" dirty="0">
+                <a:latin typeface="+mn-ea"/>
+              </a:rPr>
+              <a:t>GE</a:t>
+            </a:r>
+            <a:r>
+              <a:rPr lang="zh-CN" altLang="en-US" sz="3200" dirty="0">
+                <a:latin typeface="+mn-ea"/>
+              </a:rPr>
+              <a:t>加入</a:t>
+            </a:r>
+            <a:r>
+              <a:rPr lang="en-GB" altLang="zh-CN" sz="3200" dirty="0" err="1">
+                <a:latin typeface="+mn-ea"/>
+              </a:rPr>
+              <a:t>Booch</a:t>
+            </a:r>
+            <a:r>
+              <a:rPr lang="zh-CN" altLang="en-US" sz="3200" dirty="0">
+                <a:latin typeface="+mn-ea"/>
+              </a:rPr>
+              <a:t>所在的</a:t>
+            </a:r>
+            <a:r>
+              <a:rPr lang="en-GB" altLang="zh-CN" sz="3200" dirty="0">
+                <a:latin typeface="+mn-ea"/>
+              </a:rPr>
+              <a:t>Rational</a:t>
+            </a:r>
+            <a:r>
+              <a:rPr lang="zh-CN" altLang="en-US" sz="3200" dirty="0">
+                <a:latin typeface="+mn-ea"/>
+              </a:rPr>
+              <a:t>公司</a:t>
+            </a:r>
+            <a:r>
+              <a:rPr lang="zh-CN" altLang="en-US" sz="3200" dirty="0" smtClean="0">
+                <a:latin typeface="+mn-ea"/>
+              </a:rPr>
+              <a:t>，一起</a:t>
+            </a:r>
+            <a:r>
+              <a:rPr lang="zh-CN" altLang="en-US" sz="3200" dirty="0">
+                <a:latin typeface="+mn-ea"/>
+              </a:rPr>
+              <a:t>研究一种统一的方法，一年后，</a:t>
+            </a:r>
+            <a:r>
+              <a:rPr lang="en-GB" altLang="zh-CN" sz="3200" dirty="0">
+                <a:latin typeface="+mn-ea"/>
+              </a:rPr>
+              <a:t>Unified Method0.8</a:t>
+            </a:r>
+            <a:r>
+              <a:rPr lang="zh-CN" altLang="en-US" sz="3200" dirty="0" smtClean="0">
+                <a:latin typeface="+mn-ea"/>
+              </a:rPr>
+              <a:t>诞生。</a:t>
+            </a:r>
+            <a:r>
+              <a:rPr lang="zh-CN" altLang="en-US" sz="3200" dirty="0">
+                <a:latin typeface="+mn-ea"/>
+              </a:rPr>
+              <a:t>经过三年的共同努力，</a:t>
+            </a:r>
+            <a:r>
+              <a:rPr lang="zh-CN" altLang="en-GB" sz="3200" dirty="0">
+                <a:latin typeface="+mn-ea"/>
+              </a:rPr>
+              <a:t>ＵＭＬ０</a:t>
+            </a:r>
+            <a:r>
+              <a:rPr lang="en-GB" altLang="zh-CN" sz="3200" dirty="0">
+                <a:latin typeface="+mn-ea"/>
+              </a:rPr>
+              <a:t>.</a:t>
+            </a:r>
+            <a:r>
+              <a:rPr lang="zh-CN" altLang="en-GB" sz="3200" dirty="0">
+                <a:latin typeface="+mn-ea"/>
+              </a:rPr>
+              <a:t>９</a:t>
+            </a:r>
+            <a:r>
+              <a:rPr lang="zh-CN" altLang="en-US" sz="3200" dirty="0">
+                <a:latin typeface="+mn-ea"/>
+              </a:rPr>
+              <a:t>和</a:t>
+            </a:r>
+            <a:r>
+              <a:rPr lang="zh-CN" altLang="en-GB" sz="3200" dirty="0">
+                <a:latin typeface="+mn-ea"/>
+              </a:rPr>
+              <a:t>ＵＭＬ０</a:t>
+            </a:r>
+            <a:r>
+              <a:rPr lang="en-GB" altLang="zh-CN" sz="3200" dirty="0">
+                <a:latin typeface="+mn-ea"/>
+              </a:rPr>
+              <a:t>.</a:t>
+            </a:r>
+            <a:r>
+              <a:rPr lang="zh-CN" altLang="en-GB" sz="3200" dirty="0">
+                <a:latin typeface="+mn-ea"/>
+              </a:rPr>
+              <a:t>９１</a:t>
+            </a:r>
+            <a:r>
+              <a:rPr lang="zh-CN" altLang="en-US" sz="3200" dirty="0">
+                <a:latin typeface="+mn-ea"/>
+              </a:rPr>
+              <a:t>于１９９６年相继面世。 </a:t>
+            </a:r>
+            <a:endParaRPr lang="en-US" altLang="zh-CN" sz="3200" dirty="0" smtClean="0">
+              <a:latin typeface="+mn-ea"/>
+            </a:endParaRPr>
+          </a:p>
+          <a:p>
+            <a:pPr lvl="0">
+              <a:lnSpc>
+                <a:spcPct val="120000"/>
+              </a:lnSpc>
+            </a:pPr>
+            <a:r>
+              <a:rPr lang="zh-CN" altLang="en-US" sz="3200" dirty="0">
+                <a:latin typeface="+mn-ea"/>
+              </a:rPr>
+              <a:t>此后ＵＭＬ的创始人</a:t>
+            </a:r>
+            <a:r>
+              <a:rPr lang="en-US" altLang="zh-CN" sz="3200" dirty="0" err="1">
+                <a:latin typeface="+mn-ea"/>
+              </a:rPr>
+              <a:t>Booch</a:t>
+            </a:r>
+            <a:r>
+              <a:rPr lang="zh-CN" altLang="en-US" sz="3200" dirty="0">
+                <a:latin typeface="+mn-ea"/>
+              </a:rPr>
+              <a:t>等邀请计算机软件工程界的著名人士和著名的企业如</a:t>
+            </a:r>
+            <a:r>
+              <a:rPr lang="en-US" altLang="zh-CN" sz="3200" dirty="0" smtClean="0">
+                <a:latin typeface="+mn-ea"/>
+              </a:rPr>
+              <a:t>IBM</a:t>
+            </a:r>
+            <a:r>
+              <a:rPr lang="zh-CN" altLang="en-US" sz="3200" dirty="0" smtClean="0">
+                <a:latin typeface="+mn-ea"/>
+              </a:rPr>
+              <a:t>，Ｏｒａｃｌｅ等</a:t>
+            </a:r>
+            <a:r>
+              <a:rPr lang="zh-CN" altLang="en-US" sz="3200" dirty="0">
+                <a:latin typeface="+mn-ea"/>
+              </a:rPr>
+              <a:t>对ＵＭＬ进行评论，提出修改意见。１９９７年１月Ｒａｔｉｏｎａｌ公司向ＯＭＧ提交了ＵＭＬ１</a:t>
+            </a:r>
+            <a:r>
+              <a:rPr lang="en-US" altLang="zh-CN" sz="3200" dirty="0">
+                <a:latin typeface="+mn-ea"/>
+              </a:rPr>
+              <a:t>.</a:t>
+            </a:r>
+            <a:r>
+              <a:rPr lang="zh-CN" altLang="en-US" sz="3200" dirty="0">
+                <a:latin typeface="+mn-ea"/>
+              </a:rPr>
+              <a:t>０标准文本。</a:t>
+            </a:r>
+            <a:r>
+              <a:rPr lang="zh-CN" altLang="en-US" sz="3200" dirty="0" smtClean="0">
+                <a:latin typeface="+mn-ea"/>
+              </a:rPr>
+              <a:t>１９９７年１１月ＯＭＧ</a:t>
+            </a:r>
+            <a:r>
+              <a:rPr lang="zh-CN" altLang="en-US" sz="3200" dirty="0">
+                <a:latin typeface="+mn-ea"/>
+              </a:rPr>
+              <a:t>宣布接受ＵＭＬ，认定为标准的建模语言。ＵＭＬ目前还在不断地发展和完善。</a:t>
+            </a:r>
+            <a:endParaRPr lang="zh-CN" altLang="zh-CN" sz="3200" dirty="0">
+              <a:latin typeface="+mn-ea"/>
+            </a:endParaRPr>
           </a:p>
           <a:p>
             <a:endParaRPr lang="zh-CN" altLang="en-US" b="1" dirty="0"/>
@@ -24101,6 +25936,67 @@
                       </p:childTnLst>
                     </p:cTn>
                   </p:par>
+                  <p:par>
+                    <p:cTn id="8" fill="hold">
+                      <p:stCondLst>
+                        <p:cond delay="indefinite"/>
+                      </p:stCondLst>
+                      <p:childTnLst>
+                        <p:par>
+                          <p:cTn id="9" fill="hold">
+                            <p:stCondLst>
+                              <p:cond delay="0"/>
+                            </p:stCondLst>
+                            <p:childTnLst>
+                              <p:par>
+                                <p:cTn id="10" presetID="14" presetClass="entr" presetSubtype="10" fill="hold" nodeType="clickEffect">
+                                  <p:stCondLst>
+                                    <p:cond delay="0"/>
+                                  </p:stCondLst>
+                                  <p:childTnLst>
+                                    <p:set>
+                                      <p:cBhvr>
+                                        <p:cTn id="11" dur="1" fill="hold">
+                                          <p:stCondLst>
+                                            <p:cond delay="0"/>
+                                          </p:stCondLst>
+                                        </p:cTn>
+                                        <p:tgtEl>
+                                          <p:spTgt spid="3">
+                                            <p:txEl>
+                                              <p:pRg st="2" end="2"/>
+                                            </p:txEl>
+                                          </p:spTgt>
+                                        </p:tgtEl>
+                                        <p:attrNameLst>
+                                          <p:attrName>style.visibility</p:attrName>
+                                        </p:attrNameLst>
+                                      </p:cBhvr>
+                                      <p:to>
+                                        <p:strVal val="visible"/>
+                                      </p:to>
+                                    </p:set>
+                                    <p:animEffect transition="in" filter="randombar(horizontal)">
+                                      <p:cBhvr>
+                                        <p:cTn id="12" dur="500"/>
+                                        <p:tgtEl>
+                                          <p:spTgt spid="3">
+                                            <p:txEl>
+                                              <p:pRg st="2" end="2"/>
+                                            </p:txEl>
+                                          </p:spTgt>
+                                        </p:tgtEl>
+                                      </p:cBhvr>
+                                    </p:animEffect>
+                                  </p:childTnLst>
+                                </p:cTn>
+                              </p:par>
+                            </p:childTnLst>
+                          </p:cTn>
+                        </p:par>
+                      </p:childTnLst>
+                    </p:cTn>
+                  </p:par>
                 </p:childTnLst>
               </p:cTn>
               <p:prevCondLst>
@@ -24127,6 +26023,164 @@
 </file>
 
 <file path=ppt/slides/slide5.xml><?xml version="1.0" encoding="utf-8"?>
+<p:sld xmlns:a="http://schemas.openxmlformats.org/drawingml/2006/main" xmlns:r="http://schemas.openxmlformats.org/officeDocument/2006/relationships" xmlns:p="http://schemas.openxmlformats.org/presentationml/2006/main">
+  <p:cSld>
+    <p:spTree>
+      <p:nvGrpSpPr>
+        <p:cNvPr id="1" name=""/>
+        <p:cNvGrpSpPr/>
+        <p:nvPr/>
+      </p:nvGrpSpPr>
+      <p:grpSpPr>
+        <a:xfrm>
+          <a:off x="0" y="0"/>
+          <a:ext cx="0" cy="0"/>
+          <a:chOff x="0" y="0"/>
+          <a:chExt cx="0" cy="0"/>
+        </a:xfrm>
+      </p:grpSpPr>
+      <p:sp>
+        <p:nvSpPr>
+          <p:cNvPr id="2" name="标题 1">
+            <a:extLst>
+              <a:ext uri="{FF2B5EF4-FFF2-40B4-BE49-F238E27FC236}">
+                <a16:creationId xmlns:a16="http://schemas.microsoft.com/office/drawing/2014/main" id="{07F82CAD-895A-43D3-8349-0BA3C86A2196}"/>
+              </a:ext>
+            </a:extLst>
+          </p:cNvPr>
+          <p:cNvSpPr>
+            <a:spLocks noGrp="1"/>
+          </p:cNvSpPr>
+          <p:nvPr>
+            <p:ph type="title"/>
+          </p:nvPr>
+        </p:nvSpPr>
+        <p:spPr>
+          <a:xfrm>
+            <a:off x="810000" y="447188"/>
+            <a:ext cx="10571998" cy="970450"/>
+          </a:xfrm>
+        </p:spPr>
+        <p:txBody>
+          <a:bodyPr/>
+          <a:lstStyle/>
+          <a:p>
+            <a:pPr algn="ctr"/>
+            <a:r>
+              <a:rPr lang="en-US" altLang="zh-CN" sz="6000" dirty="0"/>
+              <a:t>UML</a:t>
+            </a:r>
+            <a:r>
+              <a:rPr lang="zh-CN" altLang="zh-CN" sz="6000" dirty="0"/>
+              <a:t>的背景</a:t>
+            </a:r>
+            <a:endParaRPr lang="zh-CN" altLang="en-US" sz="6000" dirty="0"/>
+          </a:p>
+        </p:txBody>
+      </p:sp>
+      <p:pic>
+        <p:nvPicPr>
+          <p:cNvPr id="7" name="图片 6"/>
+          <p:cNvPicPr>
+            <a:picLocks noChangeAspect="1"/>
+          </p:cNvPicPr>
+          <p:nvPr/>
+        </p:nvPicPr>
+        <p:blipFill>
+          <a:blip r:embed="rId3">
+            <a:extLst>
+              <a:ext uri="{28A0092B-C50C-407E-A947-70E740481C1C}">
+                <a14:useLocalDpi xmlns:a14="http://schemas.microsoft.com/office/drawing/2010/main" val="0"/>
+              </a:ext>
+            </a:extLst>
+          </a:blip>
+          <a:stretch>
+            <a:fillRect/>
+          </a:stretch>
+        </p:blipFill>
+        <p:spPr>
+          <a:xfrm>
+            <a:off x="3820160" y="2674620"/>
+            <a:ext cx="4060190" cy="1624076"/>
+          </a:xfrm>
+          <a:prstGeom prst="rect">
+            <a:avLst/>
+          </a:prstGeom>
+        </p:spPr>
+      </p:pic>
+      <p:sp>
+        <p:nvSpPr>
+          <p:cNvPr id="11" name="内容占位符 2">
+            <a:extLst>
+              <a:ext uri="{FF2B5EF4-FFF2-40B4-BE49-F238E27FC236}">
+                <a16:creationId xmlns:a16="http://schemas.microsoft.com/office/drawing/2014/main" id="{46AF0ABC-912E-4F6F-A3AC-D7B963232466}"/>
+              </a:ext>
+            </a:extLst>
+          </p:cNvPr>
+          <p:cNvSpPr>
+            <a:spLocks noGrp="1"/>
+          </p:cNvSpPr>
+          <p:nvPr>
+            <p:ph idx="1"/>
+          </p:nvPr>
+        </p:nvSpPr>
+        <p:spPr>
+          <a:xfrm>
+            <a:off x="673397" y="4592320"/>
+            <a:ext cx="10845204" cy="1605280"/>
+          </a:xfrm>
+        </p:spPr>
+        <p:txBody>
+          <a:bodyPr>
+            <a:normAutofit/>
+          </a:bodyPr>
+          <a:lstStyle/>
+          <a:p>
+            <a:r>
+              <a:rPr lang="zh-CN" altLang="en-US" b="1" dirty="0" smtClean="0"/>
+              <a:t>从左到右：             </a:t>
+            </a:r>
+            <a:r>
+              <a:rPr lang="en-GB" altLang="zh-CN" b="1" dirty="0" smtClean="0"/>
+              <a:t>Grady </a:t>
+            </a:r>
+            <a:r>
+              <a:rPr lang="en-GB" altLang="zh-CN" b="1" dirty="0" err="1"/>
+              <a:t>Booch</a:t>
+            </a:r>
+            <a:r>
+              <a:rPr lang="en-GB" altLang="zh-CN" b="1" dirty="0"/>
+              <a:t>	Ivar Jacobson	James </a:t>
+            </a:r>
+            <a:r>
+              <a:rPr lang="en-GB" altLang="zh-CN" b="1" dirty="0" err="1"/>
+              <a:t>Rumbaugh</a:t>
+            </a:r>
+            <a:endParaRPr lang="zh-CN" altLang="en-US" b="1" dirty="0"/>
+          </a:p>
+        </p:txBody>
+      </p:sp>
+    </p:spTree>
+    <p:extLst>
+      <p:ext uri="{BB962C8B-B14F-4D97-AF65-F5344CB8AC3E}">
+        <p14:creationId xmlns:p14="http://schemas.microsoft.com/office/powerpoint/2010/main" val="390873896"/>
+      </p:ext>
+    </p:extLst>
+  </p:cSld>
+  <p:clrMapOvr>
+    <a:masterClrMapping/>
+  </p:clrMapOvr>
+  <p:timing>
+    <p:tnLst>
+      <p:par>
+        <p:cTn id="1" dur="indefinite" restart="never" nodeType="tmRoot"/>
+      </p:par>
+    </p:tnLst>
+  </p:timing>
+</p:sld>
+</file>
+
+<file path=ppt/slides/slide6.xml><?xml version="1.0" encoding="utf-8"?>
 <p:sld xmlns:a="http://schemas.openxmlformats.org/drawingml/2006/main" xmlns:r="http://schemas.openxmlformats.org/officeDocument/2006/relationships" xmlns:p="http://schemas.openxmlformats.org/presentationml/2006/main">
   <p:cSld>
     <p:spTree>
@@ -24421,7 +26475,7 @@
 </p:sld>
 </file>
 
-<file path=ppt/slides/slide6.xml><?xml version="1.0" encoding="utf-8"?>
+<file path=ppt/slides/slide7.xml><?xml version="1.0" encoding="utf-8"?>
 <p:sld xmlns:a="http://schemas.openxmlformats.org/drawingml/2006/main" xmlns:r="http://schemas.openxmlformats.org/officeDocument/2006/relationships" xmlns:p="http://schemas.openxmlformats.org/presentationml/2006/main">
   <p:cSld>
     <p:spTree>
@@ -24842,7 +26896,7 @@
 </p:sld>
 </file>
 
-<file path=ppt/slides/slide7.xml><?xml version="1.0" encoding="utf-8"?>
+<file path=ppt/slides/slide8.xml><?xml version="1.0" encoding="utf-8"?>
 <p:sld xmlns:a="http://schemas.openxmlformats.org/drawingml/2006/main" xmlns:r="http://schemas.openxmlformats.org/officeDocument/2006/relationships" xmlns:p="http://schemas.openxmlformats.org/presentationml/2006/main">
   <p:cSld>
     <p:spTree>
@@ -24893,6 +26947,10 @@
               <a:rPr lang="zh-CN" altLang="en-US" sz="2800" dirty="0"/>
               <a:t>构成：</a:t>
             </a:r>
+            <a:r>
+              <a:rPr lang="en-US" altLang="zh-CN" sz="2800" dirty="0"/>
+              <a:t/>
+            </a:r>
             <a:br>
               <a:rPr lang="en-US" altLang="zh-CN" sz="2800" dirty="0"/>
             </a:br>
@@ -24900,12 +26958,20 @@
               <a:rPr lang="zh-CN" altLang="en-US" sz="2800" dirty="0"/>
               <a:t>基本构造块</a:t>
             </a:r>
+            <a:r>
+              <a:rPr lang="en-US" altLang="zh-CN" sz="2800" dirty="0"/>
+              <a:t/>
+            </a:r>
             <a:br>
               <a:rPr lang="en-US" altLang="zh-CN" sz="2800" dirty="0"/>
             </a:br>
             <a:r>
               <a:rPr lang="zh-CN" altLang="en-US" sz="2800" dirty="0"/>
               <a:t>规则</a:t>
+            </a:r>
+            <a:r>
+              <a:rPr lang="en-US" altLang="zh-CN" sz="2800" dirty="0"/>
+              <a:t/>
             </a:r>
             <a:br>
               <a:rPr lang="en-US" altLang="zh-CN" sz="2800" dirty="0"/>
@@ -25154,7 +27220,7 @@
 </p:sld>
 </file>
 
-<file path=ppt/slides/slide8.xml><?xml version="1.0" encoding="utf-8"?>
+<file path=ppt/slides/slide9.xml><?xml version="1.0" encoding="utf-8"?>
 <p:sld xmlns:a="http://schemas.openxmlformats.org/drawingml/2006/main" xmlns:r="http://schemas.openxmlformats.org/officeDocument/2006/relationships" xmlns:p="http://schemas.openxmlformats.org/presentationml/2006/main">
   <p:cSld>
     <p:spTree>
@@ -26528,1164 +28594,6 @@
 </p:sld>
 </file>
 
-<file path=ppt/slides/slide9.xml><?xml version="1.0" encoding="utf-8"?>
-<p:sld xmlns:a="http://schemas.openxmlformats.org/drawingml/2006/main" xmlns:r="http://schemas.openxmlformats.org/officeDocument/2006/relationships" xmlns:p="http://schemas.openxmlformats.org/presentationml/2006/main">
-  <p:cSld>
-    <p:spTree>
-      <p:nvGrpSpPr>
-        <p:cNvPr id="1" name=""/>
-        <p:cNvGrpSpPr/>
-        <p:nvPr/>
-      </p:nvGrpSpPr>
-      <p:grpSpPr>
-        <a:xfrm>
-          <a:off x="0" y="0"/>
-          <a:ext cx="0" cy="0"/>
-          <a:chOff x="0" y="0"/>
-          <a:chExt cx="0" cy="0"/>
-        </a:xfrm>
-      </p:grpSpPr>
-      <p:sp>
-        <p:nvSpPr>
-          <p:cNvPr id="2" name="标题 1">
-            <a:extLst>
-              <a:ext uri="{FF2B5EF4-FFF2-40B4-BE49-F238E27FC236}">
-                <a16:creationId xmlns:a16="http://schemas.microsoft.com/office/drawing/2014/main" id="{517EC9A4-0166-49F8-91E4-2DC45DDAA464}"/>
-              </a:ext>
-            </a:extLst>
-          </p:cNvPr>
-          <p:cNvSpPr>
-            <a:spLocks noGrp="1"/>
-          </p:cNvSpPr>
-          <p:nvPr>
-            <p:ph type="title"/>
-          </p:nvPr>
-        </p:nvSpPr>
-        <p:spPr/>
-        <p:txBody>
-          <a:bodyPr/>
-          <a:lstStyle/>
-          <a:p>
-            <a:pPr algn="ctr"/>
-            <a:r>
-              <a:rPr lang="en-US" altLang="zh-CN" sz="6000" dirty="0"/>
-              <a:t>UML</a:t>
-            </a:r>
-            <a:r>
-              <a:rPr lang="zh-CN" altLang="en-US" sz="6000" dirty="0"/>
-              <a:t>的关系</a:t>
-            </a:r>
-          </a:p>
-        </p:txBody>
-      </p:sp>
-      <p:sp>
-        <p:nvSpPr>
-          <p:cNvPr id="8" name="矩形 7">
-            <a:extLst>
-              <a:ext uri="{FF2B5EF4-FFF2-40B4-BE49-F238E27FC236}">
-                <a16:creationId xmlns:a16="http://schemas.microsoft.com/office/drawing/2014/main" id="{C8569A67-5C39-44DB-A938-392E732A0BF4}"/>
-              </a:ext>
-            </a:extLst>
-          </p:cNvPr>
-          <p:cNvSpPr/>
-          <p:nvPr/>
-        </p:nvSpPr>
-        <p:spPr>
-          <a:xfrm>
-            <a:off x="6187414" y="2330340"/>
-            <a:ext cx="4828929" cy="1904302"/>
-          </a:xfrm>
-          <a:prstGeom prst="rect">
-            <a:avLst/>
-          </a:prstGeom>
-          <a:noFill/>
-          <a:ln w="9525" cap="flat" cmpd="sng" algn="ctr">
-            <a:solidFill>
-              <a:schemeClr val="tx1"/>
-            </a:solidFill>
-            <a:prstDash val="sysDash"/>
-            <a:round/>
-            <a:headEnd type="none" w="med" len="med"/>
-            <a:tailEnd type="none" w="med" len="med"/>
-          </a:ln>
-        </p:spPr>
-        <p:style>
-          <a:lnRef idx="0">
-            <a:scrgbClr r="0" g="0" b="0"/>
-          </a:lnRef>
-          <a:fillRef idx="0">
-            <a:scrgbClr r="0" g="0" b="0"/>
-          </a:fillRef>
-          <a:effectRef idx="0">
-            <a:scrgbClr r="0" g="0" b="0"/>
-          </a:effectRef>
-          <a:fontRef idx="minor">
-            <a:schemeClr val="dk1"/>
-          </a:fontRef>
-        </p:style>
-        <p:txBody>
-          <a:bodyPr rtlCol="0" anchor="ctr"/>
-          <a:lstStyle/>
-          <a:p>
-            <a:pPr algn="ctr"/>
-            <a:endParaRPr lang="zh-CN" altLang="en-US" dirty="0"/>
-          </a:p>
-        </p:txBody>
-      </p:sp>
-      <p:sp>
-        <p:nvSpPr>
-          <p:cNvPr id="9" name="矩形 8">
-            <a:extLst>
-              <a:ext uri="{FF2B5EF4-FFF2-40B4-BE49-F238E27FC236}">
-                <a16:creationId xmlns:a16="http://schemas.microsoft.com/office/drawing/2014/main" id="{01739E7F-8D37-46F3-A0AB-2013E8564C52}"/>
-              </a:ext>
-            </a:extLst>
-          </p:cNvPr>
-          <p:cNvSpPr/>
-          <p:nvPr/>
-        </p:nvSpPr>
-        <p:spPr>
-          <a:xfrm>
-            <a:off x="6187414" y="4526314"/>
-            <a:ext cx="4850699" cy="1904302"/>
-          </a:xfrm>
-          <a:prstGeom prst="rect">
-            <a:avLst/>
-          </a:prstGeom>
-          <a:noFill/>
-          <a:ln w="9525" cap="flat" cmpd="sng" algn="ctr">
-            <a:solidFill>
-              <a:schemeClr val="tx1"/>
-            </a:solidFill>
-            <a:prstDash val="sysDash"/>
-            <a:round/>
-            <a:headEnd type="none" w="med" len="med"/>
-            <a:tailEnd type="none" w="med" len="med"/>
-          </a:ln>
-        </p:spPr>
-        <p:style>
-          <a:lnRef idx="0">
-            <a:scrgbClr r="0" g="0" b="0"/>
-          </a:lnRef>
-          <a:fillRef idx="0">
-            <a:scrgbClr r="0" g="0" b="0"/>
-          </a:fillRef>
-          <a:effectRef idx="0">
-            <a:scrgbClr r="0" g="0" b="0"/>
-          </a:effectRef>
-          <a:fontRef idx="minor">
-            <a:schemeClr val="dk1"/>
-          </a:fontRef>
-        </p:style>
-        <p:txBody>
-          <a:bodyPr rtlCol="0" anchor="ctr"/>
-          <a:lstStyle/>
-          <a:p>
-            <a:pPr algn="ctr"/>
-            <a:endParaRPr lang="zh-CN" altLang="en-US" dirty="0"/>
-          </a:p>
-        </p:txBody>
-      </p:sp>
-      <p:sp>
-        <p:nvSpPr>
-          <p:cNvPr id="26" name="文本框 25">
-            <a:extLst>
-              <a:ext uri="{FF2B5EF4-FFF2-40B4-BE49-F238E27FC236}">
-                <a16:creationId xmlns:a16="http://schemas.microsoft.com/office/drawing/2014/main" id="{98740C3D-1798-47B2-8196-0DF8066D4EDE}"/>
-              </a:ext>
-            </a:extLst>
-          </p:cNvPr>
-          <p:cNvSpPr txBox="1"/>
-          <p:nvPr/>
-        </p:nvSpPr>
-        <p:spPr>
-          <a:xfrm>
-            <a:off x="701143" y="4845049"/>
-            <a:ext cx="4611086" cy="1200329"/>
-          </a:xfrm>
-          <a:prstGeom prst="rect">
-            <a:avLst/>
-          </a:prstGeom>
-          <a:noFill/>
-        </p:spPr>
-        <p:txBody>
-          <a:bodyPr wrap="square" rtlCol="0">
-            <a:spAutoFit/>
-          </a:bodyPr>
-          <a:lstStyle/>
-          <a:p>
-            <a:pPr marL="285750" indent="-285750" algn="ctr">
-              <a:buFont typeface="Wingdings" panose="05000000000000000000" pitchFamily="2" charset="2"/>
-              <a:buChar char="l"/>
-            </a:pPr>
-            <a:r>
-              <a:rPr lang="zh-CN" altLang="en-US" dirty="0"/>
-              <a:t>泛化</a:t>
-            </a:r>
-            <a:endParaRPr lang="en-US" altLang="zh-CN" dirty="0"/>
-          </a:p>
-          <a:p>
-            <a:pPr marL="285750" indent="-285750">
-              <a:buFont typeface="Wingdings" panose="05000000000000000000" pitchFamily="2" charset="2"/>
-              <a:buChar char="l"/>
-            </a:pPr>
-            <a:endParaRPr lang="en-US" altLang="zh-CN" dirty="0"/>
-          </a:p>
-          <a:p>
-            <a:endParaRPr lang="en-US" altLang="zh-CN" dirty="0"/>
-          </a:p>
-          <a:p>
-            <a:r>
-              <a:rPr lang="zh-CN" altLang="en-US" dirty="0"/>
-              <a:t>子类                                                   父类                                     </a:t>
-            </a:r>
-          </a:p>
-        </p:txBody>
-      </p:sp>
-      <p:sp>
-        <p:nvSpPr>
-          <p:cNvPr id="33" name="矩形 32">
-            <a:extLst>
-              <a:ext uri="{FF2B5EF4-FFF2-40B4-BE49-F238E27FC236}">
-                <a16:creationId xmlns:a16="http://schemas.microsoft.com/office/drawing/2014/main" id="{D006F9C7-AE01-4281-9A20-1FD69B3BA225}"/>
-              </a:ext>
-            </a:extLst>
-          </p:cNvPr>
-          <p:cNvSpPr/>
-          <p:nvPr/>
-        </p:nvSpPr>
-        <p:spPr>
-          <a:xfrm>
-            <a:off x="809999" y="4538444"/>
-            <a:ext cx="4545771" cy="1904302"/>
-          </a:xfrm>
-          <a:prstGeom prst="rect">
-            <a:avLst/>
-          </a:prstGeom>
-          <a:noFill/>
-          <a:ln w="9525" cap="flat" cmpd="sng" algn="ctr">
-            <a:solidFill>
-              <a:schemeClr val="tx1"/>
-            </a:solidFill>
-            <a:prstDash val="sysDash"/>
-            <a:round/>
-            <a:headEnd type="none" w="med" len="med"/>
-            <a:tailEnd type="none" w="med" len="med"/>
-          </a:ln>
-        </p:spPr>
-        <p:style>
-          <a:lnRef idx="0">
-            <a:scrgbClr r="0" g="0" b="0"/>
-          </a:lnRef>
-          <a:fillRef idx="0">
-            <a:scrgbClr r="0" g="0" b="0"/>
-          </a:fillRef>
-          <a:effectRef idx="0">
-            <a:scrgbClr r="0" g="0" b="0"/>
-          </a:effectRef>
-          <a:fontRef idx="minor">
-            <a:schemeClr val="dk1"/>
-          </a:fontRef>
-        </p:style>
-        <p:txBody>
-          <a:bodyPr rtlCol="0" anchor="ctr"/>
-          <a:lstStyle/>
-          <a:p>
-            <a:pPr algn="ctr"/>
-            <a:endParaRPr lang="zh-CN" altLang="en-US" dirty="0"/>
-          </a:p>
-        </p:txBody>
-      </p:sp>
-      <p:sp>
-        <p:nvSpPr>
-          <p:cNvPr id="34" name="矩形 33">
-            <a:extLst>
-              <a:ext uri="{FF2B5EF4-FFF2-40B4-BE49-F238E27FC236}">
-                <a16:creationId xmlns:a16="http://schemas.microsoft.com/office/drawing/2014/main" id="{CDDA93DE-A456-4076-87B5-8B79B5AB610B}"/>
-              </a:ext>
-            </a:extLst>
-          </p:cNvPr>
-          <p:cNvSpPr/>
-          <p:nvPr/>
-        </p:nvSpPr>
-        <p:spPr>
-          <a:xfrm>
-            <a:off x="810000" y="2356262"/>
-            <a:ext cx="4524000" cy="1878380"/>
-          </a:xfrm>
-          <a:prstGeom prst="rect">
-            <a:avLst/>
-          </a:prstGeom>
-          <a:noFill/>
-          <a:ln w="9525" cap="flat" cmpd="sng" algn="ctr">
-            <a:solidFill>
-              <a:schemeClr val="tx1"/>
-            </a:solidFill>
-            <a:prstDash val="sysDash"/>
-            <a:round/>
-            <a:headEnd type="none" w="med" len="med"/>
-            <a:tailEnd type="none" w="med" len="med"/>
-          </a:ln>
-        </p:spPr>
-        <p:style>
-          <a:lnRef idx="0">
-            <a:scrgbClr r="0" g="0" b="0"/>
-          </a:lnRef>
-          <a:fillRef idx="0">
-            <a:scrgbClr r="0" g="0" b="0"/>
-          </a:fillRef>
-          <a:effectRef idx="0">
-            <a:scrgbClr r="0" g="0" b="0"/>
-          </a:effectRef>
-          <a:fontRef idx="minor">
-            <a:schemeClr val="dk1"/>
-          </a:fontRef>
-        </p:style>
-        <p:txBody>
-          <a:bodyPr rtlCol="0" anchor="ctr"/>
-          <a:lstStyle/>
-          <a:p>
-            <a:pPr algn="ctr"/>
-            <a:endParaRPr lang="zh-CN" altLang="en-US" dirty="0"/>
-          </a:p>
-        </p:txBody>
-      </p:sp>
-      <p:sp>
-        <p:nvSpPr>
-          <p:cNvPr id="35" name="文本框 34">
-            <a:extLst>
-              <a:ext uri="{FF2B5EF4-FFF2-40B4-BE49-F238E27FC236}">
-                <a16:creationId xmlns:a16="http://schemas.microsoft.com/office/drawing/2014/main" id="{29ACA48C-64BC-4D5F-BBA7-FE293E7CCB2B}"/>
-              </a:ext>
-            </a:extLst>
-          </p:cNvPr>
-          <p:cNvSpPr txBox="1"/>
-          <p:nvPr/>
-        </p:nvSpPr>
-        <p:spPr>
-          <a:xfrm>
-            <a:off x="810000" y="2682326"/>
-            <a:ext cx="4564433" cy="1200329"/>
-          </a:xfrm>
-          <a:prstGeom prst="rect">
-            <a:avLst/>
-          </a:prstGeom>
-          <a:noFill/>
-        </p:spPr>
-        <p:txBody>
-          <a:bodyPr wrap="square" rtlCol="0">
-            <a:spAutoFit/>
-          </a:bodyPr>
-          <a:lstStyle/>
-          <a:p>
-            <a:pPr marL="285750" indent="-285750" algn="ctr">
-              <a:buFont typeface="Wingdings" panose="05000000000000000000" pitchFamily="2" charset="2"/>
-              <a:buChar char="l"/>
-            </a:pPr>
-            <a:r>
-              <a:rPr lang="zh-CN" altLang="en-US" dirty="0"/>
-              <a:t>依赖</a:t>
-            </a:r>
-            <a:endParaRPr lang="en-US" altLang="zh-CN" dirty="0"/>
-          </a:p>
-          <a:p>
-            <a:pPr marL="285750" indent="-285750" algn="ctr">
-              <a:buFont typeface="Wingdings" panose="05000000000000000000" pitchFamily="2" charset="2"/>
-              <a:buChar char="l"/>
-            </a:pPr>
-            <a:endParaRPr lang="en-US" altLang="zh-CN" dirty="0"/>
-          </a:p>
-          <a:p>
-            <a:pPr marL="285750" indent="-285750">
-              <a:buFont typeface="Wingdings" panose="05000000000000000000" pitchFamily="2" charset="2"/>
-              <a:buChar char="Ø"/>
-            </a:pPr>
-            <a:endParaRPr lang="en-US" altLang="zh-CN" dirty="0"/>
-          </a:p>
-          <a:p>
-            <a:r>
-              <a:rPr lang="zh-CN" altLang="en-US" dirty="0"/>
-              <a:t>独立元素  </a:t>
-            </a:r>
-            <a:r>
-              <a:rPr lang="zh-CN" altLang="en-US" dirty="0">
-                <a:solidFill>
-                  <a:schemeClr val="accent2">
-                    <a:lumMod val="75000"/>
-                  </a:schemeClr>
-                </a:solidFill>
-              </a:rPr>
-              <a:t>                                   </a:t>
-            </a:r>
-            <a:r>
-              <a:rPr lang="zh-CN" altLang="en-US" dirty="0"/>
-              <a:t>依赖元素        </a:t>
-            </a:r>
-          </a:p>
-        </p:txBody>
-      </p:sp>
-      <p:sp>
-        <p:nvSpPr>
-          <p:cNvPr id="36" name="文本框 35">
-            <a:extLst>
-              <a:ext uri="{FF2B5EF4-FFF2-40B4-BE49-F238E27FC236}">
-                <a16:creationId xmlns:a16="http://schemas.microsoft.com/office/drawing/2014/main" id="{985E6DBE-2AA1-4337-BB25-D4C8F22A18F3}"/>
-              </a:ext>
-            </a:extLst>
-          </p:cNvPr>
-          <p:cNvSpPr txBox="1"/>
-          <p:nvPr/>
-        </p:nvSpPr>
-        <p:spPr>
-          <a:xfrm>
-            <a:off x="7448512" y="2407485"/>
-            <a:ext cx="2855087" cy="1754326"/>
-          </a:xfrm>
-          <a:prstGeom prst="rect">
-            <a:avLst/>
-          </a:prstGeom>
-          <a:noFill/>
-        </p:spPr>
-        <p:txBody>
-          <a:bodyPr wrap="square" rtlCol="0">
-            <a:spAutoFit/>
-          </a:bodyPr>
-          <a:lstStyle/>
-          <a:p>
-            <a:pPr marL="285750" indent="-285750" algn="ctr">
-              <a:buFont typeface="Wingdings" panose="05000000000000000000" pitchFamily="2" charset="2"/>
-              <a:buChar char="l"/>
-            </a:pPr>
-            <a:r>
-              <a:rPr lang="zh-CN" altLang="en-US" dirty="0"/>
-              <a:t>关联</a:t>
-            </a:r>
-            <a:endParaRPr lang="en-US" altLang="zh-CN" dirty="0"/>
-          </a:p>
-          <a:p>
-            <a:pPr marL="285750" indent="-285750">
-              <a:buFont typeface="Wingdings" panose="05000000000000000000" pitchFamily="2" charset="2"/>
-              <a:buChar char="l"/>
-            </a:pPr>
-            <a:endParaRPr lang="en-US" altLang="zh-CN" dirty="0"/>
-          </a:p>
-          <a:p>
-            <a:r>
-              <a:rPr lang="en-US" altLang="zh-CN" dirty="0"/>
-              <a:t>0..1   </a:t>
-            </a:r>
-          </a:p>
-          <a:p>
-            <a:r>
-              <a:rPr lang="en-US" altLang="zh-CN" dirty="0"/>
-              <a:t>                            .</a:t>
-            </a:r>
-          </a:p>
-          <a:p>
-            <a:endParaRPr lang="en-US" altLang="zh-CN" dirty="0"/>
-          </a:p>
-          <a:p>
-            <a:r>
-              <a:rPr lang="zh-CN" altLang="en-US" dirty="0"/>
-              <a:t>读者                     管理员</a:t>
-            </a:r>
-            <a:endParaRPr lang="en-US" altLang="zh-CN" dirty="0"/>
-          </a:p>
-        </p:txBody>
-      </p:sp>
-      <p:sp>
-        <p:nvSpPr>
-          <p:cNvPr id="37" name="文本框 36">
-            <a:extLst>
-              <a:ext uri="{FF2B5EF4-FFF2-40B4-BE49-F238E27FC236}">
-                <a16:creationId xmlns:a16="http://schemas.microsoft.com/office/drawing/2014/main" id="{46232BBC-F007-45B9-A6FB-D82E254AE3EE}"/>
-              </a:ext>
-            </a:extLst>
-          </p:cNvPr>
-          <p:cNvSpPr txBox="1"/>
-          <p:nvPr/>
-        </p:nvSpPr>
-        <p:spPr>
-          <a:xfrm>
-            <a:off x="6171086" y="4784591"/>
-            <a:ext cx="5220815" cy="1477328"/>
-          </a:xfrm>
-          <a:prstGeom prst="rect">
-            <a:avLst/>
-          </a:prstGeom>
-          <a:noFill/>
-        </p:spPr>
-        <p:txBody>
-          <a:bodyPr wrap="square" rtlCol="0">
-            <a:spAutoFit/>
-          </a:bodyPr>
-          <a:lstStyle/>
-          <a:p>
-            <a:pPr marL="285750" indent="-285750" algn="ctr">
-              <a:buFont typeface="Wingdings" panose="05000000000000000000" pitchFamily="2" charset="2"/>
-              <a:buChar char="l"/>
-            </a:pPr>
-            <a:r>
-              <a:rPr lang="zh-CN" altLang="en-US" dirty="0"/>
-              <a:t>实现</a:t>
-            </a:r>
-            <a:endParaRPr lang="en-US" altLang="zh-CN" dirty="0"/>
-          </a:p>
-          <a:p>
-            <a:pPr marL="285750" indent="-285750" algn="ctr">
-              <a:buFont typeface="Wingdings" panose="05000000000000000000" pitchFamily="2" charset="2"/>
-              <a:buChar char="l"/>
-            </a:pPr>
-            <a:endParaRPr lang="en-US" altLang="zh-CN" dirty="0"/>
-          </a:p>
-          <a:p>
-            <a:pPr marL="285750" indent="-285750" algn="ctr">
-              <a:buFont typeface="Wingdings" panose="05000000000000000000" pitchFamily="2" charset="2"/>
-              <a:buChar char="l"/>
-            </a:pPr>
-            <a:endParaRPr lang="en-US" altLang="zh-CN" dirty="0"/>
-          </a:p>
-          <a:p>
-            <a:pPr marL="2571750" lvl="5" indent="-285750">
-              <a:buFont typeface="Wingdings" panose="05000000000000000000" pitchFamily="2" charset="2"/>
-              <a:buChar char="l"/>
-            </a:pPr>
-            <a:endParaRPr lang="en-US" altLang="zh-CN" dirty="0"/>
-          </a:p>
-          <a:p>
-            <a:r>
-              <a:rPr lang="zh-CN" altLang="en-US" dirty="0"/>
-              <a:t>类</a:t>
-            </a:r>
-            <a:r>
-              <a:rPr lang="en-US" altLang="zh-CN" dirty="0"/>
-              <a:t>/</a:t>
-            </a:r>
-            <a:r>
-              <a:rPr lang="zh-CN" altLang="en-US" dirty="0"/>
-              <a:t>接口                                                   接口</a:t>
-            </a:r>
-            <a:endParaRPr lang="en-US" altLang="zh-CN" dirty="0"/>
-          </a:p>
-        </p:txBody>
-      </p:sp>
-      <p:pic>
-        <p:nvPicPr>
-          <p:cNvPr id="1027" name="Picture 3" descr="C:\Users\Administrator\Desktop\d\软件需求分析\关联.jpg"/>
-          <p:cNvPicPr>
-            <a:picLocks noChangeAspect="1" noChangeArrowheads="1"/>
-          </p:cNvPicPr>
-          <p:nvPr/>
-        </p:nvPicPr>
-        <p:blipFill>
-          <a:blip r:embed="rId3"/>
-          <a:srcRect/>
-          <a:stretch>
-            <a:fillRect/>
-          </a:stretch>
-        </p:blipFill>
-        <p:spPr bwMode="auto">
-          <a:xfrm>
-            <a:off x="7611996" y="3309392"/>
-            <a:ext cx="2528047" cy="361150"/>
-          </a:xfrm>
-          <a:prstGeom prst="rect">
-            <a:avLst/>
-          </a:prstGeom>
-          <a:noFill/>
-        </p:spPr>
-      </p:pic>
-      <p:pic>
-        <p:nvPicPr>
-          <p:cNvPr id="1028" name="Picture 4" descr="C:\Users\Administrator\Desktop\d\软件需求分析\泛化.jpg"/>
-          <p:cNvPicPr>
-            <a:picLocks noChangeAspect="1" noChangeArrowheads="1"/>
-          </p:cNvPicPr>
-          <p:nvPr/>
-        </p:nvPicPr>
-        <p:blipFill>
-          <a:blip r:embed="rId4"/>
-          <a:srcRect/>
-          <a:stretch>
-            <a:fillRect/>
-          </a:stretch>
-        </p:blipFill>
-        <p:spPr bwMode="auto">
-          <a:xfrm>
-            <a:off x="1550255" y="5752137"/>
-            <a:ext cx="3083858" cy="379693"/>
-          </a:xfrm>
-          <a:prstGeom prst="rect">
-            <a:avLst/>
-          </a:prstGeom>
-          <a:noFill/>
-        </p:spPr>
-      </p:pic>
-      <p:pic>
-        <p:nvPicPr>
-          <p:cNvPr id="1029" name="Picture 5" descr="C:\Users\Administrator\Desktop\d\软件需求分析\实现.jpg"/>
-          <p:cNvPicPr>
-            <a:picLocks noChangeAspect="1" noChangeArrowheads="1"/>
-          </p:cNvPicPr>
-          <p:nvPr/>
-        </p:nvPicPr>
-        <p:blipFill>
-          <a:blip r:embed="rId5"/>
-          <a:srcRect/>
-          <a:stretch>
-            <a:fillRect/>
-          </a:stretch>
-        </p:blipFill>
-        <p:spPr bwMode="auto">
-          <a:xfrm>
-            <a:off x="7188133" y="5746077"/>
-            <a:ext cx="3196198" cy="510448"/>
-          </a:xfrm>
-          <a:prstGeom prst="rect">
-            <a:avLst/>
-          </a:prstGeom>
-          <a:noFill/>
-        </p:spPr>
-      </p:pic>
-      <p:pic>
-        <p:nvPicPr>
-          <p:cNvPr id="1030" name="Picture 6" descr="C:\Users\Administrator\Desktop\d\软件需求分析\依赖.jpg"/>
-          <p:cNvPicPr>
-            <a:picLocks noChangeAspect="1" noChangeArrowheads="1"/>
-          </p:cNvPicPr>
-          <p:nvPr/>
-        </p:nvPicPr>
-        <p:blipFill>
-          <a:blip r:embed="rId6"/>
-          <a:srcRect/>
-          <a:stretch>
-            <a:fillRect/>
-          </a:stretch>
-        </p:blipFill>
-        <p:spPr bwMode="auto">
-          <a:xfrm>
-            <a:off x="1864660" y="3478307"/>
-            <a:ext cx="2348296" cy="396410"/>
-          </a:xfrm>
-          <a:prstGeom prst="rect">
-            <a:avLst/>
-          </a:prstGeom>
-          <a:noFill/>
-        </p:spPr>
-      </p:pic>
-    </p:spTree>
-    <p:extLst>
-      <p:ext uri="{BB962C8B-B14F-4D97-AF65-F5344CB8AC3E}">
-        <p14:creationId xmlns:p14="http://schemas.microsoft.com/office/powerpoint/2010/main" val="3824438527"/>
-      </p:ext>
-    </p:extLst>
-  </p:cSld>
-  <p:clrMapOvr>
-    <a:masterClrMapping/>
-  </p:clrMapOvr>
-  <p:timing>
-    <p:tnLst>
-      <p:par>
-        <p:cTn id="1" dur="indefinite" restart="never" nodeType="tmRoot">
-          <p:childTnLst>
-            <p:seq concurrent="1" nextAc="seek">
-              <p:cTn id="2" dur="indefinite" nodeType="mainSeq">
-                <p:childTnLst>
-                  <p:par>
-                    <p:cTn id="3" fill="hold">
-                      <p:stCondLst>
-                        <p:cond delay="indefinite"/>
-                      </p:stCondLst>
-                      <p:childTnLst>
-                        <p:par>
-                          <p:cTn id="4" fill="hold">
-                            <p:stCondLst>
-                              <p:cond delay="0"/>
-                            </p:stCondLst>
-                            <p:childTnLst>
-                              <p:par>
-                                <p:cTn id="5" presetID="14" presetClass="entr" presetSubtype="10" fill="hold" nodeType="clickEffect">
-                                  <p:stCondLst>
-                                    <p:cond delay="0"/>
-                                  </p:stCondLst>
-                                  <p:childTnLst>
-                                    <p:set>
-                                      <p:cBhvr>
-                                        <p:cTn id="6" dur="1" fill="hold">
-                                          <p:stCondLst>
-                                            <p:cond delay="0"/>
-                                          </p:stCondLst>
-                                        </p:cTn>
-                                        <p:tgtEl>
-                                          <p:spTgt spid="35">
-                                            <p:txEl>
-                                              <p:pRg st="3" end="3"/>
-                                            </p:txEl>
-                                          </p:spTgt>
-                                        </p:tgtEl>
-                                        <p:attrNameLst>
-                                          <p:attrName>style.visibility</p:attrName>
-                                        </p:attrNameLst>
-                                      </p:cBhvr>
-                                      <p:to>
-                                        <p:strVal val="visible"/>
-                                      </p:to>
-                                    </p:set>
-                                    <p:animEffect transition="in" filter="randombar(horizontal)">
-                                      <p:cBhvr>
-                                        <p:cTn id="7" dur="500"/>
-                                        <p:tgtEl>
-                                          <p:spTgt spid="35">
-                                            <p:txEl>
-                                              <p:pRg st="3" end="3"/>
-                                            </p:txEl>
-                                          </p:spTgt>
-                                        </p:tgtEl>
-                                      </p:cBhvr>
-                                    </p:animEffect>
-                                  </p:childTnLst>
-                                </p:cTn>
-                              </p:par>
-                              <p:par>
-                                <p:cTn id="8" presetID="14" presetClass="entr" presetSubtype="10" fill="hold" nodeType="withEffect">
-                                  <p:stCondLst>
-                                    <p:cond delay="0"/>
-                                  </p:stCondLst>
-                                  <p:childTnLst>
-                                    <p:set>
-                                      <p:cBhvr>
-                                        <p:cTn id="9" dur="1" fill="hold">
-                                          <p:stCondLst>
-                                            <p:cond delay="0"/>
-                                          </p:stCondLst>
-                                        </p:cTn>
-                                        <p:tgtEl>
-                                          <p:spTgt spid="1030"/>
-                                        </p:tgtEl>
-                                        <p:attrNameLst>
-                                          <p:attrName>style.visibility</p:attrName>
-                                        </p:attrNameLst>
-                                      </p:cBhvr>
-                                      <p:to>
-                                        <p:strVal val="visible"/>
-                                      </p:to>
-                                    </p:set>
-                                    <p:animEffect transition="in" filter="randombar(horizontal)">
-                                      <p:cBhvr>
-                                        <p:cTn id="10" dur="500"/>
-                                        <p:tgtEl>
-                                          <p:spTgt spid="1030"/>
-                                        </p:tgtEl>
-                                      </p:cBhvr>
-                                    </p:animEffect>
-                                  </p:childTnLst>
-                                </p:cTn>
-                              </p:par>
-                            </p:childTnLst>
-                          </p:cTn>
-                        </p:par>
-                      </p:childTnLst>
-                    </p:cTn>
-                  </p:par>
-                  <p:par>
-                    <p:cTn id="11" fill="hold">
-                      <p:stCondLst>
-                        <p:cond delay="indefinite"/>
-                      </p:stCondLst>
-                      <p:childTnLst>
-                        <p:par>
-                          <p:cTn id="12" fill="hold">
-                            <p:stCondLst>
-                              <p:cond delay="0"/>
-                            </p:stCondLst>
-                            <p:childTnLst>
-                              <p:par>
-                                <p:cTn id="13" presetID="14" presetClass="entr" presetSubtype="10" fill="hold" nodeType="clickEffect">
-                                  <p:stCondLst>
-                                    <p:cond delay="0"/>
-                                  </p:stCondLst>
-                                  <p:childTnLst>
-                                    <p:set>
-                                      <p:cBhvr>
-                                        <p:cTn id="14" dur="1" fill="hold">
-                                          <p:stCondLst>
-                                            <p:cond delay="0"/>
-                                          </p:stCondLst>
-                                        </p:cTn>
-                                        <p:tgtEl>
-                                          <p:spTgt spid="36">
-                                            <p:txEl>
-                                              <p:pRg st="2" end="2"/>
-                                            </p:txEl>
-                                          </p:spTgt>
-                                        </p:tgtEl>
-                                        <p:attrNameLst>
-                                          <p:attrName>style.visibility</p:attrName>
-                                        </p:attrNameLst>
-                                      </p:cBhvr>
-                                      <p:to>
-                                        <p:strVal val="visible"/>
-                                      </p:to>
-                                    </p:set>
-                                    <p:animEffect transition="in" filter="randombar(horizontal)">
-                                      <p:cBhvr>
-                                        <p:cTn id="15" dur="500"/>
-                                        <p:tgtEl>
-                                          <p:spTgt spid="36">
-                                            <p:txEl>
-                                              <p:pRg st="2" end="2"/>
-                                            </p:txEl>
-                                          </p:spTgt>
-                                        </p:tgtEl>
-                                      </p:cBhvr>
-                                    </p:animEffect>
-                                  </p:childTnLst>
-                                </p:cTn>
-                              </p:par>
-                              <p:par>
-                                <p:cTn id="16" presetID="14" presetClass="entr" presetSubtype="10" fill="hold" nodeType="withEffect">
-                                  <p:stCondLst>
-                                    <p:cond delay="0"/>
-                                  </p:stCondLst>
-                                  <p:childTnLst>
-                                    <p:set>
-                                      <p:cBhvr>
-                                        <p:cTn id="17" dur="1" fill="hold">
-                                          <p:stCondLst>
-                                            <p:cond delay="0"/>
-                                          </p:stCondLst>
-                                        </p:cTn>
-                                        <p:tgtEl>
-                                          <p:spTgt spid="36">
-                                            <p:txEl>
-                                              <p:pRg st="3" end="3"/>
-                                            </p:txEl>
-                                          </p:spTgt>
-                                        </p:tgtEl>
-                                        <p:attrNameLst>
-                                          <p:attrName>style.visibility</p:attrName>
-                                        </p:attrNameLst>
-                                      </p:cBhvr>
-                                      <p:to>
-                                        <p:strVal val="visible"/>
-                                      </p:to>
-                                    </p:set>
-                                    <p:animEffect transition="in" filter="randombar(horizontal)">
-                                      <p:cBhvr>
-                                        <p:cTn id="18" dur="500"/>
-                                        <p:tgtEl>
-                                          <p:spTgt spid="36">
-                                            <p:txEl>
-                                              <p:pRg st="3" end="3"/>
-                                            </p:txEl>
-                                          </p:spTgt>
-                                        </p:tgtEl>
-                                      </p:cBhvr>
-                                    </p:animEffect>
-                                  </p:childTnLst>
-                                </p:cTn>
-                              </p:par>
-                              <p:par>
-                                <p:cTn id="19" presetID="14" presetClass="entr" presetSubtype="10" fill="hold" nodeType="withEffect">
-                                  <p:stCondLst>
-                                    <p:cond delay="0"/>
-                                  </p:stCondLst>
-                                  <p:childTnLst>
-                                    <p:set>
-                                      <p:cBhvr>
-                                        <p:cTn id="20" dur="1" fill="hold">
-                                          <p:stCondLst>
-                                            <p:cond delay="0"/>
-                                          </p:stCondLst>
-                                        </p:cTn>
-                                        <p:tgtEl>
-                                          <p:spTgt spid="36">
-                                            <p:txEl>
-                                              <p:pRg st="5" end="5"/>
-                                            </p:txEl>
-                                          </p:spTgt>
-                                        </p:tgtEl>
-                                        <p:attrNameLst>
-                                          <p:attrName>style.visibility</p:attrName>
-                                        </p:attrNameLst>
-                                      </p:cBhvr>
-                                      <p:to>
-                                        <p:strVal val="visible"/>
-                                      </p:to>
-                                    </p:set>
-                                    <p:animEffect transition="in" filter="randombar(horizontal)">
-                                      <p:cBhvr>
-                                        <p:cTn id="21" dur="500"/>
-                                        <p:tgtEl>
-                                          <p:spTgt spid="36">
-                                            <p:txEl>
-                                              <p:pRg st="5" end="5"/>
-                                            </p:txEl>
-                                          </p:spTgt>
-                                        </p:tgtEl>
-                                      </p:cBhvr>
-                                    </p:animEffect>
-                                  </p:childTnLst>
-                                </p:cTn>
-                              </p:par>
-                              <p:par>
-                                <p:cTn id="22" presetID="14" presetClass="entr" presetSubtype="10" fill="hold" nodeType="withEffect">
-                                  <p:stCondLst>
-                                    <p:cond delay="0"/>
-                                  </p:stCondLst>
-                                  <p:childTnLst>
-                                    <p:set>
-                                      <p:cBhvr>
-                                        <p:cTn id="23" dur="1" fill="hold">
-                                          <p:stCondLst>
-                                            <p:cond delay="0"/>
-                                          </p:stCondLst>
-                                        </p:cTn>
-                                        <p:tgtEl>
-                                          <p:spTgt spid="1027"/>
-                                        </p:tgtEl>
-                                        <p:attrNameLst>
-                                          <p:attrName>style.visibility</p:attrName>
-                                        </p:attrNameLst>
-                                      </p:cBhvr>
-                                      <p:to>
-                                        <p:strVal val="visible"/>
-                                      </p:to>
-                                    </p:set>
-                                    <p:animEffect transition="in" filter="randombar(horizontal)">
-                                      <p:cBhvr>
-                                        <p:cTn id="24" dur="500"/>
-                                        <p:tgtEl>
-                                          <p:spTgt spid="1027"/>
-                                        </p:tgtEl>
-                                      </p:cBhvr>
-                                    </p:animEffect>
-                                  </p:childTnLst>
-                                </p:cTn>
-                              </p:par>
-                            </p:childTnLst>
-                          </p:cTn>
-                        </p:par>
-                      </p:childTnLst>
-                    </p:cTn>
-                  </p:par>
-                  <p:par>
-                    <p:cTn id="25" fill="hold">
-                      <p:stCondLst>
-                        <p:cond delay="indefinite"/>
-                      </p:stCondLst>
-                      <p:childTnLst>
-                        <p:par>
-                          <p:cTn id="26" fill="hold">
-                            <p:stCondLst>
-                              <p:cond delay="0"/>
-                            </p:stCondLst>
-                            <p:childTnLst>
-                              <p:par>
-                                <p:cTn id="27" presetID="14" presetClass="entr" presetSubtype="10" fill="hold" nodeType="clickEffect">
-                                  <p:stCondLst>
-                                    <p:cond delay="0"/>
-                                  </p:stCondLst>
-                                  <p:childTnLst>
-                                    <p:set>
-                                      <p:cBhvr>
-                                        <p:cTn id="28" dur="1" fill="hold">
-                                          <p:stCondLst>
-                                            <p:cond delay="0"/>
-                                          </p:stCondLst>
-                                        </p:cTn>
-                                        <p:tgtEl>
-                                          <p:spTgt spid="26">
-                                            <p:txEl>
-                                              <p:pRg st="3" end="3"/>
-                                            </p:txEl>
-                                          </p:spTgt>
-                                        </p:tgtEl>
-                                        <p:attrNameLst>
-                                          <p:attrName>style.visibility</p:attrName>
-                                        </p:attrNameLst>
-                                      </p:cBhvr>
-                                      <p:to>
-                                        <p:strVal val="visible"/>
-                                      </p:to>
-                                    </p:set>
-                                    <p:animEffect transition="in" filter="randombar(horizontal)">
-                                      <p:cBhvr>
-                                        <p:cTn id="29" dur="500"/>
-                                        <p:tgtEl>
-                                          <p:spTgt spid="26">
-                                            <p:txEl>
-                                              <p:pRg st="3" end="3"/>
-                                            </p:txEl>
-                                          </p:spTgt>
-                                        </p:tgtEl>
-                                      </p:cBhvr>
-                                    </p:animEffect>
-                                  </p:childTnLst>
-                                </p:cTn>
-                              </p:par>
-                              <p:par>
-                                <p:cTn id="30" presetID="14" presetClass="entr" presetSubtype="10" fill="hold" nodeType="withEffect">
-                                  <p:stCondLst>
-                                    <p:cond delay="0"/>
-                                  </p:stCondLst>
-                                  <p:childTnLst>
-                                    <p:set>
-                                      <p:cBhvr>
-                                        <p:cTn id="31" dur="1" fill="hold">
-                                          <p:stCondLst>
-                                            <p:cond delay="0"/>
-                                          </p:stCondLst>
-                                        </p:cTn>
-                                        <p:tgtEl>
-                                          <p:spTgt spid="1028"/>
-                                        </p:tgtEl>
-                                        <p:attrNameLst>
-                                          <p:attrName>style.visibility</p:attrName>
-                                        </p:attrNameLst>
-                                      </p:cBhvr>
-                                      <p:to>
-                                        <p:strVal val="visible"/>
-                                      </p:to>
-                                    </p:set>
-                                    <p:animEffect transition="in" filter="randombar(horizontal)">
-                                      <p:cBhvr>
-                                        <p:cTn id="32" dur="500"/>
-                                        <p:tgtEl>
-                                          <p:spTgt spid="1028"/>
-                                        </p:tgtEl>
-                                      </p:cBhvr>
-                                    </p:animEffect>
-                                  </p:childTnLst>
-                                </p:cTn>
-                              </p:par>
-                            </p:childTnLst>
-                          </p:cTn>
-                        </p:par>
-                      </p:childTnLst>
-                    </p:cTn>
-                  </p:par>
-                  <p:par>
-                    <p:cTn id="33" fill="hold">
-                      <p:stCondLst>
-                        <p:cond delay="indefinite"/>
-                      </p:stCondLst>
-                      <p:childTnLst>
-                        <p:par>
-                          <p:cTn id="34" fill="hold">
-                            <p:stCondLst>
-                              <p:cond delay="0"/>
-                            </p:stCondLst>
-                            <p:childTnLst>
-                              <p:par>
-                                <p:cTn id="35" presetID="14" presetClass="entr" presetSubtype="10" fill="hold" nodeType="clickEffect">
-                                  <p:stCondLst>
-                                    <p:cond delay="0"/>
-                                  </p:stCondLst>
-                                  <p:childTnLst>
-                                    <p:set>
-                                      <p:cBhvr>
-                                        <p:cTn id="36" dur="1" fill="hold">
-                                          <p:stCondLst>
-                                            <p:cond delay="0"/>
-                                          </p:stCondLst>
-                                        </p:cTn>
-                                        <p:tgtEl>
-                                          <p:spTgt spid="37">
-                                            <p:txEl>
-                                              <p:pRg st="4" end="4"/>
-                                            </p:txEl>
-                                          </p:spTgt>
-                                        </p:tgtEl>
-                                        <p:attrNameLst>
-                                          <p:attrName>style.visibility</p:attrName>
-                                        </p:attrNameLst>
-                                      </p:cBhvr>
-                                      <p:to>
-                                        <p:strVal val="visible"/>
-                                      </p:to>
-                                    </p:set>
-                                    <p:animEffect transition="in" filter="randombar(horizontal)">
-                                      <p:cBhvr>
-                                        <p:cTn id="37" dur="500"/>
-                                        <p:tgtEl>
-                                          <p:spTgt spid="37">
-                                            <p:txEl>
-                                              <p:pRg st="4" end="4"/>
-                                            </p:txEl>
-                                          </p:spTgt>
-                                        </p:tgtEl>
-                                      </p:cBhvr>
-                                    </p:animEffect>
-                                  </p:childTnLst>
-                                </p:cTn>
-                              </p:par>
-                              <p:par>
-                                <p:cTn id="38" presetID="14" presetClass="entr" presetSubtype="10" fill="hold" nodeType="withEffect">
-                                  <p:stCondLst>
-                                    <p:cond delay="0"/>
-                                  </p:stCondLst>
-                                  <p:childTnLst>
-                                    <p:set>
-                                      <p:cBhvr>
-                                        <p:cTn id="39" dur="1" fill="hold">
-                                          <p:stCondLst>
-                                            <p:cond delay="0"/>
-                                          </p:stCondLst>
-                                        </p:cTn>
-                                        <p:tgtEl>
-                                          <p:spTgt spid="1029"/>
-                                        </p:tgtEl>
-                                        <p:attrNameLst>
-                                          <p:attrName>style.visibility</p:attrName>
-                                        </p:attrNameLst>
-                                      </p:cBhvr>
-                                      <p:to>
-                                        <p:strVal val="visible"/>
-                                      </p:to>
-                                    </p:set>
-                                    <p:animEffect transition="in" filter="randombar(horizontal)">
-                                      <p:cBhvr>
-                                        <p:cTn id="40" dur="500"/>
-                                        <p:tgtEl>
-                                          <p:spTgt spid="1029"/>
-                                        </p:tgtEl>
-                                      </p:cBhvr>
-                                    </p:animEffect>
-                                  </p:childTnLst>
-                                </p:cTn>
-                              </p:par>
-                            </p:childTnLst>
-                          </p:cTn>
-                        </p:par>
-                      </p:childTnLst>
-                    </p:cTn>
-                  </p:par>
-                </p:childTnLst>
-              </p:cTn>
-              <p:prevCondLst>
-                <p:cond evt="onPrev" delay="0">
-                  <p:tgtEl>
-                    <p:sldTgt/>
-                  </p:tgtEl>
-                </p:cond>
-              </p:prevCondLst>
-              <p:nextCondLst>
-                <p:cond evt="onNext" delay="0">
-                  <p:tgtEl>
-                    <p:sldTgt/>
-                  </p:tgtEl>
-                </p:cond>
-              </p:nextCondLst>
-            </p:seq>
-          </p:childTnLst>
-        </p:cTn>
-      </p:par>
-    </p:tnLst>
-  </p:timing>
-</p:sld>
-</file>
-
 <file path=ppt/theme/theme1.xml><?xml version="1.0" encoding="utf-8"?>
 <a:theme xmlns:a="http://schemas.openxmlformats.org/drawingml/2006/main" name="引用">
   <a:themeElements>

--- a/PRD-2017-G24/STW/非受控文件/翻转课堂作业/UML概述/UML概述.pptx
+++ b/PRD-2017-G24/STW/非受控文件/翻转课堂作业/UML概述/UML概述.pptx
@@ -5,13 +5,13 @@
     <p:sldMasterId id="2147483648" r:id="rId1"/>
   </p:sldMasterIdLst>
   <p:notesMasterIdLst>
-    <p:notesMasterId r:id="rId29"/>
+    <p:notesMasterId r:id="rId30"/>
   </p:notesMasterIdLst>
   <p:sldIdLst>
     <p:sldId id="256" r:id="rId2"/>
     <p:sldId id="257" r:id="rId3"/>
     <p:sldId id="258" r:id="rId4"/>
-    <p:sldId id="277" r:id="rId5"/>
+    <p:sldId id="298" r:id="rId5"/>
     <p:sldId id="294" r:id="rId6"/>
     <p:sldId id="295" r:id="rId7"/>
     <p:sldId id="296" r:id="rId8"/>
@@ -32,9 +32,10 @@
     <p:sldId id="293" r:id="rId23"/>
     <p:sldId id="289" r:id="rId24"/>
     <p:sldId id="290" r:id="rId25"/>
-    <p:sldId id="271" r:id="rId26"/>
-    <p:sldId id="272" r:id="rId27"/>
-    <p:sldId id="273" r:id="rId28"/>
+    <p:sldId id="299" r:id="rId26"/>
+    <p:sldId id="271" r:id="rId27"/>
+    <p:sldId id="272" r:id="rId28"/>
+    <p:sldId id="273" r:id="rId29"/>
   </p:sldIdLst>
   <p:sldSz cx="12192000" cy="6858000"/>
   <p:notesSz cx="6858000" cy="9144000"/>
@@ -2326,25 +2327,25 @@
     </dgm:pt>
   </dgm:ptLst>
   <dgm:cxnLst>
-    <dgm:cxn modelId="{9D1D5B72-D290-471A-8897-4FC88C2E5D23}" srcId="{61344293-A1DE-4EC5-9A38-FAB9B9B4968C}" destId="{DC329E2D-99D5-4712-80C4-E56DE34ADE60}" srcOrd="7" destOrd="0" parTransId="{172F1330-ECEA-4AAE-A8A5-2AD1BB8F7FCC}" sibTransId="{6037AFAA-A079-4470-8AF5-855447CE326F}"/>
-    <dgm:cxn modelId="{97F1CCC4-1B19-4070-8C49-D818B7D503A3}" srcId="{61344293-A1DE-4EC5-9A38-FAB9B9B4968C}" destId="{CBCE7A0C-1162-4DD8-8348-0E467EC325E0}" srcOrd="3" destOrd="0" parTransId="{041D4F31-93BC-4168-A092-8AACF0FAE0A1}" sibTransId="{932E490C-516F-4D6F-9F44-B7FE8A9CCDAD}"/>
-    <dgm:cxn modelId="{A3534A96-073A-43CA-A326-8B12EE142B3F}" type="presOf" srcId="{141B5341-4F8F-4B74-854E-A5FBA43D6D1E}" destId="{733AD6BA-9EF6-487F-AE39-A6AB87079B67}" srcOrd="0" destOrd="0" presId="urn:microsoft.com/office/officeart/2008/layout/LinedList"/>
     <dgm:cxn modelId="{921A8786-CEF7-4A09-8646-477EE41068EE}" srcId="{61344293-A1DE-4EC5-9A38-FAB9B9B4968C}" destId="{47F5D560-B56A-4095-BDC1-B1E4D1979825}" srcOrd="8" destOrd="0" parTransId="{13C0A50F-A094-4D9E-B9F1-D9E857774541}" sibTransId="{595CA217-5FB8-4751-9D92-FA205D95B673}"/>
-    <dgm:cxn modelId="{25EC110C-6EF6-4C65-80E0-1871BBCC94F3}" srcId="{61344293-A1DE-4EC5-9A38-FAB9B9B4968C}" destId="{390B9C77-7995-4357-AF04-9565041C9BF1}" srcOrd="4" destOrd="0" parTransId="{EE403F8B-8568-4987-80D7-7FB2D18D7D16}" sibTransId="{290EC355-F468-41D9-90C5-D907CF21D967}"/>
-    <dgm:cxn modelId="{C2A4E7D5-0E91-4BC3-A55C-316FB74A93F5}" type="presOf" srcId="{390B9C77-7995-4357-AF04-9565041C9BF1}" destId="{6D455BFA-CC98-472A-BB95-E26F8322A529}" srcOrd="0" destOrd="0" presId="urn:microsoft.com/office/officeart/2008/layout/LinedList"/>
-    <dgm:cxn modelId="{33D50369-788E-49A7-8974-C3AD880B79B4}" type="presOf" srcId="{61344293-A1DE-4EC5-9A38-FAB9B9B4968C}" destId="{16C4A9B8-6EFE-4EE6-A024-B6B528189985}" srcOrd="0" destOrd="0" presId="urn:microsoft.com/office/officeart/2008/layout/LinedList"/>
-    <dgm:cxn modelId="{38A784BF-68AC-4895-B444-DF7125610734}" type="presOf" srcId="{47F5D560-B56A-4095-BDC1-B1E4D1979825}" destId="{4081DCFD-79DC-47DA-ACD7-E31D5B356590}" srcOrd="0" destOrd="0" presId="urn:microsoft.com/office/officeart/2008/layout/LinedList"/>
+    <dgm:cxn modelId="{72C78C39-D2FD-4657-A685-C850D72D9035}" srcId="{61344293-A1DE-4EC5-9A38-FAB9B9B4968C}" destId="{1FA03D0B-431E-4552-972E-930F5F39D8D4}" srcOrd="0" destOrd="0" parTransId="{DCA24973-8AA7-41B9-9B6A-AC4F09257488}" sibTransId="{7A188E71-997C-494E-B9C2-BAD4C716D4A0}"/>
     <dgm:cxn modelId="{A1E9C406-5962-4320-B454-170FCB50286F}" type="presOf" srcId="{CCBF378A-153E-4EE5-8F0A-8A5FB34A66CF}" destId="{5FA7A339-4A97-496A-811A-E073C481D698}" srcOrd="0" destOrd="0" presId="urn:microsoft.com/office/officeart/2008/layout/LinedList"/>
     <dgm:cxn modelId="{A87C39E1-E138-40B9-8A97-77B92E5EBC22}" type="presOf" srcId="{F4D98294-6926-4BC8-9678-4AE0179FD98D}" destId="{BB3D9FB9-476E-49C0-B80D-9BE2F7650722}" srcOrd="0" destOrd="0" presId="urn:microsoft.com/office/officeart/2008/layout/LinedList"/>
-    <dgm:cxn modelId="{72C78C39-D2FD-4657-A685-C850D72D9035}" srcId="{61344293-A1DE-4EC5-9A38-FAB9B9B4968C}" destId="{1FA03D0B-431E-4552-972E-930F5F39D8D4}" srcOrd="0" destOrd="0" parTransId="{DCA24973-8AA7-41B9-9B6A-AC4F09257488}" sibTransId="{7A188E71-997C-494E-B9C2-BAD4C716D4A0}"/>
+    <dgm:cxn modelId="{7C80495A-D039-4CC0-AD85-F41F30EFBF07}" type="presOf" srcId="{1FA03D0B-431E-4552-972E-930F5F39D8D4}" destId="{FC9D7768-4563-493E-B454-DDCFD4BDB902}" srcOrd="0" destOrd="0" presId="urn:microsoft.com/office/officeart/2008/layout/LinedList"/>
+    <dgm:cxn modelId="{9D1D5B72-D290-471A-8897-4FC88C2E5D23}" srcId="{61344293-A1DE-4EC5-9A38-FAB9B9B4968C}" destId="{DC329E2D-99D5-4712-80C4-E56DE34ADE60}" srcOrd="7" destOrd="0" parTransId="{172F1330-ECEA-4AAE-A8A5-2AD1BB8F7FCC}" sibTransId="{6037AFAA-A079-4470-8AF5-855447CE326F}"/>
+    <dgm:cxn modelId="{0EDCF550-DA4A-4A70-A9D9-2D3A3C531AD5}" type="presOf" srcId="{F26DE089-A9FD-4546-96AF-71432FD40C75}" destId="{4115A148-7C9F-4251-95F8-2A051B52D5AC}" srcOrd="0" destOrd="0" presId="urn:microsoft.com/office/officeart/2008/layout/LinedList"/>
     <dgm:cxn modelId="{2B747639-0EB3-4CA8-8B46-A220149A240C}" type="presOf" srcId="{CBCE7A0C-1162-4DD8-8348-0E467EC325E0}" destId="{CF187C55-D274-4C80-A81A-7C74892EF144}" srcOrd="0" destOrd="0" presId="urn:microsoft.com/office/officeart/2008/layout/LinedList"/>
+    <dgm:cxn modelId="{C2A4E7D5-0E91-4BC3-A55C-316FB74A93F5}" type="presOf" srcId="{390B9C77-7995-4357-AF04-9565041C9BF1}" destId="{6D455BFA-CC98-472A-BB95-E26F8322A529}" srcOrd="0" destOrd="0" presId="urn:microsoft.com/office/officeart/2008/layout/LinedList"/>
+    <dgm:cxn modelId="{9AAF5E9C-861F-4034-AF38-50013636D891}" type="presOf" srcId="{DC329E2D-99D5-4712-80C4-E56DE34ADE60}" destId="{70DB64B1-1FDF-4B2A-AAEF-DB1E97CA5440}" srcOrd="0" destOrd="0" presId="urn:microsoft.com/office/officeart/2008/layout/LinedList"/>
+    <dgm:cxn modelId="{6F74CE48-579E-431D-9583-58A5F2ED3C85}" srcId="{61344293-A1DE-4EC5-9A38-FAB9B9B4968C}" destId="{F26DE089-A9FD-4546-96AF-71432FD40C75}" srcOrd="2" destOrd="0" parTransId="{1A63B470-973A-4426-A553-6A92D4588D20}" sibTransId="{F05992B1-9FD4-41E0-8709-1F3CDB8109B3}"/>
+    <dgm:cxn modelId="{38A784BF-68AC-4895-B444-DF7125610734}" type="presOf" srcId="{47F5D560-B56A-4095-BDC1-B1E4D1979825}" destId="{4081DCFD-79DC-47DA-ACD7-E31D5B356590}" srcOrd="0" destOrd="0" presId="urn:microsoft.com/office/officeart/2008/layout/LinedList"/>
+    <dgm:cxn modelId="{A3534A96-073A-43CA-A326-8B12EE142B3F}" type="presOf" srcId="{141B5341-4F8F-4B74-854E-A5FBA43D6D1E}" destId="{733AD6BA-9EF6-487F-AE39-A6AB87079B67}" srcOrd="0" destOrd="0" presId="urn:microsoft.com/office/officeart/2008/layout/LinedList"/>
+    <dgm:cxn modelId="{FC96EF33-F0CD-420E-9A7B-30F9B6896026}" srcId="{61344293-A1DE-4EC5-9A38-FAB9B9B4968C}" destId="{F4D98294-6926-4BC8-9678-4AE0179FD98D}" srcOrd="1" destOrd="0" parTransId="{A14163C1-0CF1-4D38-B620-EB744E35794C}" sibTransId="{3796F5A7-8CBE-40D5-9D1D-9C0979F64A9C}"/>
+    <dgm:cxn modelId="{25EC110C-6EF6-4C65-80E0-1871BBCC94F3}" srcId="{61344293-A1DE-4EC5-9A38-FAB9B9B4968C}" destId="{390B9C77-7995-4357-AF04-9565041C9BF1}" srcOrd="4" destOrd="0" parTransId="{EE403F8B-8568-4987-80D7-7FB2D18D7D16}" sibTransId="{290EC355-F468-41D9-90C5-D907CF21D967}"/>
     <dgm:cxn modelId="{D51ECB21-5218-49D4-980D-D86570A78CC9}" srcId="{61344293-A1DE-4EC5-9A38-FAB9B9B4968C}" destId="{141B5341-4F8F-4B74-854E-A5FBA43D6D1E}" srcOrd="5" destOrd="0" parTransId="{856EFA81-5ECF-4D6F-A8FF-5EA95BCEAF47}" sibTransId="{7A5DD433-F8FE-43BF-B663-090CAB808284}"/>
+    <dgm:cxn modelId="{97F1CCC4-1B19-4070-8C49-D818B7D503A3}" srcId="{61344293-A1DE-4EC5-9A38-FAB9B9B4968C}" destId="{CBCE7A0C-1162-4DD8-8348-0E467EC325E0}" srcOrd="3" destOrd="0" parTransId="{041D4F31-93BC-4168-A092-8AACF0FAE0A1}" sibTransId="{932E490C-516F-4D6F-9F44-B7FE8A9CCDAD}"/>
     <dgm:cxn modelId="{FE4AB9E9-E8CD-45A8-A66A-2B24B34DB8B8}" srcId="{61344293-A1DE-4EC5-9A38-FAB9B9B4968C}" destId="{CCBF378A-153E-4EE5-8F0A-8A5FB34A66CF}" srcOrd="6" destOrd="0" parTransId="{CFEDB66F-5D05-479D-9B96-995EF1DCE1BF}" sibTransId="{B2BFBAE4-F714-46AB-8531-6F5C54896404}"/>
-    <dgm:cxn modelId="{7C80495A-D039-4CC0-AD85-F41F30EFBF07}" type="presOf" srcId="{1FA03D0B-431E-4552-972E-930F5F39D8D4}" destId="{FC9D7768-4563-493E-B454-DDCFD4BDB902}" srcOrd="0" destOrd="0" presId="urn:microsoft.com/office/officeart/2008/layout/LinedList"/>
-    <dgm:cxn modelId="{0EDCF550-DA4A-4A70-A9D9-2D3A3C531AD5}" type="presOf" srcId="{F26DE089-A9FD-4546-96AF-71432FD40C75}" destId="{4115A148-7C9F-4251-95F8-2A051B52D5AC}" srcOrd="0" destOrd="0" presId="urn:microsoft.com/office/officeart/2008/layout/LinedList"/>
-    <dgm:cxn modelId="{6F74CE48-579E-431D-9583-58A5F2ED3C85}" srcId="{61344293-A1DE-4EC5-9A38-FAB9B9B4968C}" destId="{F26DE089-A9FD-4546-96AF-71432FD40C75}" srcOrd="2" destOrd="0" parTransId="{1A63B470-973A-4426-A553-6A92D4588D20}" sibTransId="{F05992B1-9FD4-41E0-8709-1F3CDB8109B3}"/>
-    <dgm:cxn modelId="{FC96EF33-F0CD-420E-9A7B-30F9B6896026}" srcId="{61344293-A1DE-4EC5-9A38-FAB9B9B4968C}" destId="{F4D98294-6926-4BC8-9678-4AE0179FD98D}" srcOrd="1" destOrd="0" parTransId="{A14163C1-0CF1-4D38-B620-EB744E35794C}" sibTransId="{3796F5A7-8CBE-40D5-9D1D-9C0979F64A9C}"/>
-    <dgm:cxn modelId="{9AAF5E9C-861F-4034-AF38-50013636D891}" type="presOf" srcId="{DC329E2D-99D5-4712-80C4-E56DE34ADE60}" destId="{70DB64B1-1FDF-4B2A-AAEF-DB1E97CA5440}" srcOrd="0" destOrd="0" presId="urn:microsoft.com/office/officeart/2008/layout/LinedList"/>
+    <dgm:cxn modelId="{33D50369-788E-49A7-8974-C3AD880B79B4}" type="presOf" srcId="{61344293-A1DE-4EC5-9A38-FAB9B9B4968C}" destId="{16C4A9B8-6EFE-4EE6-A024-B6B528189985}" srcOrd="0" destOrd="0" presId="urn:microsoft.com/office/officeart/2008/layout/LinedList"/>
     <dgm:cxn modelId="{82E7AEFF-4A18-459E-9D95-FC25F3034281}" type="presParOf" srcId="{16C4A9B8-6EFE-4EE6-A024-B6B528189985}" destId="{BB10B3FE-71B2-44C4-9881-9B1B6C4ED30A}" srcOrd="0" destOrd="0" presId="urn:microsoft.com/office/officeart/2008/layout/LinedList"/>
     <dgm:cxn modelId="{0D745BA1-B015-43B1-A3DE-FD84DD748F8B}" type="presParOf" srcId="{16C4A9B8-6EFE-4EE6-A024-B6B528189985}" destId="{963CAB5B-C43A-4ACF-989E-11E2303E77FD}" srcOrd="1" destOrd="0" presId="urn:microsoft.com/office/officeart/2008/layout/LinedList"/>
     <dgm:cxn modelId="{9B738220-9BF1-40D4-AFBB-C8F4E77F79A1}" type="presParOf" srcId="{963CAB5B-C43A-4ACF-989E-11E2303E77FD}" destId="{FC9D7768-4563-493E-B454-DDCFD4BDB902}" srcOrd="0" destOrd="0" presId="urn:microsoft.com/office/officeart/2008/layout/LinedList"/>
@@ -7369,7 +7370,7 @@
             <a:fld id="{BC02ACD8-9D28-445F-BAFE-92DA3311E912}" type="datetimeFigureOut">
               <a:rPr lang="zh-CN" altLang="en-US" smtClean="0"/>
               <a:pPr/>
-              <a:t>2017/10/29</a:t>
+              <a:t>2017/11/3</a:t>
             </a:fld>
             <a:endParaRPr lang="zh-CN" altLang="en-US"/>
           </a:p>
@@ -7821,7 +7822,7 @@
     </p:spTree>
     <p:extLst>
       <p:ext uri="{BB962C8B-B14F-4D97-AF65-F5344CB8AC3E}">
-        <p14:creationId xmlns:p14="http://schemas.microsoft.com/office/powerpoint/2010/main" val="87421703"/>
+        <p14:creationId xmlns:p14="http://schemas.microsoft.com/office/powerpoint/2010/main" val="499119842"/>
       </p:ext>
     </p:extLst>
   </p:cSld>
@@ -8101,7 +8102,7 @@
           <a:effectLst/>
           <a:extLst>
             <a:ext uri="{91240B29-F687-4f45-9708-019B960494DF}">
-              <a14:hiddenLine xmlns="" xmlns:a14="http://schemas.microsoft.com/office/drawing/2010/main" w="9525">
+              <a14:hiddenLine xmlns:a14="http://schemas.microsoft.com/office/drawing/2010/main" xmlns="" w="9525">
                 <a:solidFill>
                   <a:srgbClr val="000000"/>
                 </a:solidFill>
@@ -8294,7 +8295,7 @@
             <a:fld id="{08B9EBBA-996F-894A-B54A-D6246ED52CEA}" type="datetimeFigureOut">
               <a:rPr lang="en-US" dirty="0"/>
               <a:pPr/>
-              <a:t>10/29/2017</a:t>
+              <a:t>11/3/2017</a:t>
             </a:fld>
             <a:endParaRPr lang="en-US" dirty="0"/>
           </a:p>
@@ -8609,7 +8610,7 @@
             <a:fld id="{18C79C5D-2A6F-F04D-97DA-BEF2467B64E4}" type="datetimeFigureOut">
               <a:rPr lang="en-US" dirty="0"/>
               <a:pPr/>
-              <a:t>10/29/2017</a:t>
+              <a:t>11/3/2017</a:t>
             </a:fld>
             <a:endParaRPr lang="en-US" dirty="0"/>
           </a:p>
@@ -9094,7 +9095,7 @@
             <a:fld id="{8DFA1846-DA80-1C48-A609-854EA85C59AD}" type="datetimeFigureOut">
               <a:rPr lang="en-US" dirty="0"/>
               <a:pPr/>
-              <a:t>10/29/2017</a:t>
+              <a:t>11/3/2017</a:t>
             </a:fld>
             <a:endParaRPr lang="en-US" dirty="0"/>
           </a:p>
@@ -9460,7 +9461,7 @@
             <a:fld id="{FBF54567-0DE4-3F47-BF90-CB84690072F9}" type="datetimeFigureOut">
               <a:rPr lang="en-US" dirty="0"/>
               <a:pPr/>
-              <a:t>10/29/2017</a:t>
+              <a:t>11/3/2017</a:t>
             </a:fld>
             <a:endParaRPr lang="en-US" dirty="0"/>
           </a:p>
@@ -9611,7 +9612,7 @@
           <a:ln/>
           <a:extLst>
             <a:ext uri="{91240B29-F687-4f45-9708-019B960494DF}">
-              <a14:hiddenLine xmlns="" xmlns:a14="http://schemas.microsoft.com/office/drawing/2010/main" w="9525">
+              <a14:hiddenLine xmlns:a14="http://schemas.microsoft.com/office/drawing/2010/main" xmlns="" w="9525">
                 <a:solidFill>
                   <a:srgbClr val="000000"/>
                 </a:solidFill>
@@ -9730,7 +9731,7 @@
             <a:fld id="{C6C52C72-DE31-F449-A4ED-4C594FD91407}" type="datetimeFigureOut">
               <a:rPr lang="en-US" dirty="0"/>
               <a:pPr/>
-              <a:t>10/29/2017</a:t>
+              <a:t>11/3/2017</a:t>
             </a:fld>
             <a:endParaRPr lang="en-US" dirty="0"/>
           </a:p>
@@ -9883,7 +9884,7 @@
           <a:ln/>
           <a:extLst>
             <a:ext uri="{91240B29-F687-4f45-9708-019B960494DF}">
-              <a14:hiddenLine xmlns="" xmlns:a14="http://schemas.microsoft.com/office/drawing/2010/main" w="9525">
+              <a14:hiddenLine xmlns:a14="http://schemas.microsoft.com/office/drawing/2010/main" xmlns="" w="9525">
                 <a:solidFill>
                   <a:srgbClr val="000000"/>
                 </a:solidFill>
@@ -10012,7 +10013,7 @@
             <a:fld id="{ED62726E-379B-B349-9EED-81ED093FA806}" type="datetimeFigureOut">
               <a:rPr lang="en-US" dirty="0"/>
               <a:pPr/>
-              <a:t>10/29/2017</a:t>
+              <a:t>11/3/2017</a:t>
             </a:fld>
             <a:endParaRPr lang="en-US" dirty="0"/>
           </a:p>
@@ -10163,7 +10164,7 @@
           <a:ln/>
           <a:extLst>
             <a:ext uri="{91240B29-F687-4f45-9708-019B960494DF}">
-              <a14:hiddenLine xmlns="" xmlns:a14="http://schemas.microsoft.com/office/drawing/2010/main" w="9525">
+              <a14:hiddenLine xmlns:a14="http://schemas.microsoft.com/office/drawing/2010/main" xmlns="" w="9525">
                 <a:solidFill>
                   <a:srgbClr val="000000"/>
                 </a:solidFill>
@@ -10292,7 +10293,7 @@
             <a:fld id="{9B3A1323-8D79-1946-B0D7-40001CF92E9D}" type="datetimeFigureOut">
               <a:rPr lang="en-US" dirty="0"/>
               <a:pPr/>
-              <a:t>10/29/2017</a:t>
+              <a:t>11/3/2017</a:t>
             </a:fld>
             <a:endParaRPr lang="en-US" dirty="0"/>
           </a:p>
@@ -10632,7 +10633,7 @@
             <a:fld id="{8DFA1846-DA80-1C48-A609-854EA85C59AD}" type="datetimeFigureOut">
               <a:rPr lang="en-US" dirty="0"/>
               <a:pPr/>
-              <a:t>10/29/2017</a:t>
+              <a:t>11/3/2017</a:t>
             </a:fld>
             <a:endParaRPr lang="en-US" dirty="0"/>
           </a:p>
@@ -10783,7 +10784,7 @@
           <a:ln/>
           <a:extLst>
             <a:ext uri="{91240B29-F687-4f45-9708-019B960494DF}">
-              <a14:hiddenLine xmlns="" xmlns:a14="http://schemas.microsoft.com/office/drawing/2010/main" w="9525">
+              <a14:hiddenLine xmlns:a14="http://schemas.microsoft.com/office/drawing/2010/main" xmlns="" w="9525">
                 <a:solidFill>
                   <a:srgbClr val="000000"/>
                 </a:solidFill>
@@ -10968,7 +10969,7 @@
             <a:fld id="{57302355-E14B-8545-A8F8-0FE83CC9D524}" type="datetimeFigureOut">
               <a:rPr lang="en-US" dirty="0"/>
               <a:pPr/>
-              <a:t>10/29/2017</a:t>
+              <a:t>11/3/2017</a:t>
             </a:fld>
             <a:endParaRPr lang="en-US" dirty="0"/>
           </a:p>
@@ -11119,7 +11120,7 @@
           <a:ln/>
           <a:extLst>
             <a:ext uri="{91240B29-F687-4f45-9708-019B960494DF}">
-              <a14:hiddenLine xmlns="" xmlns:a14="http://schemas.microsoft.com/office/drawing/2010/main" w="9525">
+              <a14:hiddenLine xmlns:a14="http://schemas.microsoft.com/office/drawing/2010/main" xmlns="" w="9525">
                 <a:solidFill>
                   <a:srgbClr val="000000"/>
                 </a:solidFill>
@@ -11442,7 +11443,7 @@
             <a:fld id="{02640F58-564D-2B4F-AE67-E407BA4FCF45}" type="datetimeFigureOut">
               <a:rPr lang="en-US" dirty="0"/>
               <a:pPr/>
-              <a:t>10/29/2017</a:t>
+              <a:t>11/3/2017</a:t>
             </a:fld>
             <a:endParaRPr lang="en-US" dirty="0"/>
           </a:p>
@@ -11593,7 +11594,7 @@
           <a:ln/>
           <a:extLst>
             <a:ext uri="{91240B29-F687-4f45-9708-019B960494DF}">
-              <a14:hiddenLine xmlns="" xmlns:a14="http://schemas.microsoft.com/office/drawing/2010/main" w="9525">
+              <a14:hiddenLine xmlns:a14="http://schemas.microsoft.com/office/drawing/2010/main" xmlns="" w="9525">
                 <a:solidFill>
                   <a:srgbClr val="000000"/>
                 </a:solidFill>
@@ -11660,7 +11661,7 @@
             <a:fld id="{F13A34C8-038E-2045-AF43-DF7DBB8E0E9E}" type="datetimeFigureOut">
               <a:rPr lang="en-US" dirty="0"/>
               <a:pPr/>
-              <a:t>10/29/2017</a:t>
+              <a:t>11/3/2017</a:t>
             </a:fld>
             <a:endParaRPr lang="en-US" dirty="0"/>
           </a:p>
@@ -11752,7 +11753,7 @@
             <a:fld id="{8818C68F-D26B-8F47-958C-23B49CF8A634}" type="datetimeFigureOut">
               <a:rPr lang="en-US" dirty="0"/>
               <a:pPr/>
-              <a:t>10/29/2017</a:t>
+              <a:t>11/3/2017</a:t>
             </a:fld>
             <a:endParaRPr lang="en-US" dirty="0"/>
           </a:p>
@@ -12016,7 +12017,7 @@
           <a:ln/>
           <a:extLst>
             <a:ext uri="{91240B29-F687-4f45-9708-019B960494DF}">
-              <a14:hiddenLine xmlns="" xmlns:a14="http://schemas.microsoft.com/office/drawing/2010/main" w="9525">
+              <a14:hiddenLine xmlns:a14="http://schemas.microsoft.com/office/drawing/2010/main" xmlns="" w="9525">
                 <a:solidFill>
                   <a:srgbClr val="000000"/>
                 </a:solidFill>
@@ -12216,7 +12217,7 @@
             <a:fld id="{D0DF5E60-9974-AC48-9591-99C2BB44B7CF}" type="datetimeFigureOut">
               <a:rPr lang="en-US" dirty="0"/>
               <a:pPr/>
-              <a:t>10/29/2017</a:t>
+              <a:t>11/3/2017</a:t>
             </a:fld>
             <a:endParaRPr lang="en-US" dirty="0"/>
           </a:p>
@@ -12526,7 +12527,7 @@
             <a:fld id="{18C79C5D-2A6F-F04D-97DA-BEF2467B64E4}" type="datetimeFigureOut">
               <a:rPr lang="en-US" dirty="0"/>
               <a:pPr/>
-              <a:t>10/29/2017</a:t>
+              <a:t>11/3/2017</a:t>
             </a:fld>
             <a:endParaRPr lang="en-US" dirty="0"/>
           </a:p>
@@ -12793,7 +12794,7 @@
             <a:fld id="{09B482E8-6E0E-1B4F-B1FD-C69DB9E858D9}" type="datetimeFigureOut">
               <a:rPr lang="en-US" dirty="0"/>
               <a:pPr/>
-              <a:t>10/29/2017</a:t>
+              <a:t>11/3/2017</a:t>
             </a:fld>
             <a:endParaRPr lang="en-US" dirty="0"/>
           </a:p>
@@ -13244,7 +13245,7 @@
           <p:cNvPr id="2" name="标题 1">
             <a:extLst>
               <a:ext uri="{FF2B5EF4-FFF2-40B4-BE49-F238E27FC236}">
-                <a16:creationId xmlns:a16="http://schemas.microsoft.com/office/drawing/2014/main" xmlns="" id="{517CBC26-BCC2-4455-AAF6-E0DADAD90334}"/>
+                <a16:creationId xmlns:a16="http://schemas.microsoft.com/office/drawing/2014/main" id="{517CBC26-BCC2-4455-AAF6-E0DADAD90334}"/>
               </a:ext>
             </a:extLst>
           </p:cNvPr>
@@ -13291,7 +13292,7 @@
           <p:cNvPr id="3" name="副标题 2">
             <a:extLst>
               <a:ext uri="{FF2B5EF4-FFF2-40B4-BE49-F238E27FC236}">
-                <a16:creationId xmlns:a16="http://schemas.microsoft.com/office/drawing/2014/main" xmlns="" id="{F79290E5-D6EA-4C55-91E4-864E78CD1D53}"/>
+                <a16:creationId xmlns:a16="http://schemas.microsoft.com/office/drawing/2014/main" id="{F79290E5-D6EA-4C55-91E4-864E78CD1D53}"/>
               </a:ext>
             </a:extLst>
           </p:cNvPr>
@@ -13490,7 +13491,7 @@
           <p:cNvPr id="10" name="Rectangle 9">
             <a:extLst>
               <a:ext uri="{FF2B5EF4-FFF2-40B4-BE49-F238E27FC236}">
-                <a16:creationId xmlns:a16="http://schemas.microsoft.com/office/drawing/2014/main" xmlns="" id="{A3322B77-FA16-4D4E-BAA6-811C61DB3E85}"/>
+                <a16:creationId xmlns:a16="http://schemas.microsoft.com/office/drawing/2014/main" id="{A3322B77-FA16-4D4E-BAA6-811C61DB3E85}"/>
               </a:ext>
             </a:extLst>
           </p:cNvPr>
@@ -13500,7 +13501,7 @@
           <p:nvPr>
             <p:extLst>
               <p:ext uri="{386F3935-93C4-4BCD-93E2-E3B085C9AB24}">
-                <p16:designElem xmlns:p16="http://schemas.microsoft.com/office/powerpoint/2015/main" xmlns="" val="1"/>
+                <p16:designElem xmlns:p16="http://schemas.microsoft.com/office/powerpoint/2015/main" val="1"/>
               </p:ext>
             </p:extLst>
           </p:nvPr>
@@ -13547,7 +13548,7 @@
           <p:cNvPr id="12" name="Freeform: Shape 11">
             <a:extLst>
               <a:ext uri="{FF2B5EF4-FFF2-40B4-BE49-F238E27FC236}">
-                <a16:creationId xmlns:a16="http://schemas.microsoft.com/office/drawing/2014/main" xmlns="" id="{CA6EF34F-3BAD-4CD8-B05E-03BA773AE864}"/>
+                <a16:creationId xmlns:a16="http://schemas.microsoft.com/office/drawing/2014/main" id="{CA6EF34F-3BAD-4CD8-B05E-03BA773AE864}"/>
               </a:ext>
             </a:extLst>
           </p:cNvPr>
@@ -13557,7 +13558,7 @@
           <p:nvPr>
             <p:extLst>
               <p:ext uri="{386F3935-93C4-4BCD-93E2-E3B085C9AB24}">
-                <p16:designElem xmlns:p16="http://schemas.microsoft.com/office/powerpoint/2015/main" xmlns="" val="1"/>
+                <p16:designElem xmlns:p16="http://schemas.microsoft.com/office/powerpoint/2015/main" val="1"/>
               </p:ext>
             </p:extLst>
           </p:nvPr>
@@ -13729,7 +13730,7 @@
           <p:cNvPr id="2" name="标题 1">
             <a:extLst>
               <a:ext uri="{FF2B5EF4-FFF2-40B4-BE49-F238E27FC236}">
-                <a16:creationId xmlns:a16="http://schemas.microsoft.com/office/drawing/2014/main" xmlns="" id="{07F82CAD-895A-43D3-8349-0BA3C86A2196}"/>
+                <a16:creationId xmlns:a16="http://schemas.microsoft.com/office/drawing/2014/main" id="{07F82CAD-895A-43D3-8349-0BA3C86A2196}"/>
               </a:ext>
             </a:extLst>
           </p:cNvPr>
@@ -13911,7 +13912,7 @@
           <p:cNvPr id="2" name="标题 1">
             <a:extLst>
               <a:ext uri="{FF2B5EF4-FFF2-40B4-BE49-F238E27FC236}">
-                <a16:creationId xmlns:a16="http://schemas.microsoft.com/office/drawing/2014/main" xmlns="" id="{7CAD41F4-5EA9-4288-9F6B-AC877256EC40}"/>
+                <a16:creationId xmlns:a16="http://schemas.microsoft.com/office/drawing/2014/main" id="{7CAD41F4-5EA9-4288-9F6B-AC877256EC40}"/>
               </a:ext>
             </a:extLst>
           </p:cNvPr>
@@ -13976,35 +13977,6 @@
           </a:p>
         </p:txBody>
       </p:sp>
-      <p:pic>
-        <p:nvPicPr>
-          <p:cNvPr id="5" name="内容占位符 4">
-            <a:extLst>
-              <a:ext uri="{FF2B5EF4-FFF2-40B4-BE49-F238E27FC236}">
-                <a16:creationId xmlns:a16="http://schemas.microsoft.com/office/drawing/2014/main" xmlns="" id="{322DC1F1-CF7B-4B97-8239-ED0A0AA961FF}"/>
-              </a:ext>
-            </a:extLst>
-          </p:cNvPr>
-          <p:cNvPicPr>
-            <a:picLocks noGrp="1" noChangeAspect="1"/>
-          </p:cNvPicPr>
-          <p:nvPr>
-            <p:ph idx="1"/>
-          </p:nvPr>
-        </p:nvPicPr>
-        <p:blipFill>
-          <a:blip r:embed="rId2"/>
-          <a:stretch>
-            <a:fillRect/>
-          </a:stretch>
-        </p:blipFill>
-        <p:spPr>
-          <a:xfrm>
-            <a:off x="6655981" y="0"/>
-            <a:ext cx="5536019" cy="6858000"/>
-          </a:xfrm>
-        </p:spPr>
-      </p:pic>
       <p:sp>
         <p:nvSpPr>
           <p:cNvPr id="4" name="TextBox 3"/>
@@ -14061,6 +14033,36 @@
           </a:p>
         </p:txBody>
       </p:sp>
+      <p:pic>
+        <p:nvPicPr>
+          <p:cNvPr id="3" name="图片 2"/>
+          <p:cNvPicPr>
+            <a:picLocks noChangeAspect="1"/>
+          </p:cNvPicPr>
+          <p:nvPr/>
+        </p:nvPicPr>
+        <p:blipFill>
+          <a:blip r:embed="rId2">
+            <a:extLst>
+              <a:ext uri="{28A0092B-C50C-407E-A947-70E740481C1C}">
+                <a14:useLocalDpi xmlns:a14="http://schemas.microsoft.com/office/drawing/2010/main" val="0"/>
+              </a:ext>
+            </a:extLst>
+          </a:blip>
+          <a:stretch>
+            <a:fillRect/>
+          </a:stretch>
+        </p:blipFill>
+        <p:spPr>
+          <a:xfrm>
+            <a:off x="6743758" y="0"/>
+            <a:ext cx="5448242" cy="6858000"/>
+          </a:xfrm>
+          <a:prstGeom prst="rect">
+            <a:avLst/>
+          </a:prstGeom>
+        </p:spPr>
+      </p:pic>
     </p:spTree>
     <p:extLst>
       <p:ext uri="{BB962C8B-B14F-4D97-AF65-F5344CB8AC3E}">
@@ -14132,59 +14134,6 @@
                       </p:childTnLst>
                     </p:cTn>
                   </p:par>
-                  <p:par>
-                    <p:cTn id="8" fill="hold">
-                      <p:stCondLst>
-                        <p:cond delay="indefinite"/>
-                      </p:stCondLst>
-                      <p:childTnLst>
-                        <p:par>
-                          <p:cTn id="9" fill="hold">
-                            <p:stCondLst>
-                              <p:cond delay="0"/>
-                            </p:stCondLst>
-                            <p:childTnLst>
-                              <p:par>
-                                <p:cTn id="10" presetID="5" presetClass="entr" presetSubtype="10" fill="hold" nodeType="clickEffect">
-                                  <p:stCondLst>
-                                    <p:cond delay="0"/>
-                                  </p:stCondLst>
-                                  <p:childTnLst>
-                                    <p:set>
-                                      <p:cBhvr>
-                                        <p:cTn id="11" dur="1" fill="hold">
-                                          <p:stCondLst>
-                                            <p:cond delay="0"/>
-                                          </p:stCondLst>
-                                        </p:cTn>
-                                        <p:tgtEl>
-                                          <p:spTgt spid="5"/>
-                                        </p:tgtEl>
-                                        <p:attrNameLst>
-                                          <p:attrName>style.visibility</p:attrName>
-                                        </p:attrNameLst>
-                                      </p:cBhvr>
-                                      <p:to>
-                                        <p:strVal val="visible"/>
-                                      </p:to>
-                                    </p:set>
-                                    <p:animEffect transition="in" filter="checkerboard(across)">
-                                      <p:cBhvr>
-                                        <p:cTn id="12" dur="500"/>
-                                        <p:tgtEl>
-                                          <p:spTgt spid="5"/>
-                                        </p:tgtEl>
-                                      </p:cBhvr>
-                                    </p:animEffect>
-                                  </p:childTnLst>
-                                </p:cTn>
-                              </p:par>
-                            </p:childTnLst>
-                          </p:cTn>
-                        </p:par>
-                      </p:childTnLst>
-                    </p:cTn>
-                  </p:par>
                 </p:childTnLst>
               </p:cTn>
               <p:prevCondLst>
@@ -14235,7 +14184,7 @@
           <p:cNvPr id="2" name="标题 1">
             <a:extLst>
               <a:ext uri="{FF2B5EF4-FFF2-40B4-BE49-F238E27FC236}">
-                <a16:creationId xmlns:a16="http://schemas.microsoft.com/office/drawing/2014/main" xmlns="" id="{517EC9A4-0166-49F8-91E4-2DC45DDAA464}"/>
+                <a16:creationId xmlns:a16="http://schemas.microsoft.com/office/drawing/2014/main" id="{517EC9A4-0166-49F8-91E4-2DC45DDAA464}"/>
               </a:ext>
             </a:extLst>
           </p:cNvPr>
@@ -14268,7 +14217,7 @@
           <p:cNvPr id="8" name="矩形 7">
             <a:extLst>
               <a:ext uri="{FF2B5EF4-FFF2-40B4-BE49-F238E27FC236}">
-                <a16:creationId xmlns:a16="http://schemas.microsoft.com/office/drawing/2014/main" xmlns="" id="{C8569A67-5C39-44DB-A938-392E732A0BF4}"/>
+                <a16:creationId xmlns:a16="http://schemas.microsoft.com/office/drawing/2014/main" id="{C8569A67-5C39-44DB-A938-392E732A0BF4}"/>
               </a:ext>
             </a:extLst>
           </p:cNvPr>
@@ -14322,7 +14271,7 @@
           <p:cNvPr id="9" name="矩形 8">
             <a:extLst>
               <a:ext uri="{FF2B5EF4-FFF2-40B4-BE49-F238E27FC236}">
-                <a16:creationId xmlns:a16="http://schemas.microsoft.com/office/drawing/2014/main" xmlns="" id="{01739E7F-8D37-46F3-A0AB-2013E8564C52}"/>
+                <a16:creationId xmlns:a16="http://schemas.microsoft.com/office/drawing/2014/main" id="{01739E7F-8D37-46F3-A0AB-2013E8564C52}"/>
               </a:ext>
             </a:extLst>
           </p:cNvPr>
@@ -14376,7 +14325,7 @@
           <p:cNvPr id="26" name="文本框 25">
             <a:extLst>
               <a:ext uri="{FF2B5EF4-FFF2-40B4-BE49-F238E27FC236}">
-                <a16:creationId xmlns:a16="http://schemas.microsoft.com/office/drawing/2014/main" xmlns="" id="{98740C3D-1798-47B2-8196-0DF8066D4EDE}"/>
+                <a16:creationId xmlns:a16="http://schemas.microsoft.com/office/drawing/2014/main" id="{98740C3D-1798-47B2-8196-0DF8066D4EDE}"/>
               </a:ext>
             </a:extLst>
           </p:cNvPr>
@@ -14435,7 +14384,7 @@
           <p:cNvPr id="33" name="矩形 32">
             <a:extLst>
               <a:ext uri="{FF2B5EF4-FFF2-40B4-BE49-F238E27FC236}">
-                <a16:creationId xmlns:a16="http://schemas.microsoft.com/office/drawing/2014/main" xmlns="" id="{D006F9C7-AE01-4281-9A20-1FD69B3BA225}"/>
+                <a16:creationId xmlns:a16="http://schemas.microsoft.com/office/drawing/2014/main" id="{D006F9C7-AE01-4281-9A20-1FD69B3BA225}"/>
               </a:ext>
             </a:extLst>
           </p:cNvPr>
@@ -14489,7 +14438,7 @@
           <p:cNvPr id="34" name="矩形 33">
             <a:extLst>
               <a:ext uri="{FF2B5EF4-FFF2-40B4-BE49-F238E27FC236}">
-                <a16:creationId xmlns:a16="http://schemas.microsoft.com/office/drawing/2014/main" xmlns="" id="{CDDA93DE-A456-4076-87B5-8B79B5AB610B}"/>
+                <a16:creationId xmlns:a16="http://schemas.microsoft.com/office/drawing/2014/main" id="{CDDA93DE-A456-4076-87B5-8B79B5AB610B}"/>
               </a:ext>
             </a:extLst>
           </p:cNvPr>
@@ -14543,7 +14492,7 @@
           <p:cNvPr id="35" name="文本框 34">
             <a:extLst>
               <a:ext uri="{FF2B5EF4-FFF2-40B4-BE49-F238E27FC236}">
-                <a16:creationId xmlns:a16="http://schemas.microsoft.com/office/drawing/2014/main" xmlns="" id="{29ACA48C-64BC-4D5F-BBA7-FE293E7CCB2B}"/>
+                <a16:creationId xmlns:a16="http://schemas.microsoft.com/office/drawing/2014/main" id="{29ACA48C-64BC-4D5F-BBA7-FE293E7CCB2B}"/>
               </a:ext>
             </a:extLst>
           </p:cNvPr>
@@ -14712,7 +14661,7 @@
           <p:cNvPr id="36" name="文本框 35">
             <a:extLst>
               <a:ext uri="{FF2B5EF4-FFF2-40B4-BE49-F238E27FC236}">
-                <a16:creationId xmlns:a16="http://schemas.microsoft.com/office/drawing/2014/main" xmlns="" id="{985E6DBE-2AA1-4337-BB25-D4C8F22A18F3}"/>
+                <a16:creationId xmlns:a16="http://schemas.microsoft.com/office/drawing/2014/main" id="{985E6DBE-2AA1-4337-BB25-D4C8F22A18F3}"/>
               </a:ext>
             </a:extLst>
           </p:cNvPr>
@@ -14791,7 +14740,7 @@
           <p:cNvPr id="37" name="文本框 36">
             <a:extLst>
               <a:ext uri="{FF2B5EF4-FFF2-40B4-BE49-F238E27FC236}">
-                <a16:creationId xmlns:a16="http://schemas.microsoft.com/office/drawing/2014/main" xmlns="" id="{46232BBC-F007-45B9-A6FB-D82E254AE3EE}"/>
+                <a16:creationId xmlns:a16="http://schemas.microsoft.com/office/drawing/2014/main" id="{46232BBC-F007-45B9-A6FB-D82E254AE3EE}"/>
               </a:ext>
             </a:extLst>
           </p:cNvPr>
@@ -15609,7 +15558,7 @@
           <p:cNvPr id="2" name="标题 1">
             <a:extLst>
               <a:ext uri="{FF2B5EF4-FFF2-40B4-BE49-F238E27FC236}">
-                <a16:creationId xmlns:a16="http://schemas.microsoft.com/office/drawing/2014/main" xmlns="" id="{517EC9A4-0166-49F8-91E4-2DC45DDAA464}"/>
+                <a16:creationId xmlns:a16="http://schemas.microsoft.com/office/drawing/2014/main" id="{517EC9A4-0166-49F8-91E4-2DC45DDAA464}"/>
               </a:ext>
             </a:extLst>
           </p:cNvPr>
@@ -15642,7 +15591,7 @@
           <p:cNvPr id="8" name="矩形 7">
             <a:extLst>
               <a:ext uri="{FF2B5EF4-FFF2-40B4-BE49-F238E27FC236}">
-                <a16:creationId xmlns:a16="http://schemas.microsoft.com/office/drawing/2014/main" xmlns="" id="{C8569A67-5C39-44DB-A938-392E732A0BF4}"/>
+                <a16:creationId xmlns:a16="http://schemas.microsoft.com/office/drawing/2014/main" id="{C8569A67-5C39-44DB-A938-392E732A0BF4}"/>
               </a:ext>
             </a:extLst>
           </p:cNvPr>
@@ -15696,7 +15645,7 @@
           <p:cNvPr id="9" name="矩形 8">
             <a:extLst>
               <a:ext uri="{FF2B5EF4-FFF2-40B4-BE49-F238E27FC236}">
-                <a16:creationId xmlns:a16="http://schemas.microsoft.com/office/drawing/2014/main" xmlns="" id="{01739E7F-8D37-46F3-A0AB-2013E8564C52}"/>
+                <a16:creationId xmlns:a16="http://schemas.microsoft.com/office/drawing/2014/main" id="{01739E7F-8D37-46F3-A0AB-2013E8564C52}"/>
               </a:ext>
             </a:extLst>
           </p:cNvPr>
@@ -15750,7 +15699,7 @@
           <p:cNvPr id="26" name="文本框 25">
             <a:extLst>
               <a:ext uri="{FF2B5EF4-FFF2-40B4-BE49-F238E27FC236}">
-                <a16:creationId xmlns:a16="http://schemas.microsoft.com/office/drawing/2014/main" xmlns="" id="{98740C3D-1798-47B2-8196-0DF8066D4EDE}"/>
+                <a16:creationId xmlns:a16="http://schemas.microsoft.com/office/drawing/2014/main" id="{98740C3D-1798-47B2-8196-0DF8066D4EDE}"/>
               </a:ext>
             </a:extLst>
           </p:cNvPr>
@@ -15806,7 +15755,7 @@
           <p:cNvPr id="33" name="矩形 32">
             <a:extLst>
               <a:ext uri="{FF2B5EF4-FFF2-40B4-BE49-F238E27FC236}">
-                <a16:creationId xmlns:a16="http://schemas.microsoft.com/office/drawing/2014/main" xmlns="" id="{D006F9C7-AE01-4281-9A20-1FD69B3BA225}"/>
+                <a16:creationId xmlns:a16="http://schemas.microsoft.com/office/drawing/2014/main" id="{D006F9C7-AE01-4281-9A20-1FD69B3BA225}"/>
               </a:ext>
             </a:extLst>
           </p:cNvPr>
@@ -15860,7 +15809,7 @@
           <p:cNvPr id="34" name="矩形 33">
             <a:extLst>
               <a:ext uri="{FF2B5EF4-FFF2-40B4-BE49-F238E27FC236}">
-                <a16:creationId xmlns:a16="http://schemas.microsoft.com/office/drawing/2014/main" xmlns="" id="{CDDA93DE-A456-4076-87B5-8B79B5AB610B}"/>
+                <a16:creationId xmlns:a16="http://schemas.microsoft.com/office/drawing/2014/main" id="{CDDA93DE-A456-4076-87B5-8B79B5AB610B}"/>
               </a:ext>
             </a:extLst>
           </p:cNvPr>
@@ -15914,7 +15863,7 @@
           <p:cNvPr id="35" name="文本框 34">
             <a:extLst>
               <a:ext uri="{FF2B5EF4-FFF2-40B4-BE49-F238E27FC236}">
-                <a16:creationId xmlns:a16="http://schemas.microsoft.com/office/drawing/2014/main" xmlns="" id="{29ACA48C-64BC-4D5F-BBA7-FE293E7CCB2B}"/>
+                <a16:creationId xmlns:a16="http://schemas.microsoft.com/office/drawing/2014/main" id="{29ACA48C-64BC-4D5F-BBA7-FE293E7CCB2B}"/>
               </a:ext>
             </a:extLst>
           </p:cNvPr>
@@ -15988,7 +15937,7 @@
           <p:cNvPr id="36" name="文本框 35">
             <a:extLst>
               <a:ext uri="{FF2B5EF4-FFF2-40B4-BE49-F238E27FC236}">
-                <a16:creationId xmlns:a16="http://schemas.microsoft.com/office/drawing/2014/main" xmlns="" id="{985E6DBE-2AA1-4337-BB25-D4C8F22A18F3}"/>
+                <a16:creationId xmlns:a16="http://schemas.microsoft.com/office/drawing/2014/main" id="{985E6DBE-2AA1-4337-BB25-D4C8F22A18F3}"/>
               </a:ext>
             </a:extLst>
           </p:cNvPr>
@@ -16057,7 +16006,7 @@
           <p:cNvPr id="37" name="文本框 36">
             <a:extLst>
               <a:ext uri="{FF2B5EF4-FFF2-40B4-BE49-F238E27FC236}">
-                <a16:creationId xmlns:a16="http://schemas.microsoft.com/office/drawing/2014/main" xmlns="" id="{46232BBC-F007-45B9-A6FB-D82E254AE3EE}"/>
+                <a16:creationId xmlns:a16="http://schemas.microsoft.com/office/drawing/2014/main" id="{46232BBC-F007-45B9-A6FB-D82E254AE3EE}"/>
               </a:ext>
             </a:extLst>
           </p:cNvPr>
@@ -16767,7 +16716,7 @@
           <p:cNvPr id="2" name="标题 1">
             <a:extLst>
               <a:ext uri="{FF2B5EF4-FFF2-40B4-BE49-F238E27FC236}">
-                <a16:creationId xmlns:a16="http://schemas.microsoft.com/office/drawing/2014/main" xmlns="" id="{EBCFB24A-4F80-4BF8-8F86-F80D7DE26470}"/>
+                <a16:creationId xmlns:a16="http://schemas.microsoft.com/office/drawing/2014/main" id="{EBCFB24A-4F80-4BF8-8F86-F80D7DE26470}"/>
               </a:ext>
             </a:extLst>
           </p:cNvPr>
@@ -16800,7 +16749,7 @@
           <p:cNvPr id="3" name="竖排文字占位符 2">
             <a:extLst>
               <a:ext uri="{FF2B5EF4-FFF2-40B4-BE49-F238E27FC236}">
-                <a16:creationId xmlns:a16="http://schemas.microsoft.com/office/drawing/2014/main" xmlns="" id="{9000D8E1-402D-443D-963D-2E71F3CA2E7F}"/>
+                <a16:creationId xmlns:a16="http://schemas.microsoft.com/office/drawing/2014/main" id="{9000D8E1-402D-443D-963D-2E71F3CA2E7F}"/>
               </a:ext>
             </a:extLst>
           </p:cNvPr>
@@ -17263,7 +17212,7 @@
           <p:cNvPr id="2" name="标题 1">
             <a:extLst>
               <a:ext uri="{FF2B5EF4-FFF2-40B4-BE49-F238E27FC236}">
-                <a16:creationId xmlns:a16="http://schemas.microsoft.com/office/drawing/2014/main" xmlns="" id="{1DDA3B09-FC23-43EB-86E2-763B5A3FE7F2}"/>
+                <a16:creationId xmlns:a16="http://schemas.microsoft.com/office/drawing/2014/main" id="{1DDA3B09-FC23-43EB-86E2-763B5A3FE7F2}"/>
               </a:ext>
             </a:extLst>
           </p:cNvPr>
@@ -17300,7 +17249,7 @@
           <p:cNvPr id="3" name="文本占位符 2">
             <a:extLst>
               <a:ext uri="{FF2B5EF4-FFF2-40B4-BE49-F238E27FC236}">
-                <a16:creationId xmlns:a16="http://schemas.microsoft.com/office/drawing/2014/main" xmlns="" id="{73313F3C-A473-44BD-8A5C-CCED823AD5B5}"/>
+                <a16:creationId xmlns:a16="http://schemas.microsoft.com/office/drawing/2014/main" id="{73313F3C-A473-44BD-8A5C-CCED823AD5B5}"/>
               </a:ext>
             </a:extLst>
           </p:cNvPr>
@@ -17345,7 +17294,7 @@
           <p:cNvPr id="4" name="文本占位符 3">
             <a:extLst>
               <a:ext uri="{FF2B5EF4-FFF2-40B4-BE49-F238E27FC236}">
-                <a16:creationId xmlns:a16="http://schemas.microsoft.com/office/drawing/2014/main" xmlns="" id="{0459766A-BD2B-4253-8362-B1900B7F0FF8}"/>
+                <a16:creationId xmlns:a16="http://schemas.microsoft.com/office/drawing/2014/main" id="{0459766A-BD2B-4253-8362-B1900B7F0FF8}"/>
               </a:ext>
             </a:extLst>
           </p:cNvPr>
@@ -17902,7 +17851,7 @@
           <p:nvPr>
             <p:extLst>
               <p:ext uri="{386F3935-93C4-4BCD-93E2-E3B085C9AB24}">
-                <p16:designElem xmlns:p16="http://schemas.microsoft.com/office/powerpoint/2015/main" xmlns="" val="1"/>
+                <p16:designElem xmlns:p16="http://schemas.microsoft.com/office/powerpoint/2015/main" val="1"/>
               </p:ext>
             </p:extLst>
           </p:nvPr>
@@ -17929,7 +17878,7 @@
           <p:cNvPr id="11" name="Freeform 6">
             <a:extLst>
               <a:ext uri="{FF2B5EF4-FFF2-40B4-BE49-F238E27FC236}">
-                <a16:creationId xmlns:a16="http://schemas.microsoft.com/office/drawing/2014/main" xmlns="" id="{8EE457FF-670E-4EC1-ACD4-1173DA9A7975}"/>
+                <a16:creationId xmlns:a16="http://schemas.microsoft.com/office/drawing/2014/main" id="{8EE457FF-670E-4EC1-ACD4-1173DA9A7975}"/>
               </a:ext>
             </a:extLst>
           </p:cNvPr>
@@ -17939,7 +17888,7 @@
           <p:nvPr>
             <p:extLst>
               <p:ext uri="{386F3935-93C4-4BCD-93E2-E3B085C9AB24}">
-                <p16:designElem xmlns:p16="http://schemas.microsoft.com/office/powerpoint/2015/main" xmlns="" val="1"/>
+                <p16:designElem xmlns:p16="http://schemas.microsoft.com/office/powerpoint/2015/main" val="1"/>
               </p:ext>
             </p:extLst>
           </p:nvPr>
@@ -18015,7 +17964,7 @@
           <a:ln/>
           <a:extLst>
             <a:ext uri="{91240B29-F687-4f45-9708-019B960494DF}">
-              <a14:hiddenLine xmlns="" xmlns:a14="http://schemas.microsoft.com/office/drawing/2010/main" w="9525">
+              <a14:hiddenLine xmlns:a14="http://schemas.microsoft.com/office/drawing/2010/main" xmlns="" w="9525">
                 <a:solidFill>
                   <a:srgbClr val="000000"/>
                 </a:solidFill>
@@ -18046,7 +17995,7 @@
           <p:cNvPr id="13" name="Rectangle 12">
             <a:extLst>
               <a:ext uri="{FF2B5EF4-FFF2-40B4-BE49-F238E27FC236}">
-                <a16:creationId xmlns:a16="http://schemas.microsoft.com/office/drawing/2014/main" xmlns="" id="{089A69AF-D57B-49B4-886C-D4A5DC194421}"/>
+                <a16:creationId xmlns:a16="http://schemas.microsoft.com/office/drawing/2014/main" id="{089A69AF-D57B-49B4-886C-D4A5DC194421}"/>
               </a:ext>
             </a:extLst>
           </p:cNvPr>
@@ -18056,7 +18005,7 @@
           <p:nvPr>
             <p:extLst>
               <p:ext uri="{386F3935-93C4-4BCD-93E2-E3B085C9AB24}">
-                <p16:designElem xmlns:p16="http://schemas.microsoft.com/office/powerpoint/2015/main" xmlns="" val="1"/>
+                <p16:designElem xmlns:p16="http://schemas.microsoft.com/office/powerpoint/2015/main" val="1"/>
               </p:ext>
             </p:extLst>
           </p:nvPr>
@@ -18103,7 +18052,7 @@
           <p:cNvPr id="15" name="Freeform: Shape 14">
             <a:extLst>
               <a:ext uri="{FF2B5EF4-FFF2-40B4-BE49-F238E27FC236}">
-                <a16:creationId xmlns:a16="http://schemas.microsoft.com/office/drawing/2014/main" xmlns="" id="{CABDC08D-6093-4397-92D4-54D00E2BB1C2}"/>
+                <a16:creationId xmlns:a16="http://schemas.microsoft.com/office/drawing/2014/main" id="{CABDC08D-6093-4397-92D4-54D00E2BB1C2}"/>
               </a:ext>
             </a:extLst>
           </p:cNvPr>
@@ -18113,7 +18062,7 @@
           <p:nvPr>
             <p:extLst>
               <p:ext uri="{386F3935-93C4-4BCD-93E2-E3B085C9AB24}">
-                <p16:designElem xmlns:p16="http://schemas.microsoft.com/office/powerpoint/2015/main" xmlns="" val="1"/>
+                <p16:designElem xmlns:p16="http://schemas.microsoft.com/office/powerpoint/2015/main" val="1"/>
               </p:ext>
             </p:extLst>
           </p:nvPr>
@@ -18308,7 +18257,7 @@
           <a:effectLst/>
           <a:extLst>
             <a:ext uri="{91240B29-F687-4f45-9708-019B960494DF}">
-              <a14:hiddenLine xmlns="" xmlns:a16="http://schemas.microsoft.com/office/drawing/2014/main" xmlns:p14="http://schemas.microsoft.com/office/powerpoint/2010/main" xmlns:a14="http://schemas.microsoft.com/office/drawing/2010/main" w="9525">
+              <a14:hiddenLine xmlns:a14="http://schemas.microsoft.com/office/drawing/2010/main" xmlns:p14="http://schemas.microsoft.com/office/powerpoint/2010/main" xmlns:a16="http://schemas.microsoft.com/office/drawing/2014/main" xmlns="" w="9525">
                 <a:solidFill>
                   <a:srgbClr val="000000"/>
                 </a:solidFill>
@@ -18339,7 +18288,7 @@
           <p:cNvPr id="2" name="标题 1">
             <a:extLst>
               <a:ext uri="{FF2B5EF4-FFF2-40B4-BE49-F238E27FC236}">
-                <a16:creationId xmlns:a16="http://schemas.microsoft.com/office/drawing/2014/main" xmlns="" id="{E96509DE-3F06-43CD-A0BC-6D0825469805}"/>
+                <a16:creationId xmlns:a16="http://schemas.microsoft.com/office/drawing/2014/main" id="{E96509DE-3F06-43CD-A0BC-6D0825469805}"/>
               </a:ext>
             </a:extLst>
           </p:cNvPr>
@@ -18750,7 +18699,7 @@
           <p:nvPr>
             <p:extLst>
               <p:ext uri="{386F3935-93C4-4BCD-93E2-E3B085C9AB24}">
-                <p16:designElem xmlns:p16="http://schemas.microsoft.com/office/powerpoint/2015/main" xmlns="" val="1"/>
+                <p16:designElem xmlns:p16="http://schemas.microsoft.com/office/powerpoint/2015/main" val="1"/>
               </p:ext>
             </p:extLst>
           </p:nvPr>
@@ -18777,7 +18726,7 @@
           <p:cNvPr id="11" name="Freeform 6">
             <a:extLst>
               <a:ext uri="{FF2B5EF4-FFF2-40B4-BE49-F238E27FC236}">
-                <a16:creationId xmlns:a16="http://schemas.microsoft.com/office/drawing/2014/main" xmlns="" id="{8EE457FF-670E-4EC1-ACD4-1173DA9A7975}"/>
+                <a16:creationId xmlns:a16="http://schemas.microsoft.com/office/drawing/2014/main" id="{8EE457FF-670E-4EC1-ACD4-1173DA9A7975}"/>
               </a:ext>
             </a:extLst>
           </p:cNvPr>
@@ -18787,7 +18736,7 @@
           <p:nvPr>
             <p:extLst>
               <p:ext uri="{386F3935-93C4-4BCD-93E2-E3B085C9AB24}">
-                <p16:designElem xmlns:p16="http://schemas.microsoft.com/office/powerpoint/2015/main" xmlns="" val="1"/>
+                <p16:designElem xmlns:p16="http://schemas.microsoft.com/office/powerpoint/2015/main" val="1"/>
               </p:ext>
             </p:extLst>
           </p:nvPr>
@@ -18863,7 +18812,7 @@
           <a:ln/>
           <a:extLst>
             <a:ext uri="{91240B29-F687-4f45-9708-019B960494DF}">
-              <a14:hiddenLine xmlns:a14="http://schemas.microsoft.com/office/drawing/2010/main" xmlns="" w="9525">
+              <a14:hiddenLine xmlns="" xmlns:a14="http://schemas.microsoft.com/office/drawing/2010/main" w="9525">
                 <a:solidFill>
                   <a:srgbClr val="000000"/>
                 </a:solidFill>
@@ -18894,7 +18843,7 @@
           <p:cNvPr id="13" name="Rectangle 12">
             <a:extLst>
               <a:ext uri="{FF2B5EF4-FFF2-40B4-BE49-F238E27FC236}">
-                <a16:creationId xmlns:a16="http://schemas.microsoft.com/office/drawing/2014/main" xmlns="" id="{089A69AF-D57B-49B4-886C-D4A5DC194421}"/>
+                <a16:creationId xmlns:a16="http://schemas.microsoft.com/office/drawing/2014/main" id="{089A69AF-D57B-49B4-886C-D4A5DC194421}"/>
               </a:ext>
             </a:extLst>
           </p:cNvPr>
@@ -18904,7 +18853,7 @@
           <p:nvPr>
             <p:extLst>
               <p:ext uri="{386F3935-93C4-4BCD-93E2-E3B085C9AB24}">
-                <p16:designElem xmlns:p16="http://schemas.microsoft.com/office/powerpoint/2015/main" xmlns="" val="1"/>
+                <p16:designElem xmlns:p16="http://schemas.microsoft.com/office/powerpoint/2015/main" val="1"/>
               </p:ext>
             </p:extLst>
           </p:nvPr>
@@ -18954,7 +18903,7 @@
           <p:cNvPr id="15" name="Freeform: Shape 14">
             <a:extLst>
               <a:ext uri="{FF2B5EF4-FFF2-40B4-BE49-F238E27FC236}">
-                <a16:creationId xmlns:a16="http://schemas.microsoft.com/office/drawing/2014/main" xmlns="" id="{68F2977E-E0AE-4EB4-A059-59E908EB862A}"/>
+                <a16:creationId xmlns:a16="http://schemas.microsoft.com/office/drawing/2014/main" id="{68F2977E-E0AE-4EB4-A059-59E908EB862A}"/>
               </a:ext>
             </a:extLst>
           </p:cNvPr>
@@ -18964,7 +18913,7 @@
           <p:nvPr>
             <p:extLst>
               <p:ext uri="{386F3935-93C4-4BCD-93E2-E3B085C9AB24}">
-                <p16:designElem xmlns:p16="http://schemas.microsoft.com/office/powerpoint/2015/main" xmlns="" val="1"/>
+                <p16:designElem xmlns:p16="http://schemas.microsoft.com/office/powerpoint/2015/main" val="1"/>
               </p:ext>
             </p:extLst>
           </p:nvPr>
@@ -19191,7 +19140,7 @@
           <a:effectLst/>
           <a:extLst>
             <a:ext uri="{91240B29-F687-4f45-9708-019B960494DF}">
-              <a14:hiddenLine xmlns:a14="http://schemas.microsoft.com/office/drawing/2010/main" xmlns:p14="http://schemas.microsoft.com/office/powerpoint/2010/main" xmlns:a16="http://schemas.microsoft.com/office/drawing/2014/main" xmlns="" w="9525">
+              <a14:hiddenLine xmlns="" xmlns:a16="http://schemas.microsoft.com/office/drawing/2014/main" xmlns:p14="http://schemas.microsoft.com/office/powerpoint/2010/main" xmlns:a14="http://schemas.microsoft.com/office/drawing/2010/main" w="9525">
                 <a:solidFill>
                   <a:srgbClr val="000000"/>
                 </a:solidFill>
@@ -19222,7 +19171,7 @@
           <p:cNvPr id="2" name="标题 1">
             <a:extLst>
               <a:ext uri="{FF2B5EF4-FFF2-40B4-BE49-F238E27FC236}">
-                <a16:creationId xmlns:a16="http://schemas.microsoft.com/office/drawing/2014/main" xmlns="" id="{C02436D1-70D4-4430-AC58-3D56BFE150F9}"/>
+                <a16:creationId xmlns:a16="http://schemas.microsoft.com/office/drawing/2014/main" id="{C02436D1-70D4-4430-AC58-3D56BFE150F9}"/>
               </a:ext>
             </a:extLst>
           </p:cNvPr>
@@ -19630,7 +19579,7 @@
           <p:nvPr>
             <p:extLst>
               <p:ext uri="{386F3935-93C4-4BCD-93E2-E3B085C9AB24}">
-                <p16:designElem xmlns:p16="http://schemas.microsoft.com/office/powerpoint/2015/main" xmlns="" val="1"/>
+                <p16:designElem xmlns:p16="http://schemas.microsoft.com/office/powerpoint/2015/main" val="1"/>
               </p:ext>
             </p:extLst>
           </p:nvPr>
@@ -19657,7 +19606,7 @@
           <p:cNvPr id="11" name="Freeform 6">
             <a:extLst>
               <a:ext uri="{FF2B5EF4-FFF2-40B4-BE49-F238E27FC236}">
-                <a16:creationId xmlns:a16="http://schemas.microsoft.com/office/drawing/2014/main" xmlns="" id="{8EE457FF-670E-4EC1-ACD4-1173DA9A7975}"/>
+                <a16:creationId xmlns:a16="http://schemas.microsoft.com/office/drawing/2014/main" id="{8EE457FF-670E-4EC1-ACD4-1173DA9A7975}"/>
               </a:ext>
             </a:extLst>
           </p:cNvPr>
@@ -19667,7 +19616,7 @@
           <p:nvPr>
             <p:extLst>
               <p:ext uri="{386F3935-93C4-4BCD-93E2-E3B085C9AB24}">
-                <p16:designElem xmlns:p16="http://schemas.microsoft.com/office/powerpoint/2015/main" xmlns="" val="1"/>
+                <p16:designElem xmlns:p16="http://schemas.microsoft.com/office/powerpoint/2015/main" val="1"/>
               </p:ext>
             </p:extLst>
           </p:nvPr>
@@ -19743,7 +19692,7 @@
           <a:ln/>
           <a:extLst>
             <a:ext uri="{91240B29-F687-4f45-9708-019B960494DF}">
-              <a14:hiddenLine xmlns:a14="http://schemas.microsoft.com/office/drawing/2010/main" xmlns="" w="9525">
+              <a14:hiddenLine xmlns="" xmlns:a14="http://schemas.microsoft.com/office/drawing/2010/main" w="9525">
                 <a:solidFill>
                   <a:srgbClr val="000000"/>
                 </a:solidFill>
@@ -19774,7 +19723,7 @@
           <p:cNvPr id="13" name="Rectangle 12">
             <a:extLst>
               <a:ext uri="{FF2B5EF4-FFF2-40B4-BE49-F238E27FC236}">
-                <a16:creationId xmlns:a16="http://schemas.microsoft.com/office/drawing/2014/main" xmlns="" id="{089A69AF-D57B-49B4-886C-D4A5DC194421}"/>
+                <a16:creationId xmlns:a16="http://schemas.microsoft.com/office/drawing/2014/main" id="{089A69AF-D57B-49B4-886C-D4A5DC194421}"/>
               </a:ext>
             </a:extLst>
           </p:cNvPr>
@@ -19784,7 +19733,7 @@
           <p:nvPr>
             <p:extLst>
               <p:ext uri="{386F3935-93C4-4BCD-93E2-E3B085C9AB24}">
-                <p16:designElem xmlns:p16="http://schemas.microsoft.com/office/powerpoint/2015/main" xmlns="" val="1"/>
+                <p16:designElem xmlns:p16="http://schemas.microsoft.com/office/powerpoint/2015/main" val="1"/>
               </p:ext>
             </p:extLst>
           </p:nvPr>
@@ -19831,7 +19780,7 @@
           <p:cNvPr id="15" name="Freeform: Shape 14">
             <a:extLst>
               <a:ext uri="{FF2B5EF4-FFF2-40B4-BE49-F238E27FC236}">
-                <a16:creationId xmlns:a16="http://schemas.microsoft.com/office/drawing/2014/main" xmlns="" id="{CABDC08D-6093-4397-92D4-54D00E2BB1C2}"/>
+                <a16:creationId xmlns:a16="http://schemas.microsoft.com/office/drawing/2014/main" id="{CABDC08D-6093-4397-92D4-54D00E2BB1C2}"/>
               </a:ext>
             </a:extLst>
           </p:cNvPr>
@@ -19841,7 +19790,7 @@
           <p:nvPr>
             <p:extLst>
               <p:ext uri="{386F3935-93C4-4BCD-93E2-E3B085C9AB24}">
-                <p16:designElem xmlns:p16="http://schemas.microsoft.com/office/powerpoint/2015/main" xmlns="" val="1"/>
+                <p16:designElem xmlns:p16="http://schemas.microsoft.com/office/powerpoint/2015/main" val="1"/>
               </p:ext>
             </p:extLst>
           </p:nvPr>
@@ -20036,7 +19985,7 @@
           <a:effectLst/>
           <a:extLst>
             <a:ext uri="{91240B29-F687-4f45-9708-019B960494DF}">
-              <a14:hiddenLine xmlns:a14="http://schemas.microsoft.com/office/drawing/2010/main" xmlns:p14="http://schemas.microsoft.com/office/powerpoint/2010/main" xmlns:a16="http://schemas.microsoft.com/office/drawing/2014/main" xmlns="" w="9525">
+              <a14:hiddenLine xmlns="" xmlns:a16="http://schemas.microsoft.com/office/drawing/2014/main" xmlns:p14="http://schemas.microsoft.com/office/powerpoint/2010/main" xmlns:a14="http://schemas.microsoft.com/office/drawing/2010/main" w="9525">
                 <a:solidFill>
                   <a:srgbClr val="000000"/>
                 </a:solidFill>
@@ -20067,7 +20016,7 @@
           <p:cNvPr id="2" name="标题 1">
             <a:extLst>
               <a:ext uri="{FF2B5EF4-FFF2-40B4-BE49-F238E27FC236}">
-                <a16:creationId xmlns:a16="http://schemas.microsoft.com/office/drawing/2014/main" xmlns="" id="{E96509DE-3F06-43CD-A0BC-6D0825469805}"/>
+                <a16:creationId xmlns:a16="http://schemas.microsoft.com/office/drawing/2014/main" id="{E96509DE-3F06-43CD-A0BC-6D0825469805}"/>
               </a:ext>
             </a:extLst>
           </p:cNvPr>
@@ -20345,7 +20294,7 @@
           <p:nvPr>
             <p:extLst>
               <p:ext uri="{386F3935-93C4-4BCD-93E2-E3B085C9AB24}">
-                <p16:designElem xmlns:p16="http://schemas.microsoft.com/office/powerpoint/2015/main" xmlns="" val="1"/>
+                <p16:designElem xmlns:p16="http://schemas.microsoft.com/office/powerpoint/2015/main" val="1"/>
               </p:ext>
             </p:extLst>
           </p:nvPr>
@@ -20372,7 +20321,7 @@
           <p:cNvPr id="11" name="Freeform 6">
             <a:extLst>
               <a:ext uri="{FF2B5EF4-FFF2-40B4-BE49-F238E27FC236}">
-                <a16:creationId xmlns:a16="http://schemas.microsoft.com/office/drawing/2014/main" xmlns="" id="{8EE457FF-670E-4EC1-ACD4-1173DA9A7975}"/>
+                <a16:creationId xmlns:a16="http://schemas.microsoft.com/office/drawing/2014/main" id="{8EE457FF-670E-4EC1-ACD4-1173DA9A7975}"/>
               </a:ext>
             </a:extLst>
           </p:cNvPr>
@@ -20382,7 +20331,7 @@
           <p:nvPr>
             <p:extLst>
               <p:ext uri="{386F3935-93C4-4BCD-93E2-E3B085C9AB24}">
-                <p16:designElem xmlns:p16="http://schemas.microsoft.com/office/powerpoint/2015/main" xmlns="" val="1"/>
+                <p16:designElem xmlns:p16="http://schemas.microsoft.com/office/powerpoint/2015/main" val="1"/>
               </p:ext>
             </p:extLst>
           </p:nvPr>
@@ -20458,7 +20407,7 @@
           <a:ln/>
           <a:extLst>
             <a:ext uri="{91240B29-F687-4f45-9708-019B960494DF}">
-              <a14:hiddenLine xmlns:a14="http://schemas.microsoft.com/office/drawing/2010/main" xmlns="" w="9525">
+              <a14:hiddenLine xmlns="" xmlns:a14="http://schemas.microsoft.com/office/drawing/2010/main" w="9525">
                 <a:solidFill>
                   <a:srgbClr val="000000"/>
                 </a:solidFill>
@@ -20489,7 +20438,7 @@
           <p:cNvPr id="13" name="Rectangle 12">
             <a:extLst>
               <a:ext uri="{FF2B5EF4-FFF2-40B4-BE49-F238E27FC236}">
-                <a16:creationId xmlns:a16="http://schemas.microsoft.com/office/drawing/2014/main" xmlns="" id="{089A69AF-D57B-49B4-886C-D4A5DC194421}"/>
+                <a16:creationId xmlns:a16="http://schemas.microsoft.com/office/drawing/2014/main" id="{089A69AF-D57B-49B4-886C-D4A5DC194421}"/>
               </a:ext>
             </a:extLst>
           </p:cNvPr>
@@ -20499,7 +20448,7 @@
           <p:nvPr>
             <p:extLst>
               <p:ext uri="{386F3935-93C4-4BCD-93E2-E3B085C9AB24}">
-                <p16:designElem xmlns:p16="http://schemas.microsoft.com/office/powerpoint/2015/main" xmlns="" val="1"/>
+                <p16:designElem xmlns:p16="http://schemas.microsoft.com/office/powerpoint/2015/main" val="1"/>
               </p:ext>
             </p:extLst>
           </p:nvPr>
@@ -20549,7 +20498,7 @@
           <p:cNvPr id="15" name="Freeform: Shape 14">
             <a:extLst>
               <a:ext uri="{FF2B5EF4-FFF2-40B4-BE49-F238E27FC236}">
-                <a16:creationId xmlns:a16="http://schemas.microsoft.com/office/drawing/2014/main" xmlns="" id="{68F2977E-E0AE-4EB4-A059-59E908EB862A}"/>
+                <a16:creationId xmlns:a16="http://schemas.microsoft.com/office/drawing/2014/main" id="{68F2977E-E0AE-4EB4-A059-59E908EB862A}"/>
               </a:ext>
             </a:extLst>
           </p:cNvPr>
@@ -20559,7 +20508,7 @@
           <p:nvPr>
             <p:extLst>
               <p:ext uri="{386F3935-93C4-4BCD-93E2-E3B085C9AB24}">
-                <p16:designElem xmlns:p16="http://schemas.microsoft.com/office/powerpoint/2015/main" xmlns="" val="1"/>
+                <p16:designElem xmlns:p16="http://schemas.microsoft.com/office/powerpoint/2015/main" val="1"/>
               </p:ext>
             </p:extLst>
           </p:nvPr>
@@ -20786,7 +20735,7 @@
           <a:effectLst/>
           <a:extLst>
             <a:ext uri="{91240B29-F687-4f45-9708-019B960494DF}">
-              <a14:hiddenLine xmlns:a14="http://schemas.microsoft.com/office/drawing/2010/main" xmlns:p14="http://schemas.microsoft.com/office/powerpoint/2010/main" xmlns:a16="http://schemas.microsoft.com/office/drawing/2014/main" xmlns="" w="9525">
+              <a14:hiddenLine xmlns="" xmlns:a16="http://schemas.microsoft.com/office/drawing/2014/main" xmlns:p14="http://schemas.microsoft.com/office/powerpoint/2010/main" xmlns:a14="http://schemas.microsoft.com/office/drawing/2010/main" w="9525">
                 <a:solidFill>
                   <a:srgbClr val="000000"/>
                 </a:solidFill>
@@ -20817,7 +20766,7 @@
           <p:cNvPr id="2" name="标题 1">
             <a:extLst>
               <a:ext uri="{FF2B5EF4-FFF2-40B4-BE49-F238E27FC236}">
-                <a16:creationId xmlns:a16="http://schemas.microsoft.com/office/drawing/2014/main" xmlns="" id="{C02436D1-70D4-4430-AC58-3D56BFE150F9}"/>
+                <a16:creationId xmlns:a16="http://schemas.microsoft.com/office/drawing/2014/main" id="{C02436D1-70D4-4430-AC58-3D56BFE150F9}"/>
               </a:ext>
             </a:extLst>
           </p:cNvPr>
@@ -21106,7 +21055,7 @@
           <p:nvPr>
             <p:extLst>
               <p:ext uri="{386F3935-93C4-4BCD-93E2-E3B085C9AB24}">
-                <p16:designElem xmlns:p16="http://schemas.microsoft.com/office/powerpoint/2015/main" xmlns="" val="1"/>
+                <p16:designElem xmlns:p16="http://schemas.microsoft.com/office/powerpoint/2015/main" val="1"/>
               </p:ext>
             </p:extLst>
           </p:nvPr>
@@ -21133,7 +21082,7 @@
           <p:cNvPr id="12" name="Freeform 6">
             <a:extLst>
               <a:ext uri="{FF2B5EF4-FFF2-40B4-BE49-F238E27FC236}">
-                <a16:creationId xmlns:a16="http://schemas.microsoft.com/office/drawing/2014/main" xmlns="" id="{B9D93730-8C7D-423D-9137-597B5FA65701}"/>
+                <a16:creationId xmlns:a16="http://schemas.microsoft.com/office/drawing/2014/main" id="{B9D93730-8C7D-423D-9137-597B5FA65701}"/>
               </a:ext>
             </a:extLst>
           </p:cNvPr>
@@ -21143,7 +21092,7 @@
           <p:nvPr>
             <p:extLst>
               <p:ext uri="{386F3935-93C4-4BCD-93E2-E3B085C9AB24}">
-                <p16:designElem xmlns:p16="http://schemas.microsoft.com/office/powerpoint/2015/main" xmlns="" val="1"/>
+                <p16:designElem xmlns:p16="http://schemas.microsoft.com/office/powerpoint/2015/main" val="1"/>
               </p:ext>
             </p:extLst>
           </p:nvPr>
@@ -21219,7 +21168,7 @@
           <a:ln/>
           <a:extLst>
             <a:ext uri="{91240B29-F687-4f45-9708-019B960494DF}">
-              <a14:hiddenLine xmlns="" xmlns:a14="http://schemas.microsoft.com/office/drawing/2010/main" w="9525">
+              <a14:hiddenLine xmlns:a14="http://schemas.microsoft.com/office/drawing/2010/main" xmlns="" w="9525">
                 <a:solidFill>
                   <a:srgbClr val="000000"/>
                 </a:solidFill>
@@ -21250,7 +21199,7 @@
           <p:cNvPr id="14" name="Rectangle 13">
             <a:extLst>
               <a:ext uri="{FF2B5EF4-FFF2-40B4-BE49-F238E27FC236}">
-                <a16:creationId xmlns:a16="http://schemas.microsoft.com/office/drawing/2014/main" xmlns="" id="{A3322B77-FA16-4D4E-BAA6-811C61DB3E85}"/>
+                <a16:creationId xmlns:a16="http://schemas.microsoft.com/office/drawing/2014/main" id="{A3322B77-FA16-4D4E-BAA6-811C61DB3E85}"/>
               </a:ext>
             </a:extLst>
           </p:cNvPr>
@@ -21260,7 +21209,7 @@
           <p:nvPr>
             <p:extLst>
               <p:ext uri="{386F3935-93C4-4BCD-93E2-E3B085C9AB24}">
-                <p16:designElem xmlns:p16="http://schemas.microsoft.com/office/powerpoint/2015/main" xmlns="" val="1"/>
+                <p16:designElem xmlns:p16="http://schemas.microsoft.com/office/powerpoint/2015/main" val="1"/>
               </p:ext>
             </p:extLst>
           </p:nvPr>
@@ -21307,7 +21256,7 @@
           <p:cNvPr id="16" name="Freeform: Shape 15">
             <a:extLst>
               <a:ext uri="{FF2B5EF4-FFF2-40B4-BE49-F238E27FC236}">
-                <a16:creationId xmlns:a16="http://schemas.microsoft.com/office/drawing/2014/main" xmlns="" id="{CA6EF34F-3BAD-4CD8-B05E-03BA773AE864}"/>
+                <a16:creationId xmlns:a16="http://schemas.microsoft.com/office/drawing/2014/main" id="{CA6EF34F-3BAD-4CD8-B05E-03BA773AE864}"/>
               </a:ext>
             </a:extLst>
           </p:cNvPr>
@@ -21317,7 +21266,7 @@
           <p:nvPr>
             <p:extLst>
               <p:ext uri="{386F3935-93C4-4BCD-93E2-E3B085C9AB24}">
-                <p16:designElem xmlns:p16="http://schemas.microsoft.com/office/powerpoint/2015/main" xmlns="" val="1"/>
+                <p16:designElem xmlns:p16="http://schemas.microsoft.com/office/powerpoint/2015/main" val="1"/>
               </p:ext>
             </p:extLst>
           </p:nvPr>
@@ -21489,7 +21438,7 @@
           <p:cNvPr id="2" name="竖排标题 1">
             <a:extLst>
               <a:ext uri="{FF2B5EF4-FFF2-40B4-BE49-F238E27FC236}">
-                <a16:creationId xmlns:a16="http://schemas.microsoft.com/office/drawing/2014/main" xmlns="" id="{1177557D-E743-446B-B3A2-19511CAEF50D}"/>
+                <a16:creationId xmlns:a16="http://schemas.microsoft.com/office/drawing/2014/main" id="{1177557D-E743-446B-B3A2-19511CAEF50D}"/>
               </a:ext>
             </a:extLst>
           </p:cNvPr>
@@ -21672,7 +21621,7 @@
           <p:nvPr>
             <p:extLst>
               <p:ext uri="{386F3935-93C4-4BCD-93E2-E3B085C9AB24}">
-                <p16:designElem xmlns:p16="http://schemas.microsoft.com/office/powerpoint/2015/main" xmlns="" val="1"/>
+                <p16:designElem xmlns:p16="http://schemas.microsoft.com/office/powerpoint/2015/main" val="1"/>
               </p:ext>
             </p:extLst>
           </p:nvPr>
@@ -21699,7 +21648,7 @@
           <p:cNvPr id="11" name="Freeform 6">
             <a:extLst>
               <a:ext uri="{FF2B5EF4-FFF2-40B4-BE49-F238E27FC236}">
-                <a16:creationId xmlns:a16="http://schemas.microsoft.com/office/drawing/2014/main" xmlns="" id="{8EE457FF-670E-4EC1-ACD4-1173DA9A7975}"/>
+                <a16:creationId xmlns:a16="http://schemas.microsoft.com/office/drawing/2014/main" id="{8EE457FF-670E-4EC1-ACD4-1173DA9A7975}"/>
               </a:ext>
             </a:extLst>
           </p:cNvPr>
@@ -21709,7 +21658,7 @@
           <p:nvPr>
             <p:extLst>
               <p:ext uri="{386F3935-93C4-4BCD-93E2-E3B085C9AB24}">
-                <p16:designElem xmlns:p16="http://schemas.microsoft.com/office/powerpoint/2015/main" xmlns="" val="1"/>
+                <p16:designElem xmlns:p16="http://schemas.microsoft.com/office/powerpoint/2015/main" val="1"/>
               </p:ext>
             </p:extLst>
           </p:nvPr>
@@ -21785,7 +21734,7 @@
           <a:ln/>
           <a:extLst>
             <a:ext uri="{91240B29-F687-4f45-9708-019B960494DF}">
-              <a14:hiddenLine xmlns:a14="http://schemas.microsoft.com/office/drawing/2010/main" xmlns="" w="9525">
+              <a14:hiddenLine xmlns="" xmlns:a14="http://schemas.microsoft.com/office/drawing/2010/main" w="9525">
                 <a:solidFill>
                   <a:srgbClr val="000000"/>
                 </a:solidFill>
@@ -21816,7 +21765,7 @@
           <p:cNvPr id="13" name="Rectangle 12">
             <a:extLst>
               <a:ext uri="{FF2B5EF4-FFF2-40B4-BE49-F238E27FC236}">
-                <a16:creationId xmlns:a16="http://schemas.microsoft.com/office/drawing/2014/main" xmlns="" id="{089A69AF-D57B-49B4-886C-D4A5DC194421}"/>
+                <a16:creationId xmlns:a16="http://schemas.microsoft.com/office/drawing/2014/main" id="{089A69AF-D57B-49B4-886C-D4A5DC194421}"/>
               </a:ext>
             </a:extLst>
           </p:cNvPr>
@@ -21826,7 +21775,7 @@
           <p:nvPr>
             <p:extLst>
               <p:ext uri="{386F3935-93C4-4BCD-93E2-E3B085C9AB24}">
-                <p16:designElem xmlns:p16="http://schemas.microsoft.com/office/powerpoint/2015/main" xmlns="" val="1"/>
+                <p16:designElem xmlns:p16="http://schemas.microsoft.com/office/powerpoint/2015/main" val="1"/>
               </p:ext>
             </p:extLst>
           </p:nvPr>
@@ -21873,7 +21822,7 @@
           <p:cNvPr id="15" name="Freeform: Shape 14">
             <a:extLst>
               <a:ext uri="{FF2B5EF4-FFF2-40B4-BE49-F238E27FC236}">
-                <a16:creationId xmlns:a16="http://schemas.microsoft.com/office/drawing/2014/main" xmlns="" id="{CABDC08D-6093-4397-92D4-54D00E2BB1C2}"/>
+                <a16:creationId xmlns:a16="http://schemas.microsoft.com/office/drawing/2014/main" id="{CABDC08D-6093-4397-92D4-54D00E2BB1C2}"/>
               </a:ext>
             </a:extLst>
           </p:cNvPr>
@@ -21883,7 +21832,7 @@
           <p:nvPr>
             <p:extLst>
               <p:ext uri="{386F3935-93C4-4BCD-93E2-E3B085C9AB24}">
-                <p16:designElem xmlns:p16="http://schemas.microsoft.com/office/powerpoint/2015/main" xmlns="" val="1"/>
+                <p16:designElem xmlns:p16="http://schemas.microsoft.com/office/powerpoint/2015/main" val="1"/>
               </p:ext>
             </p:extLst>
           </p:nvPr>
@@ -22078,7 +22027,7 @@
           <a:effectLst/>
           <a:extLst>
             <a:ext uri="{91240B29-F687-4f45-9708-019B960494DF}">
-              <a14:hiddenLine xmlns:a14="http://schemas.microsoft.com/office/drawing/2010/main" xmlns:p14="http://schemas.microsoft.com/office/powerpoint/2010/main" xmlns:a16="http://schemas.microsoft.com/office/drawing/2014/main" xmlns="" w="9525">
+              <a14:hiddenLine xmlns="" xmlns:a16="http://schemas.microsoft.com/office/drawing/2014/main" xmlns:p14="http://schemas.microsoft.com/office/powerpoint/2010/main" xmlns:a14="http://schemas.microsoft.com/office/drawing/2010/main" w="9525">
                 <a:solidFill>
                   <a:srgbClr val="000000"/>
                 </a:solidFill>
@@ -22109,7 +22058,7 @@
           <p:cNvPr id="2" name="标题 1">
             <a:extLst>
               <a:ext uri="{FF2B5EF4-FFF2-40B4-BE49-F238E27FC236}">
-                <a16:creationId xmlns:a16="http://schemas.microsoft.com/office/drawing/2014/main" xmlns="" id="{E96509DE-3F06-43CD-A0BC-6D0825469805}"/>
+                <a16:creationId xmlns:a16="http://schemas.microsoft.com/office/drawing/2014/main" id="{E96509DE-3F06-43CD-A0BC-6D0825469805}"/>
               </a:ext>
             </a:extLst>
           </p:cNvPr>
@@ -22703,7 +22652,7 @@
           <p:nvPr>
             <p:extLst>
               <p:ext uri="{386F3935-93C4-4BCD-93E2-E3B085C9AB24}">
-                <p16:designElem xmlns:p16="http://schemas.microsoft.com/office/powerpoint/2015/main" xmlns="" val="1"/>
+                <p16:designElem xmlns:p16="http://schemas.microsoft.com/office/powerpoint/2015/main" val="1"/>
               </p:ext>
             </p:extLst>
           </p:nvPr>
@@ -22730,7 +22679,7 @@
           <p:cNvPr id="11" name="Freeform 6">
             <a:extLst>
               <a:ext uri="{FF2B5EF4-FFF2-40B4-BE49-F238E27FC236}">
-                <a16:creationId xmlns:a16="http://schemas.microsoft.com/office/drawing/2014/main" xmlns="" id="{8EE457FF-670E-4EC1-ACD4-1173DA9A7975}"/>
+                <a16:creationId xmlns:a16="http://schemas.microsoft.com/office/drawing/2014/main" id="{8EE457FF-670E-4EC1-ACD4-1173DA9A7975}"/>
               </a:ext>
             </a:extLst>
           </p:cNvPr>
@@ -22740,7 +22689,7 @@
           <p:nvPr>
             <p:extLst>
               <p:ext uri="{386F3935-93C4-4BCD-93E2-E3B085C9AB24}">
-                <p16:designElem xmlns:p16="http://schemas.microsoft.com/office/powerpoint/2015/main" xmlns="" val="1"/>
+                <p16:designElem xmlns:p16="http://schemas.microsoft.com/office/powerpoint/2015/main" val="1"/>
               </p:ext>
             </p:extLst>
           </p:nvPr>
@@ -22816,7 +22765,7 @@
           <a:ln/>
           <a:extLst>
             <a:ext uri="{91240B29-F687-4f45-9708-019B960494DF}">
-              <a14:hiddenLine xmlns:a14="http://schemas.microsoft.com/office/drawing/2010/main" xmlns="" w="9525">
+              <a14:hiddenLine xmlns="" xmlns:a14="http://schemas.microsoft.com/office/drawing/2010/main" w="9525">
                 <a:solidFill>
                   <a:srgbClr val="000000"/>
                 </a:solidFill>
@@ -22847,7 +22796,7 @@
           <p:cNvPr id="13" name="Rectangle 12">
             <a:extLst>
               <a:ext uri="{FF2B5EF4-FFF2-40B4-BE49-F238E27FC236}">
-                <a16:creationId xmlns:a16="http://schemas.microsoft.com/office/drawing/2014/main" xmlns="" id="{089A69AF-D57B-49B4-886C-D4A5DC194421}"/>
+                <a16:creationId xmlns:a16="http://schemas.microsoft.com/office/drawing/2014/main" id="{089A69AF-D57B-49B4-886C-D4A5DC194421}"/>
               </a:ext>
             </a:extLst>
           </p:cNvPr>
@@ -22857,7 +22806,7 @@
           <p:nvPr>
             <p:extLst>
               <p:ext uri="{386F3935-93C4-4BCD-93E2-E3B085C9AB24}">
-                <p16:designElem xmlns:p16="http://schemas.microsoft.com/office/powerpoint/2015/main" xmlns="" val="1"/>
+                <p16:designElem xmlns:p16="http://schemas.microsoft.com/office/powerpoint/2015/main" val="1"/>
               </p:ext>
             </p:extLst>
           </p:nvPr>
@@ -22907,7 +22856,7 @@
           <p:cNvPr id="15" name="Freeform: Shape 14">
             <a:extLst>
               <a:ext uri="{FF2B5EF4-FFF2-40B4-BE49-F238E27FC236}">
-                <a16:creationId xmlns:a16="http://schemas.microsoft.com/office/drawing/2014/main" xmlns="" id="{68F2977E-E0AE-4EB4-A059-59E908EB862A}"/>
+                <a16:creationId xmlns:a16="http://schemas.microsoft.com/office/drawing/2014/main" id="{68F2977E-E0AE-4EB4-A059-59E908EB862A}"/>
               </a:ext>
             </a:extLst>
           </p:cNvPr>
@@ -22917,7 +22866,7 @@
           <p:nvPr>
             <p:extLst>
               <p:ext uri="{386F3935-93C4-4BCD-93E2-E3B085C9AB24}">
-                <p16:designElem xmlns:p16="http://schemas.microsoft.com/office/powerpoint/2015/main" xmlns="" val="1"/>
+                <p16:designElem xmlns:p16="http://schemas.microsoft.com/office/powerpoint/2015/main" val="1"/>
               </p:ext>
             </p:extLst>
           </p:nvPr>
@@ -23144,7 +23093,7 @@
           <a:effectLst/>
           <a:extLst>
             <a:ext uri="{91240B29-F687-4f45-9708-019B960494DF}">
-              <a14:hiddenLine xmlns:a14="http://schemas.microsoft.com/office/drawing/2010/main" xmlns:p14="http://schemas.microsoft.com/office/powerpoint/2010/main" xmlns:a16="http://schemas.microsoft.com/office/drawing/2014/main" xmlns="" w="9525">
+              <a14:hiddenLine xmlns="" xmlns:a16="http://schemas.microsoft.com/office/drawing/2014/main" xmlns:p14="http://schemas.microsoft.com/office/powerpoint/2010/main" xmlns:a14="http://schemas.microsoft.com/office/drawing/2010/main" w="9525">
                 <a:solidFill>
                   <a:srgbClr val="000000"/>
                 </a:solidFill>
@@ -23175,7 +23124,7 @@
           <p:cNvPr id="2" name="标题 1">
             <a:extLst>
               <a:ext uri="{FF2B5EF4-FFF2-40B4-BE49-F238E27FC236}">
-                <a16:creationId xmlns:a16="http://schemas.microsoft.com/office/drawing/2014/main" xmlns="" id="{C02436D1-70D4-4430-AC58-3D56BFE150F9}"/>
+                <a16:creationId xmlns:a16="http://schemas.microsoft.com/office/drawing/2014/main" id="{C02436D1-70D4-4430-AC58-3D56BFE150F9}"/>
               </a:ext>
             </a:extLst>
           </p:cNvPr>
@@ -23591,7 +23540,7 @@
           <p:nvPr>
             <p:extLst>
               <p:ext uri="{386F3935-93C4-4BCD-93E2-E3B085C9AB24}">
-                <p16:designElem xmlns:p16="http://schemas.microsoft.com/office/powerpoint/2015/main" xmlns="" val="1"/>
+                <p16:designElem xmlns:p16="http://schemas.microsoft.com/office/powerpoint/2015/main" val="1"/>
               </p:ext>
             </p:extLst>
           </p:nvPr>
@@ -23618,7 +23567,7 @@
           <p:cNvPr id="11" name="Freeform 6">
             <a:extLst>
               <a:ext uri="{FF2B5EF4-FFF2-40B4-BE49-F238E27FC236}">
-                <a16:creationId xmlns:a16="http://schemas.microsoft.com/office/drawing/2014/main" xmlns="" id="{8EE457FF-670E-4EC1-ACD4-1173DA9A7975}"/>
+                <a16:creationId xmlns:a16="http://schemas.microsoft.com/office/drawing/2014/main" id="{8EE457FF-670E-4EC1-ACD4-1173DA9A7975}"/>
               </a:ext>
             </a:extLst>
           </p:cNvPr>
@@ -23628,7 +23577,7 @@
           <p:nvPr>
             <p:extLst>
               <p:ext uri="{386F3935-93C4-4BCD-93E2-E3B085C9AB24}">
-                <p16:designElem xmlns:p16="http://schemas.microsoft.com/office/powerpoint/2015/main" xmlns="" val="1"/>
+                <p16:designElem xmlns:p16="http://schemas.microsoft.com/office/powerpoint/2015/main" val="1"/>
               </p:ext>
             </p:extLst>
           </p:nvPr>
@@ -23704,7 +23653,7 @@
           <a:ln/>
           <a:extLst>
             <a:ext uri="{91240B29-F687-4f45-9708-019B960494DF}">
-              <a14:hiddenLine xmlns:a14="http://schemas.microsoft.com/office/drawing/2010/main" xmlns="" w="9525">
+              <a14:hiddenLine xmlns="" xmlns:a14="http://schemas.microsoft.com/office/drawing/2010/main" w="9525">
                 <a:solidFill>
                   <a:srgbClr val="000000"/>
                 </a:solidFill>
@@ -23735,7 +23684,7 @@
           <p:cNvPr id="13" name="Rectangle 12">
             <a:extLst>
               <a:ext uri="{FF2B5EF4-FFF2-40B4-BE49-F238E27FC236}">
-                <a16:creationId xmlns:a16="http://schemas.microsoft.com/office/drawing/2014/main" xmlns="" id="{089A69AF-D57B-49B4-886C-D4A5DC194421}"/>
+                <a16:creationId xmlns:a16="http://schemas.microsoft.com/office/drawing/2014/main" id="{089A69AF-D57B-49B4-886C-D4A5DC194421}"/>
               </a:ext>
             </a:extLst>
           </p:cNvPr>
@@ -23745,7 +23694,7 @@
           <p:nvPr>
             <p:extLst>
               <p:ext uri="{386F3935-93C4-4BCD-93E2-E3B085C9AB24}">
-                <p16:designElem xmlns:p16="http://schemas.microsoft.com/office/powerpoint/2015/main" xmlns="" val="1"/>
+                <p16:designElem xmlns:p16="http://schemas.microsoft.com/office/powerpoint/2015/main" val="1"/>
               </p:ext>
             </p:extLst>
           </p:nvPr>
@@ -23792,7 +23741,7 @@
           <p:cNvPr id="15" name="Freeform: Shape 14">
             <a:extLst>
               <a:ext uri="{FF2B5EF4-FFF2-40B4-BE49-F238E27FC236}">
-                <a16:creationId xmlns:a16="http://schemas.microsoft.com/office/drawing/2014/main" xmlns="" id="{CABDC08D-6093-4397-92D4-54D00E2BB1C2}"/>
+                <a16:creationId xmlns:a16="http://schemas.microsoft.com/office/drawing/2014/main" id="{CABDC08D-6093-4397-92D4-54D00E2BB1C2}"/>
               </a:ext>
             </a:extLst>
           </p:cNvPr>
@@ -23802,7 +23751,7 @@
           <p:nvPr>
             <p:extLst>
               <p:ext uri="{386F3935-93C4-4BCD-93E2-E3B085C9AB24}">
-                <p16:designElem xmlns:p16="http://schemas.microsoft.com/office/powerpoint/2015/main" xmlns="" val="1"/>
+                <p16:designElem xmlns:p16="http://schemas.microsoft.com/office/powerpoint/2015/main" val="1"/>
               </p:ext>
             </p:extLst>
           </p:nvPr>
@@ -23997,7 +23946,7 @@
           <a:effectLst/>
           <a:extLst>
             <a:ext uri="{91240B29-F687-4f45-9708-019B960494DF}">
-              <a14:hiddenLine xmlns:a14="http://schemas.microsoft.com/office/drawing/2010/main" xmlns:p14="http://schemas.microsoft.com/office/powerpoint/2010/main" xmlns:a16="http://schemas.microsoft.com/office/drawing/2014/main" xmlns="" w="9525">
+              <a14:hiddenLine xmlns="" xmlns:a16="http://schemas.microsoft.com/office/drawing/2014/main" xmlns:p14="http://schemas.microsoft.com/office/powerpoint/2010/main" xmlns:a14="http://schemas.microsoft.com/office/drawing/2010/main" w="9525">
                 <a:solidFill>
                   <a:srgbClr val="000000"/>
                 </a:solidFill>
@@ -24028,7 +23977,7 @@
           <p:cNvPr id="2" name="标题 1">
             <a:extLst>
               <a:ext uri="{FF2B5EF4-FFF2-40B4-BE49-F238E27FC236}">
-                <a16:creationId xmlns:a16="http://schemas.microsoft.com/office/drawing/2014/main" xmlns="" id="{E96509DE-3F06-43CD-A0BC-6D0825469805}"/>
+                <a16:creationId xmlns:a16="http://schemas.microsoft.com/office/drawing/2014/main" id="{E96509DE-3F06-43CD-A0BC-6D0825469805}"/>
               </a:ext>
             </a:extLst>
           </p:cNvPr>
@@ -24315,7 +24264,7 @@
           <p:nvPr>
             <p:extLst>
               <p:ext uri="{386F3935-93C4-4BCD-93E2-E3B085C9AB24}">
-                <p16:designElem xmlns:p16="http://schemas.microsoft.com/office/powerpoint/2015/main" xmlns="" val="1"/>
+                <p16:designElem xmlns:p16="http://schemas.microsoft.com/office/powerpoint/2015/main" val="1"/>
               </p:ext>
             </p:extLst>
           </p:nvPr>
@@ -24342,7 +24291,7 @@
           <p:cNvPr id="11" name="Freeform 6">
             <a:extLst>
               <a:ext uri="{FF2B5EF4-FFF2-40B4-BE49-F238E27FC236}">
-                <a16:creationId xmlns:a16="http://schemas.microsoft.com/office/drawing/2014/main" xmlns="" id="{8EE457FF-670E-4EC1-ACD4-1173DA9A7975}"/>
+                <a16:creationId xmlns:a16="http://schemas.microsoft.com/office/drawing/2014/main" id="{8EE457FF-670E-4EC1-ACD4-1173DA9A7975}"/>
               </a:ext>
             </a:extLst>
           </p:cNvPr>
@@ -24352,7 +24301,7 @@
           <p:nvPr>
             <p:extLst>
               <p:ext uri="{386F3935-93C4-4BCD-93E2-E3B085C9AB24}">
-                <p16:designElem xmlns:p16="http://schemas.microsoft.com/office/powerpoint/2015/main" xmlns="" val="1"/>
+                <p16:designElem xmlns:p16="http://schemas.microsoft.com/office/powerpoint/2015/main" val="1"/>
               </p:ext>
             </p:extLst>
           </p:nvPr>
@@ -24428,7 +24377,7 @@
           <a:ln/>
           <a:extLst>
             <a:ext uri="{91240B29-F687-4f45-9708-019B960494DF}">
-              <a14:hiddenLine xmlns:a14="http://schemas.microsoft.com/office/drawing/2010/main" xmlns="" w="9525">
+              <a14:hiddenLine xmlns="" xmlns:a14="http://schemas.microsoft.com/office/drawing/2010/main" w="9525">
                 <a:solidFill>
                   <a:srgbClr val="000000"/>
                 </a:solidFill>
@@ -24459,7 +24408,7 @@
           <p:cNvPr id="13" name="Rectangle 12">
             <a:extLst>
               <a:ext uri="{FF2B5EF4-FFF2-40B4-BE49-F238E27FC236}">
-                <a16:creationId xmlns:a16="http://schemas.microsoft.com/office/drawing/2014/main" xmlns="" id="{089A69AF-D57B-49B4-886C-D4A5DC194421}"/>
+                <a16:creationId xmlns:a16="http://schemas.microsoft.com/office/drawing/2014/main" id="{089A69AF-D57B-49B4-886C-D4A5DC194421}"/>
               </a:ext>
             </a:extLst>
           </p:cNvPr>
@@ -24469,7 +24418,7 @@
           <p:nvPr>
             <p:extLst>
               <p:ext uri="{386F3935-93C4-4BCD-93E2-E3B085C9AB24}">
-                <p16:designElem xmlns:p16="http://schemas.microsoft.com/office/powerpoint/2015/main" xmlns="" val="1"/>
+                <p16:designElem xmlns:p16="http://schemas.microsoft.com/office/powerpoint/2015/main" val="1"/>
               </p:ext>
             </p:extLst>
           </p:nvPr>
@@ -24519,7 +24468,7 @@
           <p:cNvPr id="15" name="Freeform: Shape 14">
             <a:extLst>
               <a:ext uri="{FF2B5EF4-FFF2-40B4-BE49-F238E27FC236}">
-                <a16:creationId xmlns:a16="http://schemas.microsoft.com/office/drawing/2014/main" xmlns="" id="{68F2977E-E0AE-4EB4-A059-59E908EB862A}"/>
+                <a16:creationId xmlns:a16="http://schemas.microsoft.com/office/drawing/2014/main" id="{68F2977E-E0AE-4EB4-A059-59E908EB862A}"/>
               </a:ext>
             </a:extLst>
           </p:cNvPr>
@@ -24529,7 +24478,7 @@
           <p:nvPr>
             <p:extLst>
               <p:ext uri="{386F3935-93C4-4BCD-93E2-E3B085C9AB24}">
-                <p16:designElem xmlns:p16="http://schemas.microsoft.com/office/powerpoint/2015/main" xmlns="" val="1"/>
+                <p16:designElem xmlns:p16="http://schemas.microsoft.com/office/powerpoint/2015/main" val="1"/>
               </p:ext>
             </p:extLst>
           </p:nvPr>
@@ -24756,7 +24705,7 @@
           <a:effectLst/>
           <a:extLst>
             <a:ext uri="{91240B29-F687-4f45-9708-019B960494DF}">
-              <a14:hiddenLine xmlns:a14="http://schemas.microsoft.com/office/drawing/2010/main" xmlns:p14="http://schemas.microsoft.com/office/powerpoint/2010/main" xmlns:a16="http://schemas.microsoft.com/office/drawing/2014/main" xmlns="" w="9525">
+              <a14:hiddenLine xmlns="" xmlns:a16="http://schemas.microsoft.com/office/drawing/2014/main" xmlns:p14="http://schemas.microsoft.com/office/powerpoint/2010/main" xmlns:a14="http://schemas.microsoft.com/office/drawing/2010/main" w="9525">
                 <a:solidFill>
                   <a:srgbClr val="000000"/>
                 </a:solidFill>
@@ -24787,7 +24736,7 @@
           <p:cNvPr id="2" name="标题 1">
             <a:extLst>
               <a:ext uri="{FF2B5EF4-FFF2-40B4-BE49-F238E27FC236}">
-                <a16:creationId xmlns:a16="http://schemas.microsoft.com/office/drawing/2014/main" xmlns="" id="{C02436D1-70D4-4430-AC58-3D56BFE150F9}"/>
+                <a16:creationId xmlns:a16="http://schemas.microsoft.com/office/drawing/2014/main" id="{C02436D1-70D4-4430-AC58-3D56BFE150F9}"/>
               </a:ext>
             </a:extLst>
           </p:cNvPr>
@@ -25195,7 +25144,7 @@
           <p:nvPr>
             <p:extLst>
               <p:ext uri="{386F3935-93C4-4BCD-93E2-E3B085C9AB24}">
-                <p16:designElem xmlns:p16="http://schemas.microsoft.com/office/powerpoint/2015/main" xmlns="" val="1"/>
+                <p16:designElem xmlns:p16="http://schemas.microsoft.com/office/powerpoint/2015/main" val="1"/>
               </p:ext>
             </p:extLst>
           </p:nvPr>
@@ -25222,7 +25171,7 @@
           <p:cNvPr id="11" name="Freeform 6">
             <a:extLst>
               <a:ext uri="{FF2B5EF4-FFF2-40B4-BE49-F238E27FC236}">
-                <a16:creationId xmlns:a16="http://schemas.microsoft.com/office/drawing/2014/main" xmlns="" id="{8EE457FF-670E-4EC1-ACD4-1173DA9A7975}"/>
+                <a16:creationId xmlns:a16="http://schemas.microsoft.com/office/drawing/2014/main" id="{8EE457FF-670E-4EC1-ACD4-1173DA9A7975}"/>
               </a:ext>
             </a:extLst>
           </p:cNvPr>
@@ -25232,7 +25181,7 @@
           <p:nvPr>
             <p:extLst>
               <p:ext uri="{386F3935-93C4-4BCD-93E2-E3B085C9AB24}">
-                <p16:designElem xmlns:p16="http://schemas.microsoft.com/office/powerpoint/2015/main" xmlns="" val="1"/>
+                <p16:designElem xmlns:p16="http://schemas.microsoft.com/office/powerpoint/2015/main" val="1"/>
               </p:ext>
             </p:extLst>
           </p:nvPr>
@@ -25308,7 +25257,7 @@
           <a:ln/>
           <a:extLst>
             <a:ext uri="{91240B29-F687-4f45-9708-019B960494DF}">
-              <a14:hiddenLine xmlns:a14="http://schemas.microsoft.com/office/drawing/2010/main" xmlns="" w="9525">
+              <a14:hiddenLine xmlns="" xmlns:a14="http://schemas.microsoft.com/office/drawing/2010/main" w="9525">
                 <a:solidFill>
                   <a:srgbClr val="000000"/>
                 </a:solidFill>
@@ -25339,7 +25288,7 @@
           <p:cNvPr id="13" name="Rectangle 12">
             <a:extLst>
               <a:ext uri="{FF2B5EF4-FFF2-40B4-BE49-F238E27FC236}">
-                <a16:creationId xmlns:a16="http://schemas.microsoft.com/office/drawing/2014/main" xmlns="" id="{089A69AF-D57B-49B4-886C-D4A5DC194421}"/>
+                <a16:creationId xmlns:a16="http://schemas.microsoft.com/office/drawing/2014/main" id="{089A69AF-D57B-49B4-886C-D4A5DC194421}"/>
               </a:ext>
             </a:extLst>
           </p:cNvPr>
@@ -25349,7 +25298,7 @@
           <p:nvPr>
             <p:extLst>
               <p:ext uri="{386F3935-93C4-4BCD-93E2-E3B085C9AB24}">
-                <p16:designElem xmlns:p16="http://schemas.microsoft.com/office/powerpoint/2015/main" xmlns="" val="1"/>
+                <p16:designElem xmlns:p16="http://schemas.microsoft.com/office/powerpoint/2015/main" val="1"/>
               </p:ext>
             </p:extLst>
           </p:nvPr>
@@ -25396,7 +25345,7 @@
           <p:cNvPr id="15" name="Freeform: Shape 14">
             <a:extLst>
               <a:ext uri="{FF2B5EF4-FFF2-40B4-BE49-F238E27FC236}">
-                <a16:creationId xmlns:a16="http://schemas.microsoft.com/office/drawing/2014/main" xmlns="" id="{CABDC08D-6093-4397-92D4-54D00E2BB1C2}"/>
+                <a16:creationId xmlns:a16="http://schemas.microsoft.com/office/drawing/2014/main" id="{CABDC08D-6093-4397-92D4-54D00E2BB1C2}"/>
               </a:ext>
             </a:extLst>
           </p:cNvPr>
@@ -25406,7 +25355,7 @@
           <p:nvPr>
             <p:extLst>
               <p:ext uri="{386F3935-93C4-4BCD-93E2-E3B085C9AB24}">
-                <p16:designElem xmlns:p16="http://schemas.microsoft.com/office/powerpoint/2015/main" xmlns="" val="1"/>
+                <p16:designElem xmlns:p16="http://schemas.microsoft.com/office/powerpoint/2015/main" val="1"/>
               </p:ext>
             </p:extLst>
           </p:nvPr>
@@ -25601,7 +25550,7 @@
           <a:effectLst/>
           <a:extLst>
             <a:ext uri="{91240B29-F687-4f45-9708-019B960494DF}">
-              <a14:hiddenLine xmlns:a14="http://schemas.microsoft.com/office/drawing/2010/main" xmlns:p14="http://schemas.microsoft.com/office/powerpoint/2010/main" xmlns:a16="http://schemas.microsoft.com/office/drawing/2014/main" xmlns="" w="9525">
+              <a14:hiddenLine xmlns="" xmlns:a16="http://schemas.microsoft.com/office/drawing/2014/main" xmlns:p14="http://schemas.microsoft.com/office/powerpoint/2010/main" xmlns:a14="http://schemas.microsoft.com/office/drawing/2010/main" w="9525">
                 <a:solidFill>
                   <a:srgbClr val="000000"/>
                 </a:solidFill>
@@ -25632,7 +25581,7 @@
           <p:cNvPr id="2" name="标题 1">
             <a:extLst>
               <a:ext uri="{FF2B5EF4-FFF2-40B4-BE49-F238E27FC236}">
-                <a16:creationId xmlns:a16="http://schemas.microsoft.com/office/drawing/2014/main" xmlns="" id="{E96509DE-3F06-43CD-A0BC-6D0825469805}"/>
+                <a16:creationId xmlns:a16="http://schemas.microsoft.com/office/drawing/2014/main" id="{E96509DE-3F06-43CD-A0BC-6D0825469805}"/>
               </a:ext>
             </a:extLst>
           </p:cNvPr>
@@ -26134,7 +26083,7 @@
           <p:cNvPr id="2" name="标题 1">
             <a:extLst>
               <a:ext uri="{FF2B5EF4-FFF2-40B4-BE49-F238E27FC236}">
-                <a16:creationId xmlns:a16="http://schemas.microsoft.com/office/drawing/2014/main" xmlns="" id="{029433F6-C7F9-4690-9C8A-51E513DA7BE9}"/>
+                <a16:creationId xmlns:a16="http://schemas.microsoft.com/office/drawing/2014/main" id="{029433F6-C7F9-4690-9C8A-51E513DA7BE9}"/>
               </a:ext>
             </a:extLst>
           </p:cNvPr>
@@ -26156,6 +26105,704 @@
           <a:lstStyle/>
           <a:p>
             <a:r>
+              <a:rPr lang="en-US" altLang="zh-CN" b="0" dirty="0" smtClean="0"/>
+              <a:t>UML 2.0</a:t>
+            </a:r>
+            <a:endParaRPr lang="zh-CN" altLang="en-US" b="0" dirty="0"/>
+          </a:p>
+        </p:txBody>
+      </p:sp>
+      <p:sp>
+        <p:nvSpPr>
+          <p:cNvPr id="5" name="内容占位符 2">
+            <a:extLst>
+              <a:ext uri="{FF2B5EF4-FFF2-40B4-BE49-F238E27FC236}">
+                <a16:creationId xmlns:a16="http://schemas.microsoft.com/office/drawing/2014/main" id="{095AF313-D740-4308-BC08-BFF7F6AE6620}"/>
+              </a:ext>
+            </a:extLst>
+          </p:cNvPr>
+          <p:cNvSpPr txBox="1">
+            <a:spLocks/>
+          </p:cNvSpPr>
+          <p:nvPr/>
+        </p:nvSpPr>
+        <p:spPr>
+          <a:xfrm>
+            <a:off x="818712" y="2222287"/>
+            <a:ext cx="10554574" cy="3172673"/>
+          </a:xfrm>
+          <a:prstGeom prst="rect">
+            <a:avLst/>
+          </a:prstGeom>
+        </p:spPr>
+        <p:txBody>
+          <a:bodyPr>
+            <a:normAutofit lnSpcReduction="10000"/>
+          </a:bodyPr>
+          <a:lstStyle>
+            <a:lvl1pPr marL="342900" indent="-342900" algn="l" defTabSz="457200" rtl="0" eaLnBrk="1" latinLnBrk="0" hangingPunct="1">
+              <a:spcBef>
+                <a:spcPct val="20000"/>
+              </a:spcBef>
+              <a:spcAft>
+                <a:spcPts val="600"/>
+              </a:spcAft>
+              <a:buClr>
+                <a:schemeClr val="accent1"/>
+              </a:buClr>
+              <a:buFont typeface="Wingdings 2" charset="2"/>
+              <a:buChar char=""/>
+              <a:defRPr sz="1800" kern="1200">
+                <a:solidFill>
+                  <a:schemeClr val="tx1"/>
+                </a:solidFill>
+                <a:latin typeface="+mn-lt"/>
+                <a:ea typeface="+mn-ea"/>
+                <a:cs typeface="+mn-cs"/>
+              </a:defRPr>
+            </a:lvl1pPr>
+            <a:lvl2pPr marL="742950" indent="-285750" algn="l" defTabSz="457200" rtl="0" eaLnBrk="1" latinLnBrk="0" hangingPunct="1">
+              <a:spcBef>
+                <a:spcPct val="20000"/>
+              </a:spcBef>
+              <a:spcAft>
+                <a:spcPts val="600"/>
+              </a:spcAft>
+              <a:buClr>
+                <a:schemeClr val="accent1"/>
+              </a:buClr>
+              <a:buFont typeface="Wingdings 2" charset="2"/>
+              <a:buChar char=""/>
+              <a:defRPr sz="1600" kern="1200">
+                <a:solidFill>
+                  <a:schemeClr val="tx1"/>
+                </a:solidFill>
+                <a:latin typeface="+mn-lt"/>
+                <a:ea typeface="+mn-ea"/>
+                <a:cs typeface="+mn-cs"/>
+              </a:defRPr>
+            </a:lvl2pPr>
+            <a:lvl3pPr marL="1143000" indent="-228600" algn="l" defTabSz="457200" rtl="0" eaLnBrk="1" latinLnBrk="0" hangingPunct="1">
+              <a:spcBef>
+                <a:spcPct val="20000"/>
+              </a:spcBef>
+              <a:spcAft>
+                <a:spcPts val="600"/>
+              </a:spcAft>
+              <a:buClr>
+                <a:schemeClr val="accent1"/>
+              </a:buClr>
+              <a:buFont typeface="Wingdings 2" charset="2"/>
+              <a:buChar char=""/>
+              <a:defRPr sz="1400" kern="1200">
+                <a:solidFill>
+                  <a:schemeClr val="tx1"/>
+                </a:solidFill>
+                <a:latin typeface="+mn-lt"/>
+                <a:ea typeface="+mn-ea"/>
+                <a:cs typeface="+mn-cs"/>
+              </a:defRPr>
+            </a:lvl3pPr>
+            <a:lvl4pPr marL="1600200" indent="-228600" algn="l" defTabSz="457200" rtl="0" eaLnBrk="1" latinLnBrk="0" hangingPunct="1">
+              <a:spcBef>
+                <a:spcPct val="20000"/>
+              </a:spcBef>
+              <a:spcAft>
+                <a:spcPts val="600"/>
+              </a:spcAft>
+              <a:buClr>
+                <a:schemeClr val="accent1"/>
+              </a:buClr>
+              <a:buFont typeface="Wingdings 2" charset="2"/>
+              <a:buChar char=""/>
+              <a:defRPr sz="1200" kern="1200">
+                <a:solidFill>
+                  <a:schemeClr val="tx1"/>
+                </a:solidFill>
+                <a:latin typeface="+mn-lt"/>
+                <a:ea typeface="+mn-ea"/>
+                <a:cs typeface="+mn-cs"/>
+              </a:defRPr>
+            </a:lvl4pPr>
+            <a:lvl5pPr marL="2057400" indent="-228600" algn="l" defTabSz="457200" rtl="0" eaLnBrk="1" latinLnBrk="0" hangingPunct="1">
+              <a:spcBef>
+                <a:spcPct val="20000"/>
+              </a:spcBef>
+              <a:spcAft>
+                <a:spcPts val="600"/>
+              </a:spcAft>
+              <a:buClr>
+                <a:schemeClr val="accent1"/>
+              </a:buClr>
+              <a:buFont typeface="Wingdings 2" charset="2"/>
+              <a:buChar char=""/>
+              <a:defRPr sz="1200" kern="1200">
+                <a:solidFill>
+                  <a:schemeClr val="tx1"/>
+                </a:solidFill>
+                <a:latin typeface="+mn-lt"/>
+                <a:ea typeface="+mn-ea"/>
+                <a:cs typeface="+mn-cs"/>
+              </a:defRPr>
+            </a:lvl5pPr>
+            <a:lvl6pPr marL="2400000" indent="-228600" algn="l" defTabSz="457200" rtl="0" eaLnBrk="1" latinLnBrk="0" hangingPunct="1">
+              <a:spcBef>
+                <a:spcPct val="20000"/>
+              </a:spcBef>
+              <a:spcAft>
+                <a:spcPts val="600"/>
+              </a:spcAft>
+              <a:buClr>
+                <a:schemeClr val="accent1"/>
+              </a:buClr>
+              <a:buFont typeface="Wingdings 2" charset="2"/>
+              <a:buChar char=""/>
+              <a:defRPr sz="1200" kern="1200">
+                <a:solidFill>
+                  <a:schemeClr val="tx1"/>
+                </a:solidFill>
+                <a:latin typeface="+mn-lt"/>
+                <a:ea typeface="+mn-ea"/>
+                <a:cs typeface="+mn-cs"/>
+              </a:defRPr>
+            </a:lvl6pPr>
+            <a:lvl7pPr marL="2800000" indent="-228600" algn="l" defTabSz="457200" rtl="0" eaLnBrk="1" latinLnBrk="0" hangingPunct="1">
+              <a:spcBef>
+                <a:spcPct val="20000"/>
+              </a:spcBef>
+              <a:spcAft>
+                <a:spcPts val="600"/>
+              </a:spcAft>
+              <a:buClr>
+                <a:schemeClr val="accent1"/>
+              </a:buClr>
+              <a:buFont typeface="Wingdings 2" charset="2"/>
+              <a:buChar char=""/>
+              <a:defRPr sz="1200" kern="1200">
+                <a:solidFill>
+                  <a:schemeClr val="tx1"/>
+                </a:solidFill>
+                <a:latin typeface="+mn-lt"/>
+                <a:ea typeface="+mn-ea"/>
+                <a:cs typeface="+mn-cs"/>
+              </a:defRPr>
+            </a:lvl7pPr>
+            <a:lvl8pPr marL="3200000" indent="-228600" algn="l" defTabSz="457200" rtl="0" eaLnBrk="1" latinLnBrk="0" hangingPunct="1">
+              <a:spcBef>
+                <a:spcPct val="20000"/>
+              </a:spcBef>
+              <a:spcAft>
+                <a:spcPts val="600"/>
+              </a:spcAft>
+              <a:buClr>
+                <a:schemeClr val="accent1"/>
+              </a:buClr>
+              <a:buFont typeface="Wingdings 2" charset="2"/>
+              <a:buChar char=""/>
+              <a:defRPr sz="1200" kern="1200">
+                <a:solidFill>
+                  <a:schemeClr val="tx1"/>
+                </a:solidFill>
+                <a:latin typeface="+mn-lt"/>
+                <a:ea typeface="+mn-ea"/>
+                <a:cs typeface="+mn-cs"/>
+              </a:defRPr>
+            </a:lvl8pPr>
+            <a:lvl9pPr marL="3600000" indent="-228600" algn="l" defTabSz="457200" rtl="0" eaLnBrk="1" latinLnBrk="0" hangingPunct="1">
+              <a:spcBef>
+                <a:spcPct val="20000"/>
+              </a:spcBef>
+              <a:spcAft>
+                <a:spcPts val="600"/>
+              </a:spcAft>
+              <a:buClr>
+                <a:schemeClr val="accent1"/>
+              </a:buClr>
+              <a:buFont typeface="Wingdings 2" charset="2"/>
+              <a:buChar char=""/>
+              <a:defRPr sz="1200" kern="1200">
+                <a:solidFill>
+                  <a:schemeClr val="tx1"/>
+                </a:solidFill>
+                <a:latin typeface="+mn-lt"/>
+                <a:ea typeface="+mn-ea"/>
+                <a:cs typeface="+mn-cs"/>
+              </a:defRPr>
+            </a:lvl9pPr>
+          </a:lstStyle>
+          <a:p>
+            <a:r>
+              <a:rPr lang="en-US" altLang="zh-CN" sz="2800" dirty="0" smtClean="0"/>
+              <a:t>UML2.0</a:t>
+            </a:r>
+            <a:r>
+              <a:rPr lang="zh-CN" altLang="en-US" sz="2800" dirty="0" smtClean="0"/>
+              <a:t>不仅在用例图、顺序图、活动图和构件图上增加了新特性，还增加了</a:t>
+            </a:r>
+            <a:r>
+              <a:rPr lang="en-US" altLang="zh-CN" sz="2800" dirty="0" smtClean="0"/>
+              <a:t>4</a:t>
+            </a:r>
+            <a:r>
+              <a:rPr lang="zh-CN" altLang="en-US" sz="2800" dirty="0" smtClean="0"/>
+              <a:t>中新的</a:t>
+            </a:r>
+            <a:r>
+              <a:rPr lang="zh-CN" altLang="en-US" sz="2800" dirty="0" smtClean="0"/>
+              <a:t>图。</a:t>
+            </a:r>
+            <a:endParaRPr lang="en-US" altLang="zh-CN" sz="2800" dirty="0" smtClean="0"/>
+          </a:p>
+          <a:p>
+            <a:r>
+              <a:rPr lang="en-US" altLang="zh-CN" sz="2800" dirty="0" smtClean="0"/>
+              <a:t>1</a:t>
+            </a:r>
+            <a:r>
+              <a:rPr lang="zh-CN" altLang="en-US" sz="2800" dirty="0" smtClean="0"/>
+              <a:t>、包图：展现模型要素的基本组织单元。</a:t>
+            </a:r>
+            <a:endParaRPr lang="en-US" altLang="zh-CN" sz="2800" dirty="0" smtClean="0"/>
+          </a:p>
+          <a:p>
+            <a:r>
+              <a:rPr lang="en-US" altLang="zh-CN" sz="2800" dirty="0" smtClean="0"/>
+              <a:t>2</a:t>
+            </a:r>
+            <a:r>
+              <a:rPr lang="zh-CN" altLang="en-US" sz="2800" dirty="0" smtClean="0"/>
+              <a:t>、</a:t>
+            </a:r>
+            <a:r>
+              <a:rPr lang="zh-CN" altLang="en-US" sz="2800" dirty="0"/>
+              <a:t>组合</a:t>
+            </a:r>
+            <a:r>
+              <a:rPr lang="zh-CN" altLang="en-US" sz="2800" dirty="0" smtClean="0"/>
+              <a:t>结构图：描述系统中的某一部分的内部内容。</a:t>
+            </a:r>
+            <a:endParaRPr lang="en-US" altLang="zh-CN" sz="2800" dirty="0" smtClean="0"/>
+          </a:p>
+          <a:p>
+            <a:r>
+              <a:rPr lang="en-US" altLang="zh-CN" sz="2800" dirty="0" smtClean="0"/>
+              <a:t>3</a:t>
+            </a:r>
+            <a:r>
+              <a:rPr lang="zh-CN" altLang="en-US" sz="2800" dirty="0"/>
+              <a:t>、</a:t>
+            </a:r>
+            <a:r>
+              <a:rPr lang="zh-CN" altLang="en-US" sz="2800" dirty="0" smtClean="0"/>
+              <a:t>交互概览图：使用顺序图表示活动的务个步骤。</a:t>
+            </a:r>
+            <a:endParaRPr lang="en-US" altLang="zh-CN" sz="2800" dirty="0" smtClean="0"/>
+          </a:p>
+          <a:p>
+            <a:r>
+              <a:rPr lang="en-US" altLang="zh-CN" sz="2800" dirty="0" smtClean="0"/>
+              <a:t>4</a:t>
+            </a:r>
+            <a:r>
+              <a:rPr lang="zh-CN" altLang="en-US" sz="2800" dirty="0" smtClean="0"/>
+              <a:t>、时间图：显示消息和对象状态的准确时间限制。</a:t>
+            </a:r>
+            <a:endParaRPr lang="zh-CN" altLang="en-US" sz="2800" dirty="0"/>
+          </a:p>
+        </p:txBody>
+      </p:sp>
+    </p:spTree>
+    <p:extLst>
+      <p:ext uri="{BB962C8B-B14F-4D97-AF65-F5344CB8AC3E}">
+        <p14:creationId xmlns:p14="http://schemas.microsoft.com/office/powerpoint/2010/main" val="1124807419"/>
+      </p:ext>
+    </p:extLst>
+  </p:cSld>
+  <p:clrMapOvr>
+    <a:masterClrMapping/>
+  </p:clrMapOvr>
+  <p:timing>
+    <p:tnLst>
+      <p:par>
+        <p:cTn id="1" dur="indefinite" restart="never" nodeType="tmRoot">
+          <p:childTnLst>
+            <p:seq concurrent="1" nextAc="seek">
+              <p:cTn id="2" dur="indefinite" nodeType="mainSeq">
+                <p:childTnLst>
+                  <p:par>
+                    <p:cTn id="3" fill="hold">
+                      <p:stCondLst>
+                        <p:cond delay="indefinite"/>
+                      </p:stCondLst>
+                      <p:childTnLst>
+                        <p:par>
+                          <p:cTn id="4" fill="hold">
+                            <p:stCondLst>
+                              <p:cond delay="0"/>
+                            </p:stCondLst>
+                            <p:childTnLst>
+                              <p:par>
+                                <p:cTn id="5" presetID="14" presetClass="entr" presetSubtype="10" fill="hold" nodeType="clickEffect">
+                                  <p:stCondLst>
+                                    <p:cond delay="0"/>
+                                  </p:stCondLst>
+                                  <p:childTnLst>
+                                    <p:set>
+                                      <p:cBhvr>
+                                        <p:cTn id="6" dur="1" fill="hold">
+                                          <p:stCondLst>
+                                            <p:cond delay="0"/>
+                                          </p:stCondLst>
+                                        </p:cTn>
+                                        <p:tgtEl>
+                                          <p:spTgt spid="5">
+                                            <p:txEl>
+                                              <p:pRg st="0" end="0"/>
+                                            </p:txEl>
+                                          </p:spTgt>
+                                        </p:tgtEl>
+                                        <p:attrNameLst>
+                                          <p:attrName>style.visibility</p:attrName>
+                                        </p:attrNameLst>
+                                      </p:cBhvr>
+                                      <p:to>
+                                        <p:strVal val="visible"/>
+                                      </p:to>
+                                    </p:set>
+                                    <p:animEffect transition="in" filter="randombar(horizontal)">
+                                      <p:cBhvr>
+                                        <p:cTn id="7" dur="500"/>
+                                        <p:tgtEl>
+                                          <p:spTgt spid="5">
+                                            <p:txEl>
+                                              <p:pRg st="0" end="0"/>
+                                            </p:txEl>
+                                          </p:spTgt>
+                                        </p:tgtEl>
+                                      </p:cBhvr>
+                                    </p:animEffect>
+                                  </p:childTnLst>
+                                </p:cTn>
+                              </p:par>
+                            </p:childTnLst>
+                          </p:cTn>
+                        </p:par>
+                      </p:childTnLst>
+                    </p:cTn>
+                  </p:par>
+                  <p:par>
+                    <p:cTn id="8" fill="hold">
+                      <p:stCondLst>
+                        <p:cond delay="indefinite"/>
+                      </p:stCondLst>
+                      <p:childTnLst>
+                        <p:par>
+                          <p:cTn id="9" fill="hold">
+                            <p:stCondLst>
+                              <p:cond delay="0"/>
+                            </p:stCondLst>
+                            <p:childTnLst>
+                              <p:par>
+                                <p:cTn id="10" presetID="14" presetClass="entr" presetSubtype="10" fill="hold" nodeType="clickEffect">
+                                  <p:stCondLst>
+                                    <p:cond delay="0"/>
+                                  </p:stCondLst>
+                                  <p:childTnLst>
+                                    <p:set>
+                                      <p:cBhvr>
+                                        <p:cTn id="11" dur="1" fill="hold">
+                                          <p:stCondLst>
+                                            <p:cond delay="0"/>
+                                          </p:stCondLst>
+                                        </p:cTn>
+                                        <p:tgtEl>
+                                          <p:spTgt spid="5">
+                                            <p:txEl>
+                                              <p:pRg st="1" end="1"/>
+                                            </p:txEl>
+                                          </p:spTgt>
+                                        </p:tgtEl>
+                                        <p:attrNameLst>
+                                          <p:attrName>style.visibility</p:attrName>
+                                        </p:attrNameLst>
+                                      </p:cBhvr>
+                                      <p:to>
+                                        <p:strVal val="visible"/>
+                                      </p:to>
+                                    </p:set>
+                                    <p:animEffect transition="in" filter="randombar(horizontal)">
+                                      <p:cBhvr>
+                                        <p:cTn id="12" dur="500"/>
+                                        <p:tgtEl>
+                                          <p:spTgt spid="5">
+                                            <p:txEl>
+                                              <p:pRg st="1" end="1"/>
+                                            </p:txEl>
+                                          </p:spTgt>
+                                        </p:tgtEl>
+                                      </p:cBhvr>
+                                    </p:animEffect>
+                                  </p:childTnLst>
+                                </p:cTn>
+                              </p:par>
+                            </p:childTnLst>
+                          </p:cTn>
+                        </p:par>
+                      </p:childTnLst>
+                    </p:cTn>
+                  </p:par>
+                  <p:par>
+                    <p:cTn id="13" fill="hold">
+                      <p:stCondLst>
+                        <p:cond delay="indefinite"/>
+                      </p:stCondLst>
+                      <p:childTnLst>
+                        <p:par>
+                          <p:cTn id="14" fill="hold">
+                            <p:stCondLst>
+                              <p:cond delay="0"/>
+                            </p:stCondLst>
+                            <p:childTnLst>
+                              <p:par>
+                                <p:cTn id="15" presetID="14" presetClass="entr" presetSubtype="10" fill="hold" nodeType="clickEffect">
+                                  <p:stCondLst>
+                                    <p:cond delay="0"/>
+                                  </p:stCondLst>
+                                  <p:childTnLst>
+                                    <p:set>
+                                      <p:cBhvr>
+                                        <p:cTn id="16" dur="1" fill="hold">
+                                          <p:stCondLst>
+                                            <p:cond delay="0"/>
+                                          </p:stCondLst>
+                                        </p:cTn>
+                                        <p:tgtEl>
+                                          <p:spTgt spid="5">
+                                            <p:txEl>
+                                              <p:pRg st="2" end="2"/>
+                                            </p:txEl>
+                                          </p:spTgt>
+                                        </p:tgtEl>
+                                        <p:attrNameLst>
+                                          <p:attrName>style.visibility</p:attrName>
+                                        </p:attrNameLst>
+                                      </p:cBhvr>
+                                      <p:to>
+                                        <p:strVal val="visible"/>
+                                      </p:to>
+                                    </p:set>
+                                    <p:animEffect transition="in" filter="randombar(horizontal)">
+                                      <p:cBhvr>
+                                        <p:cTn id="17" dur="500"/>
+                                        <p:tgtEl>
+                                          <p:spTgt spid="5">
+                                            <p:txEl>
+                                              <p:pRg st="2" end="2"/>
+                                            </p:txEl>
+                                          </p:spTgt>
+                                        </p:tgtEl>
+                                      </p:cBhvr>
+                                    </p:animEffect>
+                                  </p:childTnLst>
+                                </p:cTn>
+                              </p:par>
+                            </p:childTnLst>
+                          </p:cTn>
+                        </p:par>
+                      </p:childTnLst>
+                    </p:cTn>
+                  </p:par>
+                  <p:par>
+                    <p:cTn id="18" fill="hold">
+                      <p:stCondLst>
+                        <p:cond delay="indefinite"/>
+                      </p:stCondLst>
+                      <p:childTnLst>
+                        <p:par>
+                          <p:cTn id="19" fill="hold">
+                            <p:stCondLst>
+                              <p:cond delay="0"/>
+                            </p:stCondLst>
+                            <p:childTnLst>
+                              <p:par>
+                                <p:cTn id="20" presetID="14" presetClass="entr" presetSubtype="10" fill="hold" nodeType="clickEffect">
+                                  <p:stCondLst>
+                                    <p:cond delay="0"/>
+                                  </p:stCondLst>
+                                  <p:childTnLst>
+                                    <p:set>
+                                      <p:cBhvr>
+                                        <p:cTn id="21" dur="1" fill="hold">
+                                          <p:stCondLst>
+                                            <p:cond delay="0"/>
+                                          </p:stCondLst>
+                                        </p:cTn>
+                                        <p:tgtEl>
+                                          <p:spTgt spid="5">
+                                            <p:txEl>
+                                              <p:pRg st="3" end="3"/>
+                                            </p:txEl>
+                                          </p:spTgt>
+                                        </p:tgtEl>
+                                        <p:attrNameLst>
+                                          <p:attrName>style.visibility</p:attrName>
+                                        </p:attrNameLst>
+                                      </p:cBhvr>
+                                      <p:to>
+                                        <p:strVal val="visible"/>
+                                      </p:to>
+                                    </p:set>
+                                    <p:animEffect transition="in" filter="randombar(horizontal)">
+                                      <p:cBhvr>
+                                        <p:cTn id="22" dur="500"/>
+                                        <p:tgtEl>
+                                          <p:spTgt spid="5">
+                                            <p:txEl>
+                                              <p:pRg st="3" end="3"/>
+                                            </p:txEl>
+                                          </p:spTgt>
+                                        </p:tgtEl>
+                                      </p:cBhvr>
+                                    </p:animEffect>
+                                  </p:childTnLst>
+                                </p:cTn>
+                              </p:par>
+                            </p:childTnLst>
+                          </p:cTn>
+                        </p:par>
+                      </p:childTnLst>
+                    </p:cTn>
+                  </p:par>
+                  <p:par>
+                    <p:cTn id="23" fill="hold">
+                      <p:stCondLst>
+                        <p:cond delay="indefinite"/>
+                      </p:stCondLst>
+                      <p:childTnLst>
+                        <p:par>
+                          <p:cTn id="24" fill="hold">
+                            <p:stCondLst>
+                              <p:cond delay="0"/>
+                            </p:stCondLst>
+                            <p:childTnLst>
+                              <p:par>
+                                <p:cTn id="25" presetID="14" presetClass="entr" presetSubtype="10" fill="hold" nodeType="clickEffect">
+                                  <p:stCondLst>
+                                    <p:cond delay="0"/>
+                                  </p:stCondLst>
+                                  <p:childTnLst>
+                                    <p:set>
+                                      <p:cBhvr>
+                                        <p:cTn id="26" dur="1" fill="hold">
+                                          <p:stCondLst>
+                                            <p:cond delay="0"/>
+                                          </p:stCondLst>
+                                        </p:cTn>
+                                        <p:tgtEl>
+                                          <p:spTgt spid="5">
+                                            <p:txEl>
+                                              <p:pRg st="4" end="4"/>
+                                            </p:txEl>
+                                          </p:spTgt>
+                                        </p:tgtEl>
+                                        <p:attrNameLst>
+                                          <p:attrName>style.visibility</p:attrName>
+                                        </p:attrNameLst>
+                                      </p:cBhvr>
+                                      <p:to>
+                                        <p:strVal val="visible"/>
+                                      </p:to>
+                                    </p:set>
+                                    <p:animEffect transition="in" filter="randombar(horizontal)">
+                                      <p:cBhvr>
+                                        <p:cTn id="27" dur="500"/>
+                                        <p:tgtEl>
+                                          <p:spTgt spid="5">
+                                            <p:txEl>
+                                              <p:pRg st="4" end="4"/>
+                                            </p:txEl>
+                                          </p:spTgt>
+                                        </p:tgtEl>
+                                      </p:cBhvr>
+                                    </p:animEffect>
+                                  </p:childTnLst>
+                                </p:cTn>
+                              </p:par>
+                            </p:childTnLst>
+                          </p:cTn>
+                        </p:par>
+                      </p:childTnLst>
+                    </p:cTn>
+                  </p:par>
+                </p:childTnLst>
+              </p:cTn>
+              <p:prevCondLst>
+                <p:cond evt="onPrev" delay="0">
+                  <p:tgtEl>
+                    <p:sldTgt/>
+                  </p:tgtEl>
+                </p:cond>
+              </p:prevCondLst>
+              <p:nextCondLst>
+                <p:cond evt="onNext" delay="0">
+                  <p:tgtEl>
+                    <p:sldTgt/>
+                  </p:tgtEl>
+                </p:cond>
+              </p:nextCondLst>
+            </p:seq>
+          </p:childTnLst>
+        </p:cTn>
+      </p:par>
+    </p:tnLst>
+  </p:timing>
+</p:sld>
+</file>
+
+<file path=ppt/slides/slide26.xml><?xml version="1.0" encoding="utf-8"?>
+<p:sld xmlns:a="http://schemas.openxmlformats.org/drawingml/2006/main" xmlns:r="http://schemas.openxmlformats.org/officeDocument/2006/relationships" xmlns:p="http://schemas.openxmlformats.org/presentationml/2006/main">
+  <p:cSld>
+    <p:spTree>
+      <p:nvGrpSpPr>
+        <p:cNvPr id="1" name=""/>
+        <p:cNvGrpSpPr/>
+        <p:nvPr/>
+      </p:nvGrpSpPr>
+      <p:grpSpPr>
+        <a:xfrm>
+          <a:off x="0" y="0"/>
+          <a:ext cx="0" cy="0"/>
+          <a:chOff x="0" y="0"/>
+          <a:chExt cx="0" cy="0"/>
+        </a:xfrm>
+      </p:grpSpPr>
+      <p:sp>
+        <p:nvSpPr>
+          <p:cNvPr id="2" name="标题 1">
+            <a:extLst>
+              <a:ext uri="{FF2B5EF4-FFF2-40B4-BE49-F238E27FC236}">
+                <a16:creationId xmlns:a16="http://schemas.microsoft.com/office/drawing/2014/main" id="{029433F6-C7F9-4690-9C8A-51E513DA7BE9}"/>
+              </a:ext>
+            </a:extLst>
+          </p:cNvPr>
+          <p:cNvSpPr>
+            <a:spLocks noGrp="1"/>
+          </p:cNvSpPr>
+          <p:nvPr>
+            <p:ph type="title"/>
+          </p:nvPr>
+        </p:nvSpPr>
+        <p:spPr>
+          <a:xfrm>
+            <a:off x="4584966" y="362111"/>
+            <a:ext cx="10571998" cy="970450"/>
+          </a:xfrm>
+        </p:spPr>
+        <p:txBody>
+          <a:bodyPr/>
+          <a:lstStyle/>
+          <a:p>
+            <a:r>
               <a:rPr lang="zh-CN" altLang="en-US" dirty="0"/>
               <a:t>参考资料</a:t>
             </a:r>
@@ -26168,7 +26815,7 @@
             <a:hlinkClick r:id="rId2"/>
             <a:extLst>
               <a:ext uri="{FF2B5EF4-FFF2-40B4-BE49-F238E27FC236}">
-                <a16:creationId xmlns:a16="http://schemas.microsoft.com/office/drawing/2014/main" xmlns="" id="{220C1E04-0FAA-4810-9EB8-4FB5668628C3}"/>
+                <a16:creationId xmlns:a16="http://schemas.microsoft.com/office/drawing/2014/main" id="{220C1E04-0FAA-4810-9EB8-4FB5668628C3}"/>
               </a:ext>
             </a:extLst>
           </p:cNvPr>
@@ -26480,223 +27127,6 @@
 </p:sld>
 </file>
 
-<file path=ppt/slides/slide26.xml><?xml version="1.0" encoding="utf-8"?>
-<p:sld xmlns:a="http://schemas.openxmlformats.org/drawingml/2006/main" xmlns:r="http://schemas.openxmlformats.org/officeDocument/2006/relationships" xmlns:p="http://schemas.openxmlformats.org/presentationml/2006/main">
-  <p:cSld>
-    <p:spTree>
-      <p:nvGrpSpPr>
-        <p:cNvPr id="1" name=""/>
-        <p:cNvGrpSpPr/>
-        <p:nvPr/>
-      </p:nvGrpSpPr>
-      <p:grpSpPr>
-        <a:xfrm>
-          <a:off x="0" y="0"/>
-          <a:ext cx="0" cy="0"/>
-          <a:chOff x="0" y="0"/>
-          <a:chExt cx="0" cy="0"/>
-        </a:xfrm>
-      </p:grpSpPr>
-      <p:sp>
-        <p:nvSpPr>
-          <p:cNvPr id="2" name="标题 1">
-            <a:extLst>
-              <a:ext uri="{FF2B5EF4-FFF2-40B4-BE49-F238E27FC236}">
-                <a16:creationId xmlns:a16="http://schemas.microsoft.com/office/drawing/2014/main" xmlns="" id="{03F261DD-73E4-4180-97FD-1EE25B466BF2}"/>
-              </a:ext>
-            </a:extLst>
-          </p:cNvPr>
-          <p:cNvSpPr>
-            <a:spLocks noGrp="1"/>
-          </p:cNvSpPr>
-          <p:nvPr>
-            <p:ph type="title"/>
-          </p:nvPr>
-        </p:nvSpPr>
-        <p:spPr>
-          <a:xfrm>
-            <a:off x="2379417" y="270826"/>
-            <a:ext cx="10571998" cy="970450"/>
-          </a:xfrm>
-        </p:spPr>
-        <p:txBody>
-          <a:bodyPr/>
-          <a:lstStyle/>
-          <a:p>
-            <a:r>
-              <a:rPr lang="zh-CN" altLang="en-US" dirty="0"/>
-              <a:t>小组成员分工与评价</a:t>
-            </a:r>
-            <a:r>
-              <a:rPr lang="en-US" altLang="zh-CN" dirty="0"/>
-              <a:t>(</a:t>
-            </a:r>
-            <a:r>
-              <a:rPr lang="zh-CN" altLang="en-US" dirty="0"/>
-              <a:t>总分</a:t>
-            </a:r>
-            <a:r>
-              <a:rPr lang="en-US" altLang="zh-CN" dirty="0"/>
-              <a:t>5</a:t>
-            </a:r>
-            <a:r>
-              <a:rPr lang="zh-CN" altLang="en-US" dirty="0"/>
-              <a:t>分）</a:t>
-            </a:r>
-          </a:p>
-        </p:txBody>
-      </p:sp>
-      <p:sp>
-        <p:nvSpPr>
-          <p:cNvPr id="3" name="内容占位符 2">
-            <a:extLst>
-              <a:ext uri="{FF2B5EF4-FFF2-40B4-BE49-F238E27FC236}">
-                <a16:creationId xmlns:a16="http://schemas.microsoft.com/office/drawing/2014/main" xmlns="" id="{2C3B77C6-9D77-4837-923D-3F06EBDDE5C8}"/>
-              </a:ext>
-            </a:extLst>
-          </p:cNvPr>
-          <p:cNvSpPr>
-            <a:spLocks noGrp="1"/>
-          </p:cNvSpPr>
-          <p:nvPr>
-            <p:ph sz="half" idx="1"/>
-          </p:nvPr>
-        </p:nvSpPr>
-        <p:spPr>
-          <a:xfrm>
-            <a:off x="1480863" y="2527087"/>
-            <a:ext cx="8787743" cy="3638763"/>
-          </a:xfrm>
-        </p:spPr>
-        <p:txBody>
-          <a:bodyPr>
-            <a:normAutofit/>
-          </a:bodyPr>
-          <a:lstStyle/>
-          <a:p>
-            <a:r>
-              <a:rPr lang="zh-CN" altLang="en-US" sz="2800" dirty="0"/>
-              <a:t>黄栋材搜集资料</a:t>
-            </a:r>
-            <a:r>
-              <a:rPr lang="en-US" altLang="zh-CN" sz="2800" dirty="0"/>
-              <a:t>——3</a:t>
-            </a:r>
-            <a:r>
-              <a:rPr lang="zh-CN" altLang="en-US" sz="2800" dirty="0"/>
-              <a:t>分</a:t>
-            </a:r>
-            <a:endParaRPr lang="en-US" altLang="zh-CN" sz="2800" dirty="0"/>
-          </a:p>
-          <a:p>
-            <a:r>
-              <a:rPr lang="zh-CN" altLang="en-US" sz="2800" dirty="0"/>
-              <a:t>冯涛部分</a:t>
-            </a:r>
-            <a:r>
-              <a:rPr lang="en-US" altLang="zh-CN" sz="2800" dirty="0"/>
-              <a:t>PPT</a:t>
-            </a:r>
-            <a:r>
-              <a:rPr lang="zh-CN" altLang="en-US" sz="2800" dirty="0"/>
-              <a:t>制作</a:t>
-            </a:r>
-            <a:r>
-              <a:rPr lang="en-US" altLang="zh-CN" sz="2800" dirty="0"/>
-              <a:t>——2</a:t>
-            </a:r>
-            <a:r>
-              <a:rPr lang="zh-CN" altLang="en-US" sz="2800" dirty="0"/>
-              <a:t>分</a:t>
-            </a:r>
-            <a:endParaRPr lang="en-US" altLang="zh-CN" sz="2800" dirty="0"/>
-          </a:p>
-          <a:p>
-            <a:r>
-              <a:rPr lang="zh-CN" altLang="en-US" sz="2800" dirty="0"/>
-              <a:t>徐鹏部分</a:t>
-            </a:r>
-            <a:r>
-              <a:rPr lang="en-US" altLang="zh-CN" sz="2800" dirty="0"/>
-              <a:t>PPT</a:t>
-            </a:r>
-            <a:r>
-              <a:rPr lang="zh-CN" altLang="en-US" sz="2800" dirty="0"/>
-              <a:t>制作</a:t>
-            </a:r>
-            <a:r>
-              <a:rPr lang="en-US" altLang="zh-CN" sz="2800" dirty="0"/>
-              <a:t>——2</a:t>
-            </a:r>
-            <a:r>
-              <a:rPr lang="zh-CN" altLang="en-US" sz="2800" dirty="0"/>
-              <a:t>分</a:t>
-            </a:r>
-            <a:endParaRPr lang="en-US" altLang="zh-CN" sz="2800" dirty="0"/>
-          </a:p>
-          <a:p>
-            <a:r>
-              <a:rPr lang="zh-CN" altLang="en-US" sz="2800" dirty="0"/>
-              <a:t>陈泓见（负责人）部分制作</a:t>
-            </a:r>
-            <a:r>
-              <a:rPr lang="en-US" altLang="zh-CN" sz="2800" dirty="0"/>
-              <a:t>PPT+</a:t>
-            </a:r>
-            <a:r>
-              <a:rPr lang="zh-CN" altLang="en-US" sz="2800" dirty="0"/>
-              <a:t>整合</a:t>
-            </a:r>
-            <a:r>
-              <a:rPr lang="en-US" altLang="zh-CN" sz="2800" dirty="0"/>
-              <a:t>PPT——4</a:t>
-            </a:r>
-            <a:r>
-              <a:rPr lang="zh-CN" altLang="en-US" sz="2800" dirty="0"/>
-              <a:t>分</a:t>
-            </a:r>
-            <a:endParaRPr lang="en-US" altLang="zh-CN" sz="2800" dirty="0"/>
-          </a:p>
-          <a:p>
-            <a:r>
-              <a:rPr lang="zh-CN" altLang="en-US" sz="2800" dirty="0"/>
-              <a:t>童威男查验</a:t>
-            </a:r>
-            <a:r>
-              <a:rPr lang="en-US" altLang="zh-CN" sz="2800" dirty="0"/>
-              <a:t>PPT</a:t>
-            </a:r>
-            <a:r>
-              <a:rPr lang="zh-CN" altLang="en-US" sz="2800" dirty="0"/>
-              <a:t>和做最后的修改</a:t>
-            </a:r>
-            <a:r>
-              <a:rPr lang="en-US" altLang="zh-CN" sz="2800" dirty="0"/>
-              <a:t>——2</a:t>
-            </a:r>
-            <a:r>
-              <a:rPr lang="zh-CN" altLang="en-US" sz="2800" dirty="0"/>
-              <a:t>分</a:t>
-            </a:r>
-          </a:p>
-          <a:p>
-            <a:endParaRPr lang="zh-CN" altLang="en-US" sz="2800" dirty="0"/>
-          </a:p>
-        </p:txBody>
-      </p:sp>
-    </p:spTree>
-    <p:extLst>
-      <p:ext uri="{BB962C8B-B14F-4D97-AF65-F5344CB8AC3E}">
-        <p14:creationId xmlns:p14="http://schemas.microsoft.com/office/powerpoint/2010/main" val="3388837790"/>
-      </p:ext>
-    </p:extLst>
-  </p:cSld>
-  <p:clrMapOvr>
-    <a:masterClrMapping/>
-  </p:clrMapOvr>
-</p:sld>
-</file>
-
 <file path=ppt/slides/slide27.xml><?xml version="1.0" encoding="utf-8"?>
 <p:sld xmlns:a="http://schemas.openxmlformats.org/drawingml/2006/main" xmlns:r="http://schemas.openxmlformats.org/officeDocument/2006/relationships" xmlns:p="http://schemas.openxmlformats.org/presentationml/2006/main">
   <p:cSld>
@@ -26719,7 +27149,224 @@
           <p:cNvPr id="2" name="标题 1">
             <a:extLst>
               <a:ext uri="{FF2B5EF4-FFF2-40B4-BE49-F238E27FC236}">
-                <a16:creationId xmlns:a16="http://schemas.microsoft.com/office/drawing/2014/main" xmlns="" id="{8050F867-BC96-4BDE-8D9B-B611C1196787}"/>
+                <a16:creationId xmlns:a16="http://schemas.microsoft.com/office/drawing/2014/main" id="{03F261DD-73E4-4180-97FD-1EE25B466BF2}"/>
+              </a:ext>
+            </a:extLst>
+          </p:cNvPr>
+          <p:cNvSpPr>
+            <a:spLocks noGrp="1"/>
+          </p:cNvSpPr>
+          <p:nvPr>
+            <p:ph type="title"/>
+          </p:nvPr>
+        </p:nvSpPr>
+        <p:spPr>
+          <a:xfrm>
+            <a:off x="2379417" y="270826"/>
+            <a:ext cx="10571998" cy="970450"/>
+          </a:xfrm>
+        </p:spPr>
+        <p:txBody>
+          <a:bodyPr/>
+          <a:lstStyle/>
+          <a:p>
+            <a:r>
+              <a:rPr lang="zh-CN" altLang="en-US" dirty="0"/>
+              <a:t>小组成员分工与评价</a:t>
+            </a:r>
+            <a:r>
+              <a:rPr lang="en-US" altLang="zh-CN" dirty="0"/>
+              <a:t>(</a:t>
+            </a:r>
+            <a:r>
+              <a:rPr lang="zh-CN" altLang="en-US" dirty="0"/>
+              <a:t>总分</a:t>
+            </a:r>
+            <a:r>
+              <a:rPr lang="en-US" altLang="zh-CN" dirty="0"/>
+              <a:t>5</a:t>
+            </a:r>
+            <a:r>
+              <a:rPr lang="zh-CN" altLang="en-US" dirty="0"/>
+              <a:t>分）</a:t>
+            </a:r>
+          </a:p>
+        </p:txBody>
+      </p:sp>
+      <p:sp>
+        <p:nvSpPr>
+          <p:cNvPr id="3" name="内容占位符 2">
+            <a:extLst>
+              <a:ext uri="{FF2B5EF4-FFF2-40B4-BE49-F238E27FC236}">
+                <a16:creationId xmlns:a16="http://schemas.microsoft.com/office/drawing/2014/main" id="{2C3B77C6-9D77-4837-923D-3F06EBDDE5C8}"/>
+              </a:ext>
+            </a:extLst>
+          </p:cNvPr>
+          <p:cNvSpPr>
+            <a:spLocks noGrp="1"/>
+          </p:cNvSpPr>
+          <p:nvPr>
+            <p:ph sz="half" idx="1"/>
+          </p:nvPr>
+        </p:nvSpPr>
+        <p:spPr>
+          <a:xfrm>
+            <a:off x="1480863" y="2527087"/>
+            <a:ext cx="8787743" cy="3638763"/>
+          </a:xfrm>
+        </p:spPr>
+        <p:txBody>
+          <a:bodyPr>
+            <a:normAutofit/>
+          </a:bodyPr>
+          <a:lstStyle/>
+          <a:p>
+            <a:r>
+              <a:rPr lang="zh-CN" altLang="en-US" sz="2800" dirty="0"/>
+              <a:t>黄栋材搜集资料</a:t>
+            </a:r>
+            <a:r>
+              <a:rPr lang="en-US" altLang="zh-CN" sz="2800" dirty="0"/>
+              <a:t>——3</a:t>
+            </a:r>
+            <a:r>
+              <a:rPr lang="zh-CN" altLang="en-US" sz="2800" dirty="0"/>
+              <a:t>分</a:t>
+            </a:r>
+            <a:endParaRPr lang="en-US" altLang="zh-CN" sz="2800" dirty="0"/>
+          </a:p>
+          <a:p>
+            <a:r>
+              <a:rPr lang="zh-CN" altLang="en-US" sz="2800" dirty="0"/>
+              <a:t>冯涛部分</a:t>
+            </a:r>
+            <a:r>
+              <a:rPr lang="en-US" altLang="zh-CN" sz="2800" dirty="0"/>
+              <a:t>PPT</a:t>
+            </a:r>
+            <a:r>
+              <a:rPr lang="zh-CN" altLang="en-US" sz="2800" dirty="0"/>
+              <a:t>制作</a:t>
+            </a:r>
+            <a:r>
+              <a:rPr lang="en-US" altLang="zh-CN" sz="2800" dirty="0"/>
+              <a:t>——2</a:t>
+            </a:r>
+            <a:r>
+              <a:rPr lang="zh-CN" altLang="en-US" sz="2800" dirty="0"/>
+              <a:t>分</a:t>
+            </a:r>
+            <a:endParaRPr lang="en-US" altLang="zh-CN" sz="2800" dirty="0"/>
+          </a:p>
+          <a:p>
+            <a:r>
+              <a:rPr lang="zh-CN" altLang="en-US" sz="2800" dirty="0"/>
+              <a:t>徐鹏部分</a:t>
+            </a:r>
+            <a:r>
+              <a:rPr lang="en-US" altLang="zh-CN" sz="2800" dirty="0"/>
+              <a:t>PPT</a:t>
+            </a:r>
+            <a:r>
+              <a:rPr lang="zh-CN" altLang="en-US" sz="2800" dirty="0"/>
+              <a:t>制作</a:t>
+            </a:r>
+            <a:r>
+              <a:rPr lang="en-US" altLang="zh-CN" sz="2800" dirty="0"/>
+              <a:t>——2</a:t>
+            </a:r>
+            <a:r>
+              <a:rPr lang="zh-CN" altLang="en-US" sz="2800" dirty="0"/>
+              <a:t>分</a:t>
+            </a:r>
+            <a:endParaRPr lang="en-US" altLang="zh-CN" sz="2800" dirty="0"/>
+          </a:p>
+          <a:p>
+            <a:r>
+              <a:rPr lang="zh-CN" altLang="en-US" sz="2800" dirty="0"/>
+              <a:t>陈泓见（负责人）部分制作</a:t>
+            </a:r>
+            <a:r>
+              <a:rPr lang="en-US" altLang="zh-CN" sz="2800" dirty="0"/>
+              <a:t>PPT+</a:t>
+            </a:r>
+            <a:r>
+              <a:rPr lang="zh-CN" altLang="en-US" sz="2800" dirty="0"/>
+              <a:t>整合</a:t>
+            </a:r>
+            <a:r>
+              <a:rPr lang="en-US" altLang="zh-CN" sz="2800" dirty="0"/>
+              <a:t>PPT——4</a:t>
+            </a:r>
+            <a:r>
+              <a:rPr lang="zh-CN" altLang="en-US" sz="2800" dirty="0"/>
+              <a:t>分</a:t>
+            </a:r>
+            <a:endParaRPr lang="en-US" altLang="zh-CN" sz="2800" dirty="0"/>
+          </a:p>
+          <a:p>
+            <a:r>
+              <a:rPr lang="zh-CN" altLang="en-US" sz="2800" dirty="0"/>
+              <a:t>童威男查验</a:t>
+            </a:r>
+            <a:r>
+              <a:rPr lang="en-US" altLang="zh-CN" sz="2800" dirty="0"/>
+              <a:t>PPT</a:t>
+            </a:r>
+            <a:r>
+              <a:rPr lang="zh-CN" altLang="en-US" sz="2800" dirty="0"/>
+              <a:t>和做最后的修改</a:t>
+            </a:r>
+            <a:r>
+              <a:rPr lang="en-US" altLang="zh-CN" sz="2800" dirty="0"/>
+              <a:t>——2</a:t>
+            </a:r>
+            <a:r>
+              <a:rPr lang="zh-CN" altLang="en-US" sz="2800" dirty="0"/>
+              <a:t>分</a:t>
+            </a:r>
+          </a:p>
+          <a:p>
+            <a:endParaRPr lang="zh-CN" altLang="en-US" sz="2800" dirty="0"/>
+          </a:p>
+        </p:txBody>
+      </p:sp>
+    </p:spTree>
+    <p:extLst>
+      <p:ext uri="{BB962C8B-B14F-4D97-AF65-F5344CB8AC3E}">
+        <p14:creationId xmlns:p14="http://schemas.microsoft.com/office/powerpoint/2010/main" val="3388837790"/>
+      </p:ext>
+    </p:extLst>
+  </p:cSld>
+  <p:clrMapOvr>
+    <a:masterClrMapping/>
+  </p:clrMapOvr>
+</p:sld>
+</file>
+
+<file path=ppt/slides/slide28.xml><?xml version="1.0" encoding="utf-8"?>
+<p:sld xmlns:a="http://schemas.openxmlformats.org/drawingml/2006/main" xmlns:r="http://schemas.openxmlformats.org/officeDocument/2006/relationships" xmlns:p="http://schemas.openxmlformats.org/presentationml/2006/main">
+  <p:cSld>
+    <p:spTree>
+      <p:nvGrpSpPr>
+        <p:cNvPr id="1" name=""/>
+        <p:cNvGrpSpPr/>
+        <p:nvPr/>
+      </p:nvGrpSpPr>
+      <p:grpSpPr>
+        <a:xfrm>
+          <a:off x="0" y="0"/>
+          <a:ext cx="0" cy="0"/>
+          <a:chOff x="0" y="0"/>
+          <a:chExt cx="0" cy="0"/>
+        </a:xfrm>
+      </p:grpSpPr>
+      <p:sp>
+        <p:nvSpPr>
+          <p:cNvPr id="2" name="标题 1">
+            <a:extLst>
+              <a:ext uri="{FF2B5EF4-FFF2-40B4-BE49-F238E27FC236}">
+                <a16:creationId xmlns:a16="http://schemas.microsoft.com/office/drawing/2014/main" id="{8050F867-BC96-4BDE-8D9B-B611C1196787}"/>
               </a:ext>
             </a:extLst>
           </p:cNvPr>
@@ -26760,7 +27407,7 @@
           <p:cNvPr id="3" name="文本框 2">
             <a:extLst>
               <a:ext uri="{FF2B5EF4-FFF2-40B4-BE49-F238E27FC236}">
-                <a16:creationId xmlns:a16="http://schemas.microsoft.com/office/drawing/2014/main" xmlns="" id="{4CDAD1FD-D4D8-48D1-81CD-F860BAF3F91C}"/>
+                <a16:creationId xmlns:a16="http://schemas.microsoft.com/office/drawing/2014/main" id="{4CDAD1FD-D4D8-48D1-81CD-F860BAF3F91C}"/>
               </a:ext>
             </a:extLst>
           </p:cNvPr>
@@ -26892,7 +27539,7 @@
           <p:cNvPr id="2" name="标题 1">
             <a:extLst>
               <a:ext uri="{FF2B5EF4-FFF2-40B4-BE49-F238E27FC236}">
-                <a16:creationId xmlns:a16="http://schemas.microsoft.com/office/drawing/2014/main" xmlns="" id="{07F82CAD-895A-43D3-8349-0BA3C86A2196}"/>
+                <a16:creationId xmlns:a16="http://schemas.microsoft.com/office/drawing/2014/main" id="{07F82CAD-895A-43D3-8349-0BA3C86A2196}"/>
               </a:ext>
             </a:extLst>
           </p:cNvPr>
@@ -26931,7 +27578,7 @@
           <p:cNvPr id="3" name="内容占位符 2">
             <a:extLst>
               <a:ext uri="{FF2B5EF4-FFF2-40B4-BE49-F238E27FC236}">
-                <a16:creationId xmlns:a16="http://schemas.microsoft.com/office/drawing/2014/main" xmlns="" id="{46AF0ABC-912E-4F6F-A3AC-D7B963232466}"/>
+                <a16:creationId xmlns:a16="http://schemas.microsoft.com/office/drawing/2014/main" id="{46AF0ABC-912E-4F6F-A3AC-D7B963232466}"/>
               </a:ext>
             </a:extLst>
           </p:cNvPr>
@@ -27205,7 +27852,7 @@
           <p:cNvPr id="2" name="标题 1">
             <a:extLst>
               <a:ext uri="{FF2B5EF4-FFF2-40B4-BE49-F238E27FC236}">
-                <a16:creationId xmlns:a16="http://schemas.microsoft.com/office/drawing/2014/main" xmlns="" id="{07F82CAD-895A-43D3-8349-0BA3C86A2196}"/>
+                <a16:creationId xmlns:a16="http://schemas.microsoft.com/office/drawing/2014/main" id="{07F82CAD-895A-43D3-8349-0BA3C86A2196}"/>
               </a:ext>
             </a:extLst>
           </p:cNvPr>
@@ -27244,7 +27891,7 @@
           <p:cNvPr id="3" name="内容占位符 2">
             <a:extLst>
               <a:ext uri="{FF2B5EF4-FFF2-40B4-BE49-F238E27FC236}">
-                <a16:creationId xmlns:a16="http://schemas.microsoft.com/office/drawing/2014/main" xmlns="" id="{46AF0ABC-912E-4F6F-A3AC-D7B963232466}"/>
+                <a16:creationId xmlns:a16="http://schemas.microsoft.com/office/drawing/2014/main" id="{46AF0ABC-912E-4F6F-A3AC-D7B963232466}"/>
               </a:ext>
             </a:extLst>
           </p:cNvPr>
@@ -27257,12 +27904,14 @@
         </p:nvSpPr>
         <p:spPr>
           <a:xfrm>
-            <a:off x="829345" y="2360428"/>
-            <a:ext cx="10845204" cy="3838352"/>
+            <a:off x="673397" y="2067878"/>
+            <a:ext cx="10845204" cy="4129722"/>
           </a:xfrm>
         </p:spPr>
         <p:txBody>
-          <a:bodyPr/>
+          <a:bodyPr>
+            <a:normAutofit fontScale="62500" lnSpcReduction="20000"/>
+          </a:bodyPr>
           <a:lstStyle/>
           <a:p>
             <a:pPr marL="0" indent="0">
@@ -27273,7 +27922,11 @@
             </a:endParaRPr>
           </a:p>
           <a:p>
-            <a:pPr lvl="0"/>
+            <a:pPr lvl="0">
+              <a:lnSpc>
+                <a:spcPct val="120000"/>
+              </a:lnSpc>
+            </a:pPr>
             <a:r>
               <a:rPr lang="en-US" altLang="zh-CN" sz="3200" dirty="0">
                 <a:latin typeface="+mn-ea"/>
@@ -27386,8 +28039,241 @@
               <a:rPr lang="zh-CN" altLang="zh-CN" sz="3200" dirty="0">
                 <a:latin typeface="+mn-ea"/>
               </a:rPr>
-              <a:t>）。最终，他们联合起来，实现了开放的标准。 </a:t>
-            </a:r>
+              <a:t>）</a:t>
+            </a:r>
+            <a:r>
+              <a:rPr lang="zh-CN" altLang="zh-CN" sz="3200" dirty="0" smtClean="0">
+                <a:latin typeface="+mn-ea"/>
+              </a:rPr>
+              <a:t>。</a:t>
+            </a:r>
+            <a:endParaRPr lang="en-US" altLang="zh-CN" sz="3200" dirty="0" smtClean="0">
+              <a:latin typeface="+mn-ea"/>
+            </a:endParaRPr>
+          </a:p>
+          <a:p>
+            <a:pPr lvl="0">
+              <a:lnSpc>
+                <a:spcPct val="120000"/>
+              </a:lnSpc>
+            </a:pPr>
+            <a:r>
+              <a:rPr lang="en-GB" altLang="zh-CN" sz="3200" dirty="0" err="1" smtClean="0">
+                <a:latin typeface="+mn-ea"/>
+              </a:rPr>
+              <a:t>Rumbaugh</a:t>
+            </a:r>
+            <a:r>
+              <a:rPr lang="zh-CN" altLang="en-US" sz="3200" dirty="0">
+                <a:latin typeface="+mn-ea"/>
+              </a:rPr>
+              <a:t>于</a:t>
+            </a:r>
+            <a:r>
+              <a:rPr lang="en-US" altLang="zh-CN" sz="3200" dirty="0">
+                <a:latin typeface="+mn-ea"/>
+              </a:rPr>
+              <a:t>1994</a:t>
+            </a:r>
+            <a:r>
+              <a:rPr lang="zh-CN" altLang="en-US" sz="3200" dirty="0">
+                <a:latin typeface="+mn-ea"/>
+              </a:rPr>
+              <a:t>年离开</a:t>
+            </a:r>
+            <a:r>
+              <a:rPr lang="en-GB" altLang="zh-CN" sz="3200" dirty="0">
+                <a:latin typeface="+mn-ea"/>
+              </a:rPr>
+              <a:t>GE</a:t>
+            </a:r>
+            <a:r>
+              <a:rPr lang="zh-CN" altLang="en-US" sz="3200" dirty="0">
+                <a:latin typeface="+mn-ea"/>
+              </a:rPr>
+              <a:t>加入</a:t>
+            </a:r>
+            <a:r>
+              <a:rPr lang="en-GB" altLang="zh-CN" sz="3200" dirty="0" err="1">
+                <a:latin typeface="+mn-ea"/>
+              </a:rPr>
+              <a:t>Booch</a:t>
+            </a:r>
+            <a:r>
+              <a:rPr lang="zh-CN" altLang="en-US" sz="3200" dirty="0">
+                <a:latin typeface="+mn-ea"/>
+              </a:rPr>
+              <a:t>所在的</a:t>
+            </a:r>
+            <a:r>
+              <a:rPr lang="en-GB" altLang="zh-CN" sz="3200" dirty="0">
+                <a:latin typeface="+mn-ea"/>
+              </a:rPr>
+              <a:t>Rational</a:t>
+            </a:r>
+            <a:r>
+              <a:rPr lang="zh-CN" altLang="en-US" sz="3200" dirty="0">
+                <a:latin typeface="+mn-ea"/>
+              </a:rPr>
+              <a:t>公司，他们一起研究一种统一的方法，一年后，</a:t>
+            </a:r>
+            <a:r>
+              <a:rPr lang="en-GB" altLang="zh-CN" sz="3200" dirty="0">
+                <a:latin typeface="+mn-ea"/>
+              </a:rPr>
+              <a:t>Unified Method0.8</a:t>
+            </a:r>
+            <a:r>
+              <a:rPr lang="zh-CN" altLang="en-US" sz="3200" dirty="0">
+                <a:latin typeface="+mn-ea"/>
+              </a:rPr>
+              <a:t>诞生，同年，</a:t>
+            </a:r>
+            <a:r>
+              <a:rPr lang="en-GB" altLang="zh-CN" sz="3200" dirty="0">
+                <a:latin typeface="+mn-ea"/>
+              </a:rPr>
+              <a:t>Rational</a:t>
+            </a:r>
+            <a:r>
+              <a:rPr lang="zh-CN" altLang="en-US" sz="3200" dirty="0">
+                <a:latin typeface="+mn-ea"/>
+              </a:rPr>
+              <a:t>收购了</a:t>
+            </a:r>
+            <a:r>
+              <a:rPr lang="en-GB" altLang="zh-CN" sz="3200" dirty="0">
+                <a:latin typeface="+mn-ea"/>
+              </a:rPr>
+              <a:t>Jacobson</a:t>
+            </a:r>
+            <a:r>
+              <a:rPr lang="zh-CN" altLang="en-US" sz="3200" dirty="0">
+                <a:latin typeface="+mn-ea"/>
+              </a:rPr>
+              <a:t>所在的</a:t>
+            </a:r>
+            <a:r>
+              <a:rPr lang="en-GB" altLang="zh-CN" sz="3200" dirty="0" err="1">
+                <a:latin typeface="+mn-ea"/>
+              </a:rPr>
+              <a:t>Objectory</a:t>
+            </a:r>
+            <a:r>
+              <a:rPr lang="en-GB" altLang="zh-CN" sz="3200" dirty="0">
+                <a:latin typeface="+mn-ea"/>
+              </a:rPr>
+              <a:t> AB </a:t>
+            </a:r>
+            <a:r>
+              <a:rPr lang="zh-CN" altLang="en-US" sz="3200" dirty="0">
+                <a:latin typeface="+mn-ea"/>
+              </a:rPr>
+              <a:t>公司。经过三年的共同努力，</a:t>
+            </a:r>
+            <a:r>
+              <a:rPr lang="zh-CN" altLang="en-GB" sz="3200" dirty="0">
+                <a:latin typeface="+mn-ea"/>
+              </a:rPr>
+              <a:t>ＵＭＬ０</a:t>
+            </a:r>
+            <a:r>
+              <a:rPr lang="en-GB" altLang="zh-CN" sz="3200" dirty="0">
+                <a:latin typeface="+mn-ea"/>
+              </a:rPr>
+              <a:t>.</a:t>
+            </a:r>
+            <a:r>
+              <a:rPr lang="zh-CN" altLang="en-GB" sz="3200" dirty="0">
+                <a:latin typeface="+mn-ea"/>
+              </a:rPr>
+              <a:t>９</a:t>
+            </a:r>
+            <a:r>
+              <a:rPr lang="zh-CN" altLang="en-US" sz="3200" dirty="0">
+                <a:latin typeface="+mn-ea"/>
+              </a:rPr>
+              <a:t>和</a:t>
+            </a:r>
+            <a:r>
+              <a:rPr lang="zh-CN" altLang="en-GB" sz="3200" dirty="0">
+                <a:latin typeface="+mn-ea"/>
+              </a:rPr>
+              <a:t>ＵＭＬ０</a:t>
+            </a:r>
+            <a:r>
+              <a:rPr lang="en-GB" altLang="zh-CN" sz="3200" dirty="0">
+                <a:latin typeface="+mn-ea"/>
+              </a:rPr>
+              <a:t>.</a:t>
+            </a:r>
+            <a:r>
+              <a:rPr lang="zh-CN" altLang="en-GB" sz="3200" dirty="0">
+                <a:latin typeface="+mn-ea"/>
+              </a:rPr>
+              <a:t>９１</a:t>
+            </a:r>
+            <a:r>
+              <a:rPr lang="zh-CN" altLang="en-US" sz="3200" dirty="0">
+                <a:latin typeface="+mn-ea"/>
+              </a:rPr>
+              <a:t>于１９９６年相继面世。</a:t>
+            </a:r>
+            <a:endParaRPr lang="en-US" altLang="zh-CN" sz="3200" dirty="0" smtClean="0">
+              <a:latin typeface="+mn-ea"/>
+            </a:endParaRPr>
+          </a:p>
+          <a:p>
+            <a:pPr lvl="0">
+              <a:lnSpc>
+                <a:spcPct val="120000"/>
+              </a:lnSpc>
+            </a:pPr>
+            <a:r>
+              <a:rPr lang="zh-CN" altLang="en-US" sz="3200" dirty="0" smtClean="0">
+                <a:latin typeface="+mn-ea"/>
+              </a:rPr>
+              <a:t>此后ＵＭＬ的创始人</a:t>
+            </a:r>
+            <a:r>
+              <a:rPr lang="en-US" altLang="zh-CN" sz="3200" dirty="0" err="1" smtClean="0">
+                <a:latin typeface="+mn-ea"/>
+              </a:rPr>
+              <a:t>Booch</a:t>
+            </a:r>
+            <a:r>
+              <a:rPr lang="zh-CN" altLang="en-US" sz="3200" dirty="0" smtClean="0">
+                <a:latin typeface="+mn-ea"/>
+              </a:rPr>
+              <a:t>等邀请计算机软件工程界的著名人士和著名的企业如</a:t>
+            </a:r>
+            <a:r>
+              <a:rPr lang="en-US" altLang="zh-CN" sz="3200" dirty="0" smtClean="0">
+                <a:latin typeface="+mn-ea"/>
+              </a:rPr>
+              <a:t>IBM</a:t>
+            </a:r>
+            <a:r>
+              <a:rPr lang="zh-CN" altLang="en-US" sz="3200" dirty="0" smtClean="0">
+                <a:latin typeface="+mn-ea"/>
+              </a:rPr>
+              <a:t>，Ｏｒａｃｌｅ等对ＵＭＬ进行评论，提出修改意见。１９９７年１月Ｒａｔｉｏｎａｌ公司向ＯＭＧ提交了ＵＭＬ１</a:t>
+            </a:r>
+            <a:r>
+              <a:rPr lang="en-US" altLang="zh-CN" sz="3200" dirty="0" smtClean="0">
+                <a:latin typeface="+mn-ea"/>
+              </a:rPr>
+              <a:t>.</a:t>
+            </a:r>
+            <a:r>
+              <a:rPr lang="zh-CN" altLang="en-US" sz="3200" dirty="0" smtClean="0">
+                <a:latin typeface="+mn-ea"/>
+              </a:rPr>
+              <a:t>０标准文本。１９９７年１１月ＯＭＧ宣布接受ＵＭＬ，认定为标准的建模语言。ＵＭＬ目前还在不断地发展和完善。</a:t>
+            </a:r>
+            <a:endParaRPr lang="zh-CN" altLang="zh-CN" sz="3200" dirty="0" smtClean="0">
+              <a:latin typeface="+mn-ea"/>
+            </a:endParaRPr>
           </a:p>
           <a:p>
             <a:endParaRPr lang="zh-CN" altLang="en-US" b="1" dirty="0"/>
@@ -27397,7 +28283,7 @@
     </p:spTree>
     <p:extLst>
       <p:ext uri="{BB962C8B-B14F-4D97-AF65-F5344CB8AC3E}">
-        <p14:creationId xmlns:p14="http://schemas.microsoft.com/office/powerpoint/2010/main" val="2147238212"/>
+        <p14:creationId xmlns:p14="http://schemas.microsoft.com/office/powerpoint/2010/main" val="1891093630"/>
       </p:ext>
     </p:extLst>
   </p:cSld>
@@ -27473,6 +28359,128 @@
                       </p:childTnLst>
                     </p:cTn>
                   </p:par>
+                  <p:par>
+                    <p:cTn id="8" fill="hold">
+                      <p:stCondLst>
+                        <p:cond delay="indefinite"/>
+                      </p:stCondLst>
+                      <p:childTnLst>
+                        <p:par>
+                          <p:cTn id="9" fill="hold">
+                            <p:stCondLst>
+                              <p:cond delay="0"/>
+                            </p:stCondLst>
+                            <p:childTnLst>
+                              <p:par>
+                                <p:cTn id="10" presetID="14" presetClass="entr" presetSubtype="10" fill="hold" nodeType="clickEffect">
+                                  <p:stCondLst>
+                                    <p:cond delay="0"/>
+                                  </p:stCondLst>
+                                  <p:childTnLst>
+                                    <p:set>
+                                      <p:cBhvr>
+                                        <p:cTn id="11" dur="1" fill="hold">
+                                          <p:stCondLst>
+                                            <p:cond delay="0"/>
+                                          </p:stCondLst>
+                                        </p:cTn>
+                                        <p:tgtEl>
+                                          <p:spTgt spid="3">
+                                            <p:txEl>
+                                              <p:pRg st="2" end="2"/>
+                                            </p:txEl>
+                                          </p:spTgt>
+                                        </p:tgtEl>
+                                        <p:attrNameLst>
+                                          <p:attrName>style.visibility</p:attrName>
+                                        </p:attrNameLst>
+                                      </p:cBhvr>
+                                      <p:to>
+                                        <p:strVal val="visible"/>
+                                      </p:to>
+                                    </p:set>
+                                    <p:animEffect transition="in" filter="randombar(horizontal)">
+                                      <p:cBhvr>
+                                        <p:cTn id="12" dur="500"/>
+                                        <p:tgtEl>
+                                          <p:spTgt spid="3">
+                                            <p:txEl>
+                                              <p:pRg st="2" end="2"/>
+                                            </p:txEl>
+                                          </p:spTgt>
+                                        </p:tgtEl>
+                                      </p:cBhvr>
+                                    </p:animEffect>
+                                  </p:childTnLst>
+                                </p:cTn>
+                              </p:par>
+                            </p:childTnLst>
+                          </p:cTn>
+                        </p:par>
+                      </p:childTnLst>
+                    </p:cTn>
+                  </p:par>
+                  <p:par>
+                    <p:cTn id="13" fill="hold">
+                      <p:stCondLst>
+                        <p:cond delay="indefinite"/>
+                      </p:stCondLst>
+                      <p:childTnLst>
+                        <p:par>
+                          <p:cTn id="14" fill="hold">
+                            <p:stCondLst>
+                              <p:cond delay="0"/>
+                            </p:stCondLst>
+                            <p:childTnLst>
+                              <p:par>
+                                <p:cTn id="15" presetID="14" presetClass="entr" presetSubtype="10" fill="hold" nodeType="clickEffect">
+                                  <p:stCondLst>
+                                    <p:cond delay="0"/>
+                                  </p:stCondLst>
+                                  <p:childTnLst>
+                                    <p:set>
+                                      <p:cBhvr>
+                                        <p:cTn id="16" dur="1" fill="hold">
+                                          <p:stCondLst>
+                                            <p:cond delay="0"/>
+                                          </p:stCondLst>
+                                        </p:cTn>
+                                        <p:tgtEl>
+                                          <p:spTgt spid="3">
+                                            <p:txEl>
+                                              <p:pRg st="3" end="3"/>
+                                            </p:txEl>
+                                          </p:spTgt>
+                                        </p:tgtEl>
+                                        <p:attrNameLst>
+                                          <p:attrName>style.visibility</p:attrName>
+                                        </p:attrNameLst>
+                                      </p:cBhvr>
+                                      <p:to>
+                                        <p:strVal val="visible"/>
+                                      </p:to>
+                                    </p:set>
+                                    <p:animEffect transition="in" filter="randombar(horizontal)">
+                                      <p:cBhvr>
+                                        <p:cTn id="17" dur="500"/>
+                                        <p:tgtEl>
+                                          <p:spTgt spid="3">
+                                            <p:txEl>
+                                              <p:pRg st="3" end="3"/>
+                                            </p:txEl>
+                                          </p:spTgt>
+                                        </p:tgtEl>
+                                      </p:cBhvr>
+                                    </p:animEffect>
+                                  </p:childTnLst>
+                                </p:cTn>
+                              </p:par>
+                            </p:childTnLst>
+                          </p:cTn>
+                        </p:par>
+                      </p:childTnLst>
+                    </p:cTn>
+                  </p:par>
                 </p:childTnLst>
               </p:cTn>
               <p:prevCondLst>
@@ -27551,7 +28559,7 @@
           <p:cNvPr id="4" name="内容占位符 2">
             <a:extLst>
               <a:ext uri="{FF2B5EF4-FFF2-40B4-BE49-F238E27FC236}">
-                <a16:creationId xmlns:a16="http://schemas.microsoft.com/office/drawing/2014/main" xmlns="" id="{46AF0ABC-912E-4F6F-A3AC-D7B963232466}"/>
+                <a16:creationId xmlns:a16="http://schemas.microsoft.com/office/drawing/2014/main" id="{46AF0ABC-912E-4F6F-A3AC-D7B963232466}"/>
               </a:ext>
             </a:extLst>
           </p:cNvPr>
@@ -27916,7 +28924,7 @@
           <p:cNvPr id="4" name="内容占位符 2">
             <a:extLst>
               <a:ext uri="{FF2B5EF4-FFF2-40B4-BE49-F238E27FC236}">
-                <a16:creationId xmlns:a16="http://schemas.microsoft.com/office/drawing/2014/main" xmlns="" id="{46AF0ABC-912E-4F6F-A3AC-D7B963232466}"/>
+                <a16:creationId xmlns:a16="http://schemas.microsoft.com/office/drawing/2014/main" id="{46AF0ABC-912E-4F6F-A3AC-D7B963232466}"/>
               </a:ext>
             </a:extLst>
           </p:cNvPr>
@@ -28216,7 +29224,7 @@
           <p:cNvPr id="4" name="内容占位符 2">
             <a:extLst>
               <a:ext uri="{FF2B5EF4-FFF2-40B4-BE49-F238E27FC236}">
-                <a16:creationId xmlns:a16="http://schemas.microsoft.com/office/drawing/2014/main" xmlns="" id="{46AF0ABC-912E-4F6F-A3AC-D7B963232466}"/>
+                <a16:creationId xmlns:a16="http://schemas.microsoft.com/office/drawing/2014/main" id="{46AF0ABC-912E-4F6F-A3AC-D7B963232466}"/>
               </a:ext>
             </a:extLst>
           </p:cNvPr>
@@ -28554,7 +29562,7 @@
           <p:cNvPr id="4" name="内容占位符 2">
             <a:extLst>
               <a:ext uri="{FF2B5EF4-FFF2-40B4-BE49-F238E27FC236}">
-                <a16:creationId xmlns:a16="http://schemas.microsoft.com/office/drawing/2014/main" xmlns="" id="{46AF0ABC-912E-4F6F-A3AC-D7B963232466}"/>
+                <a16:creationId xmlns:a16="http://schemas.microsoft.com/office/drawing/2014/main" id="{46AF0ABC-912E-4F6F-A3AC-D7B963232466}"/>
               </a:ext>
             </a:extLst>
           </p:cNvPr>
@@ -28828,7 +29836,7 @@
           <p:cNvPr id="2" name="标题 1">
             <a:extLst>
               <a:ext uri="{FF2B5EF4-FFF2-40B4-BE49-F238E27FC236}">
-                <a16:creationId xmlns:a16="http://schemas.microsoft.com/office/drawing/2014/main" xmlns="" id="{AA66064C-5EDB-4BCA-AC68-6C951C8402E1}"/>
+                <a16:creationId xmlns:a16="http://schemas.microsoft.com/office/drawing/2014/main" id="{AA66064C-5EDB-4BCA-AC68-6C951C8402E1}"/>
               </a:ext>
             </a:extLst>
           </p:cNvPr>
@@ -28861,7 +29869,7 @@
           <p:cNvPr id="3" name="内容占位符 2">
             <a:extLst>
               <a:ext uri="{FF2B5EF4-FFF2-40B4-BE49-F238E27FC236}">
-                <a16:creationId xmlns:a16="http://schemas.microsoft.com/office/drawing/2014/main" xmlns="" id="{095AF313-D740-4308-BC08-BFF7F6AE6620}"/>
+                <a16:creationId xmlns:a16="http://schemas.microsoft.com/office/drawing/2014/main" id="{095AF313-D740-4308-BC08-BFF7F6AE6620}"/>
               </a:ext>
             </a:extLst>
           </p:cNvPr>

--- a/PRD-2017-G24/STW/非受控文件/翻转课堂作业/UML概述/UML概述.pptx
+++ b/PRD-2017-G24/STW/非受控文件/翻转课堂作业/UML概述/UML概述.pptx
@@ -2109,13 +2109,6 @@
         </dgm:presLayoutVars>
       </dgm:prSet>
       <dgm:spPr/>
-      <dgm:t>
-        <a:bodyPr/>
-        <a:lstStyle/>
-        <a:p>
-          <a:endParaRPr lang="zh-CN" altLang="en-US"/>
-        </a:p>
-      </dgm:t>
     </dgm:pt>
     <dgm:pt modelId="{BB10B3FE-71B2-44C4-9881-9B1B6C4ED30A}" type="pres">
       <dgm:prSet presAssocID="{1FA03D0B-431E-4552-972E-930F5F39D8D4}" presName="thickLine" presStyleLbl="alignNode1" presStyleIdx="0" presStyleCnt="9"/>
@@ -2128,13 +2121,6 @@
     <dgm:pt modelId="{FC9D7768-4563-493E-B454-DDCFD4BDB902}" type="pres">
       <dgm:prSet presAssocID="{1FA03D0B-431E-4552-972E-930F5F39D8D4}" presName="tx1" presStyleLbl="revTx" presStyleIdx="0" presStyleCnt="9"/>
       <dgm:spPr/>
-      <dgm:t>
-        <a:bodyPr/>
-        <a:lstStyle/>
-        <a:p>
-          <a:endParaRPr lang="zh-CN" altLang="en-US"/>
-        </a:p>
-      </dgm:t>
     </dgm:pt>
     <dgm:pt modelId="{AD1CF356-254A-496B-8B30-7E65A8D385E9}" type="pres">
       <dgm:prSet presAssocID="{1FA03D0B-431E-4552-972E-930F5F39D8D4}" presName="vert1" presStyleCnt="0"/>
@@ -2151,13 +2137,6 @@
     <dgm:pt modelId="{BB3D9FB9-476E-49C0-B80D-9BE2F7650722}" type="pres">
       <dgm:prSet presAssocID="{F4D98294-6926-4BC8-9678-4AE0179FD98D}" presName="tx1" presStyleLbl="revTx" presStyleIdx="1" presStyleCnt="9"/>
       <dgm:spPr/>
-      <dgm:t>
-        <a:bodyPr/>
-        <a:lstStyle/>
-        <a:p>
-          <a:endParaRPr lang="zh-CN" altLang="en-US"/>
-        </a:p>
-      </dgm:t>
     </dgm:pt>
     <dgm:pt modelId="{D99806E3-20C1-4E7F-8374-0210A0C1A8AE}" type="pres">
       <dgm:prSet presAssocID="{F4D98294-6926-4BC8-9678-4AE0179FD98D}" presName="vert1" presStyleCnt="0"/>
@@ -2174,13 +2153,6 @@
     <dgm:pt modelId="{4115A148-7C9F-4251-95F8-2A051B52D5AC}" type="pres">
       <dgm:prSet presAssocID="{F26DE089-A9FD-4546-96AF-71432FD40C75}" presName="tx1" presStyleLbl="revTx" presStyleIdx="2" presStyleCnt="9"/>
       <dgm:spPr/>
-      <dgm:t>
-        <a:bodyPr/>
-        <a:lstStyle/>
-        <a:p>
-          <a:endParaRPr lang="zh-CN" altLang="en-US"/>
-        </a:p>
-      </dgm:t>
     </dgm:pt>
     <dgm:pt modelId="{394814FA-CDAF-4CC8-8109-62E7A5FA331D}" type="pres">
       <dgm:prSet presAssocID="{F26DE089-A9FD-4546-96AF-71432FD40C75}" presName="vert1" presStyleCnt="0"/>
@@ -2197,13 +2169,6 @@
     <dgm:pt modelId="{CF187C55-D274-4C80-A81A-7C74892EF144}" type="pres">
       <dgm:prSet presAssocID="{CBCE7A0C-1162-4DD8-8348-0E467EC325E0}" presName="tx1" presStyleLbl="revTx" presStyleIdx="3" presStyleCnt="9"/>
       <dgm:spPr/>
-      <dgm:t>
-        <a:bodyPr/>
-        <a:lstStyle/>
-        <a:p>
-          <a:endParaRPr lang="zh-CN" altLang="en-US"/>
-        </a:p>
-      </dgm:t>
     </dgm:pt>
     <dgm:pt modelId="{6B0C92B1-B619-46DC-9D61-064133EACD45}" type="pres">
       <dgm:prSet presAssocID="{CBCE7A0C-1162-4DD8-8348-0E467EC325E0}" presName="vert1" presStyleCnt="0"/>
@@ -2220,13 +2185,6 @@
     <dgm:pt modelId="{6D455BFA-CC98-472A-BB95-E26F8322A529}" type="pres">
       <dgm:prSet presAssocID="{390B9C77-7995-4357-AF04-9565041C9BF1}" presName="tx1" presStyleLbl="revTx" presStyleIdx="4" presStyleCnt="9"/>
       <dgm:spPr/>
-      <dgm:t>
-        <a:bodyPr/>
-        <a:lstStyle/>
-        <a:p>
-          <a:endParaRPr lang="zh-CN" altLang="en-US"/>
-        </a:p>
-      </dgm:t>
     </dgm:pt>
     <dgm:pt modelId="{6566A669-B31A-4342-B2F2-E8D66C00D8D2}" type="pres">
       <dgm:prSet presAssocID="{390B9C77-7995-4357-AF04-9565041C9BF1}" presName="vert1" presStyleCnt="0"/>
@@ -2243,13 +2201,6 @@
     <dgm:pt modelId="{733AD6BA-9EF6-487F-AE39-A6AB87079B67}" type="pres">
       <dgm:prSet presAssocID="{141B5341-4F8F-4B74-854E-A5FBA43D6D1E}" presName="tx1" presStyleLbl="revTx" presStyleIdx="5" presStyleCnt="9"/>
       <dgm:spPr/>
-      <dgm:t>
-        <a:bodyPr/>
-        <a:lstStyle/>
-        <a:p>
-          <a:endParaRPr lang="zh-CN" altLang="en-US"/>
-        </a:p>
-      </dgm:t>
     </dgm:pt>
     <dgm:pt modelId="{5F0C84B1-2009-464B-89D6-B90556266101}" type="pres">
       <dgm:prSet presAssocID="{141B5341-4F8F-4B74-854E-A5FBA43D6D1E}" presName="vert1" presStyleCnt="0"/>
@@ -2266,13 +2217,6 @@
     <dgm:pt modelId="{5FA7A339-4A97-496A-811A-E073C481D698}" type="pres">
       <dgm:prSet presAssocID="{CCBF378A-153E-4EE5-8F0A-8A5FB34A66CF}" presName="tx1" presStyleLbl="revTx" presStyleIdx="6" presStyleCnt="9"/>
       <dgm:spPr/>
-      <dgm:t>
-        <a:bodyPr/>
-        <a:lstStyle/>
-        <a:p>
-          <a:endParaRPr lang="zh-CN" altLang="en-US"/>
-        </a:p>
-      </dgm:t>
     </dgm:pt>
     <dgm:pt modelId="{94EA072E-AF86-4199-8755-931C99D3C01E}" type="pres">
       <dgm:prSet presAssocID="{CCBF378A-153E-4EE5-8F0A-8A5FB34A66CF}" presName="vert1" presStyleCnt="0"/>
@@ -2289,13 +2233,6 @@
     <dgm:pt modelId="{70DB64B1-1FDF-4B2A-AAEF-DB1E97CA5440}" type="pres">
       <dgm:prSet presAssocID="{DC329E2D-99D5-4712-80C4-E56DE34ADE60}" presName="tx1" presStyleLbl="revTx" presStyleIdx="7" presStyleCnt="9"/>
       <dgm:spPr/>
-      <dgm:t>
-        <a:bodyPr/>
-        <a:lstStyle/>
-        <a:p>
-          <a:endParaRPr lang="zh-CN" altLang="en-US"/>
-        </a:p>
-      </dgm:t>
     </dgm:pt>
     <dgm:pt modelId="{89E29417-B34E-4F3C-A6EB-3901844FD1F3}" type="pres">
       <dgm:prSet presAssocID="{DC329E2D-99D5-4712-80C4-E56DE34ADE60}" presName="vert1" presStyleCnt="0"/>
@@ -2312,13 +2249,6 @@
     <dgm:pt modelId="{4081DCFD-79DC-47DA-ACD7-E31D5B356590}" type="pres">
       <dgm:prSet presAssocID="{47F5D560-B56A-4095-BDC1-B1E4D1979825}" presName="tx1" presStyleLbl="revTx" presStyleIdx="8" presStyleCnt="9"/>
       <dgm:spPr/>
-      <dgm:t>
-        <a:bodyPr/>
-        <a:lstStyle/>
-        <a:p>
-          <a:endParaRPr lang="zh-CN" altLang="en-US"/>
-        </a:p>
-      </dgm:t>
     </dgm:pt>
     <dgm:pt modelId="{11281714-97DE-4F2E-9750-FD6D2D3E05E2}" type="pres">
       <dgm:prSet presAssocID="{47F5D560-B56A-4095-BDC1-B1E4D1979825}" presName="vert1" presStyleCnt="0"/>
@@ -2326,25 +2256,25 @@
     </dgm:pt>
   </dgm:ptLst>
   <dgm:cxnLst>
+    <dgm:cxn modelId="{A1E9C406-5962-4320-B454-170FCB50286F}" type="presOf" srcId="{CCBF378A-153E-4EE5-8F0A-8A5FB34A66CF}" destId="{5FA7A339-4A97-496A-811A-E073C481D698}" srcOrd="0" destOrd="0" presId="urn:microsoft.com/office/officeart/2008/layout/LinedList"/>
+    <dgm:cxn modelId="{25EC110C-6EF6-4C65-80E0-1871BBCC94F3}" srcId="{61344293-A1DE-4EC5-9A38-FAB9B9B4968C}" destId="{390B9C77-7995-4357-AF04-9565041C9BF1}" srcOrd="4" destOrd="0" parTransId="{EE403F8B-8568-4987-80D7-7FB2D18D7D16}" sibTransId="{290EC355-F468-41D9-90C5-D907CF21D967}"/>
+    <dgm:cxn modelId="{D51ECB21-5218-49D4-980D-D86570A78CC9}" srcId="{61344293-A1DE-4EC5-9A38-FAB9B9B4968C}" destId="{141B5341-4F8F-4B74-854E-A5FBA43D6D1E}" srcOrd="5" destOrd="0" parTransId="{856EFA81-5ECF-4D6F-A8FF-5EA95BCEAF47}" sibTransId="{7A5DD433-F8FE-43BF-B663-090CAB808284}"/>
+    <dgm:cxn modelId="{FC96EF33-F0CD-420E-9A7B-30F9B6896026}" srcId="{61344293-A1DE-4EC5-9A38-FAB9B9B4968C}" destId="{F4D98294-6926-4BC8-9678-4AE0179FD98D}" srcOrd="1" destOrd="0" parTransId="{A14163C1-0CF1-4D38-B620-EB744E35794C}" sibTransId="{3796F5A7-8CBE-40D5-9D1D-9C0979F64A9C}"/>
+    <dgm:cxn modelId="{2B747639-0EB3-4CA8-8B46-A220149A240C}" type="presOf" srcId="{CBCE7A0C-1162-4DD8-8348-0E467EC325E0}" destId="{CF187C55-D274-4C80-A81A-7C74892EF144}" srcOrd="0" destOrd="0" presId="urn:microsoft.com/office/officeart/2008/layout/LinedList"/>
+    <dgm:cxn modelId="{72C78C39-D2FD-4657-A685-C850D72D9035}" srcId="{61344293-A1DE-4EC5-9A38-FAB9B9B4968C}" destId="{1FA03D0B-431E-4552-972E-930F5F39D8D4}" srcOrd="0" destOrd="0" parTransId="{DCA24973-8AA7-41B9-9B6A-AC4F09257488}" sibTransId="{7A188E71-997C-494E-B9C2-BAD4C716D4A0}"/>
+    <dgm:cxn modelId="{6F74CE48-579E-431D-9583-58A5F2ED3C85}" srcId="{61344293-A1DE-4EC5-9A38-FAB9B9B4968C}" destId="{F26DE089-A9FD-4546-96AF-71432FD40C75}" srcOrd="2" destOrd="0" parTransId="{1A63B470-973A-4426-A553-6A92D4588D20}" sibTransId="{F05992B1-9FD4-41E0-8709-1F3CDB8109B3}"/>
+    <dgm:cxn modelId="{33D50369-788E-49A7-8974-C3AD880B79B4}" type="presOf" srcId="{61344293-A1DE-4EC5-9A38-FAB9B9B4968C}" destId="{16C4A9B8-6EFE-4EE6-A024-B6B528189985}" srcOrd="0" destOrd="0" presId="urn:microsoft.com/office/officeart/2008/layout/LinedList"/>
+    <dgm:cxn modelId="{0EDCF550-DA4A-4A70-A9D9-2D3A3C531AD5}" type="presOf" srcId="{F26DE089-A9FD-4546-96AF-71432FD40C75}" destId="{4115A148-7C9F-4251-95F8-2A051B52D5AC}" srcOrd="0" destOrd="0" presId="urn:microsoft.com/office/officeart/2008/layout/LinedList"/>
     <dgm:cxn modelId="{9D1D5B72-D290-471A-8897-4FC88C2E5D23}" srcId="{61344293-A1DE-4EC5-9A38-FAB9B9B4968C}" destId="{DC329E2D-99D5-4712-80C4-E56DE34ADE60}" srcOrd="7" destOrd="0" parTransId="{172F1330-ECEA-4AAE-A8A5-2AD1BB8F7FCC}" sibTransId="{6037AFAA-A079-4470-8AF5-855447CE326F}"/>
+    <dgm:cxn modelId="{7C80495A-D039-4CC0-AD85-F41F30EFBF07}" type="presOf" srcId="{1FA03D0B-431E-4552-972E-930F5F39D8D4}" destId="{FC9D7768-4563-493E-B454-DDCFD4BDB902}" srcOrd="0" destOrd="0" presId="urn:microsoft.com/office/officeart/2008/layout/LinedList"/>
+    <dgm:cxn modelId="{921A8786-CEF7-4A09-8646-477EE41068EE}" srcId="{61344293-A1DE-4EC5-9A38-FAB9B9B4968C}" destId="{47F5D560-B56A-4095-BDC1-B1E4D1979825}" srcOrd="8" destOrd="0" parTransId="{13C0A50F-A094-4D9E-B9F1-D9E857774541}" sibTransId="{595CA217-5FB8-4751-9D92-FA205D95B673}"/>
+    <dgm:cxn modelId="{A3534A96-073A-43CA-A326-8B12EE142B3F}" type="presOf" srcId="{141B5341-4F8F-4B74-854E-A5FBA43D6D1E}" destId="{733AD6BA-9EF6-487F-AE39-A6AB87079B67}" srcOrd="0" destOrd="0" presId="urn:microsoft.com/office/officeart/2008/layout/LinedList"/>
+    <dgm:cxn modelId="{9AAF5E9C-861F-4034-AF38-50013636D891}" type="presOf" srcId="{DC329E2D-99D5-4712-80C4-E56DE34ADE60}" destId="{70DB64B1-1FDF-4B2A-AAEF-DB1E97CA5440}" srcOrd="0" destOrd="0" presId="urn:microsoft.com/office/officeart/2008/layout/LinedList"/>
+    <dgm:cxn modelId="{38A784BF-68AC-4895-B444-DF7125610734}" type="presOf" srcId="{47F5D560-B56A-4095-BDC1-B1E4D1979825}" destId="{4081DCFD-79DC-47DA-ACD7-E31D5B356590}" srcOrd="0" destOrd="0" presId="urn:microsoft.com/office/officeart/2008/layout/LinedList"/>
     <dgm:cxn modelId="{97F1CCC4-1B19-4070-8C49-D818B7D503A3}" srcId="{61344293-A1DE-4EC5-9A38-FAB9B9B4968C}" destId="{CBCE7A0C-1162-4DD8-8348-0E467EC325E0}" srcOrd="3" destOrd="0" parTransId="{041D4F31-93BC-4168-A092-8AACF0FAE0A1}" sibTransId="{932E490C-516F-4D6F-9F44-B7FE8A9CCDAD}"/>
-    <dgm:cxn modelId="{A3534A96-073A-43CA-A326-8B12EE142B3F}" type="presOf" srcId="{141B5341-4F8F-4B74-854E-A5FBA43D6D1E}" destId="{733AD6BA-9EF6-487F-AE39-A6AB87079B67}" srcOrd="0" destOrd="0" presId="urn:microsoft.com/office/officeart/2008/layout/LinedList"/>
-    <dgm:cxn modelId="{921A8786-CEF7-4A09-8646-477EE41068EE}" srcId="{61344293-A1DE-4EC5-9A38-FAB9B9B4968C}" destId="{47F5D560-B56A-4095-BDC1-B1E4D1979825}" srcOrd="8" destOrd="0" parTransId="{13C0A50F-A094-4D9E-B9F1-D9E857774541}" sibTransId="{595CA217-5FB8-4751-9D92-FA205D95B673}"/>
-    <dgm:cxn modelId="{25EC110C-6EF6-4C65-80E0-1871BBCC94F3}" srcId="{61344293-A1DE-4EC5-9A38-FAB9B9B4968C}" destId="{390B9C77-7995-4357-AF04-9565041C9BF1}" srcOrd="4" destOrd="0" parTransId="{EE403F8B-8568-4987-80D7-7FB2D18D7D16}" sibTransId="{290EC355-F468-41D9-90C5-D907CF21D967}"/>
     <dgm:cxn modelId="{C2A4E7D5-0E91-4BC3-A55C-316FB74A93F5}" type="presOf" srcId="{390B9C77-7995-4357-AF04-9565041C9BF1}" destId="{6D455BFA-CC98-472A-BB95-E26F8322A529}" srcOrd="0" destOrd="0" presId="urn:microsoft.com/office/officeart/2008/layout/LinedList"/>
-    <dgm:cxn modelId="{33D50369-788E-49A7-8974-C3AD880B79B4}" type="presOf" srcId="{61344293-A1DE-4EC5-9A38-FAB9B9B4968C}" destId="{16C4A9B8-6EFE-4EE6-A024-B6B528189985}" srcOrd="0" destOrd="0" presId="urn:microsoft.com/office/officeart/2008/layout/LinedList"/>
-    <dgm:cxn modelId="{38A784BF-68AC-4895-B444-DF7125610734}" type="presOf" srcId="{47F5D560-B56A-4095-BDC1-B1E4D1979825}" destId="{4081DCFD-79DC-47DA-ACD7-E31D5B356590}" srcOrd="0" destOrd="0" presId="urn:microsoft.com/office/officeart/2008/layout/LinedList"/>
-    <dgm:cxn modelId="{A1E9C406-5962-4320-B454-170FCB50286F}" type="presOf" srcId="{CCBF378A-153E-4EE5-8F0A-8A5FB34A66CF}" destId="{5FA7A339-4A97-496A-811A-E073C481D698}" srcOrd="0" destOrd="0" presId="urn:microsoft.com/office/officeart/2008/layout/LinedList"/>
     <dgm:cxn modelId="{A87C39E1-E138-40B9-8A97-77B92E5EBC22}" type="presOf" srcId="{F4D98294-6926-4BC8-9678-4AE0179FD98D}" destId="{BB3D9FB9-476E-49C0-B80D-9BE2F7650722}" srcOrd="0" destOrd="0" presId="urn:microsoft.com/office/officeart/2008/layout/LinedList"/>
-    <dgm:cxn modelId="{72C78C39-D2FD-4657-A685-C850D72D9035}" srcId="{61344293-A1DE-4EC5-9A38-FAB9B9B4968C}" destId="{1FA03D0B-431E-4552-972E-930F5F39D8D4}" srcOrd="0" destOrd="0" parTransId="{DCA24973-8AA7-41B9-9B6A-AC4F09257488}" sibTransId="{7A188E71-997C-494E-B9C2-BAD4C716D4A0}"/>
-    <dgm:cxn modelId="{2B747639-0EB3-4CA8-8B46-A220149A240C}" type="presOf" srcId="{CBCE7A0C-1162-4DD8-8348-0E467EC325E0}" destId="{CF187C55-D274-4C80-A81A-7C74892EF144}" srcOrd="0" destOrd="0" presId="urn:microsoft.com/office/officeart/2008/layout/LinedList"/>
-    <dgm:cxn modelId="{D51ECB21-5218-49D4-980D-D86570A78CC9}" srcId="{61344293-A1DE-4EC5-9A38-FAB9B9B4968C}" destId="{141B5341-4F8F-4B74-854E-A5FBA43D6D1E}" srcOrd="5" destOrd="0" parTransId="{856EFA81-5ECF-4D6F-A8FF-5EA95BCEAF47}" sibTransId="{7A5DD433-F8FE-43BF-B663-090CAB808284}"/>
     <dgm:cxn modelId="{FE4AB9E9-E8CD-45A8-A66A-2B24B34DB8B8}" srcId="{61344293-A1DE-4EC5-9A38-FAB9B9B4968C}" destId="{CCBF378A-153E-4EE5-8F0A-8A5FB34A66CF}" srcOrd="6" destOrd="0" parTransId="{CFEDB66F-5D05-479D-9B96-995EF1DCE1BF}" sibTransId="{B2BFBAE4-F714-46AB-8531-6F5C54896404}"/>
-    <dgm:cxn modelId="{7C80495A-D039-4CC0-AD85-F41F30EFBF07}" type="presOf" srcId="{1FA03D0B-431E-4552-972E-930F5F39D8D4}" destId="{FC9D7768-4563-493E-B454-DDCFD4BDB902}" srcOrd="0" destOrd="0" presId="urn:microsoft.com/office/officeart/2008/layout/LinedList"/>
-    <dgm:cxn modelId="{0EDCF550-DA4A-4A70-A9D9-2D3A3C531AD5}" type="presOf" srcId="{F26DE089-A9FD-4546-96AF-71432FD40C75}" destId="{4115A148-7C9F-4251-95F8-2A051B52D5AC}" srcOrd="0" destOrd="0" presId="urn:microsoft.com/office/officeart/2008/layout/LinedList"/>
-    <dgm:cxn modelId="{6F74CE48-579E-431D-9583-58A5F2ED3C85}" srcId="{61344293-A1DE-4EC5-9A38-FAB9B9B4968C}" destId="{F26DE089-A9FD-4546-96AF-71432FD40C75}" srcOrd="2" destOrd="0" parTransId="{1A63B470-973A-4426-A553-6A92D4588D20}" sibTransId="{F05992B1-9FD4-41E0-8709-1F3CDB8109B3}"/>
-    <dgm:cxn modelId="{FC96EF33-F0CD-420E-9A7B-30F9B6896026}" srcId="{61344293-A1DE-4EC5-9A38-FAB9B9B4968C}" destId="{F4D98294-6926-4BC8-9678-4AE0179FD98D}" srcOrd="1" destOrd="0" parTransId="{A14163C1-0CF1-4D38-B620-EB744E35794C}" sibTransId="{3796F5A7-8CBE-40D5-9D1D-9C0979F64A9C}"/>
-    <dgm:cxn modelId="{9AAF5E9C-861F-4034-AF38-50013636D891}" type="presOf" srcId="{DC329E2D-99D5-4712-80C4-E56DE34ADE60}" destId="{70DB64B1-1FDF-4B2A-AAEF-DB1E97CA5440}" srcOrd="0" destOrd="0" presId="urn:microsoft.com/office/officeart/2008/layout/LinedList"/>
     <dgm:cxn modelId="{82E7AEFF-4A18-459E-9D95-FC25F3034281}" type="presParOf" srcId="{16C4A9B8-6EFE-4EE6-A024-B6B528189985}" destId="{BB10B3FE-71B2-44C4-9881-9B1B6C4ED30A}" srcOrd="0" destOrd="0" presId="urn:microsoft.com/office/officeart/2008/layout/LinedList"/>
     <dgm:cxn modelId="{0D745BA1-B015-43B1-A3DE-FD84DD748F8B}" type="presParOf" srcId="{16C4A9B8-6EFE-4EE6-A024-B6B528189985}" destId="{963CAB5B-C43A-4ACF-989E-11E2303E77FD}" srcOrd="1" destOrd="0" presId="urn:microsoft.com/office/officeart/2008/layout/LinedList"/>
     <dgm:cxn modelId="{9B738220-9BF1-40D4-AFBB-C8F4E77F79A1}" type="presParOf" srcId="{963CAB5B-C43A-4ACF-989E-11E2303E77FD}" destId="{FC9D7768-4563-493E-B454-DDCFD4BDB902}" srcOrd="0" destOrd="0" presId="urn:microsoft.com/office/officeart/2008/layout/LinedList"/>
@@ -2544,13 +2474,6 @@
         </dgm:presLayoutVars>
       </dgm:prSet>
       <dgm:spPr/>
-      <dgm:t>
-        <a:bodyPr/>
-        <a:lstStyle/>
-        <a:p>
-          <a:endParaRPr lang="zh-CN" altLang="en-US"/>
-        </a:p>
-      </dgm:t>
     </dgm:pt>
     <dgm:pt modelId="{06943FCA-F46C-4223-890A-D3877845AF57}" type="pres">
       <dgm:prSet presAssocID="{8415385F-4C50-4447-9CA3-AB4CA6F6A353}" presName="thickLine" presStyleLbl="alignNode1" presStyleIdx="0" presStyleCnt="3"/>
@@ -2563,13 +2486,6 @@
     <dgm:pt modelId="{BE58B695-7CF6-4678-AF36-F571F9EA8D7C}" type="pres">
       <dgm:prSet presAssocID="{8415385F-4C50-4447-9CA3-AB4CA6F6A353}" presName="tx1" presStyleLbl="revTx" presStyleIdx="0" presStyleCnt="3" custScaleY="93735"/>
       <dgm:spPr/>
-      <dgm:t>
-        <a:bodyPr/>
-        <a:lstStyle/>
-        <a:p>
-          <a:endParaRPr lang="zh-CN" altLang="en-US"/>
-        </a:p>
-      </dgm:t>
     </dgm:pt>
     <dgm:pt modelId="{7DF157A4-7458-4B2A-AD8C-7A21596AF8FE}" type="pres">
       <dgm:prSet presAssocID="{8415385F-4C50-4447-9CA3-AB4CA6F6A353}" presName="vert1" presStyleCnt="0"/>
@@ -2586,13 +2502,6 @@
     <dgm:pt modelId="{609E04FB-3A4B-4AC2-BFD1-271844259B3D}" type="pres">
       <dgm:prSet presAssocID="{945BD286-210A-41E0-B938-ACB30AEA698D}" presName="tx1" presStyleLbl="revTx" presStyleIdx="1" presStyleCnt="3"/>
       <dgm:spPr/>
-      <dgm:t>
-        <a:bodyPr/>
-        <a:lstStyle/>
-        <a:p>
-          <a:endParaRPr lang="zh-CN" altLang="en-US"/>
-        </a:p>
-      </dgm:t>
     </dgm:pt>
     <dgm:pt modelId="{963EEE8B-5EF3-44E8-B5AA-CF1CEE0AB87A}" type="pres">
       <dgm:prSet presAssocID="{945BD286-210A-41E0-B938-ACB30AEA698D}" presName="vert1" presStyleCnt="0"/>
@@ -2609,13 +2518,6 @@
     <dgm:pt modelId="{746267BE-B5BC-4366-804B-397E0E69C4EE}" type="pres">
       <dgm:prSet presAssocID="{3E7D623B-B6B2-4B8B-B301-4AD93CAD6599}" presName="tx1" presStyleLbl="revTx" presStyleIdx="2" presStyleCnt="3"/>
       <dgm:spPr/>
-      <dgm:t>
-        <a:bodyPr/>
-        <a:lstStyle/>
-        <a:p>
-          <a:endParaRPr lang="zh-CN" altLang="en-US"/>
-        </a:p>
-      </dgm:t>
     </dgm:pt>
     <dgm:pt modelId="{5100AB4F-F5C1-41F7-A951-EAEDA9FA89E3}" type="pres">
       <dgm:prSet presAssocID="{3E7D623B-B6B2-4B8B-B301-4AD93CAD6599}" presName="vert1" presStyleCnt="0"/>
@@ -2623,11 +2525,11 @@
     </dgm:pt>
   </dgm:ptLst>
   <dgm:cxnLst>
+    <dgm:cxn modelId="{603C6308-998E-4632-B4D5-B337E21B45A3}" srcId="{A92EB68C-F409-40C5-AAC8-F79C501EA969}" destId="{3E7D623B-B6B2-4B8B-B301-4AD93CAD6599}" srcOrd="2" destOrd="0" parTransId="{E3A57F47-AB4D-47AF-8640-C0F70FE9C057}" sibTransId="{6FE2BFDE-2AED-46C1-9CF9-678408784227}"/>
+    <dgm:cxn modelId="{901E201E-6B86-46FF-B75E-6B259D5BC0A3}" type="presOf" srcId="{8415385F-4C50-4447-9CA3-AB4CA6F6A353}" destId="{BE58B695-7CF6-4678-AF36-F571F9EA8D7C}" srcOrd="0" destOrd="0" presId="urn:microsoft.com/office/officeart/2008/layout/LinedList"/>
     <dgm:cxn modelId="{2225B05B-9C8B-4EE8-A887-36D2B6525274}" srcId="{A92EB68C-F409-40C5-AAC8-F79C501EA969}" destId="{8415385F-4C50-4447-9CA3-AB4CA6F6A353}" srcOrd="0" destOrd="0" parTransId="{F4CE8B5F-7B59-4E84-8981-0F858CC6FE0F}" sibTransId="{ECA948E4-EEE1-4544-A088-81E1948CC005}"/>
-    <dgm:cxn modelId="{603C6308-998E-4632-B4D5-B337E21B45A3}" srcId="{A92EB68C-F409-40C5-AAC8-F79C501EA969}" destId="{3E7D623B-B6B2-4B8B-B301-4AD93CAD6599}" srcOrd="2" destOrd="0" parTransId="{E3A57F47-AB4D-47AF-8640-C0F70FE9C057}" sibTransId="{6FE2BFDE-2AED-46C1-9CF9-678408784227}"/>
     <dgm:cxn modelId="{8D820671-9F26-4E68-98EE-B46AFDE05520}" type="presOf" srcId="{A92EB68C-F409-40C5-AAC8-F79C501EA969}" destId="{68459F01-3BED-4E5F-9759-3052B9C6D5BF}" srcOrd="0" destOrd="0" presId="urn:microsoft.com/office/officeart/2008/layout/LinedList"/>
     <dgm:cxn modelId="{ECB35473-3020-4B1B-ABCB-557124611E26}" type="presOf" srcId="{3E7D623B-B6B2-4B8B-B301-4AD93CAD6599}" destId="{746267BE-B5BC-4366-804B-397E0E69C4EE}" srcOrd="0" destOrd="0" presId="urn:microsoft.com/office/officeart/2008/layout/LinedList"/>
-    <dgm:cxn modelId="{901E201E-6B86-46FF-B75E-6B259D5BC0A3}" type="presOf" srcId="{8415385F-4C50-4447-9CA3-AB4CA6F6A353}" destId="{BE58B695-7CF6-4678-AF36-F571F9EA8D7C}" srcOrd="0" destOrd="0" presId="urn:microsoft.com/office/officeart/2008/layout/LinedList"/>
     <dgm:cxn modelId="{344863AB-00BC-42A2-9B1E-AED574146F83}" type="presOf" srcId="{945BD286-210A-41E0-B938-ACB30AEA698D}" destId="{609E04FB-3A4B-4AC2-BFD1-271844259B3D}" srcOrd="0" destOrd="0" presId="urn:microsoft.com/office/officeart/2008/layout/LinedList"/>
     <dgm:cxn modelId="{38D5DFEC-E4C9-487E-B6D2-7916B3352CD4}" srcId="{A92EB68C-F409-40C5-AAC8-F79C501EA969}" destId="{945BD286-210A-41E0-B938-ACB30AEA698D}" srcOrd="1" destOrd="0" parTransId="{769A0D81-DBBD-444B-9814-13F093AAF1B2}" sibTransId="{5640C9F5-9F83-47AE-B448-EBCB56A59E25}"/>
     <dgm:cxn modelId="{C68E32BF-43F9-413B-A2BC-DA4374AF1B4C}" type="presParOf" srcId="{68459F01-3BED-4E5F-9759-3052B9C6D5BF}" destId="{06943FCA-F46C-4223-890A-D3877845AF57}" srcOrd="0" destOrd="0" presId="urn:microsoft.com/office/officeart/2008/layout/LinedList"/>
@@ -2762,7 +2664,7 @@
         </a:bodyPr>
         <a:lstStyle/>
         <a:p>
-          <a:pPr lvl="0" algn="l" defTabSz="1200150">
+          <a:pPr marL="0" lvl="0" indent="0" algn="l" defTabSz="1200150">
             <a:lnSpc>
               <a:spcPct val="90000"/>
             </a:lnSpc>
@@ -2772,6 +2674,7 @@
             <a:spcAft>
               <a:spcPct val="35000"/>
             </a:spcAft>
+            <a:buNone/>
           </a:pPr>
           <a:r>
             <a:rPr lang="en-US" sz="2700" kern="1200" dirty="0"/>
@@ -2893,7 +2796,7 @@
         </a:bodyPr>
         <a:lstStyle/>
         <a:p>
-          <a:pPr lvl="0" algn="l" defTabSz="1200150">
+          <a:pPr marL="0" lvl="0" indent="0" algn="l" defTabSz="1200150">
             <a:lnSpc>
               <a:spcPct val="90000"/>
             </a:lnSpc>
@@ -2903,6 +2806,7 @@
             <a:spcAft>
               <a:spcPct val="35000"/>
             </a:spcAft>
+            <a:buNone/>
           </a:pPr>
           <a:r>
             <a:rPr lang="en-US" sz="2700" kern="1200" dirty="0"/>
@@ -3029,7 +2933,7 @@
         </a:bodyPr>
         <a:lstStyle/>
         <a:p>
-          <a:pPr lvl="0" algn="l" defTabSz="1200150">
+          <a:pPr marL="0" lvl="0" indent="0" algn="l" defTabSz="1200150">
             <a:lnSpc>
               <a:spcPct val="90000"/>
             </a:lnSpc>
@@ -3039,6 +2943,7 @@
             <a:spcAft>
               <a:spcPct val="35000"/>
             </a:spcAft>
+            <a:buNone/>
           </a:pPr>
           <a:r>
             <a:rPr lang="en-US" sz="2700" kern="1200" dirty="0"/>
@@ -3165,7 +3070,7 @@
         </a:bodyPr>
         <a:lstStyle/>
         <a:p>
-          <a:pPr lvl="0" algn="l" defTabSz="1200150">
+          <a:pPr marL="0" lvl="0" indent="0" algn="l" defTabSz="1200150">
             <a:lnSpc>
               <a:spcPct val="90000"/>
             </a:lnSpc>
@@ -3175,6 +3080,7 @@
             <a:spcAft>
               <a:spcPct val="35000"/>
             </a:spcAft>
+            <a:buNone/>
           </a:pPr>
           <a:r>
             <a:rPr lang="en-US" sz="2700" kern="1200" dirty="0"/>
@@ -3301,7 +3207,7 @@
         </a:bodyPr>
         <a:lstStyle/>
         <a:p>
-          <a:pPr lvl="0" algn="l" defTabSz="1200150">
+          <a:pPr marL="0" lvl="0" indent="0" algn="l" defTabSz="1200150">
             <a:lnSpc>
               <a:spcPct val="90000"/>
             </a:lnSpc>
@@ -3311,6 +3217,7 @@
             <a:spcAft>
               <a:spcPct val="35000"/>
             </a:spcAft>
+            <a:buNone/>
           </a:pPr>
           <a:r>
             <a:rPr lang="en-US" sz="2700" kern="1200" dirty="0"/>
@@ -3437,7 +3344,7 @@
         </a:bodyPr>
         <a:lstStyle/>
         <a:p>
-          <a:pPr lvl="0" algn="l" defTabSz="1200150">
+          <a:pPr marL="0" lvl="0" indent="0" algn="l" defTabSz="1200150">
             <a:lnSpc>
               <a:spcPct val="90000"/>
             </a:lnSpc>
@@ -3447,6 +3354,7 @@
             <a:spcAft>
               <a:spcPct val="35000"/>
             </a:spcAft>
+            <a:buNone/>
           </a:pPr>
           <a:r>
             <a:rPr lang="en-US" sz="2700" kern="1200" dirty="0"/>
@@ -3573,7 +3481,7 @@
         </a:bodyPr>
         <a:lstStyle/>
         <a:p>
-          <a:pPr lvl="0" algn="l" defTabSz="1200150">
+          <a:pPr marL="0" lvl="0" indent="0" algn="l" defTabSz="1200150">
             <a:lnSpc>
               <a:spcPct val="90000"/>
             </a:lnSpc>
@@ -3583,6 +3491,7 @@
             <a:spcAft>
               <a:spcPct val="35000"/>
             </a:spcAft>
+            <a:buNone/>
           </a:pPr>
           <a:r>
             <a:rPr lang="en-US" sz="2700" kern="1200" dirty="0"/>
@@ -3709,7 +3618,7 @@
         </a:bodyPr>
         <a:lstStyle/>
         <a:p>
-          <a:pPr lvl="0" algn="l" defTabSz="1200150">
+          <a:pPr marL="0" lvl="0" indent="0" algn="l" defTabSz="1200150">
             <a:lnSpc>
               <a:spcPct val="90000"/>
             </a:lnSpc>
@@ -3719,6 +3628,7 @@
             <a:spcAft>
               <a:spcPct val="35000"/>
             </a:spcAft>
+            <a:buNone/>
           </a:pPr>
           <a:r>
             <a:rPr lang="en-US" sz="2700" kern="1200" dirty="0"/>
@@ -3845,7 +3755,7 @@
         </a:bodyPr>
         <a:lstStyle/>
         <a:p>
-          <a:pPr lvl="0" algn="l" defTabSz="1200150">
+          <a:pPr marL="0" lvl="0" indent="0" algn="l" defTabSz="1200150">
             <a:lnSpc>
               <a:spcPct val="90000"/>
             </a:lnSpc>
@@ -3855,6 +3765,7 @@
             <a:spcAft>
               <a:spcPct val="35000"/>
             </a:spcAft>
+            <a:buNone/>
           </a:pPr>
           <a:r>
             <a:rPr lang="en-US" sz="2700" kern="1200"/>
@@ -3993,7 +3904,7 @@
         </a:bodyPr>
         <a:lstStyle/>
         <a:p>
-          <a:pPr lvl="0" algn="l" defTabSz="1466850">
+          <a:pPr marL="0" lvl="0" indent="0" algn="l" defTabSz="1466850">
             <a:lnSpc>
               <a:spcPct val="90000"/>
             </a:lnSpc>
@@ -4003,6 +3914,7 @@
             <a:spcAft>
               <a:spcPct val="35000"/>
             </a:spcAft>
+            <a:buNone/>
           </a:pPr>
           <a:r>
             <a:rPr lang="en-US" sz="3300" kern="1200"/>
@@ -4129,7 +4041,7 @@
         </a:bodyPr>
         <a:lstStyle/>
         <a:p>
-          <a:pPr lvl="0" algn="l" defTabSz="1466850">
+          <a:pPr marL="0" lvl="0" indent="0" algn="l" defTabSz="1466850">
             <a:lnSpc>
               <a:spcPct val="90000"/>
             </a:lnSpc>
@@ -4139,6 +4051,7 @@
             <a:spcAft>
               <a:spcPct val="35000"/>
             </a:spcAft>
+            <a:buNone/>
           </a:pPr>
           <a:r>
             <a:rPr lang="en-US" sz="3300" kern="1200"/>
@@ -4256,7 +4169,7 @@
         </a:bodyPr>
         <a:lstStyle/>
         <a:p>
-          <a:pPr lvl="0" algn="l" defTabSz="1466850">
+          <a:pPr marL="0" lvl="0" indent="0" algn="l" defTabSz="1466850">
             <a:lnSpc>
               <a:spcPct val="90000"/>
             </a:lnSpc>
@@ -4266,6 +4179,7 @@
             <a:spcAft>
               <a:spcPct val="35000"/>
             </a:spcAft>
+            <a:buNone/>
           </a:pPr>
           <a:r>
             <a:rPr lang="en-US" sz="3300" kern="1200"/>
@@ -7369,7 +7283,7 @@
             <a:fld id="{BC02ACD8-9D28-445F-BAFE-92DA3311E912}" type="datetimeFigureOut">
               <a:rPr lang="zh-CN" altLang="en-US" smtClean="0"/>
               <a:pPr/>
-              <a:t>2017/10/29</a:t>
+              <a:t>2017/11/8</a:t>
             </a:fld>
             <a:endParaRPr lang="zh-CN" altLang="en-US"/>
           </a:p>
@@ -8101,7 +8015,7 @@
           <a:effectLst/>
           <a:extLst>
             <a:ext uri="{91240B29-F687-4f45-9708-019B960494DF}">
-              <a14:hiddenLine xmlns="" xmlns:a14="http://schemas.microsoft.com/office/drawing/2010/main" w="9525">
+              <a14:hiddenLine xmlns:a14="http://schemas.microsoft.com/office/drawing/2010/main" xmlns="" w="9525">
                 <a:solidFill>
                   <a:srgbClr val="000000"/>
                 </a:solidFill>
@@ -8294,7 +8208,7 @@
             <a:fld id="{08B9EBBA-996F-894A-B54A-D6246ED52CEA}" type="datetimeFigureOut">
               <a:rPr lang="en-US" dirty="0"/>
               <a:pPr/>
-              <a:t>10/29/2017</a:t>
+              <a:t>11/8/2017</a:t>
             </a:fld>
             <a:endParaRPr lang="en-US" dirty="0"/>
           </a:p>
@@ -8609,7 +8523,7 @@
             <a:fld id="{18C79C5D-2A6F-F04D-97DA-BEF2467B64E4}" type="datetimeFigureOut">
               <a:rPr lang="en-US" dirty="0"/>
               <a:pPr/>
-              <a:t>10/29/2017</a:t>
+              <a:t>11/8/2017</a:t>
             </a:fld>
             <a:endParaRPr lang="en-US" dirty="0"/>
           </a:p>
@@ -9094,7 +9008,7 @@
             <a:fld id="{8DFA1846-DA80-1C48-A609-854EA85C59AD}" type="datetimeFigureOut">
               <a:rPr lang="en-US" dirty="0"/>
               <a:pPr/>
-              <a:t>10/29/2017</a:t>
+              <a:t>11/8/2017</a:t>
             </a:fld>
             <a:endParaRPr lang="en-US" dirty="0"/>
           </a:p>
@@ -9460,7 +9374,7 @@
             <a:fld id="{FBF54567-0DE4-3F47-BF90-CB84690072F9}" type="datetimeFigureOut">
               <a:rPr lang="en-US" dirty="0"/>
               <a:pPr/>
-              <a:t>10/29/2017</a:t>
+              <a:t>11/8/2017</a:t>
             </a:fld>
             <a:endParaRPr lang="en-US" dirty="0"/>
           </a:p>
@@ -9611,7 +9525,7 @@
           <a:ln/>
           <a:extLst>
             <a:ext uri="{91240B29-F687-4f45-9708-019B960494DF}">
-              <a14:hiddenLine xmlns="" xmlns:a14="http://schemas.microsoft.com/office/drawing/2010/main" w="9525">
+              <a14:hiddenLine xmlns:a14="http://schemas.microsoft.com/office/drawing/2010/main" xmlns="" w="9525">
                 <a:solidFill>
                   <a:srgbClr val="000000"/>
                 </a:solidFill>
@@ -9730,7 +9644,7 @@
             <a:fld id="{C6C52C72-DE31-F449-A4ED-4C594FD91407}" type="datetimeFigureOut">
               <a:rPr lang="en-US" dirty="0"/>
               <a:pPr/>
-              <a:t>10/29/2017</a:t>
+              <a:t>11/8/2017</a:t>
             </a:fld>
             <a:endParaRPr lang="en-US" dirty="0"/>
           </a:p>
@@ -9883,7 +9797,7 @@
           <a:ln/>
           <a:extLst>
             <a:ext uri="{91240B29-F687-4f45-9708-019B960494DF}">
-              <a14:hiddenLine xmlns="" xmlns:a14="http://schemas.microsoft.com/office/drawing/2010/main" w="9525">
+              <a14:hiddenLine xmlns:a14="http://schemas.microsoft.com/office/drawing/2010/main" xmlns="" w="9525">
                 <a:solidFill>
                   <a:srgbClr val="000000"/>
                 </a:solidFill>
@@ -10012,7 +9926,7 @@
             <a:fld id="{ED62726E-379B-B349-9EED-81ED093FA806}" type="datetimeFigureOut">
               <a:rPr lang="en-US" dirty="0"/>
               <a:pPr/>
-              <a:t>10/29/2017</a:t>
+              <a:t>11/8/2017</a:t>
             </a:fld>
             <a:endParaRPr lang="en-US" dirty="0"/>
           </a:p>
@@ -10163,7 +10077,7 @@
           <a:ln/>
           <a:extLst>
             <a:ext uri="{91240B29-F687-4f45-9708-019B960494DF}">
-              <a14:hiddenLine xmlns="" xmlns:a14="http://schemas.microsoft.com/office/drawing/2010/main" w="9525">
+              <a14:hiddenLine xmlns:a14="http://schemas.microsoft.com/office/drawing/2010/main" xmlns="" w="9525">
                 <a:solidFill>
                   <a:srgbClr val="000000"/>
                 </a:solidFill>
@@ -10292,7 +10206,7 @@
             <a:fld id="{9B3A1323-8D79-1946-B0D7-40001CF92E9D}" type="datetimeFigureOut">
               <a:rPr lang="en-US" dirty="0"/>
               <a:pPr/>
-              <a:t>10/29/2017</a:t>
+              <a:t>11/8/2017</a:t>
             </a:fld>
             <a:endParaRPr lang="en-US" dirty="0"/>
           </a:p>
@@ -10632,7 +10546,7 @@
             <a:fld id="{8DFA1846-DA80-1C48-A609-854EA85C59AD}" type="datetimeFigureOut">
               <a:rPr lang="en-US" dirty="0"/>
               <a:pPr/>
-              <a:t>10/29/2017</a:t>
+              <a:t>11/8/2017</a:t>
             </a:fld>
             <a:endParaRPr lang="en-US" dirty="0"/>
           </a:p>
@@ -10783,7 +10697,7 @@
           <a:ln/>
           <a:extLst>
             <a:ext uri="{91240B29-F687-4f45-9708-019B960494DF}">
-              <a14:hiddenLine xmlns="" xmlns:a14="http://schemas.microsoft.com/office/drawing/2010/main" w="9525">
+              <a14:hiddenLine xmlns:a14="http://schemas.microsoft.com/office/drawing/2010/main" xmlns="" w="9525">
                 <a:solidFill>
                   <a:srgbClr val="000000"/>
                 </a:solidFill>
@@ -10968,7 +10882,7 @@
             <a:fld id="{57302355-E14B-8545-A8F8-0FE83CC9D524}" type="datetimeFigureOut">
               <a:rPr lang="en-US" dirty="0"/>
               <a:pPr/>
-              <a:t>10/29/2017</a:t>
+              <a:t>11/8/2017</a:t>
             </a:fld>
             <a:endParaRPr lang="en-US" dirty="0"/>
           </a:p>
@@ -11119,7 +11033,7 @@
           <a:ln/>
           <a:extLst>
             <a:ext uri="{91240B29-F687-4f45-9708-019B960494DF}">
-              <a14:hiddenLine xmlns="" xmlns:a14="http://schemas.microsoft.com/office/drawing/2010/main" w="9525">
+              <a14:hiddenLine xmlns:a14="http://schemas.microsoft.com/office/drawing/2010/main" xmlns="" w="9525">
                 <a:solidFill>
                   <a:srgbClr val="000000"/>
                 </a:solidFill>
@@ -11442,7 +11356,7 @@
             <a:fld id="{02640F58-564D-2B4F-AE67-E407BA4FCF45}" type="datetimeFigureOut">
               <a:rPr lang="en-US" dirty="0"/>
               <a:pPr/>
-              <a:t>10/29/2017</a:t>
+              <a:t>11/8/2017</a:t>
             </a:fld>
             <a:endParaRPr lang="en-US" dirty="0"/>
           </a:p>
@@ -11593,7 +11507,7 @@
           <a:ln/>
           <a:extLst>
             <a:ext uri="{91240B29-F687-4f45-9708-019B960494DF}">
-              <a14:hiddenLine xmlns="" xmlns:a14="http://schemas.microsoft.com/office/drawing/2010/main" w="9525">
+              <a14:hiddenLine xmlns:a14="http://schemas.microsoft.com/office/drawing/2010/main" xmlns="" w="9525">
                 <a:solidFill>
                   <a:srgbClr val="000000"/>
                 </a:solidFill>
@@ -11660,7 +11574,7 @@
             <a:fld id="{F13A34C8-038E-2045-AF43-DF7DBB8E0E9E}" type="datetimeFigureOut">
               <a:rPr lang="en-US" dirty="0"/>
               <a:pPr/>
-              <a:t>10/29/2017</a:t>
+              <a:t>11/8/2017</a:t>
             </a:fld>
             <a:endParaRPr lang="en-US" dirty="0"/>
           </a:p>
@@ -11752,7 +11666,7 @@
             <a:fld id="{8818C68F-D26B-8F47-958C-23B49CF8A634}" type="datetimeFigureOut">
               <a:rPr lang="en-US" dirty="0"/>
               <a:pPr/>
-              <a:t>10/29/2017</a:t>
+              <a:t>11/8/2017</a:t>
             </a:fld>
             <a:endParaRPr lang="en-US" dirty="0"/>
           </a:p>
@@ -12016,7 +11930,7 @@
           <a:ln/>
           <a:extLst>
             <a:ext uri="{91240B29-F687-4f45-9708-019B960494DF}">
-              <a14:hiddenLine xmlns="" xmlns:a14="http://schemas.microsoft.com/office/drawing/2010/main" w="9525">
+              <a14:hiddenLine xmlns:a14="http://schemas.microsoft.com/office/drawing/2010/main" xmlns="" w="9525">
                 <a:solidFill>
                   <a:srgbClr val="000000"/>
                 </a:solidFill>
@@ -12216,7 +12130,7 @@
             <a:fld id="{D0DF5E60-9974-AC48-9591-99C2BB44B7CF}" type="datetimeFigureOut">
               <a:rPr lang="en-US" dirty="0"/>
               <a:pPr/>
-              <a:t>10/29/2017</a:t>
+              <a:t>11/8/2017</a:t>
             </a:fld>
             <a:endParaRPr lang="en-US" dirty="0"/>
           </a:p>
@@ -12526,7 +12440,7 @@
             <a:fld id="{18C79C5D-2A6F-F04D-97DA-BEF2467B64E4}" type="datetimeFigureOut">
               <a:rPr lang="en-US" dirty="0"/>
               <a:pPr/>
-              <a:t>10/29/2017</a:t>
+              <a:t>11/8/2017</a:t>
             </a:fld>
             <a:endParaRPr lang="en-US" dirty="0"/>
           </a:p>
@@ -12793,7 +12707,7 @@
             <a:fld id="{09B482E8-6E0E-1B4F-B1FD-C69DB9E858D9}" type="datetimeFigureOut">
               <a:rPr lang="en-US" dirty="0"/>
               <a:pPr/>
-              <a:t>10/29/2017</a:t>
+              <a:t>11/8/2017</a:t>
             </a:fld>
             <a:endParaRPr lang="en-US" dirty="0"/>
           </a:p>
@@ -13244,7 +13158,7 @@
           <p:cNvPr id="2" name="标题 1">
             <a:extLst>
               <a:ext uri="{FF2B5EF4-FFF2-40B4-BE49-F238E27FC236}">
-                <a16:creationId xmlns:a16="http://schemas.microsoft.com/office/drawing/2014/main" xmlns="" id="{517CBC26-BCC2-4455-AAF6-E0DADAD90334}"/>
+                <a16:creationId xmlns:a16="http://schemas.microsoft.com/office/drawing/2014/main" id="{517CBC26-BCC2-4455-AAF6-E0DADAD90334}"/>
               </a:ext>
             </a:extLst>
           </p:cNvPr>
@@ -13291,7 +13205,7 @@
           <p:cNvPr id="3" name="副标题 2">
             <a:extLst>
               <a:ext uri="{FF2B5EF4-FFF2-40B4-BE49-F238E27FC236}">
-                <a16:creationId xmlns:a16="http://schemas.microsoft.com/office/drawing/2014/main" xmlns="" id="{F79290E5-D6EA-4C55-91E4-864E78CD1D53}"/>
+                <a16:creationId xmlns:a16="http://schemas.microsoft.com/office/drawing/2014/main" id="{F79290E5-D6EA-4C55-91E4-864E78CD1D53}"/>
               </a:ext>
             </a:extLst>
           </p:cNvPr>
@@ -13490,7 +13404,7 @@
           <p:cNvPr id="10" name="Rectangle 9">
             <a:extLst>
               <a:ext uri="{FF2B5EF4-FFF2-40B4-BE49-F238E27FC236}">
-                <a16:creationId xmlns:a16="http://schemas.microsoft.com/office/drawing/2014/main" xmlns="" id="{A3322B77-FA16-4D4E-BAA6-811C61DB3E85}"/>
+                <a16:creationId xmlns:a16="http://schemas.microsoft.com/office/drawing/2014/main" id="{A3322B77-FA16-4D4E-BAA6-811C61DB3E85}"/>
               </a:ext>
             </a:extLst>
           </p:cNvPr>
@@ -13500,7 +13414,7 @@
           <p:nvPr>
             <p:extLst>
               <p:ext uri="{386F3935-93C4-4BCD-93E2-E3B085C9AB24}">
-                <p16:designElem xmlns:p16="http://schemas.microsoft.com/office/powerpoint/2015/main" xmlns="" val="1"/>
+                <p16:designElem xmlns:p16="http://schemas.microsoft.com/office/powerpoint/2015/main" val="1"/>
               </p:ext>
             </p:extLst>
           </p:nvPr>
@@ -13547,7 +13461,7 @@
           <p:cNvPr id="12" name="Freeform: Shape 11">
             <a:extLst>
               <a:ext uri="{FF2B5EF4-FFF2-40B4-BE49-F238E27FC236}">
-                <a16:creationId xmlns:a16="http://schemas.microsoft.com/office/drawing/2014/main" xmlns="" id="{CA6EF34F-3BAD-4CD8-B05E-03BA773AE864}"/>
+                <a16:creationId xmlns:a16="http://schemas.microsoft.com/office/drawing/2014/main" id="{CA6EF34F-3BAD-4CD8-B05E-03BA773AE864}"/>
               </a:ext>
             </a:extLst>
           </p:cNvPr>
@@ -13557,7 +13471,7 @@
           <p:nvPr>
             <p:extLst>
               <p:ext uri="{386F3935-93C4-4BCD-93E2-E3B085C9AB24}">
-                <p16:designElem xmlns:p16="http://schemas.microsoft.com/office/powerpoint/2015/main" xmlns="" val="1"/>
+                <p16:designElem xmlns:p16="http://schemas.microsoft.com/office/powerpoint/2015/main" val="1"/>
               </p:ext>
             </p:extLst>
           </p:nvPr>
@@ -13729,7 +13643,7 @@
           <p:cNvPr id="2" name="标题 1">
             <a:extLst>
               <a:ext uri="{FF2B5EF4-FFF2-40B4-BE49-F238E27FC236}">
-                <a16:creationId xmlns:a16="http://schemas.microsoft.com/office/drawing/2014/main" xmlns="" id="{07F82CAD-895A-43D3-8349-0BA3C86A2196}"/>
+                <a16:creationId xmlns:a16="http://schemas.microsoft.com/office/drawing/2014/main" id="{07F82CAD-895A-43D3-8349-0BA3C86A2196}"/>
               </a:ext>
             </a:extLst>
           </p:cNvPr>
@@ -13911,7 +13825,7 @@
           <p:cNvPr id="2" name="标题 1">
             <a:extLst>
               <a:ext uri="{FF2B5EF4-FFF2-40B4-BE49-F238E27FC236}">
-                <a16:creationId xmlns:a16="http://schemas.microsoft.com/office/drawing/2014/main" xmlns="" id="{7CAD41F4-5EA9-4288-9F6B-AC877256EC40}"/>
+                <a16:creationId xmlns:a16="http://schemas.microsoft.com/office/drawing/2014/main" id="{7CAD41F4-5EA9-4288-9F6B-AC877256EC40}"/>
               </a:ext>
             </a:extLst>
           </p:cNvPr>
@@ -13940,10 +13854,6 @@
               <a:rPr lang="zh-CN" altLang="en-US" sz="2800" dirty="0"/>
               <a:t>构成：</a:t>
             </a:r>
-            <a:r>
-              <a:rPr lang="en-US" altLang="zh-CN" sz="2800" dirty="0"/>
-              <a:t/>
-            </a:r>
             <a:br>
               <a:rPr lang="en-US" altLang="zh-CN" sz="2800" dirty="0"/>
             </a:br>
@@ -13951,20 +13861,12 @@
               <a:rPr lang="zh-CN" altLang="en-US" sz="2800" dirty="0"/>
               <a:t>基本构造块</a:t>
             </a:r>
-            <a:r>
-              <a:rPr lang="en-US" altLang="zh-CN" sz="2800" dirty="0"/>
-              <a:t/>
-            </a:r>
             <a:br>
               <a:rPr lang="en-US" altLang="zh-CN" sz="2800" dirty="0"/>
             </a:br>
             <a:r>
               <a:rPr lang="zh-CN" altLang="en-US" sz="2800" dirty="0"/>
               <a:t>规则</a:t>
-            </a:r>
-            <a:r>
-              <a:rPr lang="en-US" altLang="zh-CN" sz="2800" dirty="0"/>
-              <a:t/>
             </a:r>
             <a:br>
               <a:rPr lang="en-US" altLang="zh-CN" sz="2800" dirty="0"/>
@@ -13981,7 +13883,7 @@
           <p:cNvPr id="5" name="内容占位符 4">
             <a:extLst>
               <a:ext uri="{FF2B5EF4-FFF2-40B4-BE49-F238E27FC236}">
-                <a16:creationId xmlns:a16="http://schemas.microsoft.com/office/drawing/2014/main" xmlns="" id="{322DC1F1-CF7B-4B97-8239-ED0A0AA961FF}"/>
+                <a16:creationId xmlns:a16="http://schemas.microsoft.com/office/drawing/2014/main" id="{322DC1F1-CF7B-4B97-8239-ED0A0AA961FF}"/>
               </a:ext>
             </a:extLst>
           </p:cNvPr>
@@ -14235,7 +14137,7 @@
           <p:cNvPr id="2" name="标题 1">
             <a:extLst>
               <a:ext uri="{FF2B5EF4-FFF2-40B4-BE49-F238E27FC236}">
-                <a16:creationId xmlns:a16="http://schemas.microsoft.com/office/drawing/2014/main" xmlns="" id="{517EC9A4-0166-49F8-91E4-2DC45DDAA464}"/>
+                <a16:creationId xmlns:a16="http://schemas.microsoft.com/office/drawing/2014/main" id="{517EC9A4-0166-49F8-91E4-2DC45DDAA464}"/>
               </a:ext>
             </a:extLst>
           </p:cNvPr>
@@ -14268,7 +14170,7 @@
           <p:cNvPr id="8" name="矩形 7">
             <a:extLst>
               <a:ext uri="{FF2B5EF4-FFF2-40B4-BE49-F238E27FC236}">
-                <a16:creationId xmlns:a16="http://schemas.microsoft.com/office/drawing/2014/main" xmlns="" id="{C8569A67-5C39-44DB-A938-392E732A0BF4}"/>
+                <a16:creationId xmlns:a16="http://schemas.microsoft.com/office/drawing/2014/main" id="{C8569A67-5C39-44DB-A938-392E732A0BF4}"/>
               </a:ext>
             </a:extLst>
           </p:cNvPr>
@@ -14322,7 +14224,7 @@
           <p:cNvPr id="9" name="矩形 8">
             <a:extLst>
               <a:ext uri="{FF2B5EF4-FFF2-40B4-BE49-F238E27FC236}">
-                <a16:creationId xmlns:a16="http://schemas.microsoft.com/office/drawing/2014/main" xmlns="" id="{01739E7F-8D37-46F3-A0AB-2013E8564C52}"/>
+                <a16:creationId xmlns:a16="http://schemas.microsoft.com/office/drawing/2014/main" id="{01739E7F-8D37-46F3-A0AB-2013E8564C52}"/>
               </a:ext>
             </a:extLst>
           </p:cNvPr>
@@ -14376,7 +14278,7 @@
           <p:cNvPr id="26" name="文本框 25">
             <a:extLst>
               <a:ext uri="{FF2B5EF4-FFF2-40B4-BE49-F238E27FC236}">
-                <a16:creationId xmlns:a16="http://schemas.microsoft.com/office/drawing/2014/main" xmlns="" id="{98740C3D-1798-47B2-8196-0DF8066D4EDE}"/>
+                <a16:creationId xmlns:a16="http://schemas.microsoft.com/office/drawing/2014/main" id="{98740C3D-1798-47B2-8196-0DF8066D4EDE}"/>
               </a:ext>
             </a:extLst>
           </p:cNvPr>
@@ -14435,7 +14337,7 @@
           <p:cNvPr id="33" name="矩形 32">
             <a:extLst>
               <a:ext uri="{FF2B5EF4-FFF2-40B4-BE49-F238E27FC236}">
-                <a16:creationId xmlns:a16="http://schemas.microsoft.com/office/drawing/2014/main" xmlns="" id="{D006F9C7-AE01-4281-9A20-1FD69B3BA225}"/>
+                <a16:creationId xmlns:a16="http://schemas.microsoft.com/office/drawing/2014/main" id="{D006F9C7-AE01-4281-9A20-1FD69B3BA225}"/>
               </a:ext>
             </a:extLst>
           </p:cNvPr>
@@ -14489,7 +14391,7 @@
           <p:cNvPr id="34" name="矩形 33">
             <a:extLst>
               <a:ext uri="{FF2B5EF4-FFF2-40B4-BE49-F238E27FC236}">
-                <a16:creationId xmlns:a16="http://schemas.microsoft.com/office/drawing/2014/main" xmlns="" id="{CDDA93DE-A456-4076-87B5-8B79B5AB610B}"/>
+                <a16:creationId xmlns:a16="http://schemas.microsoft.com/office/drawing/2014/main" id="{CDDA93DE-A456-4076-87B5-8B79B5AB610B}"/>
               </a:ext>
             </a:extLst>
           </p:cNvPr>
@@ -14543,7 +14445,7 @@
           <p:cNvPr id="35" name="文本框 34">
             <a:extLst>
               <a:ext uri="{FF2B5EF4-FFF2-40B4-BE49-F238E27FC236}">
-                <a16:creationId xmlns:a16="http://schemas.microsoft.com/office/drawing/2014/main" xmlns="" id="{29ACA48C-64BC-4D5F-BBA7-FE293E7CCB2B}"/>
+                <a16:creationId xmlns:a16="http://schemas.microsoft.com/office/drawing/2014/main" id="{29ACA48C-64BC-4D5F-BBA7-FE293E7CCB2B}"/>
               </a:ext>
             </a:extLst>
           </p:cNvPr>
@@ -14712,7 +14614,7 @@
           <p:cNvPr id="36" name="文本框 35">
             <a:extLst>
               <a:ext uri="{FF2B5EF4-FFF2-40B4-BE49-F238E27FC236}">
-                <a16:creationId xmlns:a16="http://schemas.microsoft.com/office/drawing/2014/main" xmlns="" id="{985E6DBE-2AA1-4337-BB25-D4C8F22A18F3}"/>
+                <a16:creationId xmlns:a16="http://schemas.microsoft.com/office/drawing/2014/main" id="{985E6DBE-2AA1-4337-BB25-D4C8F22A18F3}"/>
               </a:ext>
             </a:extLst>
           </p:cNvPr>
@@ -14791,7 +14693,7 @@
           <p:cNvPr id="37" name="文本框 36">
             <a:extLst>
               <a:ext uri="{FF2B5EF4-FFF2-40B4-BE49-F238E27FC236}">
-                <a16:creationId xmlns:a16="http://schemas.microsoft.com/office/drawing/2014/main" xmlns="" id="{46232BBC-F007-45B9-A6FB-D82E254AE3EE}"/>
+                <a16:creationId xmlns:a16="http://schemas.microsoft.com/office/drawing/2014/main" id="{46232BBC-F007-45B9-A6FB-D82E254AE3EE}"/>
               </a:ext>
             </a:extLst>
           </p:cNvPr>
@@ -15609,7 +15511,7 @@
           <p:cNvPr id="2" name="标题 1">
             <a:extLst>
               <a:ext uri="{FF2B5EF4-FFF2-40B4-BE49-F238E27FC236}">
-                <a16:creationId xmlns:a16="http://schemas.microsoft.com/office/drawing/2014/main" xmlns="" id="{517EC9A4-0166-49F8-91E4-2DC45DDAA464}"/>
+                <a16:creationId xmlns:a16="http://schemas.microsoft.com/office/drawing/2014/main" id="{517EC9A4-0166-49F8-91E4-2DC45DDAA464}"/>
               </a:ext>
             </a:extLst>
           </p:cNvPr>
@@ -15642,7 +15544,7 @@
           <p:cNvPr id="8" name="矩形 7">
             <a:extLst>
               <a:ext uri="{FF2B5EF4-FFF2-40B4-BE49-F238E27FC236}">
-                <a16:creationId xmlns:a16="http://schemas.microsoft.com/office/drawing/2014/main" xmlns="" id="{C8569A67-5C39-44DB-A938-392E732A0BF4}"/>
+                <a16:creationId xmlns:a16="http://schemas.microsoft.com/office/drawing/2014/main" id="{C8569A67-5C39-44DB-A938-392E732A0BF4}"/>
               </a:ext>
             </a:extLst>
           </p:cNvPr>
@@ -15696,7 +15598,7 @@
           <p:cNvPr id="9" name="矩形 8">
             <a:extLst>
               <a:ext uri="{FF2B5EF4-FFF2-40B4-BE49-F238E27FC236}">
-                <a16:creationId xmlns:a16="http://schemas.microsoft.com/office/drawing/2014/main" xmlns="" id="{01739E7F-8D37-46F3-A0AB-2013E8564C52}"/>
+                <a16:creationId xmlns:a16="http://schemas.microsoft.com/office/drawing/2014/main" id="{01739E7F-8D37-46F3-A0AB-2013E8564C52}"/>
               </a:ext>
             </a:extLst>
           </p:cNvPr>
@@ -15750,7 +15652,7 @@
           <p:cNvPr id="26" name="文本框 25">
             <a:extLst>
               <a:ext uri="{FF2B5EF4-FFF2-40B4-BE49-F238E27FC236}">
-                <a16:creationId xmlns:a16="http://schemas.microsoft.com/office/drawing/2014/main" xmlns="" id="{98740C3D-1798-47B2-8196-0DF8066D4EDE}"/>
+                <a16:creationId xmlns:a16="http://schemas.microsoft.com/office/drawing/2014/main" id="{98740C3D-1798-47B2-8196-0DF8066D4EDE}"/>
               </a:ext>
             </a:extLst>
           </p:cNvPr>
@@ -15806,7 +15708,7 @@
           <p:cNvPr id="33" name="矩形 32">
             <a:extLst>
               <a:ext uri="{FF2B5EF4-FFF2-40B4-BE49-F238E27FC236}">
-                <a16:creationId xmlns:a16="http://schemas.microsoft.com/office/drawing/2014/main" xmlns="" id="{D006F9C7-AE01-4281-9A20-1FD69B3BA225}"/>
+                <a16:creationId xmlns:a16="http://schemas.microsoft.com/office/drawing/2014/main" id="{D006F9C7-AE01-4281-9A20-1FD69B3BA225}"/>
               </a:ext>
             </a:extLst>
           </p:cNvPr>
@@ -15860,7 +15762,7 @@
           <p:cNvPr id="34" name="矩形 33">
             <a:extLst>
               <a:ext uri="{FF2B5EF4-FFF2-40B4-BE49-F238E27FC236}">
-                <a16:creationId xmlns:a16="http://schemas.microsoft.com/office/drawing/2014/main" xmlns="" id="{CDDA93DE-A456-4076-87B5-8B79B5AB610B}"/>
+                <a16:creationId xmlns:a16="http://schemas.microsoft.com/office/drawing/2014/main" id="{CDDA93DE-A456-4076-87B5-8B79B5AB610B}"/>
               </a:ext>
             </a:extLst>
           </p:cNvPr>
@@ -15914,7 +15816,7 @@
           <p:cNvPr id="35" name="文本框 34">
             <a:extLst>
               <a:ext uri="{FF2B5EF4-FFF2-40B4-BE49-F238E27FC236}">
-                <a16:creationId xmlns:a16="http://schemas.microsoft.com/office/drawing/2014/main" xmlns="" id="{29ACA48C-64BC-4D5F-BBA7-FE293E7CCB2B}"/>
+                <a16:creationId xmlns:a16="http://schemas.microsoft.com/office/drawing/2014/main" id="{29ACA48C-64BC-4D5F-BBA7-FE293E7CCB2B}"/>
               </a:ext>
             </a:extLst>
           </p:cNvPr>
@@ -15988,7 +15890,7 @@
           <p:cNvPr id="36" name="文本框 35">
             <a:extLst>
               <a:ext uri="{FF2B5EF4-FFF2-40B4-BE49-F238E27FC236}">
-                <a16:creationId xmlns:a16="http://schemas.microsoft.com/office/drawing/2014/main" xmlns="" id="{985E6DBE-2AA1-4337-BB25-D4C8F22A18F3}"/>
+                <a16:creationId xmlns:a16="http://schemas.microsoft.com/office/drawing/2014/main" id="{985E6DBE-2AA1-4337-BB25-D4C8F22A18F3}"/>
               </a:ext>
             </a:extLst>
           </p:cNvPr>
@@ -16057,7 +15959,7 @@
           <p:cNvPr id="37" name="文本框 36">
             <a:extLst>
               <a:ext uri="{FF2B5EF4-FFF2-40B4-BE49-F238E27FC236}">
-                <a16:creationId xmlns:a16="http://schemas.microsoft.com/office/drawing/2014/main" xmlns="" id="{46232BBC-F007-45B9-A6FB-D82E254AE3EE}"/>
+                <a16:creationId xmlns:a16="http://schemas.microsoft.com/office/drawing/2014/main" id="{46232BBC-F007-45B9-A6FB-D82E254AE3EE}"/>
               </a:ext>
             </a:extLst>
           </p:cNvPr>
@@ -16767,7 +16669,7 @@
           <p:cNvPr id="2" name="标题 1">
             <a:extLst>
               <a:ext uri="{FF2B5EF4-FFF2-40B4-BE49-F238E27FC236}">
-                <a16:creationId xmlns:a16="http://schemas.microsoft.com/office/drawing/2014/main" xmlns="" id="{EBCFB24A-4F80-4BF8-8F86-F80D7DE26470}"/>
+                <a16:creationId xmlns:a16="http://schemas.microsoft.com/office/drawing/2014/main" id="{EBCFB24A-4F80-4BF8-8F86-F80D7DE26470}"/>
               </a:ext>
             </a:extLst>
           </p:cNvPr>
@@ -16800,7 +16702,7 @@
           <p:cNvPr id="3" name="竖排文字占位符 2">
             <a:extLst>
               <a:ext uri="{FF2B5EF4-FFF2-40B4-BE49-F238E27FC236}">
-                <a16:creationId xmlns:a16="http://schemas.microsoft.com/office/drawing/2014/main" xmlns="" id="{9000D8E1-402D-443D-963D-2E71F3CA2E7F}"/>
+                <a16:creationId xmlns:a16="http://schemas.microsoft.com/office/drawing/2014/main" id="{9000D8E1-402D-443D-963D-2E71F3CA2E7F}"/>
               </a:ext>
             </a:extLst>
           </p:cNvPr>
@@ -17263,7 +17165,7 @@
           <p:cNvPr id="2" name="标题 1">
             <a:extLst>
               <a:ext uri="{FF2B5EF4-FFF2-40B4-BE49-F238E27FC236}">
-                <a16:creationId xmlns:a16="http://schemas.microsoft.com/office/drawing/2014/main" xmlns="" id="{1DDA3B09-FC23-43EB-86E2-763B5A3FE7F2}"/>
+                <a16:creationId xmlns:a16="http://schemas.microsoft.com/office/drawing/2014/main" id="{1DDA3B09-FC23-43EB-86E2-763B5A3FE7F2}"/>
               </a:ext>
             </a:extLst>
           </p:cNvPr>
@@ -17300,7 +17202,7 @@
           <p:cNvPr id="3" name="文本占位符 2">
             <a:extLst>
               <a:ext uri="{FF2B5EF4-FFF2-40B4-BE49-F238E27FC236}">
-                <a16:creationId xmlns:a16="http://schemas.microsoft.com/office/drawing/2014/main" xmlns="" id="{73313F3C-A473-44BD-8A5C-CCED823AD5B5}"/>
+                <a16:creationId xmlns:a16="http://schemas.microsoft.com/office/drawing/2014/main" id="{73313F3C-A473-44BD-8A5C-CCED823AD5B5}"/>
               </a:ext>
             </a:extLst>
           </p:cNvPr>
@@ -17345,7 +17247,7 @@
           <p:cNvPr id="4" name="文本占位符 3">
             <a:extLst>
               <a:ext uri="{FF2B5EF4-FFF2-40B4-BE49-F238E27FC236}">
-                <a16:creationId xmlns:a16="http://schemas.microsoft.com/office/drawing/2014/main" xmlns="" id="{0459766A-BD2B-4253-8362-B1900B7F0FF8}"/>
+                <a16:creationId xmlns:a16="http://schemas.microsoft.com/office/drawing/2014/main" id="{0459766A-BD2B-4253-8362-B1900B7F0FF8}"/>
               </a:ext>
             </a:extLst>
           </p:cNvPr>
@@ -17902,7 +17804,7 @@
           <p:nvPr>
             <p:extLst>
               <p:ext uri="{386F3935-93C4-4BCD-93E2-E3B085C9AB24}">
-                <p16:designElem xmlns:p16="http://schemas.microsoft.com/office/powerpoint/2015/main" xmlns="" val="1"/>
+                <p16:designElem xmlns:p16="http://schemas.microsoft.com/office/powerpoint/2015/main" val="1"/>
               </p:ext>
             </p:extLst>
           </p:nvPr>
@@ -17929,7 +17831,7 @@
           <p:cNvPr id="11" name="Freeform 6">
             <a:extLst>
               <a:ext uri="{FF2B5EF4-FFF2-40B4-BE49-F238E27FC236}">
-                <a16:creationId xmlns:a16="http://schemas.microsoft.com/office/drawing/2014/main" xmlns="" id="{8EE457FF-670E-4EC1-ACD4-1173DA9A7975}"/>
+                <a16:creationId xmlns:a16="http://schemas.microsoft.com/office/drawing/2014/main" id="{8EE457FF-670E-4EC1-ACD4-1173DA9A7975}"/>
               </a:ext>
             </a:extLst>
           </p:cNvPr>
@@ -17939,7 +17841,7 @@
           <p:nvPr>
             <p:extLst>
               <p:ext uri="{386F3935-93C4-4BCD-93E2-E3B085C9AB24}">
-                <p16:designElem xmlns:p16="http://schemas.microsoft.com/office/powerpoint/2015/main" xmlns="" val="1"/>
+                <p16:designElem xmlns:p16="http://schemas.microsoft.com/office/powerpoint/2015/main" val="1"/>
               </p:ext>
             </p:extLst>
           </p:nvPr>
@@ -18015,7 +17917,7 @@
           <a:ln/>
           <a:extLst>
             <a:ext uri="{91240B29-F687-4f45-9708-019B960494DF}">
-              <a14:hiddenLine xmlns="" xmlns:a14="http://schemas.microsoft.com/office/drawing/2010/main" w="9525">
+              <a14:hiddenLine xmlns:a14="http://schemas.microsoft.com/office/drawing/2010/main" xmlns="" w="9525">
                 <a:solidFill>
                   <a:srgbClr val="000000"/>
                 </a:solidFill>
@@ -18046,7 +17948,7 @@
           <p:cNvPr id="13" name="Rectangle 12">
             <a:extLst>
               <a:ext uri="{FF2B5EF4-FFF2-40B4-BE49-F238E27FC236}">
-                <a16:creationId xmlns:a16="http://schemas.microsoft.com/office/drawing/2014/main" xmlns="" id="{089A69AF-D57B-49B4-886C-D4A5DC194421}"/>
+                <a16:creationId xmlns:a16="http://schemas.microsoft.com/office/drawing/2014/main" id="{089A69AF-D57B-49B4-886C-D4A5DC194421}"/>
               </a:ext>
             </a:extLst>
           </p:cNvPr>
@@ -18056,7 +17958,7 @@
           <p:nvPr>
             <p:extLst>
               <p:ext uri="{386F3935-93C4-4BCD-93E2-E3B085C9AB24}">
-                <p16:designElem xmlns:p16="http://schemas.microsoft.com/office/powerpoint/2015/main" xmlns="" val="1"/>
+                <p16:designElem xmlns:p16="http://schemas.microsoft.com/office/powerpoint/2015/main" val="1"/>
               </p:ext>
             </p:extLst>
           </p:nvPr>
@@ -18103,7 +18005,7 @@
           <p:cNvPr id="15" name="Freeform: Shape 14">
             <a:extLst>
               <a:ext uri="{FF2B5EF4-FFF2-40B4-BE49-F238E27FC236}">
-                <a16:creationId xmlns:a16="http://schemas.microsoft.com/office/drawing/2014/main" xmlns="" id="{CABDC08D-6093-4397-92D4-54D00E2BB1C2}"/>
+                <a16:creationId xmlns:a16="http://schemas.microsoft.com/office/drawing/2014/main" id="{CABDC08D-6093-4397-92D4-54D00E2BB1C2}"/>
               </a:ext>
             </a:extLst>
           </p:cNvPr>
@@ -18113,7 +18015,7 @@
           <p:nvPr>
             <p:extLst>
               <p:ext uri="{386F3935-93C4-4BCD-93E2-E3B085C9AB24}">
-                <p16:designElem xmlns:p16="http://schemas.microsoft.com/office/powerpoint/2015/main" xmlns="" val="1"/>
+                <p16:designElem xmlns:p16="http://schemas.microsoft.com/office/powerpoint/2015/main" val="1"/>
               </p:ext>
             </p:extLst>
           </p:nvPr>
@@ -18308,7 +18210,7 @@
           <a:effectLst/>
           <a:extLst>
             <a:ext uri="{91240B29-F687-4f45-9708-019B960494DF}">
-              <a14:hiddenLine xmlns="" xmlns:a16="http://schemas.microsoft.com/office/drawing/2014/main" xmlns:p14="http://schemas.microsoft.com/office/powerpoint/2010/main" xmlns:a14="http://schemas.microsoft.com/office/drawing/2010/main" w="9525">
+              <a14:hiddenLine xmlns:a14="http://schemas.microsoft.com/office/drawing/2010/main" xmlns:p14="http://schemas.microsoft.com/office/powerpoint/2010/main" xmlns:a16="http://schemas.microsoft.com/office/drawing/2014/main" xmlns="" w="9525">
                 <a:solidFill>
                   <a:srgbClr val="000000"/>
                 </a:solidFill>
@@ -18339,7 +18241,7 @@
           <p:cNvPr id="2" name="标题 1">
             <a:extLst>
               <a:ext uri="{FF2B5EF4-FFF2-40B4-BE49-F238E27FC236}">
-                <a16:creationId xmlns:a16="http://schemas.microsoft.com/office/drawing/2014/main" xmlns="" id="{E96509DE-3F06-43CD-A0BC-6D0825469805}"/>
+                <a16:creationId xmlns:a16="http://schemas.microsoft.com/office/drawing/2014/main" id="{E96509DE-3F06-43CD-A0BC-6D0825469805}"/>
               </a:ext>
             </a:extLst>
           </p:cNvPr>
@@ -18750,7 +18652,7 @@
           <p:nvPr>
             <p:extLst>
               <p:ext uri="{386F3935-93C4-4BCD-93E2-E3B085C9AB24}">
-                <p16:designElem xmlns:p16="http://schemas.microsoft.com/office/powerpoint/2015/main" xmlns="" val="1"/>
+                <p16:designElem xmlns:p16="http://schemas.microsoft.com/office/powerpoint/2015/main" val="1"/>
               </p:ext>
             </p:extLst>
           </p:nvPr>
@@ -18777,7 +18679,7 @@
           <p:cNvPr id="11" name="Freeform 6">
             <a:extLst>
               <a:ext uri="{FF2B5EF4-FFF2-40B4-BE49-F238E27FC236}">
-                <a16:creationId xmlns:a16="http://schemas.microsoft.com/office/drawing/2014/main" xmlns="" id="{8EE457FF-670E-4EC1-ACD4-1173DA9A7975}"/>
+                <a16:creationId xmlns:a16="http://schemas.microsoft.com/office/drawing/2014/main" id="{8EE457FF-670E-4EC1-ACD4-1173DA9A7975}"/>
               </a:ext>
             </a:extLst>
           </p:cNvPr>
@@ -18787,7 +18689,7 @@
           <p:nvPr>
             <p:extLst>
               <p:ext uri="{386F3935-93C4-4BCD-93E2-E3B085C9AB24}">
-                <p16:designElem xmlns:p16="http://schemas.microsoft.com/office/powerpoint/2015/main" xmlns="" val="1"/>
+                <p16:designElem xmlns:p16="http://schemas.microsoft.com/office/powerpoint/2015/main" val="1"/>
               </p:ext>
             </p:extLst>
           </p:nvPr>
@@ -18863,7 +18765,7 @@
           <a:ln/>
           <a:extLst>
             <a:ext uri="{91240B29-F687-4f45-9708-019B960494DF}">
-              <a14:hiddenLine xmlns:a14="http://schemas.microsoft.com/office/drawing/2010/main" xmlns="" w="9525">
+              <a14:hiddenLine xmlns="" xmlns:a14="http://schemas.microsoft.com/office/drawing/2010/main" w="9525">
                 <a:solidFill>
                   <a:srgbClr val="000000"/>
                 </a:solidFill>
@@ -18894,7 +18796,7 @@
           <p:cNvPr id="13" name="Rectangle 12">
             <a:extLst>
               <a:ext uri="{FF2B5EF4-FFF2-40B4-BE49-F238E27FC236}">
-                <a16:creationId xmlns:a16="http://schemas.microsoft.com/office/drawing/2014/main" xmlns="" id="{089A69AF-D57B-49B4-886C-D4A5DC194421}"/>
+                <a16:creationId xmlns:a16="http://schemas.microsoft.com/office/drawing/2014/main" id="{089A69AF-D57B-49B4-886C-D4A5DC194421}"/>
               </a:ext>
             </a:extLst>
           </p:cNvPr>
@@ -18904,7 +18806,7 @@
           <p:nvPr>
             <p:extLst>
               <p:ext uri="{386F3935-93C4-4BCD-93E2-E3B085C9AB24}">
-                <p16:designElem xmlns:p16="http://schemas.microsoft.com/office/powerpoint/2015/main" xmlns="" val="1"/>
+                <p16:designElem xmlns:p16="http://schemas.microsoft.com/office/powerpoint/2015/main" val="1"/>
               </p:ext>
             </p:extLst>
           </p:nvPr>
@@ -18954,7 +18856,7 @@
           <p:cNvPr id="15" name="Freeform: Shape 14">
             <a:extLst>
               <a:ext uri="{FF2B5EF4-FFF2-40B4-BE49-F238E27FC236}">
-                <a16:creationId xmlns:a16="http://schemas.microsoft.com/office/drawing/2014/main" xmlns="" id="{68F2977E-E0AE-4EB4-A059-59E908EB862A}"/>
+                <a16:creationId xmlns:a16="http://schemas.microsoft.com/office/drawing/2014/main" id="{68F2977E-E0AE-4EB4-A059-59E908EB862A}"/>
               </a:ext>
             </a:extLst>
           </p:cNvPr>
@@ -18964,7 +18866,7 @@
           <p:nvPr>
             <p:extLst>
               <p:ext uri="{386F3935-93C4-4BCD-93E2-E3B085C9AB24}">
-                <p16:designElem xmlns:p16="http://schemas.microsoft.com/office/powerpoint/2015/main" xmlns="" val="1"/>
+                <p16:designElem xmlns:p16="http://schemas.microsoft.com/office/powerpoint/2015/main" val="1"/>
               </p:ext>
             </p:extLst>
           </p:nvPr>
@@ -19191,7 +19093,7 @@
           <a:effectLst/>
           <a:extLst>
             <a:ext uri="{91240B29-F687-4f45-9708-019B960494DF}">
-              <a14:hiddenLine xmlns:a14="http://schemas.microsoft.com/office/drawing/2010/main" xmlns:p14="http://schemas.microsoft.com/office/powerpoint/2010/main" xmlns:a16="http://schemas.microsoft.com/office/drawing/2014/main" xmlns="" w="9525">
+              <a14:hiddenLine xmlns="" xmlns:a16="http://schemas.microsoft.com/office/drawing/2014/main" xmlns:p14="http://schemas.microsoft.com/office/powerpoint/2010/main" xmlns:a14="http://schemas.microsoft.com/office/drawing/2010/main" w="9525">
                 <a:solidFill>
                   <a:srgbClr val="000000"/>
                 </a:solidFill>
@@ -19222,7 +19124,7 @@
           <p:cNvPr id="2" name="标题 1">
             <a:extLst>
               <a:ext uri="{FF2B5EF4-FFF2-40B4-BE49-F238E27FC236}">
-                <a16:creationId xmlns:a16="http://schemas.microsoft.com/office/drawing/2014/main" xmlns="" id="{C02436D1-70D4-4430-AC58-3D56BFE150F9}"/>
+                <a16:creationId xmlns:a16="http://schemas.microsoft.com/office/drawing/2014/main" id="{C02436D1-70D4-4430-AC58-3D56BFE150F9}"/>
               </a:ext>
             </a:extLst>
           </p:cNvPr>
@@ -19630,7 +19532,7 @@
           <p:nvPr>
             <p:extLst>
               <p:ext uri="{386F3935-93C4-4BCD-93E2-E3B085C9AB24}">
-                <p16:designElem xmlns:p16="http://schemas.microsoft.com/office/powerpoint/2015/main" xmlns="" val="1"/>
+                <p16:designElem xmlns:p16="http://schemas.microsoft.com/office/powerpoint/2015/main" val="1"/>
               </p:ext>
             </p:extLst>
           </p:nvPr>
@@ -19657,7 +19559,7 @@
           <p:cNvPr id="11" name="Freeform 6">
             <a:extLst>
               <a:ext uri="{FF2B5EF4-FFF2-40B4-BE49-F238E27FC236}">
-                <a16:creationId xmlns:a16="http://schemas.microsoft.com/office/drawing/2014/main" xmlns="" id="{8EE457FF-670E-4EC1-ACD4-1173DA9A7975}"/>
+                <a16:creationId xmlns:a16="http://schemas.microsoft.com/office/drawing/2014/main" id="{8EE457FF-670E-4EC1-ACD4-1173DA9A7975}"/>
               </a:ext>
             </a:extLst>
           </p:cNvPr>
@@ -19667,7 +19569,7 @@
           <p:nvPr>
             <p:extLst>
               <p:ext uri="{386F3935-93C4-4BCD-93E2-E3B085C9AB24}">
-                <p16:designElem xmlns:p16="http://schemas.microsoft.com/office/powerpoint/2015/main" xmlns="" val="1"/>
+                <p16:designElem xmlns:p16="http://schemas.microsoft.com/office/powerpoint/2015/main" val="1"/>
               </p:ext>
             </p:extLst>
           </p:nvPr>
@@ -19743,7 +19645,7 @@
           <a:ln/>
           <a:extLst>
             <a:ext uri="{91240B29-F687-4f45-9708-019B960494DF}">
-              <a14:hiddenLine xmlns:a14="http://schemas.microsoft.com/office/drawing/2010/main" xmlns="" w="9525">
+              <a14:hiddenLine xmlns="" xmlns:a14="http://schemas.microsoft.com/office/drawing/2010/main" w="9525">
                 <a:solidFill>
                   <a:srgbClr val="000000"/>
                 </a:solidFill>
@@ -19774,7 +19676,7 @@
           <p:cNvPr id="13" name="Rectangle 12">
             <a:extLst>
               <a:ext uri="{FF2B5EF4-FFF2-40B4-BE49-F238E27FC236}">
-                <a16:creationId xmlns:a16="http://schemas.microsoft.com/office/drawing/2014/main" xmlns="" id="{089A69AF-D57B-49B4-886C-D4A5DC194421}"/>
+                <a16:creationId xmlns:a16="http://schemas.microsoft.com/office/drawing/2014/main" id="{089A69AF-D57B-49B4-886C-D4A5DC194421}"/>
               </a:ext>
             </a:extLst>
           </p:cNvPr>
@@ -19784,7 +19686,7 @@
           <p:nvPr>
             <p:extLst>
               <p:ext uri="{386F3935-93C4-4BCD-93E2-E3B085C9AB24}">
-                <p16:designElem xmlns:p16="http://schemas.microsoft.com/office/powerpoint/2015/main" xmlns="" val="1"/>
+                <p16:designElem xmlns:p16="http://schemas.microsoft.com/office/powerpoint/2015/main" val="1"/>
               </p:ext>
             </p:extLst>
           </p:nvPr>
@@ -19831,7 +19733,7 @@
           <p:cNvPr id="15" name="Freeform: Shape 14">
             <a:extLst>
               <a:ext uri="{FF2B5EF4-FFF2-40B4-BE49-F238E27FC236}">
-                <a16:creationId xmlns:a16="http://schemas.microsoft.com/office/drawing/2014/main" xmlns="" id="{CABDC08D-6093-4397-92D4-54D00E2BB1C2}"/>
+                <a16:creationId xmlns:a16="http://schemas.microsoft.com/office/drawing/2014/main" id="{CABDC08D-6093-4397-92D4-54D00E2BB1C2}"/>
               </a:ext>
             </a:extLst>
           </p:cNvPr>
@@ -19841,7 +19743,7 @@
           <p:nvPr>
             <p:extLst>
               <p:ext uri="{386F3935-93C4-4BCD-93E2-E3B085C9AB24}">
-                <p16:designElem xmlns:p16="http://schemas.microsoft.com/office/powerpoint/2015/main" xmlns="" val="1"/>
+                <p16:designElem xmlns:p16="http://schemas.microsoft.com/office/powerpoint/2015/main" val="1"/>
               </p:ext>
             </p:extLst>
           </p:nvPr>
@@ -20036,7 +19938,7 @@
           <a:effectLst/>
           <a:extLst>
             <a:ext uri="{91240B29-F687-4f45-9708-019B960494DF}">
-              <a14:hiddenLine xmlns:a14="http://schemas.microsoft.com/office/drawing/2010/main" xmlns:p14="http://schemas.microsoft.com/office/powerpoint/2010/main" xmlns:a16="http://schemas.microsoft.com/office/drawing/2014/main" xmlns="" w="9525">
+              <a14:hiddenLine xmlns="" xmlns:a16="http://schemas.microsoft.com/office/drawing/2014/main" xmlns:p14="http://schemas.microsoft.com/office/powerpoint/2010/main" xmlns:a14="http://schemas.microsoft.com/office/drawing/2010/main" w="9525">
                 <a:solidFill>
                   <a:srgbClr val="000000"/>
                 </a:solidFill>
@@ -20067,7 +19969,7 @@
           <p:cNvPr id="2" name="标题 1">
             <a:extLst>
               <a:ext uri="{FF2B5EF4-FFF2-40B4-BE49-F238E27FC236}">
-                <a16:creationId xmlns:a16="http://schemas.microsoft.com/office/drawing/2014/main" xmlns="" id="{E96509DE-3F06-43CD-A0BC-6D0825469805}"/>
+                <a16:creationId xmlns:a16="http://schemas.microsoft.com/office/drawing/2014/main" id="{E96509DE-3F06-43CD-A0BC-6D0825469805}"/>
               </a:ext>
             </a:extLst>
           </p:cNvPr>
@@ -20345,7 +20247,7 @@
           <p:nvPr>
             <p:extLst>
               <p:ext uri="{386F3935-93C4-4BCD-93E2-E3B085C9AB24}">
-                <p16:designElem xmlns:p16="http://schemas.microsoft.com/office/powerpoint/2015/main" xmlns="" val="1"/>
+                <p16:designElem xmlns:p16="http://schemas.microsoft.com/office/powerpoint/2015/main" val="1"/>
               </p:ext>
             </p:extLst>
           </p:nvPr>
@@ -20372,7 +20274,7 @@
           <p:cNvPr id="11" name="Freeform 6">
             <a:extLst>
               <a:ext uri="{FF2B5EF4-FFF2-40B4-BE49-F238E27FC236}">
-                <a16:creationId xmlns:a16="http://schemas.microsoft.com/office/drawing/2014/main" xmlns="" id="{8EE457FF-670E-4EC1-ACD4-1173DA9A7975}"/>
+                <a16:creationId xmlns:a16="http://schemas.microsoft.com/office/drawing/2014/main" id="{8EE457FF-670E-4EC1-ACD4-1173DA9A7975}"/>
               </a:ext>
             </a:extLst>
           </p:cNvPr>
@@ -20382,7 +20284,7 @@
           <p:nvPr>
             <p:extLst>
               <p:ext uri="{386F3935-93C4-4BCD-93E2-E3B085C9AB24}">
-                <p16:designElem xmlns:p16="http://schemas.microsoft.com/office/powerpoint/2015/main" xmlns="" val="1"/>
+                <p16:designElem xmlns:p16="http://schemas.microsoft.com/office/powerpoint/2015/main" val="1"/>
               </p:ext>
             </p:extLst>
           </p:nvPr>
@@ -20458,7 +20360,7 @@
           <a:ln/>
           <a:extLst>
             <a:ext uri="{91240B29-F687-4f45-9708-019B960494DF}">
-              <a14:hiddenLine xmlns:a14="http://schemas.microsoft.com/office/drawing/2010/main" xmlns="" w="9525">
+              <a14:hiddenLine xmlns="" xmlns:a14="http://schemas.microsoft.com/office/drawing/2010/main" w="9525">
                 <a:solidFill>
                   <a:srgbClr val="000000"/>
                 </a:solidFill>
@@ -20489,7 +20391,7 @@
           <p:cNvPr id="13" name="Rectangle 12">
             <a:extLst>
               <a:ext uri="{FF2B5EF4-FFF2-40B4-BE49-F238E27FC236}">
-                <a16:creationId xmlns:a16="http://schemas.microsoft.com/office/drawing/2014/main" xmlns="" id="{089A69AF-D57B-49B4-886C-D4A5DC194421}"/>
+                <a16:creationId xmlns:a16="http://schemas.microsoft.com/office/drawing/2014/main" id="{089A69AF-D57B-49B4-886C-D4A5DC194421}"/>
               </a:ext>
             </a:extLst>
           </p:cNvPr>
@@ -20499,7 +20401,7 @@
           <p:nvPr>
             <p:extLst>
               <p:ext uri="{386F3935-93C4-4BCD-93E2-E3B085C9AB24}">
-                <p16:designElem xmlns:p16="http://schemas.microsoft.com/office/powerpoint/2015/main" xmlns="" val="1"/>
+                <p16:designElem xmlns:p16="http://schemas.microsoft.com/office/powerpoint/2015/main" val="1"/>
               </p:ext>
             </p:extLst>
           </p:nvPr>
@@ -20549,7 +20451,7 @@
           <p:cNvPr id="15" name="Freeform: Shape 14">
             <a:extLst>
               <a:ext uri="{FF2B5EF4-FFF2-40B4-BE49-F238E27FC236}">
-                <a16:creationId xmlns:a16="http://schemas.microsoft.com/office/drawing/2014/main" xmlns="" id="{68F2977E-E0AE-4EB4-A059-59E908EB862A}"/>
+                <a16:creationId xmlns:a16="http://schemas.microsoft.com/office/drawing/2014/main" id="{68F2977E-E0AE-4EB4-A059-59E908EB862A}"/>
               </a:ext>
             </a:extLst>
           </p:cNvPr>
@@ -20559,7 +20461,7 @@
           <p:nvPr>
             <p:extLst>
               <p:ext uri="{386F3935-93C4-4BCD-93E2-E3B085C9AB24}">
-                <p16:designElem xmlns:p16="http://schemas.microsoft.com/office/powerpoint/2015/main" xmlns="" val="1"/>
+                <p16:designElem xmlns:p16="http://schemas.microsoft.com/office/powerpoint/2015/main" val="1"/>
               </p:ext>
             </p:extLst>
           </p:nvPr>
@@ -20786,7 +20688,7 @@
           <a:effectLst/>
           <a:extLst>
             <a:ext uri="{91240B29-F687-4f45-9708-019B960494DF}">
-              <a14:hiddenLine xmlns:a14="http://schemas.microsoft.com/office/drawing/2010/main" xmlns:p14="http://schemas.microsoft.com/office/powerpoint/2010/main" xmlns:a16="http://schemas.microsoft.com/office/drawing/2014/main" xmlns="" w="9525">
+              <a14:hiddenLine xmlns="" xmlns:a16="http://schemas.microsoft.com/office/drawing/2014/main" xmlns:p14="http://schemas.microsoft.com/office/powerpoint/2010/main" xmlns:a14="http://schemas.microsoft.com/office/drawing/2010/main" w="9525">
                 <a:solidFill>
                   <a:srgbClr val="000000"/>
                 </a:solidFill>
@@ -20817,7 +20719,7 @@
           <p:cNvPr id="2" name="标题 1">
             <a:extLst>
               <a:ext uri="{FF2B5EF4-FFF2-40B4-BE49-F238E27FC236}">
-                <a16:creationId xmlns:a16="http://schemas.microsoft.com/office/drawing/2014/main" xmlns="" id="{C02436D1-70D4-4430-AC58-3D56BFE150F9}"/>
+                <a16:creationId xmlns:a16="http://schemas.microsoft.com/office/drawing/2014/main" id="{C02436D1-70D4-4430-AC58-3D56BFE150F9}"/>
               </a:ext>
             </a:extLst>
           </p:cNvPr>
@@ -21106,7 +21008,7 @@
           <p:nvPr>
             <p:extLst>
               <p:ext uri="{386F3935-93C4-4BCD-93E2-E3B085C9AB24}">
-                <p16:designElem xmlns:p16="http://schemas.microsoft.com/office/powerpoint/2015/main" xmlns="" val="1"/>
+                <p16:designElem xmlns:p16="http://schemas.microsoft.com/office/powerpoint/2015/main" val="1"/>
               </p:ext>
             </p:extLst>
           </p:nvPr>
@@ -21133,7 +21035,7 @@
           <p:cNvPr id="12" name="Freeform 6">
             <a:extLst>
               <a:ext uri="{FF2B5EF4-FFF2-40B4-BE49-F238E27FC236}">
-                <a16:creationId xmlns:a16="http://schemas.microsoft.com/office/drawing/2014/main" xmlns="" id="{B9D93730-8C7D-423D-9137-597B5FA65701}"/>
+                <a16:creationId xmlns:a16="http://schemas.microsoft.com/office/drawing/2014/main" id="{B9D93730-8C7D-423D-9137-597B5FA65701}"/>
               </a:ext>
             </a:extLst>
           </p:cNvPr>
@@ -21143,7 +21045,7 @@
           <p:nvPr>
             <p:extLst>
               <p:ext uri="{386F3935-93C4-4BCD-93E2-E3B085C9AB24}">
-                <p16:designElem xmlns:p16="http://schemas.microsoft.com/office/powerpoint/2015/main" xmlns="" val="1"/>
+                <p16:designElem xmlns:p16="http://schemas.microsoft.com/office/powerpoint/2015/main" val="1"/>
               </p:ext>
             </p:extLst>
           </p:nvPr>
@@ -21219,7 +21121,7 @@
           <a:ln/>
           <a:extLst>
             <a:ext uri="{91240B29-F687-4f45-9708-019B960494DF}">
-              <a14:hiddenLine xmlns="" xmlns:a14="http://schemas.microsoft.com/office/drawing/2010/main" w="9525">
+              <a14:hiddenLine xmlns:a14="http://schemas.microsoft.com/office/drawing/2010/main" xmlns="" w="9525">
                 <a:solidFill>
                   <a:srgbClr val="000000"/>
                 </a:solidFill>
@@ -21250,7 +21152,7 @@
           <p:cNvPr id="14" name="Rectangle 13">
             <a:extLst>
               <a:ext uri="{FF2B5EF4-FFF2-40B4-BE49-F238E27FC236}">
-                <a16:creationId xmlns:a16="http://schemas.microsoft.com/office/drawing/2014/main" xmlns="" id="{A3322B77-FA16-4D4E-BAA6-811C61DB3E85}"/>
+                <a16:creationId xmlns:a16="http://schemas.microsoft.com/office/drawing/2014/main" id="{A3322B77-FA16-4D4E-BAA6-811C61DB3E85}"/>
               </a:ext>
             </a:extLst>
           </p:cNvPr>
@@ -21260,7 +21162,7 @@
           <p:nvPr>
             <p:extLst>
               <p:ext uri="{386F3935-93C4-4BCD-93E2-E3B085C9AB24}">
-                <p16:designElem xmlns:p16="http://schemas.microsoft.com/office/powerpoint/2015/main" xmlns="" val="1"/>
+                <p16:designElem xmlns:p16="http://schemas.microsoft.com/office/powerpoint/2015/main" val="1"/>
               </p:ext>
             </p:extLst>
           </p:nvPr>
@@ -21307,7 +21209,7 @@
           <p:cNvPr id="16" name="Freeform: Shape 15">
             <a:extLst>
               <a:ext uri="{FF2B5EF4-FFF2-40B4-BE49-F238E27FC236}">
-                <a16:creationId xmlns:a16="http://schemas.microsoft.com/office/drawing/2014/main" xmlns="" id="{CA6EF34F-3BAD-4CD8-B05E-03BA773AE864}"/>
+                <a16:creationId xmlns:a16="http://schemas.microsoft.com/office/drawing/2014/main" id="{CA6EF34F-3BAD-4CD8-B05E-03BA773AE864}"/>
               </a:ext>
             </a:extLst>
           </p:cNvPr>
@@ -21317,7 +21219,7 @@
           <p:nvPr>
             <p:extLst>
               <p:ext uri="{386F3935-93C4-4BCD-93E2-E3B085C9AB24}">
-                <p16:designElem xmlns:p16="http://schemas.microsoft.com/office/powerpoint/2015/main" xmlns="" val="1"/>
+                <p16:designElem xmlns:p16="http://schemas.microsoft.com/office/powerpoint/2015/main" val="1"/>
               </p:ext>
             </p:extLst>
           </p:nvPr>
@@ -21489,7 +21391,7 @@
           <p:cNvPr id="2" name="竖排标题 1">
             <a:extLst>
               <a:ext uri="{FF2B5EF4-FFF2-40B4-BE49-F238E27FC236}">
-                <a16:creationId xmlns:a16="http://schemas.microsoft.com/office/drawing/2014/main" xmlns="" id="{1177557D-E743-446B-B3A2-19511CAEF50D}"/>
+                <a16:creationId xmlns:a16="http://schemas.microsoft.com/office/drawing/2014/main" id="{1177557D-E743-446B-B3A2-19511CAEF50D}"/>
               </a:ext>
             </a:extLst>
           </p:cNvPr>
@@ -21672,7 +21574,7 @@
           <p:nvPr>
             <p:extLst>
               <p:ext uri="{386F3935-93C4-4BCD-93E2-E3B085C9AB24}">
-                <p16:designElem xmlns:p16="http://schemas.microsoft.com/office/powerpoint/2015/main" xmlns="" val="1"/>
+                <p16:designElem xmlns:p16="http://schemas.microsoft.com/office/powerpoint/2015/main" val="1"/>
               </p:ext>
             </p:extLst>
           </p:nvPr>
@@ -21699,7 +21601,7 @@
           <p:cNvPr id="11" name="Freeform 6">
             <a:extLst>
               <a:ext uri="{FF2B5EF4-FFF2-40B4-BE49-F238E27FC236}">
-                <a16:creationId xmlns:a16="http://schemas.microsoft.com/office/drawing/2014/main" xmlns="" id="{8EE457FF-670E-4EC1-ACD4-1173DA9A7975}"/>
+                <a16:creationId xmlns:a16="http://schemas.microsoft.com/office/drawing/2014/main" id="{8EE457FF-670E-4EC1-ACD4-1173DA9A7975}"/>
               </a:ext>
             </a:extLst>
           </p:cNvPr>
@@ -21709,7 +21611,7 @@
           <p:nvPr>
             <p:extLst>
               <p:ext uri="{386F3935-93C4-4BCD-93E2-E3B085C9AB24}">
-                <p16:designElem xmlns:p16="http://schemas.microsoft.com/office/powerpoint/2015/main" xmlns="" val="1"/>
+                <p16:designElem xmlns:p16="http://schemas.microsoft.com/office/powerpoint/2015/main" val="1"/>
               </p:ext>
             </p:extLst>
           </p:nvPr>
@@ -21785,7 +21687,7 @@
           <a:ln/>
           <a:extLst>
             <a:ext uri="{91240B29-F687-4f45-9708-019B960494DF}">
-              <a14:hiddenLine xmlns:a14="http://schemas.microsoft.com/office/drawing/2010/main" xmlns="" w="9525">
+              <a14:hiddenLine xmlns="" xmlns:a14="http://schemas.microsoft.com/office/drawing/2010/main" w="9525">
                 <a:solidFill>
                   <a:srgbClr val="000000"/>
                 </a:solidFill>
@@ -21816,7 +21718,7 @@
           <p:cNvPr id="13" name="Rectangle 12">
             <a:extLst>
               <a:ext uri="{FF2B5EF4-FFF2-40B4-BE49-F238E27FC236}">
-                <a16:creationId xmlns:a16="http://schemas.microsoft.com/office/drawing/2014/main" xmlns="" id="{089A69AF-D57B-49B4-886C-D4A5DC194421}"/>
+                <a16:creationId xmlns:a16="http://schemas.microsoft.com/office/drawing/2014/main" id="{089A69AF-D57B-49B4-886C-D4A5DC194421}"/>
               </a:ext>
             </a:extLst>
           </p:cNvPr>
@@ -21826,7 +21728,7 @@
           <p:nvPr>
             <p:extLst>
               <p:ext uri="{386F3935-93C4-4BCD-93E2-E3B085C9AB24}">
-                <p16:designElem xmlns:p16="http://schemas.microsoft.com/office/powerpoint/2015/main" xmlns="" val="1"/>
+                <p16:designElem xmlns:p16="http://schemas.microsoft.com/office/powerpoint/2015/main" val="1"/>
               </p:ext>
             </p:extLst>
           </p:nvPr>
@@ -21873,7 +21775,7 @@
           <p:cNvPr id="15" name="Freeform: Shape 14">
             <a:extLst>
               <a:ext uri="{FF2B5EF4-FFF2-40B4-BE49-F238E27FC236}">
-                <a16:creationId xmlns:a16="http://schemas.microsoft.com/office/drawing/2014/main" xmlns="" id="{CABDC08D-6093-4397-92D4-54D00E2BB1C2}"/>
+                <a16:creationId xmlns:a16="http://schemas.microsoft.com/office/drawing/2014/main" id="{CABDC08D-6093-4397-92D4-54D00E2BB1C2}"/>
               </a:ext>
             </a:extLst>
           </p:cNvPr>
@@ -21883,7 +21785,7 @@
           <p:nvPr>
             <p:extLst>
               <p:ext uri="{386F3935-93C4-4BCD-93E2-E3B085C9AB24}">
-                <p16:designElem xmlns:p16="http://schemas.microsoft.com/office/powerpoint/2015/main" xmlns="" val="1"/>
+                <p16:designElem xmlns:p16="http://schemas.microsoft.com/office/powerpoint/2015/main" val="1"/>
               </p:ext>
             </p:extLst>
           </p:nvPr>
@@ -22078,7 +21980,7 @@
           <a:effectLst/>
           <a:extLst>
             <a:ext uri="{91240B29-F687-4f45-9708-019B960494DF}">
-              <a14:hiddenLine xmlns:a14="http://schemas.microsoft.com/office/drawing/2010/main" xmlns:p14="http://schemas.microsoft.com/office/powerpoint/2010/main" xmlns:a16="http://schemas.microsoft.com/office/drawing/2014/main" xmlns="" w="9525">
+              <a14:hiddenLine xmlns="" xmlns:a16="http://schemas.microsoft.com/office/drawing/2014/main" xmlns:p14="http://schemas.microsoft.com/office/powerpoint/2010/main" xmlns:a14="http://schemas.microsoft.com/office/drawing/2010/main" w="9525">
                 <a:solidFill>
                   <a:srgbClr val="000000"/>
                 </a:solidFill>
@@ -22109,7 +22011,7 @@
           <p:cNvPr id="2" name="标题 1">
             <a:extLst>
               <a:ext uri="{FF2B5EF4-FFF2-40B4-BE49-F238E27FC236}">
-                <a16:creationId xmlns:a16="http://schemas.microsoft.com/office/drawing/2014/main" xmlns="" id="{E96509DE-3F06-43CD-A0BC-6D0825469805}"/>
+                <a16:creationId xmlns:a16="http://schemas.microsoft.com/office/drawing/2014/main" id="{E96509DE-3F06-43CD-A0BC-6D0825469805}"/>
               </a:ext>
             </a:extLst>
           </p:cNvPr>
@@ -22703,7 +22605,7 @@
           <p:nvPr>
             <p:extLst>
               <p:ext uri="{386F3935-93C4-4BCD-93E2-E3B085C9AB24}">
-                <p16:designElem xmlns:p16="http://schemas.microsoft.com/office/powerpoint/2015/main" xmlns="" val="1"/>
+                <p16:designElem xmlns:p16="http://schemas.microsoft.com/office/powerpoint/2015/main" val="1"/>
               </p:ext>
             </p:extLst>
           </p:nvPr>
@@ -22730,7 +22632,7 @@
           <p:cNvPr id="11" name="Freeform 6">
             <a:extLst>
               <a:ext uri="{FF2B5EF4-FFF2-40B4-BE49-F238E27FC236}">
-                <a16:creationId xmlns:a16="http://schemas.microsoft.com/office/drawing/2014/main" xmlns="" id="{8EE457FF-670E-4EC1-ACD4-1173DA9A7975}"/>
+                <a16:creationId xmlns:a16="http://schemas.microsoft.com/office/drawing/2014/main" id="{8EE457FF-670E-4EC1-ACD4-1173DA9A7975}"/>
               </a:ext>
             </a:extLst>
           </p:cNvPr>
@@ -22740,7 +22642,7 @@
           <p:nvPr>
             <p:extLst>
               <p:ext uri="{386F3935-93C4-4BCD-93E2-E3B085C9AB24}">
-                <p16:designElem xmlns:p16="http://schemas.microsoft.com/office/powerpoint/2015/main" xmlns="" val="1"/>
+                <p16:designElem xmlns:p16="http://schemas.microsoft.com/office/powerpoint/2015/main" val="1"/>
               </p:ext>
             </p:extLst>
           </p:nvPr>
@@ -22816,7 +22718,7 @@
           <a:ln/>
           <a:extLst>
             <a:ext uri="{91240B29-F687-4f45-9708-019B960494DF}">
-              <a14:hiddenLine xmlns:a14="http://schemas.microsoft.com/office/drawing/2010/main" xmlns="" w="9525">
+              <a14:hiddenLine xmlns="" xmlns:a14="http://schemas.microsoft.com/office/drawing/2010/main" w="9525">
                 <a:solidFill>
                   <a:srgbClr val="000000"/>
                 </a:solidFill>
@@ -22847,7 +22749,7 @@
           <p:cNvPr id="13" name="Rectangle 12">
             <a:extLst>
               <a:ext uri="{FF2B5EF4-FFF2-40B4-BE49-F238E27FC236}">
-                <a16:creationId xmlns:a16="http://schemas.microsoft.com/office/drawing/2014/main" xmlns="" id="{089A69AF-D57B-49B4-886C-D4A5DC194421}"/>
+                <a16:creationId xmlns:a16="http://schemas.microsoft.com/office/drawing/2014/main" id="{089A69AF-D57B-49B4-886C-D4A5DC194421}"/>
               </a:ext>
             </a:extLst>
           </p:cNvPr>
@@ -22857,7 +22759,7 @@
           <p:nvPr>
             <p:extLst>
               <p:ext uri="{386F3935-93C4-4BCD-93E2-E3B085C9AB24}">
-                <p16:designElem xmlns:p16="http://schemas.microsoft.com/office/powerpoint/2015/main" xmlns="" val="1"/>
+                <p16:designElem xmlns:p16="http://schemas.microsoft.com/office/powerpoint/2015/main" val="1"/>
               </p:ext>
             </p:extLst>
           </p:nvPr>
@@ -22907,7 +22809,7 @@
           <p:cNvPr id="15" name="Freeform: Shape 14">
             <a:extLst>
               <a:ext uri="{FF2B5EF4-FFF2-40B4-BE49-F238E27FC236}">
-                <a16:creationId xmlns:a16="http://schemas.microsoft.com/office/drawing/2014/main" xmlns="" id="{68F2977E-E0AE-4EB4-A059-59E908EB862A}"/>
+                <a16:creationId xmlns:a16="http://schemas.microsoft.com/office/drawing/2014/main" id="{68F2977E-E0AE-4EB4-A059-59E908EB862A}"/>
               </a:ext>
             </a:extLst>
           </p:cNvPr>
@@ -22917,7 +22819,7 @@
           <p:nvPr>
             <p:extLst>
               <p:ext uri="{386F3935-93C4-4BCD-93E2-E3B085C9AB24}">
-                <p16:designElem xmlns:p16="http://schemas.microsoft.com/office/powerpoint/2015/main" xmlns="" val="1"/>
+                <p16:designElem xmlns:p16="http://schemas.microsoft.com/office/powerpoint/2015/main" val="1"/>
               </p:ext>
             </p:extLst>
           </p:nvPr>
@@ -23144,7 +23046,7 @@
           <a:effectLst/>
           <a:extLst>
             <a:ext uri="{91240B29-F687-4f45-9708-019B960494DF}">
-              <a14:hiddenLine xmlns:a14="http://schemas.microsoft.com/office/drawing/2010/main" xmlns:p14="http://schemas.microsoft.com/office/powerpoint/2010/main" xmlns:a16="http://schemas.microsoft.com/office/drawing/2014/main" xmlns="" w="9525">
+              <a14:hiddenLine xmlns="" xmlns:a16="http://schemas.microsoft.com/office/drawing/2014/main" xmlns:p14="http://schemas.microsoft.com/office/powerpoint/2010/main" xmlns:a14="http://schemas.microsoft.com/office/drawing/2010/main" w="9525">
                 <a:solidFill>
                   <a:srgbClr val="000000"/>
                 </a:solidFill>
@@ -23175,7 +23077,7 @@
           <p:cNvPr id="2" name="标题 1">
             <a:extLst>
               <a:ext uri="{FF2B5EF4-FFF2-40B4-BE49-F238E27FC236}">
-                <a16:creationId xmlns:a16="http://schemas.microsoft.com/office/drawing/2014/main" xmlns="" id="{C02436D1-70D4-4430-AC58-3D56BFE150F9}"/>
+                <a16:creationId xmlns:a16="http://schemas.microsoft.com/office/drawing/2014/main" id="{C02436D1-70D4-4430-AC58-3D56BFE150F9}"/>
               </a:ext>
             </a:extLst>
           </p:cNvPr>
@@ -23591,7 +23493,7 @@
           <p:nvPr>
             <p:extLst>
               <p:ext uri="{386F3935-93C4-4BCD-93E2-E3B085C9AB24}">
-                <p16:designElem xmlns:p16="http://schemas.microsoft.com/office/powerpoint/2015/main" xmlns="" val="1"/>
+                <p16:designElem xmlns:p16="http://schemas.microsoft.com/office/powerpoint/2015/main" val="1"/>
               </p:ext>
             </p:extLst>
           </p:nvPr>
@@ -23618,7 +23520,7 @@
           <p:cNvPr id="11" name="Freeform 6">
             <a:extLst>
               <a:ext uri="{FF2B5EF4-FFF2-40B4-BE49-F238E27FC236}">
-                <a16:creationId xmlns:a16="http://schemas.microsoft.com/office/drawing/2014/main" xmlns="" id="{8EE457FF-670E-4EC1-ACD4-1173DA9A7975}"/>
+                <a16:creationId xmlns:a16="http://schemas.microsoft.com/office/drawing/2014/main" id="{8EE457FF-670E-4EC1-ACD4-1173DA9A7975}"/>
               </a:ext>
             </a:extLst>
           </p:cNvPr>
@@ -23628,7 +23530,7 @@
           <p:nvPr>
             <p:extLst>
               <p:ext uri="{386F3935-93C4-4BCD-93E2-E3B085C9AB24}">
-                <p16:designElem xmlns:p16="http://schemas.microsoft.com/office/powerpoint/2015/main" xmlns="" val="1"/>
+                <p16:designElem xmlns:p16="http://schemas.microsoft.com/office/powerpoint/2015/main" val="1"/>
               </p:ext>
             </p:extLst>
           </p:nvPr>
@@ -23704,7 +23606,7 @@
           <a:ln/>
           <a:extLst>
             <a:ext uri="{91240B29-F687-4f45-9708-019B960494DF}">
-              <a14:hiddenLine xmlns:a14="http://schemas.microsoft.com/office/drawing/2010/main" xmlns="" w="9525">
+              <a14:hiddenLine xmlns="" xmlns:a14="http://schemas.microsoft.com/office/drawing/2010/main" w="9525">
                 <a:solidFill>
                   <a:srgbClr val="000000"/>
                 </a:solidFill>
@@ -23735,7 +23637,7 @@
           <p:cNvPr id="13" name="Rectangle 12">
             <a:extLst>
               <a:ext uri="{FF2B5EF4-FFF2-40B4-BE49-F238E27FC236}">
-                <a16:creationId xmlns:a16="http://schemas.microsoft.com/office/drawing/2014/main" xmlns="" id="{089A69AF-D57B-49B4-886C-D4A5DC194421}"/>
+                <a16:creationId xmlns:a16="http://schemas.microsoft.com/office/drawing/2014/main" id="{089A69AF-D57B-49B4-886C-D4A5DC194421}"/>
               </a:ext>
             </a:extLst>
           </p:cNvPr>
@@ -23745,7 +23647,7 @@
           <p:nvPr>
             <p:extLst>
               <p:ext uri="{386F3935-93C4-4BCD-93E2-E3B085C9AB24}">
-                <p16:designElem xmlns:p16="http://schemas.microsoft.com/office/powerpoint/2015/main" xmlns="" val="1"/>
+                <p16:designElem xmlns:p16="http://schemas.microsoft.com/office/powerpoint/2015/main" val="1"/>
               </p:ext>
             </p:extLst>
           </p:nvPr>
@@ -23792,7 +23694,7 @@
           <p:cNvPr id="15" name="Freeform: Shape 14">
             <a:extLst>
               <a:ext uri="{FF2B5EF4-FFF2-40B4-BE49-F238E27FC236}">
-                <a16:creationId xmlns:a16="http://schemas.microsoft.com/office/drawing/2014/main" xmlns="" id="{CABDC08D-6093-4397-92D4-54D00E2BB1C2}"/>
+                <a16:creationId xmlns:a16="http://schemas.microsoft.com/office/drawing/2014/main" id="{CABDC08D-6093-4397-92D4-54D00E2BB1C2}"/>
               </a:ext>
             </a:extLst>
           </p:cNvPr>
@@ -23802,7 +23704,7 @@
           <p:nvPr>
             <p:extLst>
               <p:ext uri="{386F3935-93C4-4BCD-93E2-E3B085C9AB24}">
-                <p16:designElem xmlns:p16="http://schemas.microsoft.com/office/powerpoint/2015/main" xmlns="" val="1"/>
+                <p16:designElem xmlns:p16="http://schemas.microsoft.com/office/powerpoint/2015/main" val="1"/>
               </p:ext>
             </p:extLst>
           </p:nvPr>
@@ -23997,7 +23899,7 @@
           <a:effectLst/>
           <a:extLst>
             <a:ext uri="{91240B29-F687-4f45-9708-019B960494DF}">
-              <a14:hiddenLine xmlns:a14="http://schemas.microsoft.com/office/drawing/2010/main" xmlns:p14="http://schemas.microsoft.com/office/powerpoint/2010/main" xmlns:a16="http://schemas.microsoft.com/office/drawing/2014/main" xmlns="" w="9525">
+              <a14:hiddenLine xmlns="" xmlns:a16="http://schemas.microsoft.com/office/drawing/2014/main" xmlns:p14="http://schemas.microsoft.com/office/powerpoint/2010/main" xmlns:a14="http://schemas.microsoft.com/office/drawing/2010/main" w="9525">
                 <a:solidFill>
                   <a:srgbClr val="000000"/>
                 </a:solidFill>
@@ -24028,7 +23930,7 @@
           <p:cNvPr id="2" name="标题 1">
             <a:extLst>
               <a:ext uri="{FF2B5EF4-FFF2-40B4-BE49-F238E27FC236}">
-                <a16:creationId xmlns:a16="http://schemas.microsoft.com/office/drawing/2014/main" xmlns="" id="{E96509DE-3F06-43CD-A0BC-6D0825469805}"/>
+                <a16:creationId xmlns:a16="http://schemas.microsoft.com/office/drawing/2014/main" id="{E96509DE-3F06-43CD-A0BC-6D0825469805}"/>
               </a:ext>
             </a:extLst>
           </p:cNvPr>
@@ -24315,7 +24217,7 @@
           <p:nvPr>
             <p:extLst>
               <p:ext uri="{386F3935-93C4-4BCD-93E2-E3B085C9AB24}">
-                <p16:designElem xmlns:p16="http://schemas.microsoft.com/office/powerpoint/2015/main" xmlns="" val="1"/>
+                <p16:designElem xmlns:p16="http://schemas.microsoft.com/office/powerpoint/2015/main" val="1"/>
               </p:ext>
             </p:extLst>
           </p:nvPr>
@@ -24342,7 +24244,7 @@
           <p:cNvPr id="11" name="Freeform 6">
             <a:extLst>
               <a:ext uri="{FF2B5EF4-FFF2-40B4-BE49-F238E27FC236}">
-                <a16:creationId xmlns:a16="http://schemas.microsoft.com/office/drawing/2014/main" xmlns="" id="{8EE457FF-670E-4EC1-ACD4-1173DA9A7975}"/>
+                <a16:creationId xmlns:a16="http://schemas.microsoft.com/office/drawing/2014/main" id="{8EE457FF-670E-4EC1-ACD4-1173DA9A7975}"/>
               </a:ext>
             </a:extLst>
           </p:cNvPr>
@@ -24352,7 +24254,7 @@
           <p:nvPr>
             <p:extLst>
               <p:ext uri="{386F3935-93C4-4BCD-93E2-E3B085C9AB24}">
-                <p16:designElem xmlns:p16="http://schemas.microsoft.com/office/powerpoint/2015/main" xmlns="" val="1"/>
+                <p16:designElem xmlns:p16="http://schemas.microsoft.com/office/powerpoint/2015/main" val="1"/>
               </p:ext>
             </p:extLst>
           </p:nvPr>
@@ -24428,7 +24330,7 @@
           <a:ln/>
           <a:extLst>
             <a:ext uri="{91240B29-F687-4f45-9708-019B960494DF}">
-              <a14:hiddenLine xmlns:a14="http://schemas.microsoft.com/office/drawing/2010/main" xmlns="" w="9525">
+              <a14:hiddenLine xmlns="" xmlns:a14="http://schemas.microsoft.com/office/drawing/2010/main" w="9525">
                 <a:solidFill>
                   <a:srgbClr val="000000"/>
                 </a:solidFill>
@@ -24459,7 +24361,7 @@
           <p:cNvPr id="13" name="Rectangle 12">
             <a:extLst>
               <a:ext uri="{FF2B5EF4-FFF2-40B4-BE49-F238E27FC236}">
-                <a16:creationId xmlns:a16="http://schemas.microsoft.com/office/drawing/2014/main" xmlns="" id="{089A69AF-D57B-49B4-886C-D4A5DC194421}"/>
+                <a16:creationId xmlns:a16="http://schemas.microsoft.com/office/drawing/2014/main" id="{089A69AF-D57B-49B4-886C-D4A5DC194421}"/>
               </a:ext>
             </a:extLst>
           </p:cNvPr>
@@ -24469,7 +24371,7 @@
           <p:nvPr>
             <p:extLst>
               <p:ext uri="{386F3935-93C4-4BCD-93E2-E3B085C9AB24}">
-                <p16:designElem xmlns:p16="http://schemas.microsoft.com/office/powerpoint/2015/main" xmlns="" val="1"/>
+                <p16:designElem xmlns:p16="http://schemas.microsoft.com/office/powerpoint/2015/main" val="1"/>
               </p:ext>
             </p:extLst>
           </p:nvPr>
@@ -24519,7 +24421,7 @@
           <p:cNvPr id="15" name="Freeform: Shape 14">
             <a:extLst>
               <a:ext uri="{FF2B5EF4-FFF2-40B4-BE49-F238E27FC236}">
-                <a16:creationId xmlns:a16="http://schemas.microsoft.com/office/drawing/2014/main" xmlns="" id="{68F2977E-E0AE-4EB4-A059-59E908EB862A}"/>
+                <a16:creationId xmlns:a16="http://schemas.microsoft.com/office/drawing/2014/main" id="{68F2977E-E0AE-4EB4-A059-59E908EB862A}"/>
               </a:ext>
             </a:extLst>
           </p:cNvPr>
@@ -24529,7 +24431,7 @@
           <p:nvPr>
             <p:extLst>
               <p:ext uri="{386F3935-93C4-4BCD-93E2-E3B085C9AB24}">
-                <p16:designElem xmlns:p16="http://schemas.microsoft.com/office/powerpoint/2015/main" xmlns="" val="1"/>
+                <p16:designElem xmlns:p16="http://schemas.microsoft.com/office/powerpoint/2015/main" val="1"/>
               </p:ext>
             </p:extLst>
           </p:nvPr>
@@ -24756,7 +24658,7 @@
           <a:effectLst/>
           <a:extLst>
             <a:ext uri="{91240B29-F687-4f45-9708-019B960494DF}">
-              <a14:hiddenLine xmlns:a14="http://schemas.microsoft.com/office/drawing/2010/main" xmlns:p14="http://schemas.microsoft.com/office/powerpoint/2010/main" xmlns:a16="http://schemas.microsoft.com/office/drawing/2014/main" xmlns="" w="9525">
+              <a14:hiddenLine xmlns="" xmlns:a16="http://schemas.microsoft.com/office/drawing/2014/main" xmlns:p14="http://schemas.microsoft.com/office/powerpoint/2010/main" xmlns:a14="http://schemas.microsoft.com/office/drawing/2010/main" w="9525">
                 <a:solidFill>
                   <a:srgbClr val="000000"/>
                 </a:solidFill>
@@ -24787,7 +24689,7 @@
           <p:cNvPr id="2" name="标题 1">
             <a:extLst>
               <a:ext uri="{FF2B5EF4-FFF2-40B4-BE49-F238E27FC236}">
-                <a16:creationId xmlns:a16="http://schemas.microsoft.com/office/drawing/2014/main" xmlns="" id="{C02436D1-70D4-4430-AC58-3D56BFE150F9}"/>
+                <a16:creationId xmlns:a16="http://schemas.microsoft.com/office/drawing/2014/main" id="{C02436D1-70D4-4430-AC58-3D56BFE150F9}"/>
               </a:ext>
             </a:extLst>
           </p:cNvPr>
@@ -25195,7 +25097,7 @@
           <p:nvPr>
             <p:extLst>
               <p:ext uri="{386F3935-93C4-4BCD-93E2-E3B085C9AB24}">
-                <p16:designElem xmlns:p16="http://schemas.microsoft.com/office/powerpoint/2015/main" xmlns="" val="1"/>
+                <p16:designElem xmlns:p16="http://schemas.microsoft.com/office/powerpoint/2015/main" val="1"/>
               </p:ext>
             </p:extLst>
           </p:nvPr>
@@ -25222,7 +25124,7 @@
           <p:cNvPr id="11" name="Freeform 6">
             <a:extLst>
               <a:ext uri="{FF2B5EF4-FFF2-40B4-BE49-F238E27FC236}">
-                <a16:creationId xmlns:a16="http://schemas.microsoft.com/office/drawing/2014/main" xmlns="" id="{8EE457FF-670E-4EC1-ACD4-1173DA9A7975}"/>
+                <a16:creationId xmlns:a16="http://schemas.microsoft.com/office/drawing/2014/main" id="{8EE457FF-670E-4EC1-ACD4-1173DA9A7975}"/>
               </a:ext>
             </a:extLst>
           </p:cNvPr>
@@ -25232,7 +25134,7 @@
           <p:nvPr>
             <p:extLst>
               <p:ext uri="{386F3935-93C4-4BCD-93E2-E3B085C9AB24}">
-                <p16:designElem xmlns:p16="http://schemas.microsoft.com/office/powerpoint/2015/main" xmlns="" val="1"/>
+                <p16:designElem xmlns:p16="http://schemas.microsoft.com/office/powerpoint/2015/main" val="1"/>
               </p:ext>
             </p:extLst>
           </p:nvPr>
@@ -25308,7 +25210,7 @@
           <a:ln/>
           <a:extLst>
             <a:ext uri="{91240B29-F687-4f45-9708-019B960494DF}">
-              <a14:hiddenLine xmlns:a14="http://schemas.microsoft.com/office/drawing/2010/main" xmlns="" w="9525">
+              <a14:hiddenLine xmlns="" xmlns:a14="http://schemas.microsoft.com/office/drawing/2010/main" w="9525">
                 <a:solidFill>
                   <a:srgbClr val="000000"/>
                 </a:solidFill>
@@ -25339,7 +25241,7 @@
           <p:cNvPr id="13" name="Rectangle 12">
             <a:extLst>
               <a:ext uri="{FF2B5EF4-FFF2-40B4-BE49-F238E27FC236}">
-                <a16:creationId xmlns:a16="http://schemas.microsoft.com/office/drawing/2014/main" xmlns="" id="{089A69AF-D57B-49B4-886C-D4A5DC194421}"/>
+                <a16:creationId xmlns:a16="http://schemas.microsoft.com/office/drawing/2014/main" id="{089A69AF-D57B-49B4-886C-D4A5DC194421}"/>
               </a:ext>
             </a:extLst>
           </p:cNvPr>
@@ -25349,7 +25251,7 @@
           <p:nvPr>
             <p:extLst>
               <p:ext uri="{386F3935-93C4-4BCD-93E2-E3B085C9AB24}">
-                <p16:designElem xmlns:p16="http://schemas.microsoft.com/office/powerpoint/2015/main" xmlns="" val="1"/>
+                <p16:designElem xmlns:p16="http://schemas.microsoft.com/office/powerpoint/2015/main" val="1"/>
               </p:ext>
             </p:extLst>
           </p:nvPr>
@@ -25396,7 +25298,7 @@
           <p:cNvPr id="15" name="Freeform: Shape 14">
             <a:extLst>
               <a:ext uri="{FF2B5EF4-FFF2-40B4-BE49-F238E27FC236}">
-                <a16:creationId xmlns:a16="http://schemas.microsoft.com/office/drawing/2014/main" xmlns="" id="{CABDC08D-6093-4397-92D4-54D00E2BB1C2}"/>
+                <a16:creationId xmlns:a16="http://schemas.microsoft.com/office/drawing/2014/main" id="{CABDC08D-6093-4397-92D4-54D00E2BB1C2}"/>
               </a:ext>
             </a:extLst>
           </p:cNvPr>
@@ -25406,7 +25308,7 @@
           <p:nvPr>
             <p:extLst>
               <p:ext uri="{386F3935-93C4-4BCD-93E2-E3B085C9AB24}">
-                <p16:designElem xmlns:p16="http://schemas.microsoft.com/office/powerpoint/2015/main" xmlns="" val="1"/>
+                <p16:designElem xmlns:p16="http://schemas.microsoft.com/office/powerpoint/2015/main" val="1"/>
               </p:ext>
             </p:extLst>
           </p:nvPr>
@@ -25601,7 +25503,7 @@
           <a:effectLst/>
           <a:extLst>
             <a:ext uri="{91240B29-F687-4f45-9708-019B960494DF}">
-              <a14:hiddenLine xmlns:a14="http://schemas.microsoft.com/office/drawing/2010/main" xmlns:p14="http://schemas.microsoft.com/office/powerpoint/2010/main" xmlns:a16="http://schemas.microsoft.com/office/drawing/2014/main" xmlns="" w="9525">
+              <a14:hiddenLine xmlns="" xmlns:a16="http://schemas.microsoft.com/office/drawing/2014/main" xmlns:p14="http://schemas.microsoft.com/office/powerpoint/2010/main" xmlns:a14="http://schemas.microsoft.com/office/drawing/2010/main" w="9525">
                 <a:solidFill>
                   <a:srgbClr val="000000"/>
                 </a:solidFill>
@@ -25632,7 +25534,7 @@
           <p:cNvPr id="2" name="标题 1">
             <a:extLst>
               <a:ext uri="{FF2B5EF4-FFF2-40B4-BE49-F238E27FC236}">
-                <a16:creationId xmlns:a16="http://schemas.microsoft.com/office/drawing/2014/main" xmlns="" id="{E96509DE-3F06-43CD-A0BC-6D0825469805}"/>
+                <a16:creationId xmlns:a16="http://schemas.microsoft.com/office/drawing/2014/main" id="{E96509DE-3F06-43CD-A0BC-6D0825469805}"/>
               </a:ext>
             </a:extLst>
           </p:cNvPr>
@@ -26134,7 +26036,7 @@
           <p:cNvPr id="2" name="标题 1">
             <a:extLst>
               <a:ext uri="{FF2B5EF4-FFF2-40B4-BE49-F238E27FC236}">
-                <a16:creationId xmlns:a16="http://schemas.microsoft.com/office/drawing/2014/main" xmlns="" id="{029433F6-C7F9-4690-9C8A-51E513DA7BE9}"/>
+                <a16:creationId xmlns:a16="http://schemas.microsoft.com/office/drawing/2014/main" id="{029433F6-C7F9-4690-9C8A-51E513DA7BE9}"/>
               </a:ext>
             </a:extLst>
           </p:cNvPr>
@@ -26168,7 +26070,7 @@
             <a:hlinkClick r:id="rId2"/>
             <a:extLst>
               <a:ext uri="{FF2B5EF4-FFF2-40B4-BE49-F238E27FC236}">
-                <a16:creationId xmlns:a16="http://schemas.microsoft.com/office/drawing/2014/main" xmlns="" id="{220C1E04-0FAA-4810-9EB8-4FB5668628C3}"/>
+                <a16:creationId xmlns:a16="http://schemas.microsoft.com/office/drawing/2014/main" id="{220C1E04-0FAA-4810-9EB8-4FB5668628C3}"/>
               </a:ext>
             </a:extLst>
           </p:cNvPr>
@@ -26502,7 +26404,7 @@
           <p:cNvPr id="2" name="标题 1">
             <a:extLst>
               <a:ext uri="{FF2B5EF4-FFF2-40B4-BE49-F238E27FC236}">
-                <a16:creationId xmlns:a16="http://schemas.microsoft.com/office/drawing/2014/main" xmlns="" id="{03F261DD-73E4-4180-97FD-1EE25B466BF2}"/>
+                <a16:creationId xmlns:a16="http://schemas.microsoft.com/office/drawing/2014/main" id="{03F261DD-73E4-4180-97FD-1EE25B466BF2}"/>
               </a:ext>
             </a:extLst>
           </p:cNvPr>
@@ -26551,7 +26453,7 @@
           <p:cNvPr id="3" name="内容占位符 2">
             <a:extLst>
               <a:ext uri="{FF2B5EF4-FFF2-40B4-BE49-F238E27FC236}">
-                <a16:creationId xmlns:a16="http://schemas.microsoft.com/office/drawing/2014/main" xmlns="" id="{2C3B77C6-9D77-4837-923D-3F06EBDDE5C8}"/>
+                <a16:creationId xmlns:a16="http://schemas.microsoft.com/office/drawing/2014/main" id="{2C3B77C6-9D77-4837-923D-3F06EBDDE5C8}"/>
               </a:ext>
             </a:extLst>
           </p:cNvPr>
@@ -26580,7 +26482,7 @@
             </a:r>
             <a:r>
               <a:rPr lang="en-US" altLang="zh-CN" sz="2800" dirty="0"/>
-              <a:t>——3</a:t>
+              <a:t>——4</a:t>
             </a:r>
             <a:r>
               <a:rPr lang="zh-CN" altLang="en-US" sz="2800" dirty="0"/>
@@ -26602,6 +26504,29 @@
               <a:t>制作</a:t>
             </a:r>
             <a:r>
+              <a:rPr lang="en-US" altLang="zh-CN" sz="2800"/>
+              <a:t>——1</a:t>
+            </a:r>
+            <a:r>
+              <a:rPr lang="zh-CN" altLang="en-US" sz="2800"/>
+              <a:t>分</a:t>
+            </a:r>
+            <a:endParaRPr lang="en-US" altLang="zh-CN" sz="2800" dirty="0"/>
+          </a:p>
+          <a:p>
+            <a:r>
+              <a:rPr lang="zh-CN" altLang="en-US" sz="2800" dirty="0"/>
+              <a:t>徐鹏部分</a:t>
+            </a:r>
+            <a:r>
+              <a:rPr lang="en-US" altLang="zh-CN" sz="2800" dirty="0"/>
+              <a:t>PPT</a:t>
+            </a:r>
+            <a:r>
+              <a:rPr lang="zh-CN" altLang="en-US" sz="2800" dirty="0"/>
+              <a:t>制作</a:t>
+            </a:r>
+            <a:r>
               <a:rPr lang="en-US" altLang="zh-CN" sz="2800" dirty="0"/>
               <a:t>——2</a:t>
             </a:r>
@@ -26614,7 +26539,30 @@
           <a:p>
             <a:r>
               <a:rPr lang="zh-CN" altLang="en-US" sz="2800" dirty="0"/>
-              <a:t>徐鹏部分</a:t>
+              <a:t>陈泓见（负责人）部分制作</a:t>
+            </a:r>
+            <a:r>
+              <a:rPr lang="en-US" altLang="zh-CN" sz="2800" dirty="0"/>
+              <a:t>PPT+</a:t>
+            </a:r>
+            <a:r>
+              <a:rPr lang="zh-CN" altLang="en-US" sz="2800" dirty="0"/>
+              <a:t>整合</a:t>
+            </a:r>
+            <a:r>
+              <a:rPr lang="en-US" altLang="zh-CN" sz="2800" dirty="0"/>
+              <a:t>PPT——5</a:t>
+            </a:r>
+            <a:r>
+              <a:rPr lang="zh-CN" altLang="en-US" sz="2800" dirty="0"/>
+              <a:t>分</a:t>
+            </a:r>
+            <a:endParaRPr lang="en-US" altLang="zh-CN" sz="2800" dirty="0"/>
+          </a:p>
+          <a:p>
+            <a:r>
+              <a:rPr lang="zh-CN" altLang="en-US" sz="2800" dirty="0"/>
+              <a:t>童威男查验</a:t>
             </a:r>
             <a:r>
               <a:rPr lang="en-US" altLang="zh-CN" sz="2800" dirty="0"/>
@@ -26622,57 +26570,11 @@
             </a:r>
             <a:r>
               <a:rPr lang="zh-CN" altLang="en-US" sz="2800" dirty="0"/>
-              <a:t>制作</a:t>
+              <a:t>和做最后的修改</a:t>
             </a:r>
             <a:r>
               <a:rPr lang="en-US" altLang="zh-CN" sz="2800" dirty="0"/>
-              <a:t>——2</a:t>
-            </a:r>
-            <a:r>
-              <a:rPr lang="zh-CN" altLang="en-US" sz="2800" dirty="0"/>
-              <a:t>分</a:t>
-            </a:r>
-            <a:endParaRPr lang="en-US" altLang="zh-CN" sz="2800" dirty="0"/>
-          </a:p>
-          <a:p>
-            <a:r>
-              <a:rPr lang="zh-CN" altLang="en-US" sz="2800" dirty="0"/>
-              <a:t>陈泓见（负责人）部分制作</a:t>
-            </a:r>
-            <a:r>
-              <a:rPr lang="en-US" altLang="zh-CN" sz="2800" dirty="0"/>
-              <a:t>PPT+</a:t>
-            </a:r>
-            <a:r>
-              <a:rPr lang="zh-CN" altLang="en-US" sz="2800" dirty="0"/>
-              <a:t>整合</a:t>
-            </a:r>
-            <a:r>
-              <a:rPr lang="en-US" altLang="zh-CN" sz="2800" dirty="0"/>
-              <a:t>PPT——4</a:t>
-            </a:r>
-            <a:r>
-              <a:rPr lang="zh-CN" altLang="en-US" sz="2800" dirty="0"/>
-              <a:t>分</a:t>
-            </a:r>
-            <a:endParaRPr lang="en-US" altLang="zh-CN" sz="2800" dirty="0"/>
-          </a:p>
-          <a:p>
-            <a:r>
-              <a:rPr lang="zh-CN" altLang="en-US" sz="2800" dirty="0"/>
-              <a:t>童威男查验</a:t>
-            </a:r>
-            <a:r>
-              <a:rPr lang="en-US" altLang="zh-CN" sz="2800" dirty="0"/>
-              <a:t>PPT</a:t>
-            </a:r>
-            <a:r>
-              <a:rPr lang="zh-CN" altLang="en-US" sz="2800" dirty="0"/>
-              <a:t>和做最后的修改</a:t>
-            </a:r>
-            <a:r>
-              <a:rPr lang="en-US" altLang="zh-CN" sz="2800" dirty="0"/>
-              <a:t>——2</a:t>
+              <a:t>——3</a:t>
             </a:r>
             <a:r>
               <a:rPr lang="zh-CN" altLang="en-US" sz="2800" dirty="0"/>
@@ -26719,7 +26621,7 @@
           <p:cNvPr id="2" name="标题 1">
             <a:extLst>
               <a:ext uri="{FF2B5EF4-FFF2-40B4-BE49-F238E27FC236}">
-                <a16:creationId xmlns:a16="http://schemas.microsoft.com/office/drawing/2014/main" xmlns="" id="{8050F867-BC96-4BDE-8D9B-B611C1196787}"/>
+                <a16:creationId xmlns:a16="http://schemas.microsoft.com/office/drawing/2014/main" id="{8050F867-BC96-4BDE-8D9B-B611C1196787}"/>
               </a:ext>
             </a:extLst>
           </p:cNvPr>
@@ -26760,7 +26662,7 @@
           <p:cNvPr id="3" name="文本框 2">
             <a:extLst>
               <a:ext uri="{FF2B5EF4-FFF2-40B4-BE49-F238E27FC236}">
-                <a16:creationId xmlns:a16="http://schemas.microsoft.com/office/drawing/2014/main" xmlns="" id="{4CDAD1FD-D4D8-48D1-81CD-F860BAF3F91C}"/>
+                <a16:creationId xmlns:a16="http://schemas.microsoft.com/office/drawing/2014/main" id="{4CDAD1FD-D4D8-48D1-81CD-F860BAF3F91C}"/>
               </a:ext>
             </a:extLst>
           </p:cNvPr>
@@ -26892,7 +26794,7 @@
           <p:cNvPr id="2" name="标题 1">
             <a:extLst>
               <a:ext uri="{FF2B5EF4-FFF2-40B4-BE49-F238E27FC236}">
-                <a16:creationId xmlns:a16="http://schemas.microsoft.com/office/drawing/2014/main" xmlns="" id="{07F82CAD-895A-43D3-8349-0BA3C86A2196}"/>
+                <a16:creationId xmlns:a16="http://schemas.microsoft.com/office/drawing/2014/main" id="{07F82CAD-895A-43D3-8349-0BA3C86A2196}"/>
               </a:ext>
             </a:extLst>
           </p:cNvPr>
@@ -26931,7 +26833,7 @@
           <p:cNvPr id="3" name="内容占位符 2">
             <a:extLst>
               <a:ext uri="{FF2B5EF4-FFF2-40B4-BE49-F238E27FC236}">
-                <a16:creationId xmlns:a16="http://schemas.microsoft.com/office/drawing/2014/main" xmlns="" id="{46AF0ABC-912E-4F6F-A3AC-D7B963232466}"/>
+                <a16:creationId xmlns:a16="http://schemas.microsoft.com/office/drawing/2014/main" id="{46AF0ABC-912E-4F6F-A3AC-D7B963232466}"/>
               </a:ext>
             </a:extLst>
           </p:cNvPr>
@@ -27205,7 +27107,7 @@
           <p:cNvPr id="2" name="标题 1">
             <a:extLst>
               <a:ext uri="{FF2B5EF4-FFF2-40B4-BE49-F238E27FC236}">
-                <a16:creationId xmlns:a16="http://schemas.microsoft.com/office/drawing/2014/main" xmlns="" id="{07F82CAD-895A-43D3-8349-0BA3C86A2196}"/>
+                <a16:creationId xmlns:a16="http://schemas.microsoft.com/office/drawing/2014/main" id="{07F82CAD-895A-43D3-8349-0BA3C86A2196}"/>
               </a:ext>
             </a:extLst>
           </p:cNvPr>
@@ -27244,7 +27146,7 @@
           <p:cNvPr id="3" name="内容占位符 2">
             <a:extLst>
               <a:ext uri="{FF2B5EF4-FFF2-40B4-BE49-F238E27FC236}">
-                <a16:creationId xmlns:a16="http://schemas.microsoft.com/office/drawing/2014/main" xmlns="" id="{46AF0ABC-912E-4F6F-A3AC-D7B963232466}"/>
+                <a16:creationId xmlns:a16="http://schemas.microsoft.com/office/drawing/2014/main" id="{46AF0ABC-912E-4F6F-A3AC-D7B963232466}"/>
               </a:ext>
             </a:extLst>
           </p:cNvPr>
@@ -27551,7 +27453,7 @@
           <p:cNvPr id="4" name="内容占位符 2">
             <a:extLst>
               <a:ext uri="{FF2B5EF4-FFF2-40B4-BE49-F238E27FC236}">
-                <a16:creationId xmlns:a16="http://schemas.microsoft.com/office/drawing/2014/main" xmlns="" id="{46AF0ABC-912E-4F6F-A3AC-D7B963232466}"/>
+                <a16:creationId xmlns:a16="http://schemas.microsoft.com/office/drawing/2014/main" id="{46AF0ABC-912E-4F6F-A3AC-D7B963232466}"/>
               </a:ext>
             </a:extLst>
           </p:cNvPr>
@@ -27643,7 +27545,7 @@
               <a:t>计算机科学家</a:t>
             </a:r>
             <a:r>
-              <a:rPr lang="zh-CN" altLang="zh-CN" sz="3200" dirty="0" smtClean="0">
+              <a:rPr lang="zh-CN" altLang="zh-CN" sz="3200" dirty="0">
                 <a:latin typeface="+mn-ea"/>
               </a:rPr>
               <a:t>和</a:t>
@@ -27667,54 +27569,34 @@
               <a:t>学家</a:t>
             </a:r>
             <a:r>
-              <a:rPr lang="zh-CN" altLang="zh-CN" sz="3200" dirty="0" smtClean="0">
+              <a:rPr lang="zh-CN" altLang="zh-CN" sz="3200" dirty="0">
                 <a:latin typeface="+mn-ea"/>
               </a:rPr>
               <a:t>，</a:t>
             </a:r>
             <a:r>
               <a:rPr lang="zh-CN" altLang="zh-CN" sz="3200" dirty="0"/>
-              <a:t>主要研究兴趣是形式描述语言</a:t>
-            </a:r>
-            <a:r>
-              <a:rPr lang="zh-CN" altLang="zh-CN" sz="3200" dirty="0" smtClean="0"/>
+              <a:t>主要研究兴趣是形式描述语言，</a:t>
+            </a:r>
+            <a:r>
+              <a:rPr lang="en-US" altLang="zh-CN" sz="3200" dirty="0"/>
+              <a:t> “ </a:t>
+            </a:r>
+            <a:r>
+              <a:rPr lang="zh-CN" altLang="zh-CN" sz="3200" dirty="0"/>
+              <a:t>计算语义，编程生产力工具，以及使用复杂算法和数据结构的应用程序</a:t>
+            </a:r>
+            <a:r>
+              <a:rPr lang="en-US" altLang="zh-CN" sz="3200" dirty="0"/>
+              <a:t>”</a:t>
+            </a:r>
+            <a:r>
+              <a:rPr lang="zh-CN" altLang="en-US" sz="3200" dirty="0"/>
               <a:t>，</a:t>
             </a:r>
             <a:r>
-              <a:rPr lang="en-US" altLang="zh-CN" sz="3200" dirty="0"/>
-              <a:t> </a:t>
-            </a:r>
-            <a:r>
-              <a:rPr lang="en-US" altLang="zh-CN" sz="3200" dirty="0" smtClean="0"/>
-              <a:t>“ </a:t>
-            </a:r>
-            <a:r>
-              <a:rPr lang="zh-CN" altLang="zh-CN" sz="3200" dirty="0" smtClean="0"/>
-              <a:t>计算</a:t>
-            </a:r>
-            <a:r>
               <a:rPr lang="zh-CN" altLang="zh-CN" sz="3200" dirty="0"/>
-              <a:t>语义，编程生产力工具，以及使用复杂算法和数据结构的</a:t>
-            </a:r>
-            <a:r>
-              <a:rPr lang="zh-CN" altLang="zh-CN" sz="3200" dirty="0" smtClean="0"/>
-              <a:t>应用程序</a:t>
-            </a:r>
-            <a:r>
-              <a:rPr lang="en-US" altLang="zh-CN" sz="3200" dirty="0" smtClean="0"/>
-              <a:t>”</a:t>
-            </a:r>
-            <a:r>
-              <a:rPr lang="zh-CN" altLang="en-US" sz="3200" dirty="0" smtClean="0"/>
-              <a:t>，</a:t>
-            </a:r>
-            <a:r>
-              <a:rPr lang="zh-CN" altLang="zh-CN" sz="3200" dirty="0" smtClean="0"/>
-              <a:t>以</a:t>
-            </a:r>
-            <a:r>
-              <a:rPr lang="zh-CN" altLang="zh-CN" sz="3200" dirty="0"/>
-              <a:t>创作</a:t>
+              <a:t>以创作</a:t>
             </a:r>
             <a:r>
               <a:rPr lang="en-US" altLang="zh-CN" sz="3200" dirty="0" err="1"/>
@@ -27746,11 +27628,7 @@
             </a:r>
             <a:r>
               <a:rPr lang="zh-CN" altLang="zh-CN" sz="3200" dirty="0"/>
-              <a:t>）而着称</a:t>
-            </a:r>
-            <a:r>
-              <a:rPr lang="zh-CN" altLang="zh-CN" sz="3200" dirty="0" smtClean="0"/>
-              <a:t>。</a:t>
+              <a:t>）而着称。</a:t>
             </a:r>
             <a:endParaRPr lang="zh-CN" altLang="en-US" b="1" dirty="0"/>
           </a:p>
@@ -27901,11 +27779,7 @@
             </a:r>
             <a:r>
               <a:rPr lang="en-US" altLang="zh-CN" sz="6000" dirty="0"/>
-              <a:t> </a:t>
-            </a:r>
-            <a:r>
-              <a:rPr lang="en-US" altLang="zh-CN" sz="6000" dirty="0" smtClean="0"/>
-              <a:t>Jacobson</a:t>
+              <a:t> Jacobson</a:t>
             </a:r>
             <a:endParaRPr lang="zh-CN" altLang="en-US" sz="6000" dirty="0"/>
           </a:p>
@@ -27916,7 +27790,7 @@
           <p:cNvPr id="4" name="内容占位符 2">
             <a:extLst>
               <a:ext uri="{FF2B5EF4-FFF2-40B4-BE49-F238E27FC236}">
-                <a16:creationId xmlns:a16="http://schemas.microsoft.com/office/drawing/2014/main" xmlns="" id="{46AF0ABC-912E-4F6F-A3AC-D7B963232466}"/>
+                <a16:creationId xmlns:a16="http://schemas.microsoft.com/office/drawing/2014/main" id="{46AF0ABC-912E-4F6F-A3AC-D7B963232466}"/>
               </a:ext>
             </a:extLst>
           </p:cNvPr>
@@ -28043,14 +27917,10 @@
             </a:r>
             <a:r>
               <a:rPr lang="zh-CN" altLang="zh-CN" sz="3200" dirty="0"/>
-              <a:t>的主要贡献</a:t>
-            </a:r>
-            <a:r>
-              <a:rPr lang="zh-CN" altLang="zh-CN" sz="3200" dirty="0" smtClean="0"/>
-              <a:t>者</a:t>
-            </a:r>
-            <a:r>
-              <a:rPr lang="zh-CN" altLang="en-US" sz="3200" dirty="0" smtClean="0"/>
+              <a:t>的主要贡献者</a:t>
+            </a:r>
+            <a:r>
+              <a:rPr lang="zh-CN" altLang="en-US" sz="3200" dirty="0"/>
               <a:t>。</a:t>
             </a:r>
             <a:endParaRPr lang="zh-CN" altLang="zh-CN" sz="3200" dirty="0"/>
@@ -28204,7 +28074,7 @@
               <a:t>Grady </a:t>
             </a:r>
             <a:r>
-              <a:rPr lang="en-US" altLang="zh-CN" sz="6000" b="0" dirty="0" err="1" smtClean="0"/>
+              <a:rPr lang="en-US" altLang="zh-CN" sz="6000" b="0" dirty="0" err="1"/>
               <a:t>Booch</a:t>
             </a:r>
             <a:endParaRPr lang="zh-CN" altLang="en-US" sz="6000" dirty="0"/>
@@ -28216,7 +28086,7 @@
           <p:cNvPr id="4" name="内容占位符 2">
             <a:extLst>
               <a:ext uri="{FF2B5EF4-FFF2-40B4-BE49-F238E27FC236}">
-                <a16:creationId xmlns:a16="http://schemas.microsoft.com/office/drawing/2014/main" xmlns="" id="{46AF0ABC-912E-4F6F-A3AC-D7B963232466}"/>
+                <a16:creationId xmlns:a16="http://schemas.microsoft.com/office/drawing/2014/main" id="{46AF0ABC-912E-4F6F-A3AC-D7B963232466}"/>
               </a:ext>
             </a:extLst>
           </p:cNvPr>
@@ -28280,11 +28150,7 @@
             </a:r>
             <a:r>
               <a:rPr lang="zh-CN" altLang="en-US" sz="3200" dirty="0"/>
-              <a:t>日）是美国软件工程</a:t>
-            </a:r>
-            <a:r>
-              <a:rPr lang="zh-CN" altLang="en-US" sz="3200" dirty="0" smtClean="0"/>
-              <a:t>师以</a:t>
+              <a:t>日）是美国软件工程师以</a:t>
             </a:r>
             <a:r>
               <a:rPr lang="en-US" altLang="zh-CN" sz="3200" dirty="0" err="1"/>
@@ -28308,11 +28174,7 @@
             </a:r>
             <a:r>
               <a:rPr lang="zh-CN" altLang="en-US" sz="3200" dirty="0"/>
-              <a:t>开发统一建模</a:t>
-            </a:r>
-            <a:r>
-              <a:rPr lang="zh-CN" altLang="en-US" sz="3200" dirty="0" smtClean="0"/>
-              <a:t>语言（</a:t>
+              <a:t>开发统一建模语言（</a:t>
             </a:r>
             <a:r>
               <a:rPr lang="en-US" altLang="zh-CN" sz="3200" dirty="0"/>
@@ -28323,14 +28185,11 @@
               <a:t>）而闻名。他在软件架构，软件工程和协作开发环境方面的创新工作被国际公认</a:t>
             </a:r>
             <a:r>
-              <a:rPr lang="zh-CN" altLang="zh-CN" sz="3200" dirty="0" smtClean="0">
+              <a:rPr lang="zh-CN" altLang="zh-CN" sz="3200" dirty="0">
                 <a:latin typeface="+mn-ea"/>
               </a:rPr>
               <a:t>。 </a:t>
             </a:r>
-            <a:endParaRPr lang="zh-CN" altLang="zh-CN" sz="3200" dirty="0">
-              <a:latin typeface="+mn-ea"/>
-            </a:endParaRPr>
           </a:p>
           <a:p>
             <a:endParaRPr lang="zh-CN" altLang="en-US" b="1" dirty="0"/>
@@ -28554,7 +28413,7 @@
           <p:cNvPr id="4" name="内容占位符 2">
             <a:extLst>
               <a:ext uri="{FF2B5EF4-FFF2-40B4-BE49-F238E27FC236}">
-                <a16:creationId xmlns:a16="http://schemas.microsoft.com/office/drawing/2014/main" xmlns="" id="{46AF0ABC-912E-4F6F-A3AC-D7B963232466}"/>
+                <a16:creationId xmlns:a16="http://schemas.microsoft.com/office/drawing/2014/main" id="{46AF0ABC-912E-4F6F-A3AC-D7B963232466}"/>
               </a:ext>
             </a:extLst>
           </p:cNvPr>
@@ -28588,20 +28447,8 @@
               <a:t> Object-Oriented Analysis (OOA) </a:t>
             </a:r>
             <a:r>
-              <a:rPr lang="zh-CN" altLang="en-US" sz="3200" dirty="0" smtClean="0"/>
+              <a:rPr lang="zh-CN" altLang="en-US" sz="3200" dirty="0"/>
               <a:t>也被称为</a:t>
-            </a:r>
-            <a:r>
-              <a:rPr lang="en-US" altLang="zh-CN" sz="3200" dirty="0" err="1" smtClean="0"/>
-              <a:t>Shlaer</a:t>
-            </a:r>
-            <a:r>
-              <a:rPr lang="en-US" altLang="zh-CN" sz="3200" dirty="0" smtClean="0"/>
-              <a:t>-Mellor</a:t>
-            </a:r>
-            <a:r>
-              <a:rPr lang="zh-CN" altLang="en-US" sz="3200" dirty="0" smtClean="0"/>
-              <a:t>方法</a:t>
             </a:r>
             <a:r>
               <a:rPr lang="en-US" altLang="zh-CN" sz="3200" dirty="0" err="1"/>
@@ -28612,7 +28459,19 @@
               <a:t>-Mellor</a:t>
             </a:r>
             <a:r>
-              <a:rPr lang="zh-CN" altLang="en-US" sz="3200" dirty="0" smtClean="0"/>
+              <a:rPr lang="zh-CN" altLang="en-US" sz="3200" dirty="0"/>
+              <a:t>方法</a:t>
+            </a:r>
+            <a:r>
+              <a:rPr lang="en-US" altLang="zh-CN" sz="3200" dirty="0" err="1"/>
+              <a:t>Shlaer</a:t>
+            </a:r>
+            <a:r>
+              <a:rPr lang="en-US" altLang="zh-CN" sz="3200" dirty="0"/>
+              <a:t>-Mellor</a:t>
+            </a:r>
+            <a:r>
+              <a:rPr lang="zh-CN" altLang="en-US" sz="3200" dirty="0"/>
               <a:t>方法，是</a:t>
             </a:r>
             <a:r>
@@ -28624,14 +28483,11 @@
               <a:t>年代末期到达的许多软件开发方法之一</a:t>
             </a:r>
             <a:r>
-              <a:rPr lang="zh-CN" altLang="zh-CN" sz="3200" dirty="0" smtClean="0">
+              <a:rPr lang="zh-CN" altLang="zh-CN" sz="3200" dirty="0">
                 <a:latin typeface="+mn-ea"/>
               </a:rPr>
               <a:t>。 </a:t>
             </a:r>
-            <a:endParaRPr lang="zh-CN" altLang="zh-CN" sz="3200" dirty="0">
-              <a:latin typeface="+mn-ea"/>
-            </a:endParaRPr>
           </a:p>
           <a:p>
             <a:endParaRPr lang="zh-CN" altLang="en-US" b="1" dirty="0"/>
@@ -28828,7 +28684,7 @@
           <p:cNvPr id="2" name="标题 1">
             <a:extLst>
               <a:ext uri="{FF2B5EF4-FFF2-40B4-BE49-F238E27FC236}">
-                <a16:creationId xmlns:a16="http://schemas.microsoft.com/office/drawing/2014/main" xmlns="" id="{AA66064C-5EDB-4BCA-AC68-6C951C8402E1}"/>
+                <a16:creationId xmlns:a16="http://schemas.microsoft.com/office/drawing/2014/main" id="{AA66064C-5EDB-4BCA-AC68-6C951C8402E1}"/>
               </a:ext>
             </a:extLst>
           </p:cNvPr>
@@ -28861,7 +28717,7 @@
           <p:cNvPr id="3" name="内容占位符 2">
             <a:extLst>
               <a:ext uri="{FF2B5EF4-FFF2-40B4-BE49-F238E27FC236}">
-                <a16:creationId xmlns:a16="http://schemas.microsoft.com/office/drawing/2014/main" xmlns="" id="{095AF313-D740-4308-BC08-BFF7F6AE6620}"/>
+                <a16:creationId xmlns:a16="http://schemas.microsoft.com/office/drawing/2014/main" id="{095AF313-D740-4308-BC08-BFF7F6AE6620}"/>
               </a:ext>
             </a:extLst>
           </p:cNvPr>

--- a/PRD-2017-G24/STW/非受控文件/翻转课堂作业/UML概述/UML概述.pptx
+++ b/PRD-2017-G24/STW/非受控文件/翻转课堂作业/UML概述/UML概述.pptx
@@ -5,13 +5,13 @@
     <p:sldMasterId id="2147483648" r:id="rId1"/>
   </p:sldMasterIdLst>
   <p:notesMasterIdLst>
-    <p:notesMasterId r:id="rId29"/>
+    <p:notesMasterId r:id="rId30"/>
   </p:notesMasterIdLst>
   <p:sldIdLst>
     <p:sldId id="256" r:id="rId2"/>
     <p:sldId id="257" r:id="rId3"/>
     <p:sldId id="258" r:id="rId4"/>
-    <p:sldId id="277" r:id="rId5"/>
+    <p:sldId id="298" r:id="rId5"/>
     <p:sldId id="294" r:id="rId6"/>
     <p:sldId id="295" r:id="rId7"/>
     <p:sldId id="296" r:id="rId8"/>
@@ -32,9 +32,10 @@
     <p:sldId id="293" r:id="rId23"/>
     <p:sldId id="289" r:id="rId24"/>
     <p:sldId id="290" r:id="rId25"/>
-    <p:sldId id="271" r:id="rId26"/>
-    <p:sldId id="272" r:id="rId27"/>
-    <p:sldId id="273" r:id="rId28"/>
+    <p:sldId id="299" r:id="rId26"/>
+    <p:sldId id="271" r:id="rId27"/>
+    <p:sldId id="272" r:id="rId28"/>
+    <p:sldId id="273" r:id="rId29"/>
   </p:sldIdLst>
   <p:sldSz cx="12192000" cy="6858000"/>
   <p:notesSz cx="6858000" cy="9144000"/>
@@ -7283,7 +7284,7 @@
             <a:fld id="{BC02ACD8-9D28-445F-BAFE-92DA3311E912}" type="datetimeFigureOut">
               <a:rPr lang="zh-CN" altLang="en-US" smtClean="0"/>
               <a:pPr/>
-              <a:t>2017/11/8</a:t>
+              <a:t>2017/11/11</a:t>
             </a:fld>
             <a:endParaRPr lang="zh-CN" altLang="en-US"/>
           </a:p>
@@ -7735,7 +7736,7 @@
     </p:spTree>
     <p:extLst>
       <p:ext uri="{BB962C8B-B14F-4D97-AF65-F5344CB8AC3E}">
-        <p14:creationId xmlns:p14="http://schemas.microsoft.com/office/powerpoint/2010/main" val="87421703"/>
+        <p14:creationId xmlns:p14="http://schemas.microsoft.com/office/powerpoint/2010/main" val="499119842"/>
       </p:ext>
     </p:extLst>
   </p:cSld>
@@ -8208,7 +8209,7 @@
             <a:fld id="{08B9EBBA-996F-894A-B54A-D6246ED52CEA}" type="datetimeFigureOut">
               <a:rPr lang="en-US" dirty="0"/>
               <a:pPr/>
-              <a:t>11/8/2017</a:t>
+              <a:t>11/11/2017</a:t>
             </a:fld>
             <a:endParaRPr lang="en-US" dirty="0"/>
           </a:p>
@@ -8523,7 +8524,7 @@
             <a:fld id="{18C79C5D-2A6F-F04D-97DA-BEF2467B64E4}" type="datetimeFigureOut">
               <a:rPr lang="en-US" dirty="0"/>
               <a:pPr/>
-              <a:t>11/8/2017</a:t>
+              <a:t>11/11/2017</a:t>
             </a:fld>
             <a:endParaRPr lang="en-US" dirty="0"/>
           </a:p>
@@ -9008,7 +9009,7 @@
             <a:fld id="{8DFA1846-DA80-1C48-A609-854EA85C59AD}" type="datetimeFigureOut">
               <a:rPr lang="en-US" dirty="0"/>
               <a:pPr/>
-              <a:t>11/8/2017</a:t>
+              <a:t>11/11/2017</a:t>
             </a:fld>
             <a:endParaRPr lang="en-US" dirty="0"/>
           </a:p>
@@ -9374,7 +9375,7 @@
             <a:fld id="{FBF54567-0DE4-3F47-BF90-CB84690072F9}" type="datetimeFigureOut">
               <a:rPr lang="en-US" dirty="0"/>
               <a:pPr/>
-              <a:t>11/8/2017</a:t>
+              <a:t>11/11/2017</a:t>
             </a:fld>
             <a:endParaRPr lang="en-US" dirty="0"/>
           </a:p>
@@ -9644,7 +9645,7 @@
             <a:fld id="{C6C52C72-DE31-F449-A4ED-4C594FD91407}" type="datetimeFigureOut">
               <a:rPr lang="en-US" dirty="0"/>
               <a:pPr/>
-              <a:t>11/8/2017</a:t>
+              <a:t>11/11/2017</a:t>
             </a:fld>
             <a:endParaRPr lang="en-US" dirty="0"/>
           </a:p>
@@ -9926,7 +9927,7 @@
             <a:fld id="{ED62726E-379B-B349-9EED-81ED093FA806}" type="datetimeFigureOut">
               <a:rPr lang="en-US" dirty="0"/>
               <a:pPr/>
-              <a:t>11/8/2017</a:t>
+              <a:t>11/11/2017</a:t>
             </a:fld>
             <a:endParaRPr lang="en-US" dirty="0"/>
           </a:p>
@@ -10206,7 +10207,7 @@
             <a:fld id="{9B3A1323-8D79-1946-B0D7-40001CF92E9D}" type="datetimeFigureOut">
               <a:rPr lang="en-US" dirty="0"/>
               <a:pPr/>
-              <a:t>11/8/2017</a:t>
+              <a:t>11/11/2017</a:t>
             </a:fld>
             <a:endParaRPr lang="en-US" dirty="0"/>
           </a:p>
@@ -10546,7 +10547,7 @@
             <a:fld id="{8DFA1846-DA80-1C48-A609-854EA85C59AD}" type="datetimeFigureOut">
               <a:rPr lang="en-US" dirty="0"/>
               <a:pPr/>
-              <a:t>11/8/2017</a:t>
+              <a:t>11/11/2017</a:t>
             </a:fld>
             <a:endParaRPr lang="en-US" dirty="0"/>
           </a:p>
@@ -10882,7 +10883,7 @@
             <a:fld id="{57302355-E14B-8545-A8F8-0FE83CC9D524}" type="datetimeFigureOut">
               <a:rPr lang="en-US" dirty="0"/>
               <a:pPr/>
-              <a:t>11/8/2017</a:t>
+              <a:t>11/11/2017</a:t>
             </a:fld>
             <a:endParaRPr lang="en-US" dirty="0"/>
           </a:p>
@@ -11356,7 +11357,7 @@
             <a:fld id="{02640F58-564D-2B4F-AE67-E407BA4FCF45}" type="datetimeFigureOut">
               <a:rPr lang="en-US" dirty="0"/>
               <a:pPr/>
-              <a:t>11/8/2017</a:t>
+              <a:t>11/11/2017</a:t>
             </a:fld>
             <a:endParaRPr lang="en-US" dirty="0"/>
           </a:p>
@@ -11574,7 +11575,7 @@
             <a:fld id="{F13A34C8-038E-2045-AF43-DF7DBB8E0E9E}" type="datetimeFigureOut">
               <a:rPr lang="en-US" dirty="0"/>
               <a:pPr/>
-              <a:t>11/8/2017</a:t>
+              <a:t>11/11/2017</a:t>
             </a:fld>
             <a:endParaRPr lang="en-US" dirty="0"/>
           </a:p>
@@ -11666,7 +11667,7 @@
             <a:fld id="{8818C68F-D26B-8F47-958C-23B49CF8A634}" type="datetimeFigureOut">
               <a:rPr lang="en-US" dirty="0"/>
               <a:pPr/>
-              <a:t>11/8/2017</a:t>
+              <a:t>11/11/2017</a:t>
             </a:fld>
             <a:endParaRPr lang="en-US" dirty="0"/>
           </a:p>
@@ -12130,7 +12131,7 @@
             <a:fld id="{D0DF5E60-9974-AC48-9591-99C2BB44B7CF}" type="datetimeFigureOut">
               <a:rPr lang="en-US" dirty="0"/>
               <a:pPr/>
-              <a:t>11/8/2017</a:t>
+              <a:t>11/11/2017</a:t>
             </a:fld>
             <a:endParaRPr lang="en-US" dirty="0"/>
           </a:p>
@@ -12440,7 +12441,7 @@
             <a:fld id="{18C79C5D-2A6F-F04D-97DA-BEF2467B64E4}" type="datetimeFigureOut">
               <a:rPr lang="en-US" dirty="0"/>
               <a:pPr/>
-              <a:t>11/8/2017</a:t>
+              <a:t>11/11/2017</a:t>
             </a:fld>
             <a:endParaRPr lang="en-US" dirty="0"/>
           </a:p>
@@ -12707,7 +12708,7 @@
             <a:fld id="{09B482E8-6E0E-1B4F-B1FD-C69DB9E858D9}" type="datetimeFigureOut">
               <a:rPr lang="en-US" dirty="0"/>
               <a:pPr/>
-              <a:t>11/8/2017</a:t>
+              <a:t>11/11/2017</a:t>
             </a:fld>
             <a:endParaRPr lang="en-US" dirty="0"/>
           </a:p>
@@ -13878,35 +13879,6 @@
           </a:p>
         </p:txBody>
       </p:sp>
-      <p:pic>
-        <p:nvPicPr>
-          <p:cNvPr id="5" name="内容占位符 4">
-            <a:extLst>
-              <a:ext uri="{FF2B5EF4-FFF2-40B4-BE49-F238E27FC236}">
-                <a16:creationId xmlns:a16="http://schemas.microsoft.com/office/drawing/2014/main" id="{322DC1F1-CF7B-4B97-8239-ED0A0AA961FF}"/>
-              </a:ext>
-            </a:extLst>
-          </p:cNvPr>
-          <p:cNvPicPr>
-            <a:picLocks noGrp="1" noChangeAspect="1"/>
-          </p:cNvPicPr>
-          <p:nvPr>
-            <p:ph idx="1"/>
-          </p:nvPr>
-        </p:nvPicPr>
-        <p:blipFill>
-          <a:blip r:embed="rId2"/>
-          <a:stretch>
-            <a:fillRect/>
-          </a:stretch>
-        </p:blipFill>
-        <p:spPr>
-          <a:xfrm>
-            <a:off x="6655981" y="0"/>
-            <a:ext cx="5536019" cy="6858000"/>
-          </a:xfrm>
-        </p:spPr>
-      </p:pic>
       <p:sp>
         <p:nvSpPr>
           <p:cNvPr id="4" name="TextBox 3"/>
@@ -13963,6 +13935,36 @@
           </a:p>
         </p:txBody>
       </p:sp>
+      <p:pic>
+        <p:nvPicPr>
+          <p:cNvPr id="3" name="图片 2"/>
+          <p:cNvPicPr>
+            <a:picLocks noChangeAspect="1"/>
+          </p:cNvPicPr>
+          <p:nvPr/>
+        </p:nvPicPr>
+        <p:blipFill>
+          <a:blip r:embed="rId2">
+            <a:extLst>
+              <a:ext uri="{28A0092B-C50C-407E-A947-70E740481C1C}">
+                <a14:useLocalDpi xmlns:a14="http://schemas.microsoft.com/office/drawing/2010/main" val="0"/>
+              </a:ext>
+            </a:extLst>
+          </a:blip>
+          <a:stretch>
+            <a:fillRect/>
+          </a:stretch>
+        </p:blipFill>
+        <p:spPr>
+          <a:xfrm>
+            <a:off x="6743758" y="0"/>
+            <a:ext cx="5448242" cy="6858000"/>
+          </a:xfrm>
+          <a:prstGeom prst="rect">
+            <a:avLst/>
+          </a:prstGeom>
+        </p:spPr>
+      </p:pic>
     </p:spTree>
     <p:extLst>
       <p:ext uri="{BB962C8B-B14F-4D97-AF65-F5344CB8AC3E}">
@@ -14022,59 +14024,6 @@
                                         <p:cTn id="7" dur="500"/>
                                         <p:tgtEl>
                                           <p:spTgt spid="4"/>
-                                        </p:tgtEl>
-                                      </p:cBhvr>
-                                    </p:animEffect>
-                                  </p:childTnLst>
-                                </p:cTn>
-                              </p:par>
-                            </p:childTnLst>
-                          </p:cTn>
-                        </p:par>
-                      </p:childTnLst>
-                    </p:cTn>
-                  </p:par>
-                  <p:par>
-                    <p:cTn id="8" fill="hold">
-                      <p:stCondLst>
-                        <p:cond delay="indefinite"/>
-                      </p:stCondLst>
-                      <p:childTnLst>
-                        <p:par>
-                          <p:cTn id="9" fill="hold">
-                            <p:stCondLst>
-                              <p:cond delay="0"/>
-                            </p:stCondLst>
-                            <p:childTnLst>
-                              <p:par>
-                                <p:cTn id="10" presetID="5" presetClass="entr" presetSubtype="10" fill="hold" nodeType="clickEffect">
-                                  <p:stCondLst>
-                                    <p:cond delay="0"/>
-                                  </p:stCondLst>
-                                  <p:childTnLst>
-                                    <p:set>
-                                      <p:cBhvr>
-                                        <p:cTn id="11" dur="1" fill="hold">
-                                          <p:stCondLst>
-                                            <p:cond delay="0"/>
-                                          </p:stCondLst>
-                                        </p:cTn>
-                                        <p:tgtEl>
-                                          <p:spTgt spid="5"/>
-                                        </p:tgtEl>
-                                        <p:attrNameLst>
-                                          <p:attrName>style.visibility</p:attrName>
-                                        </p:attrNameLst>
-                                      </p:cBhvr>
-                                      <p:to>
-                                        <p:strVal val="visible"/>
-                                      </p:to>
-                                    </p:set>
-                                    <p:animEffect transition="in" filter="checkerboard(across)">
-                                      <p:cBhvr>
-                                        <p:cTn id="12" dur="500"/>
-                                        <p:tgtEl>
-                                          <p:spTgt spid="5"/>
                                         </p:tgtEl>
                                       </p:cBhvr>
                                     </p:animEffect>
@@ -26058,6 +26007,687 @@
           <a:lstStyle/>
           <a:p>
             <a:r>
+              <a:rPr lang="en-US" altLang="zh-CN" b="0" dirty="0"/>
+              <a:t>UML 2.0</a:t>
+            </a:r>
+            <a:endParaRPr lang="zh-CN" altLang="en-US" b="0" dirty="0"/>
+          </a:p>
+        </p:txBody>
+      </p:sp>
+      <p:sp>
+        <p:nvSpPr>
+          <p:cNvPr id="5" name="内容占位符 2">
+            <a:extLst>
+              <a:ext uri="{FF2B5EF4-FFF2-40B4-BE49-F238E27FC236}">
+                <a16:creationId xmlns:a16="http://schemas.microsoft.com/office/drawing/2014/main" id="{095AF313-D740-4308-BC08-BFF7F6AE6620}"/>
+              </a:ext>
+            </a:extLst>
+          </p:cNvPr>
+          <p:cNvSpPr txBox="1">
+            <a:spLocks/>
+          </p:cNvSpPr>
+          <p:nvPr/>
+        </p:nvSpPr>
+        <p:spPr>
+          <a:xfrm>
+            <a:off x="818712" y="2222287"/>
+            <a:ext cx="10554574" cy="3172673"/>
+          </a:xfrm>
+          <a:prstGeom prst="rect">
+            <a:avLst/>
+          </a:prstGeom>
+        </p:spPr>
+        <p:txBody>
+          <a:bodyPr>
+            <a:normAutofit lnSpcReduction="10000"/>
+          </a:bodyPr>
+          <a:lstStyle>
+            <a:lvl1pPr marL="342900" indent="-342900" algn="l" defTabSz="457200" rtl="0" eaLnBrk="1" latinLnBrk="0" hangingPunct="1">
+              <a:spcBef>
+                <a:spcPct val="20000"/>
+              </a:spcBef>
+              <a:spcAft>
+                <a:spcPts val="600"/>
+              </a:spcAft>
+              <a:buClr>
+                <a:schemeClr val="accent1"/>
+              </a:buClr>
+              <a:buFont typeface="Wingdings 2" charset="2"/>
+              <a:buChar char=""/>
+              <a:defRPr sz="1800" kern="1200">
+                <a:solidFill>
+                  <a:schemeClr val="tx1"/>
+                </a:solidFill>
+                <a:latin typeface="+mn-lt"/>
+                <a:ea typeface="+mn-ea"/>
+                <a:cs typeface="+mn-cs"/>
+              </a:defRPr>
+            </a:lvl1pPr>
+            <a:lvl2pPr marL="742950" indent="-285750" algn="l" defTabSz="457200" rtl="0" eaLnBrk="1" latinLnBrk="0" hangingPunct="1">
+              <a:spcBef>
+                <a:spcPct val="20000"/>
+              </a:spcBef>
+              <a:spcAft>
+                <a:spcPts val="600"/>
+              </a:spcAft>
+              <a:buClr>
+                <a:schemeClr val="accent1"/>
+              </a:buClr>
+              <a:buFont typeface="Wingdings 2" charset="2"/>
+              <a:buChar char=""/>
+              <a:defRPr sz="1600" kern="1200">
+                <a:solidFill>
+                  <a:schemeClr val="tx1"/>
+                </a:solidFill>
+                <a:latin typeface="+mn-lt"/>
+                <a:ea typeface="+mn-ea"/>
+                <a:cs typeface="+mn-cs"/>
+              </a:defRPr>
+            </a:lvl2pPr>
+            <a:lvl3pPr marL="1143000" indent="-228600" algn="l" defTabSz="457200" rtl="0" eaLnBrk="1" latinLnBrk="0" hangingPunct="1">
+              <a:spcBef>
+                <a:spcPct val="20000"/>
+              </a:spcBef>
+              <a:spcAft>
+                <a:spcPts val="600"/>
+              </a:spcAft>
+              <a:buClr>
+                <a:schemeClr val="accent1"/>
+              </a:buClr>
+              <a:buFont typeface="Wingdings 2" charset="2"/>
+              <a:buChar char=""/>
+              <a:defRPr sz="1400" kern="1200">
+                <a:solidFill>
+                  <a:schemeClr val="tx1"/>
+                </a:solidFill>
+                <a:latin typeface="+mn-lt"/>
+                <a:ea typeface="+mn-ea"/>
+                <a:cs typeface="+mn-cs"/>
+              </a:defRPr>
+            </a:lvl3pPr>
+            <a:lvl4pPr marL="1600200" indent="-228600" algn="l" defTabSz="457200" rtl="0" eaLnBrk="1" latinLnBrk="0" hangingPunct="1">
+              <a:spcBef>
+                <a:spcPct val="20000"/>
+              </a:spcBef>
+              <a:spcAft>
+                <a:spcPts val="600"/>
+              </a:spcAft>
+              <a:buClr>
+                <a:schemeClr val="accent1"/>
+              </a:buClr>
+              <a:buFont typeface="Wingdings 2" charset="2"/>
+              <a:buChar char=""/>
+              <a:defRPr sz="1200" kern="1200">
+                <a:solidFill>
+                  <a:schemeClr val="tx1"/>
+                </a:solidFill>
+                <a:latin typeface="+mn-lt"/>
+                <a:ea typeface="+mn-ea"/>
+                <a:cs typeface="+mn-cs"/>
+              </a:defRPr>
+            </a:lvl4pPr>
+            <a:lvl5pPr marL="2057400" indent="-228600" algn="l" defTabSz="457200" rtl="0" eaLnBrk="1" latinLnBrk="0" hangingPunct="1">
+              <a:spcBef>
+                <a:spcPct val="20000"/>
+              </a:spcBef>
+              <a:spcAft>
+                <a:spcPts val="600"/>
+              </a:spcAft>
+              <a:buClr>
+                <a:schemeClr val="accent1"/>
+              </a:buClr>
+              <a:buFont typeface="Wingdings 2" charset="2"/>
+              <a:buChar char=""/>
+              <a:defRPr sz="1200" kern="1200">
+                <a:solidFill>
+                  <a:schemeClr val="tx1"/>
+                </a:solidFill>
+                <a:latin typeface="+mn-lt"/>
+                <a:ea typeface="+mn-ea"/>
+                <a:cs typeface="+mn-cs"/>
+              </a:defRPr>
+            </a:lvl5pPr>
+            <a:lvl6pPr marL="2400000" indent="-228600" algn="l" defTabSz="457200" rtl="0" eaLnBrk="1" latinLnBrk="0" hangingPunct="1">
+              <a:spcBef>
+                <a:spcPct val="20000"/>
+              </a:spcBef>
+              <a:spcAft>
+                <a:spcPts val="600"/>
+              </a:spcAft>
+              <a:buClr>
+                <a:schemeClr val="accent1"/>
+              </a:buClr>
+              <a:buFont typeface="Wingdings 2" charset="2"/>
+              <a:buChar char=""/>
+              <a:defRPr sz="1200" kern="1200">
+                <a:solidFill>
+                  <a:schemeClr val="tx1"/>
+                </a:solidFill>
+                <a:latin typeface="+mn-lt"/>
+                <a:ea typeface="+mn-ea"/>
+                <a:cs typeface="+mn-cs"/>
+              </a:defRPr>
+            </a:lvl6pPr>
+            <a:lvl7pPr marL="2800000" indent="-228600" algn="l" defTabSz="457200" rtl="0" eaLnBrk="1" latinLnBrk="0" hangingPunct="1">
+              <a:spcBef>
+                <a:spcPct val="20000"/>
+              </a:spcBef>
+              <a:spcAft>
+                <a:spcPts val="600"/>
+              </a:spcAft>
+              <a:buClr>
+                <a:schemeClr val="accent1"/>
+              </a:buClr>
+              <a:buFont typeface="Wingdings 2" charset="2"/>
+              <a:buChar char=""/>
+              <a:defRPr sz="1200" kern="1200">
+                <a:solidFill>
+                  <a:schemeClr val="tx1"/>
+                </a:solidFill>
+                <a:latin typeface="+mn-lt"/>
+                <a:ea typeface="+mn-ea"/>
+                <a:cs typeface="+mn-cs"/>
+              </a:defRPr>
+            </a:lvl7pPr>
+            <a:lvl8pPr marL="3200000" indent="-228600" algn="l" defTabSz="457200" rtl="0" eaLnBrk="1" latinLnBrk="0" hangingPunct="1">
+              <a:spcBef>
+                <a:spcPct val="20000"/>
+              </a:spcBef>
+              <a:spcAft>
+                <a:spcPts val="600"/>
+              </a:spcAft>
+              <a:buClr>
+                <a:schemeClr val="accent1"/>
+              </a:buClr>
+              <a:buFont typeface="Wingdings 2" charset="2"/>
+              <a:buChar char=""/>
+              <a:defRPr sz="1200" kern="1200">
+                <a:solidFill>
+                  <a:schemeClr val="tx1"/>
+                </a:solidFill>
+                <a:latin typeface="+mn-lt"/>
+                <a:ea typeface="+mn-ea"/>
+                <a:cs typeface="+mn-cs"/>
+              </a:defRPr>
+            </a:lvl8pPr>
+            <a:lvl9pPr marL="3600000" indent="-228600" algn="l" defTabSz="457200" rtl="0" eaLnBrk="1" latinLnBrk="0" hangingPunct="1">
+              <a:spcBef>
+                <a:spcPct val="20000"/>
+              </a:spcBef>
+              <a:spcAft>
+                <a:spcPts val="600"/>
+              </a:spcAft>
+              <a:buClr>
+                <a:schemeClr val="accent1"/>
+              </a:buClr>
+              <a:buFont typeface="Wingdings 2" charset="2"/>
+              <a:buChar char=""/>
+              <a:defRPr sz="1200" kern="1200">
+                <a:solidFill>
+                  <a:schemeClr val="tx1"/>
+                </a:solidFill>
+                <a:latin typeface="+mn-lt"/>
+                <a:ea typeface="+mn-ea"/>
+                <a:cs typeface="+mn-cs"/>
+              </a:defRPr>
+            </a:lvl9pPr>
+          </a:lstStyle>
+          <a:p>
+            <a:r>
+              <a:rPr lang="en-US" altLang="zh-CN" sz="2800" dirty="0"/>
+              <a:t>UML2.0</a:t>
+            </a:r>
+            <a:r>
+              <a:rPr lang="zh-CN" altLang="en-US" sz="2800" dirty="0"/>
+              <a:t>不仅在用例图、顺序图、活动图和构件图上增加了新特性，还增加了</a:t>
+            </a:r>
+            <a:r>
+              <a:rPr lang="en-US" altLang="zh-CN" sz="2800" dirty="0"/>
+              <a:t>4</a:t>
+            </a:r>
+            <a:r>
+              <a:rPr lang="zh-CN" altLang="en-US" sz="2800" dirty="0"/>
+              <a:t>中新的图。</a:t>
+            </a:r>
+            <a:endParaRPr lang="en-US" altLang="zh-CN" sz="2800" dirty="0"/>
+          </a:p>
+          <a:p>
+            <a:r>
+              <a:rPr lang="en-US" altLang="zh-CN" sz="2800" dirty="0"/>
+              <a:t>1</a:t>
+            </a:r>
+            <a:r>
+              <a:rPr lang="zh-CN" altLang="en-US" sz="2800" dirty="0"/>
+              <a:t>、包图：展现模型要素的基本组织单元。</a:t>
+            </a:r>
+            <a:endParaRPr lang="en-US" altLang="zh-CN" sz="2800" dirty="0"/>
+          </a:p>
+          <a:p>
+            <a:r>
+              <a:rPr lang="en-US" altLang="zh-CN" sz="2800" dirty="0"/>
+              <a:t>2</a:t>
+            </a:r>
+            <a:r>
+              <a:rPr lang="zh-CN" altLang="en-US" sz="2800" dirty="0"/>
+              <a:t>、组合结构图：描述系统中的某一部分的内部内容。</a:t>
+            </a:r>
+            <a:endParaRPr lang="en-US" altLang="zh-CN" sz="2800" dirty="0"/>
+          </a:p>
+          <a:p>
+            <a:r>
+              <a:rPr lang="en-US" altLang="zh-CN" sz="2800" dirty="0"/>
+              <a:t>3</a:t>
+            </a:r>
+            <a:r>
+              <a:rPr lang="zh-CN" altLang="en-US" sz="2800" dirty="0"/>
+              <a:t>、交互概览图：使用顺序图表示活动的务个步骤。</a:t>
+            </a:r>
+            <a:endParaRPr lang="en-US" altLang="zh-CN" sz="2800" dirty="0"/>
+          </a:p>
+          <a:p>
+            <a:r>
+              <a:rPr lang="en-US" altLang="zh-CN" sz="2800" dirty="0"/>
+              <a:t>4</a:t>
+            </a:r>
+            <a:r>
+              <a:rPr lang="zh-CN" altLang="en-US" sz="2800" dirty="0"/>
+              <a:t>、时间图：显示消息和对象状态的准确时间限制。</a:t>
+            </a:r>
+          </a:p>
+        </p:txBody>
+      </p:sp>
+    </p:spTree>
+    <p:extLst>
+      <p:ext uri="{BB962C8B-B14F-4D97-AF65-F5344CB8AC3E}">
+        <p14:creationId xmlns:p14="http://schemas.microsoft.com/office/powerpoint/2010/main" val="1124807419"/>
+      </p:ext>
+    </p:extLst>
+  </p:cSld>
+  <p:clrMapOvr>
+    <a:masterClrMapping/>
+  </p:clrMapOvr>
+  <p:timing>
+    <p:tnLst>
+      <p:par>
+        <p:cTn id="1" dur="indefinite" restart="never" nodeType="tmRoot">
+          <p:childTnLst>
+            <p:seq concurrent="1" nextAc="seek">
+              <p:cTn id="2" dur="indefinite" nodeType="mainSeq">
+                <p:childTnLst>
+                  <p:par>
+                    <p:cTn id="3" fill="hold">
+                      <p:stCondLst>
+                        <p:cond delay="indefinite"/>
+                      </p:stCondLst>
+                      <p:childTnLst>
+                        <p:par>
+                          <p:cTn id="4" fill="hold">
+                            <p:stCondLst>
+                              <p:cond delay="0"/>
+                            </p:stCondLst>
+                            <p:childTnLst>
+                              <p:par>
+                                <p:cTn id="5" presetID="14" presetClass="entr" presetSubtype="10" fill="hold" nodeType="clickEffect">
+                                  <p:stCondLst>
+                                    <p:cond delay="0"/>
+                                  </p:stCondLst>
+                                  <p:childTnLst>
+                                    <p:set>
+                                      <p:cBhvr>
+                                        <p:cTn id="6" dur="1" fill="hold">
+                                          <p:stCondLst>
+                                            <p:cond delay="0"/>
+                                          </p:stCondLst>
+                                        </p:cTn>
+                                        <p:tgtEl>
+                                          <p:spTgt spid="5">
+                                            <p:txEl>
+                                              <p:pRg st="0" end="0"/>
+                                            </p:txEl>
+                                          </p:spTgt>
+                                        </p:tgtEl>
+                                        <p:attrNameLst>
+                                          <p:attrName>style.visibility</p:attrName>
+                                        </p:attrNameLst>
+                                      </p:cBhvr>
+                                      <p:to>
+                                        <p:strVal val="visible"/>
+                                      </p:to>
+                                    </p:set>
+                                    <p:animEffect transition="in" filter="randombar(horizontal)">
+                                      <p:cBhvr>
+                                        <p:cTn id="7" dur="500"/>
+                                        <p:tgtEl>
+                                          <p:spTgt spid="5">
+                                            <p:txEl>
+                                              <p:pRg st="0" end="0"/>
+                                            </p:txEl>
+                                          </p:spTgt>
+                                        </p:tgtEl>
+                                      </p:cBhvr>
+                                    </p:animEffect>
+                                  </p:childTnLst>
+                                </p:cTn>
+                              </p:par>
+                            </p:childTnLst>
+                          </p:cTn>
+                        </p:par>
+                      </p:childTnLst>
+                    </p:cTn>
+                  </p:par>
+                  <p:par>
+                    <p:cTn id="8" fill="hold">
+                      <p:stCondLst>
+                        <p:cond delay="indefinite"/>
+                      </p:stCondLst>
+                      <p:childTnLst>
+                        <p:par>
+                          <p:cTn id="9" fill="hold">
+                            <p:stCondLst>
+                              <p:cond delay="0"/>
+                            </p:stCondLst>
+                            <p:childTnLst>
+                              <p:par>
+                                <p:cTn id="10" presetID="14" presetClass="entr" presetSubtype="10" fill="hold" nodeType="clickEffect">
+                                  <p:stCondLst>
+                                    <p:cond delay="0"/>
+                                  </p:stCondLst>
+                                  <p:childTnLst>
+                                    <p:set>
+                                      <p:cBhvr>
+                                        <p:cTn id="11" dur="1" fill="hold">
+                                          <p:stCondLst>
+                                            <p:cond delay="0"/>
+                                          </p:stCondLst>
+                                        </p:cTn>
+                                        <p:tgtEl>
+                                          <p:spTgt spid="5">
+                                            <p:txEl>
+                                              <p:pRg st="1" end="1"/>
+                                            </p:txEl>
+                                          </p:spTgt>
+                                        </p:tgtEl>
+                                        <p:attrNameLst>
+                                          <p:attrName>style.visibility</p:attrName>
+                                        </p:attrNameLst>
+                                      </p:cBhvr>
+                                      <p:to>
+                                        <p:strVal val="visible"/>
+                                      </p:to>
+                                    </p:set>
+                                    <p:animEffect transition="in" filter="randombar(horizontal)">
+                                      <p:cBhvr>
+                                        <p:cTn id="12" dur="500"/>
+                                        <p:tgtEl>
+                                          <p:spTgt spid="5">
+                                            <p:txEl>
+                                              <p:pRg st="1" end="1"/>
+                                            </p:txEl>
+                                          </p:spTgt>
+                                        </p:tgtEl>
+                                      </p:cBhvr>
+                                    </p:animEffect>
+                                  </p:childTnLst>
+                                </p:cTn>
+                              </p:par>
+                            </p:childTnLst>
+                          </p:cTn>
+                        </p:par>
+                      </p:childTnLst>
+                    </p:cTn>
+                  </p:par>
+                  <p:par>
+                    <p:cTn id="13" fill="hold">
+                      <p:stCondLst>
+                        <p:cond delay="indefinite"/>
+                      </p:stCondLst>
+                      <p:childTnLst>
+                        <p:par>
+                          <p:cTn id="14" fill="hold">
+                            <p:stCondLst>
+                              <p:cond delay="0"/>
+                            </p:stCondLst>
+                            <p:childTnLst>
+                              <p:par>
+                                <p:cTn id="15" presetID="14" presetClass="entr" presetSubtype="10" fill="hold" nodeType="clickEffect">
+                                  <p:stCondLst>
+                                    <p:cond delay="0"/>
+                                  </p:stCondLst>
+                                  <p:childTnLst>
+                                    <p:set>
+                                      <p:cBhvr>
+                                        <p:cTn id="16" dur="1" fill="hold">
+                                          <p:stCondLst>
+                                            <p:cond delay="0"/>
+                                          </p:stCondLst>
+                                        </p:cTn>
+                                        <p:tgtEl>
+                                          <p:spTgt spid="5">
+                                            <p:txEl>
+                                              <p:pRg st="2" end="2"/>
+                                            </p:txEl>
+                                          </p:spTgt>
+                                        </p:tgtEl>
+                                        <p:attrNameLst>
+                                          <p:attrName>style.visibility</p:attrName>
+                                        </p:attrNameLst>
+                                      </p:cBhvr>
+                                      <p:to>
+                                        <p:strVal val="visible"/>
+                                      </p:to>
+                                    </p:set>
+                                    <p:animEffect transition="in" filter="randombar(horizontal)">
+                                      <p:cBhvr>
+                                        <p:cTn id="17" dur="500"/>
+                                        <p:tgtEl>
+                                          <p:spTgt spid="5">
+                                            <p:txEl>
+                                              <p:pRg st="2" end="2"/>
+                                            </p:txEl>
+                                          </p:spTgt>
+                                        </p:tgtEl>
+                                      </p:cBhvr>
+                                    </p:animEffect>
+                                  </p:childTnLst>
+                                </p:cTn>
+                              </p:par>
+                            </p:childTnLst>
+                          </p:cTn>
+                        </p:par>
+                      </p:childTnLst>
+                    </p:cTn>
+                  </p:par>
+                  <p:par>
+                    <p:cTn id="18" fill="hold">
+                      <p:stCondLst>
+                        <p:cond delay="indefinite"/>
+                      </p:stCondLst>
+                      <p:childTnLst>
+                        <p:par>
+                          <p:cTn id="19" fill="hold">
+                            <p:stCondLst>
+                              <p:cond delay="0"/>
+                            </p:stCondLst>
+                            <p:childTnLst>
+                              <p:par>
+                                <p:cTn id="20" presetID="14" presetClass="entr" presetSubtype="10" fill="hold" nodeType="clickEffect">
+                                  <p:stCondLst>
+                                    <p:cond delay="0"/>
+                                  </p:stCondLst>
+                                  <p:childTnLst>
+                                    <p:set>
+                                      <p:cBhvr>
+                                        <p:cTn id="21" dur="1" fill="hold">
+                                          <p:stCondLst>
+                                            <p:cond delay="0"/>
+                                          </p:stCondLst>
+                                        </p:cTn>
+                                        <p:tgtEl>
+                                          <p:spTgt spid="5">
+                                            <p:txEl>
+                                              <p:pRg st="3" end="3"/>
+                                            </p:txEl>
+                                          </p:spTgt>
+                                        </p:tgtEl>
+                                        <p:attrNameLst>
+                                          <p:attrName>style.visibility</p:attrName>
+                                        </p:attrNameLst>
+                                      </p:cBhvr>
+                                      <p:to>
+                                        <p:strVal val="visible"/>
+                                      </p:to>
+                                    </p:set>
+                                    <p:animEffect transition="in" filter="randombar(horizontal)">
+                                      <p:cBhvr>
+                                        <p:cTn id="22" dur="500"/>
+                                        <p:tgtEl>
+                                          <p:spTgt spid="5">
+                                            <p:txEl>
+                                              <p:pRg st="3" end="3"/>
+                                            </p:txEl>
+                                          </p:spTgt>
+                                        </p:tgtEl>
+                                      </p:cBhvr>
+                                    </p:animEffect>
+                                  </p:childTnLst>
+                                </p:cTn>
+                              </p:par>
+                            </p:childTnLst>
+                          </p:cTn>
+                        </p:par>
+                      </p:childTnLst>
+                    </p:cTn>
+                  </p:par>
+                  <p:par>
+                    <p:cTn id="23" fill="hold">
+                      <p:stCondLst>
+                        <p:cond delay="indefinite"/>
+                      </p:stCondLst>
+                      <p:childTnLst>
+                        <p:par>
+                          <p:cTn id="24" fill="hold">
+                            <p:stCondLst>
+                              <p:cond delay="0"/>
+                            </p:stCondLst>
+                            <p:childTnLst>
+                              <p:par>
+                                <p:cTn id="25" presetID="14" presetClass="entr" presetSubtype="10" fill="hold" nodeType="clickEffect">
+                                  <p:stCondLst>
+                                    <p:cond delay="0"/>
+                                  </p:stCondLst>
+                                  <p:childTnLst>
+                                    <p:set>
+                                      <p:cBhvr>
+                                        <p:cTn id="26" dur="1" fill="hold">
+                                          <p:stCondLst>
+                                            <p:cond delay="0"/>
+                                          </p:stCondLst>
+                                        </p:cTn>
+                                        <p:tgtEl>
+                                          <p:spTgt spid="5">
+                                            <p:txEl>
+                                              <p:pRg st="4" end="4"/>
+                                            </p:txEl>
+                                          </p:spTgt>
+                                        </p:tgtEl>
+                                        <p:attrNameLst>
+                                          <p:attrName>style.visibility</p:attrName>
+                                        </p:attrNameLst>
+                                      </p:cBhvr>
+                                      <p:to>
+                                        <p:strVal val="visible"/>
+                                      </p:to>
+                                    </p:set>
+                                    <p:animEffect transition="in" filter="randombar(horizontal)">
+                                      <p:cBhvr>
+                                        <p:cTn id="27" dur="500"/>
+                                        <p:tgtEl>
+                                          <p:spTgt spid="5">
+                                            <p:txEl>
+                                              <p:pRg st="4" end="4"/>
+                                            </p:txEl>
+                                          </p:spTgt>
+                                        </p:tgtEl>
+                                      </p:cBhvr>
+                                    </p:animEffect>
+                                  </p:childTnLst>
+                                </p:cTn>
+                              </p:par>
+                            </p:childTnLst>
+                          </p:cTn>
+                        </p:par>
+                      </p:childTnLst>
+                    </p:cTn>
+                  </p:par>
+                </p:childTnLst>
+              </p:cTn>
+              <p:prevCondLst>
+                <p:cond evt="onPrev" delay="0">
+                  <p:tgtEl>
+                    <p:sldTgt/>
+                  </p:tgtEl>
+                </p:cond>
+              </p:prevCondLst>
+              <p:nextCondLst>
+                <p:cond evt="onNext" delay="0">
+                  <p:tgtEl>
+                    <p:sldTgt/>
+                  </p:tgtEl>
+                </p:cond>
+              </p:nextCondLst>
+            </p:seq>
+          </p:childTnLst>
+        </p:cTn>
+      </p:par>
+    </p:tnLst>
+  </p:timing>
+</p:sld>
+</file>
+
+<file path=ppt/slides/slide26.xml><?xml version="1.0" encoding="utf-8"?>
+<p:sld xmlns:a="http://schemas.openxmlformats.org/drawingml/2006/main" xmlns:r="http://schemas.openxmlformats.org/officeDocument/2006/relationships" xmlns:p="http://schemas.openxmlformats.org/presentationml/2006/main">
+  <p:cSld>
+    <p:spTree>
+      <p:nvGrpSpPr>
+        <p:cNvPr id="1" name=""/>
+        <p:cNvGrpSpPr/>
+        <p:nvPr/>
+      </p:nvGrpSpPr>
+      <p:grpSpPr>
+        <a:xfrm>
+          <a:off x="0" y="0"/>
+          <a:ext cx="0" cy="0"/>
+          <a:chOff x="0" y="0"/>
+          <a:chExt cx="0" cy="0"/>
+        </a:xfrm>
+      </p:grpSpPr>
+      <p:sp>
+        <p:nvSpPr>
+          <p:cNvPr id="2" name="标题 1">
+            <a:extLst>
+              <a:ext uri="{FF2B5EF4-FFF2-40B4-BE49-F238E27FC236}">
+                <a16:creationId xmlns:a16="http://schemas.microsoft.com/office/drawing/2014/main" id="{029433F6-C7F9-4690-9C8A-51E513DA7BE9}"/>
+              </a:ext>
+            </a:extLst>
+          </p:cNvPr>
+          <p:cNvSpPr>
+            <a:spLocks noGrp="1"/>
+          </p:cNvSpPr>
+          <p:nvPr>
+            <p:ph type="title"/>
+          </p:nvPr>
+        </p:nvSpPr>
+        <p:spPr>
+          <a:xfrm>
+            <a:off x="4584966" y="362111"/>
+            <a:ext cx="10571998" cy="970450"/>
+          </a:xfrm>
+        </p:spPr>
+        <p:txBody>
+          <a:bodyPr/>
+          <a:lstStyle/>
+          <a:p>
+            <a:r>
               <a:rPr lang="zh-CN" altLang="en-US" dirty="0"/>
               <a:t>参考资料</a:t>
             </a:r>
@@ -26079,8 +26709,8 @@
         </p:nvSpPr>
         <p:spPr>
           <a:xfrm>
-            <a:off x="854014" y="2734575"/>
-            <a:ext cx="10546477" cy="3693319"/>
+            <a:off x="772734" y="2145295"/>
+            <a:ext cx="10546477" cy="4431983"/>
           </a:xfrm>
           <a:prstGeom prst="rect">
             <a:avLst/>
@@ -26142,13 +26772,8 @@
             </a:pPr>
             <a:r>
               <a:rPr lang="en-US" altLang="zh-CN" sz="2400" dirty="0"/>
-              <a:t>http://blog.csdn.net/wind19/article/details</a:t>
-            </a:r>
-            <a:r>
-              <a:rPr lang="en-US" altLang="zh-CN" sz="2400"/>
-              <a:t>/7583357</a:t>
-            </a:r>
-            <a:endParaRPr lang="en-US" altLang="zh-CN" sz="2400" dirty="0"/>
+              <a:t>http://blog.csdn.net/wind19/article/details/7583357</a:t>
+            </a:r>
           </a:p>
           <a:p>
             <a:pPr marL="285750" indent="-285750">
@@ -26273,6 +26898,23 @@
               <a:t>介绍</a:t>
             </a:r>
             <a:endParaRPr lang="en-US" altLang="zh-CN" sz="2400" dirty="0"/>
+          </a:p>
+          <a:p>
+            <a:pPr marL="285750" indent="-285750">
+              <a:buFont typeface="Wingdings" panose="05000000000000000000" pitchFamily="2" charset="2"/>
+              <a:buChar char="l"/>
+            </a:pPr>
+            <a:endParaRPr lang="en-US" altLang="zh-CN" sz="2400" dirty="0"/>
+          </a:p>
+          <a:p>
+            <a:pPr marL="285750" indent="-285750">
+              <a:buFont typeface="Wingdings" panose="05000000000000000000" pitchFamily="2" charset="2"/>
+              <a:buChar char="l"/>
+            </a:pPr>
+            <a:r>
+              <a:rPr lang="en-US" altLang="zh-CN" sz="2400" dirty="0"/>
+              <a:t>https://en.wikipedia.org/wiki/Grady_Booch</a:t>
+            </a:r>
           </a:p>
           <a:p>
             <a:pPr marL="285750" indent="-285750">
@@ -26382,7 +27024,7 @@
 </p:sld>
 </file>
 
-<file path=ppt/slides/slide26.xml><?xml version="1.0" encoding="utf-8"?>
+<file path=ppt/slides/slide27.xml><?xml version="1.0" encoding="utf-8"?>
 <p:sld xmlns:a="http://schemas.openxmlformats.org/drawingml/2006/main" xmlns:r="http://schemas.openxmlformats.org/officeDocument/2006/relationships" xmlns:p="http://schemas.openxmlformats.org/presentationml/2006/main">
   <p:cSld>
     <p:spTree>
@@ -26482,7 +27124,7 @@
             </a:r>
             <a:r>
               <a:rPr lang="en-US" altLang="zh-CN" sz="2800" dirty="0"/>
-              <a:t>——4</a:t>
+              <a:t>——87</a:t>
             </a:r>
             <a:r>
               <a:rPr lang="zh-CN" altLang="en-US" sz="2800" dirty="0"/>
@@ -26505,10 +27147,10 @@
             </a:r>
             <a:r>
               <a:rPr lang="en-US" altLang="zh-CN" sz="2800"/>
-              <a:t>——1</a:t>
-            </a:r>
-            <a:r>
-              <a:rPr lang="zh-CN" altLang="en-US" sz="2800"/>
+              <a:t>——82</a:t>
+            </a:r>
+            <a:r>
+              <a:rPr lang="zh-CN" altLang="en-US" sz="2800" dirty="0"/>
               <a:t>分</a:t>
             </a:r>
             <a:endParaRPr lang="en-US" altLang="zh-CN" sz="2800" dirty="0"/>
@@ -26528,7 +27170,7 @@
             </a:r>
             <a:r>
               <a:rPr lang="en-US" altLang="zh-CN" sz="2800" dirty="0"/>
-              <a:t>——2</a:t>
+              <a:t>——84</a:t>
             </a:r>
             <a:r>
               <a:rPr lang="zh-CN" altLang="en-US" sz="2800" dirty="0"/>
@@ -26551,7 +27193,7 @@
             </a:r>
             <a:r>
               <a:rPr lang="en-US" altLang="zh-CN" sz="2800" dirty="0"/>
-              <a:t>PPT——5</a:t>
+              <a:t>PPT——98</a:t>
             </a:r>
             <a:r>
               <a:rPr lang="zh-CN" altLang="en-US" sz="2800" dirty="0"/>
@@ -26574,7 +27216,7 @@
             </a:r>
             <a:r>
               <a:rPr lang="en-US" altLang="zh-CN" sz="2800" dirty="0"/>
-              <a:t>——3</a:t>
+              <a:t>——85</a:t>
             </a:r>
             <a:r>
               <a:rPr lang="zh-CN" altLang="en-US" sz="2800" dirty="0"/>
@@ -26599,7 +27241,7 @@
 </p:sld>
 </file>
 
-<file path=ppt/slides/slide27.xml><?xml version="1.0" encoding="utf-8"?>
+<file path=ppt/slides/slide28.xml><?xml version="1.0" encoding="utf-8"?>
 <p:sld xmlns:a="http://schemas.openxmlformats.org/drawingml/2006/main" xmlns:r="http://schemas.openxmlformats.org/officeDocument/2006/relationships" xmlns:p="http://schemas.openxmlformats.org/presentationml/2006/main">
   <p:cSld>
     <p:spTree>
@@ -27159,12 +27801,14 @@
         </p:nvSpPr>
         <p:spPr>
           <a:xfrm>
-            <a:off x="829345" y="2360428"/>
-            <a:ext cx="10845204" cy="3838352"/>
+            <a:off x="673397" y="2067878"/>
+            <a:ext cx="10845204" cy="4129722"/>
           </a:xfrm>
         </p:spPr>
         <p:txBody>
-          <a:bodyPr/>
+          <a:bodyPr>
+            <a:normAutofit fontScale="62500" lnSpcReduction="20000"/>
+          </a:bodyPr>
           <a:lstStyle/>
           <a:p>
             <a:pPr marL="0" indent="0">
@@ -27175,7 +27819,11 @@
             </a:endParaRPr>
           </a:p>
           <a:p>
-            <a:pPr lvl="0"/>
+            <a:pPr lvl="0">
+              <a:lnSpc>
+                <a:spcPct val="120000"/>
+              </a:lnSpc>
+            </a:pPr>
             <a:r>
               <a:rPr lang="en-US" altLang="zh-CN" sz="3200" dirty="0">
                 <a:latin typeface="+mn-ea"/>
@@ -27288,8 +27936,235 @@
               <a:rPr lang="zh-CN" altLang="zh-CN" sz="3200" dirty="0">
                 <a:latin typeface="+mn-ea"/>
               </a:rPr>
-              <a:t>）。最终，他们联合起来，实现了开放的标准。 </a:t>
-            </a:r>
+              <a:t>）。</a:t>
+            </a:r>
+            <a:endParaRPr lang="en-US" altLang="zh-CN" sz="3200" dirty="0">
+              <a:latin typeface="+mn-ea"/>
+            </a:endParaRPr>
+          </a:p>
+          <a:p>
+            <a:pPr lvl="0">
+              <a:lnSpc>
+                <a:spcPct val="120000"/>
+              </a:lnSpc>
+            </a:pPr>
+            <a:r>
+              <a:rPr lang="en-GB" altLang="zh-CN" sz="3200" dirty="0" err="1">
+                <a:latin typeface="+mn-ea"/>
+              </a:rPr>
+              <a:t>Rumbaugh</a:t>
+            </a:r>
+            <a:r>
+              <a:rPr lang="zh-CN" altLang="en-US" sz="3200" dirty="0">
+                <a:latin typeface="+mn-ea"/>
+              </a:rPr>
+              <a:t>于</a:t>
+            </a:r>
+            <a:r>
+              <a:rPr lang="en-US" altLang="zh-CN" sz="3200" dirty="0">
+                <a:latin typeface="+mn-ea"/>
+              </a:rPr>
+              <a:t>1994</a:t>
+            </a:r>
+            <a:r>
+              <a:rPr lang="zh-CN" altLang="en-US" sz="3200" dirty="0">
+                <a:latin typeface="+mn-ea"/>
+              </a:rPr>
+              <a:t>年离开</a:t>
+            </a:r>
+            <a:r>
+              <a:rPr lang="en-GB" altLang="zh-CN" sz="3200" dirty="0">
+                <a:latin typeface="+mn-ea"/>
+              </a:rPr>
+              <a:t>GE</a:t>
+            </a:r>
+            <a:r>
+              <a:rPr lang="zh-CN" altLang="en-US" sz="3200" dirty="0">
+                <a:latin typeface="+mn-ea"/>
+              </a:rPr>
+              <a:t>加入</a:t>
+            </a:r>
+            <a:r>
+              <a:rPr lang="en-GB" altLang="zh-CN" sz="3200" dirty="0" err="1">
+                <a:latin typeface="+mn-ea"/>
+              </a:rPr>
+              <a:t>Booch</a:t>
+            </a:r>
+            <a:r>
+              <a:rPr lang="zh-CN" altLang="en-US" sz="3200" dirty="0">
+                <a:latin typeface="+mn-ea"/>
+              </a:rPr>
+              <a:t>所在的</a:t>
+            </a:r>
+            <a:r>
+              <a:rPr lang="en-GB" altLang="zh-CN" sz="3200" dirty="0">
+                <a:latin typeface="+mn-ea"/>
+              </a:rPr>
+              <a:t>Rational</a:t>
+            </a:r>
+            <a:r>
+              <a:rPr lang="zh-CN" altLang="en-US" sz="3200" dirty="0">
+                <a:latin typeface="+mn-ea"/>
+              </a:rPr>
+              <a:t>公司，他们一起研究一种统一的方法，一年后，</a:t>
+            </a:r>
+            <a:r>
+              <a:rPr lang="en-GB" altLang="zh-CN" sz="3200" dirty="0">
+                <a:latin typeface="+mn-ea"/>
+              </a:rPr>
+              <a:t>Unified Method0.8</a:t>
+            </a:r>
+            <a:r>
+              <a:rPr lang="zh-CN" altLang="en-US" sz="3200" dirty="0">
+                <a:latin typeface="+mn-ea"/>
+              </a:rPr>
+              <a:t>诞生，同年，</a:t>
+            </a:r>
+            <a:r>
+              <a:rPr lang="en-GB" altLang="zh-CN" sz="3200" dirty="0">
+                <a:latin typeface="+mn-ea"/>
+              </a:rPr>
+              <a:t>Rational</a:t>
+            </a:r>
+            <a:r>
+              <a:rPr lang="zh-CN" altLang="en-US" sz="3200" dirty="0">
+                <a:latin typeface="+mn-ea"/>
+              </a:rPr>
+              <a:t>收购了</a:t>
+            </a:r>
+            <a:r>
+              <a:rPr lang="en-GB" altLang="zh-CN" sz="3200" dirty="0">
+                <a:latin typeface="+mn-ea"/>
+              </a:rPr>
+              <a:t>Jacobson</a:t>
+            </a:r>
+            <a:r>
+              <a:rPr lang="zh-CN" altLang="en-US" sz="3200" dirty="0">
+                <a:latin typeface="+mn-ea"/>
+              </a:rPr>
+              <a:t>所在的</a:t>
+            </a:r>
+            <a:r>
+              <a:rPr lang="en-GB" altLang="zh-CN" sz="3200" dirty="0" err="1">
+                <a:latin typeface="+mn-ea"/>
+              </a:rPr>
+              <a:t>Objectory</a:t>
+            </a:r>
+            <a:r>
+              <a:rPr lang="en-GB" altLang="zh-CN" sz="3200" dirty="0">
+                <a:latin typeface="+mn-ea"/>
+              </a:rPr>
+              <a:t> AB </a:t>
+            </a:r>
+            <a:r>
+              <a:rPr lang="zh-CN" altLang="en-US" sz="3200" dirty="0">
+                <a:latin typeface="+mn-ea"/>
+              </a:rPr>
+              <a:t>公司。经过三年的共同努力，</a:t>
+            </a:r>
+            <a:r>
+              <a:rPr lang="zh-CN" altLang="en-GB" sz="3200" dirty="0">
+                <a:latin typeface="+mn-ea"/>
+              </a:rPr>
+              <a:t>ＵＭＬ０</a:t>
+            </a:r>
+            <a:r>
+              <a:rPr lang="en-GB" altLang="zh-CN" sz="3200" dirty="0">
+                <a:latin typeface="+mn-ea"/>
+              </a:rPr>
+              <a:t>.</a:t>
+            </a:r>
+            <a:r>
+              <a:rPr lang="zh-CN" altLang="en-GB" sz="3200" dirty="0">
+                <a:latin typeface="+mn-ea"/>
+              </a:rPr>
+              <a:t>９</a:t>
+            </a:r>
+            <a:r>
+              <a:rPr lang="zh-CN" altLang="en-US" sz="3200" dirty="0">
+                <a:latin typeface="+mn-ea"/>
+              </a:rPr>
+              <a:t>和</a:t>
+            </a:r>
+            <a:r>
+              <a:rPr lang="zh-CN" altLang="en-GB" sz="3200" dirty="0">
+                <a:latin typeface="+mn-ea"/>
+              </a:rPr>
+              <a:t>ＵＭＬ０</a:t>
+            </a:r>
+            <a:r>
+              <a:rPr lang="en-GB" altLang="zh-CN" sz="3200" dirty="0">
+                <a:latin typeface="+mn-ea"/>
+              </a:rPr>
+              <a:t>.</a:t>
+            </a:r>
+            <a:r>
+              <a:rPr lang="zh-CN" altLang="en-GB" sz="3200" dirty="0">
+                <a:latin typeface="+mn-ea"/>
+              </a:rPr>
+              <a:t>９１</a:t>
+            </a:r>
+            <a:r>
+              <a:rPr lang="zh-CN" altLang="en-US" sz="3200" dirty="0">
+                <a:latin typeface="+mn-ea"/>
+              </a:rPr>
+              <a:t>于１９９６年相继面世。</a:t>
+            </a:r>
+            <a:endParaRPr lang="en-US" altLang="zh-CN" sz="3200" dirty="0">
+              <a:latin typeface="+mn-ea"/>
+            </a:endParaRPr>
+          </a:p>
+          <a:p>
+            <a:pPr lvl="0">
+              <a:lnSpc>
+                <a:spcPct val="120000"/>
+              </a:lnSpc>
+            </a:pPr>
+            <a:r>
+              <a:rPr lang="zh-CN" altLang="en-US" sz="3200" dirty="0">
+                <a:latin typeface="+mn-ea"/>
+              </a:rPr>
+              <a:t>此后ＵＭＬ的创始人</a:t>
+            </a:r>
+            <a:r>
+              <a:rPr lang="en-US" altLang="zh-CN" sz="3200" dirty="0" err="1">
+                <a:latin typeface="+mn-ea"/>
+              </a:rPr>
+              <a:t>Booch</a:t>
+            </a:r>
+            <a:r>
+              <a:rPr lang="zh-CN" altLang="en-US" sz="3200" dirty="0">
+                <a:latin typeface="+mn-ea"/>
+              </a:rPr>
+              <a:t>等邀请计算机软件工程界的著名人士和著名的企业如</a:t>
+            </a:r>
+            <a:r>
+              <a:rPr lang="en-US" altLang="zh-CN" sz="3200" dirty="0">
+                <a:latin typeface="+mn-ea"/>
+              </a:rPr>
+              <a:t>IBM</a:t>
+            </a:r>
+            <a:r>
+              <a:rPr lang="zh-CN" altLang="en-US" sz="3200" dirty="0">
+                <a:latin typeface="+mn-ea"/>
+              </a:rPr>
+              <a:t>，Ｏｒａｃｌｅ等对ＵＭＬ进行评论，提出修改意见。１９９７年１月Ｒａｔｉｏｎａｌ公司向ＯＭＧ提交了ＵＭＬ１</a:t>
+            </a:r>
+            <a:r>
+              <a:rPr lang="en-US" altLang="zh-CN" sz="3200" dirty="0">
+                <a:latin typeface="+mn-ea"/>
+              </a:rPr>
+              <a:t>.</a:t>
+            </a:r>
+            <a:r>
+              <a:rPr lang="zh-CN" altLang="en-US" sz="3200" dirty="0">
+                <a:latin typeface="+mn-ea"/>
+              </a:rPr>
+              <a:t>０标准文本。１９９７年１１月ＯＭＧ宣布接受ＵＭＬ，认定为标准的建模语言。ＵＭＬ目前还在不断地发展和完善。</a:t>
+            </a:r>
+            <a:endParaRPr lang="zh-CN" altLang="zh-CN" sz="3200" dirty="0">
+              <a:latin typeface="+mn-ea"/>
+            </a:endParaRPr>
           </a:p>
           <a:p>
             <a:endParaRPr lang="zh-CN" altLang="en-US" b="1" dirty="0"/>
@@ -27299,7 +28174,7 @@
     </p:spTree>
     <p:extLst>
       <p:ext uri="{BB962C8B-B14F-4D97-AF65-F5344CB8AC3E}">
-        <p14:creationId xmlns:p14="http://schemas.microsoft.com/office/powerpoint/2010/main" val="2147238212"/>
+        <p14:creationId xmlns:p14="http://schemas.microsoft.com/office/powerpoint/2010/main" val="1891093630"/>
       </p:ext>
     </p:extLst>
   </p:cSld>
@@ -27361,6 +28236,128 @@
                                           <p:spTgt spid="3">
                                             <p:txEl>
                                               <p:pRg st="1" end="1"/>
+                                            </p:txEl>
+                                          </p:spTgt>
+                                        </p:tgtEl>
+                                      </p:cBhvr>
+                                    </p:animEffect>
+                                  </p:childTnLst>
+                                </p:cTn>
+                              </p:par>
+                            </p:childTnLst>
+                          </p:cTn>
+                        </p:par>
+                      </p:childTnLst>
+                    </p:cTn>
+                  </p:par>
+                  <p:par>
+                    <p:cTn id="8" fill="hold">
+                      <p:stCondLst>
+                        <p:cond delay="indefinite"/>
+                      </p:stCondLst>
+                      <p:childTnLst>
+                        <p:par>
+                          <p:cTn id="9" fill="hold">
+                            <p:stCondLst>
+                              <p:cond delay="0"/>
+                            </p:stCondLst>
+                            <p:childTnLst>
+                              <p:par>
+                                <p:cTn id="10" presetID="14" presetClass="entr" presetSubtype="10" fill="hold" nodeType="clickEffect">
+                                  <p:stCondLst>
+                                    <p:cond delay="0"/>
+                                  </p:stCondLst>
+                                  <p:childTnLst>
+                                    <p:set>
+                                      <p:cBhvr>
+                                        <p:cTn id="11" dur="1" fill="hold">
+                                          <p:stCondLst>
+                                            <p:cond delay="0"/>
+                                          </p:stCondLst>
+                                        </p:cTn>
+                                        <p:tgtEl>
+                                          <p:spTgt spid="3">
+                                            <p:txEl>
+                                              <p:pRg st="2" end="2"/>
+                                            </p:txEl>
+                                          </p:spTgt>
+                                        </p:tgtEl>
+                                        <p:attrNameLst>
+                                          <p:attrName>style.visibility</p:attrName>
+                                        </p:attrNameLst>
+                                      </p:cBhvr>
+                                      <p:to>
+                                        <p:strVal val="visible"/>
+                                      </p:to>
+                                    </p:set>
+                                    <p:animEffect transition="in" filter="randombar(horizontal)">
+                                      <p:cBhvr>
+                                        <p:cTn id="12" dur="500"/>
+                                        <p:tgtEl>
+                                          <p:spTgt spid="3">
+                                            <p:txEl>
+                                              <p:pRg st="2" end="2"/>
+                                            </p:txEl>
+                                          </p:spTgt>
+                                        </p:tgtEl>
+                                      </p:cBhvr>
+                                    </p:animEffect>
+                                  </p:childTnLst>
+                                </p:cTn>
+                              </p:par>
+                            </p:childTnLst>
+                          </p:cTn>
+                        </p:par>
+                      </p:childTnLst>
+                    </p:cTn>
+                  </p:par>
+                  <p:par>
+                    <p:cTn id="13" fill="hold">
+                      <p:stCondLst>
+                        <p:cond delay="indefinite"/>
+                      </p:stCondLst>
+                      <p:childTnLst>
+                        <p:par>
+                          <p:cTn id="14" fill="hold">
+                            <p:stCondLst>
+                              <p:cond delay="0"/>
+                            </p:stCondLst>
+                            <p:childTnLst>
+                              <p:par>
+                                <p:cTn id="15" presetID="14" presetClass="entr" presetSubtype="10" fill="hold" nodeType="clickEffect">
+                                  <p:stCondLst>
+                                    <p:cond delay="0"/>
+                                  </p:stCondLst>
+                                  <p:childTnLst>
+                                    <p:set>
+                                      <p:cBhvr>
+                                        <p:cTn id="16" dur="1" fill="hold">
+                                          <p:stCondLst>
+                                            <p:cond delay="0"/>
+                                          </p:stCondLst>
+                                        </p:cTn>
+                                        <p:tgtEl>
+                                          <p:spTgt spid="3">
+                                            <p:txEl>
+                                              <p:pRg st="3" end="3"/>
+                                            </p:txEl>
+                                          </p:spTgt>
+                                        </p:tgtEl>
+                                        <p:attrNameLst>
+                                          <p:attrName>style.visibility</p:attrName>
+                                        </p:attrNameLst>
+                                      </p:cBhvr>
+                                      <p:to>
+                                        <p:strVal val="visible"/>
+                                      </p:to>
+                                    </p:set>
+                                    <p:animEffect transition="in" filter="randombar(horizontal)">
+                                      <p:cBhvr>
+                                        <p:cTn id="17" dur="500"/>
+                                        <p:tgtEl>
+                                          <p:spTgt spid="3">
+                                            <p:txEl>
+                                              <p:pRg st="3" end="3"/>
                                             </p:txEl>
                                           </p:spTgt>
                                         </p:tgtEl>
@@ -28099,12 +29096,14 @@
         </p:nvSpPr>
         <p:spPr>
           <a:xfrm>
-            <a:off x="829345" y="2360428"/>
-            <a:ext cx="10845204" cy="3838352"/>
+            <a:off x="810000" y="1923548"/>
+            <a:ext cx="10845204" cy="4690612"/>
           </a:xfrm>
         </p:spPr>
         <p:txBody>
-          <a:bodyPr/>
+          <a:bodyPr>
+            <a:normAutofit fontScale="77500" lnSpcReduction="20000"/>
+          </a:bodyPr>
           <a:lstStyle/>
           <a:p>
             <a:pPr marL="0" indent="0">
@@ -28188,8 +29187,320 @@
               <a:rPr lang="zh-CN" altLang="zh-CN" sz="3200" dirty="0">
                 <a:latin typeface="+mn-ea"/>
               </a:rPr>
-              <a:t>。 </a:t>
-            </a:r>
+              <a:t>。</a:t>
+            </a:r>
+            <a:endParaRPr lang="en-US" altLang="zh-CN" sz="3200" dirty="0">
+              <a:latin typeface="+mn-ea"/>
+            </a:endParaRPr>
+          </a:p>
+          <a:p>
+            <a:pPr lvl="0"/>
+            <a:r>
+              <a:rPr lang="en-US" altLang="zh-CN" sz="3200" dirty="0" err="1">
+                <a:latin typeface="+mn-ea"/>
+              </a:rPr>
+              <a:t>Booch</a:t>
+            </a:r>
+            <a:r>
+              <a:rPr lang="zh-CN" altLang="en-US" sz="3200" dirty="0">
+                <a:latin typeface="+mn-ea"/>
+              </a:rPr>
+              <a:t>在</a:t>
+            </a:r>
+            <a:r>
+              <a:rPr lang="en-US" altLang="zh-CN" sz="3200" dirty="0">
+                <a:latin typeface="+mn-ea"/>
+              </a:rPr>
+              <a:t>1977</a:t>
+            </a:r>
+            <a:r>
+              <a:rPr lang="zh-CN" altLang="en-US" sz="3200" dirty="0">
+                <a:latin typeface="+mn-ea"/>
+              </a:rPr>
+              <a:t>年美国空军学院获得了学士学位，在</a:t>
+            </a:r>
+            <a:r>
+              <a:rPr lang="en-US" altLang="zh-CN" sz="3200" dirty="0">
+                <a:latin typeface="+mn-ea"/>
+              </a:rPr>
+              <a:t>1979</a:t>
+            </a:r>
+            <a:r>
+              <a:rPr lang="zh-CN" altLang="en-US" sz="3200" dirty="0">
+                <a:latin typeface="+mn-ea"/>
+              </a:rPr>
+              <a:t>年美国加州大学</a:t>
+            </a:r>
+            <a:r>
+              <a:rPr lang="en-US" altLang="zh-CN" sz="3200" dirty="0">
+                <a:latin typeface="+mn-ea"/>
+              </a:rPr>
+              <a:t>-</a:t>
+            </a:r>
+            <a:r>
+              <a:rPr lang="zh-CN" altLang="en-US" sz="3200" dirty="0">
+                <a:latin typeface="+mn-ea"/>
+              </a:rPr>
+              <a:t>圣塔芭芭拉分校获得电气工程硕士学位。</a:t>
+            </a:r>
+            <a:endParaRPr lang="en-US" altLang="zh-CN" sz="3200" dirty="0">
+              <a:latin typeface="+mn-ea"/>
+            </a:endParaRPr>
+          </a:p>
+          <a:p>
+            <a:pPr lvl="0"/>
+            <a:r>
+              <a:rPr lang="en-US" altLang="zh-CN" sz="3200" dirty="0" err="1">
+                <a:latin typeface="+mn-ea"/>
+              </a:rPr>
+              <a:t>Booch</a:t>
+            </a:r>
+            <a:r>
+              <a:rPr lang="en-US" altLang="zh-CN" sz="3200" dirty="0">
+                <a:latin typeface="+mn-ea"/>
+              </a:rPr>
+              <a:t> </a:t>
+            </a:r>
+            <a:r>
+              <a:rPr lang="zh-CN" altLang="en-US" sz="3200" dirty="0">
+                <a:latin typeface="+mn-ea"/>
+              </a:rPr>
+              <a:t>自</a:t>
+            </a:r>
+            <a:r>
+              <a:rPr lang="en-US" altLang="zh-CN" sz="3200" dirty="0">
+                <a:latin typeface="+mn-ea"/>
+              </a:rPr>
+              <a:t>1981</a:t>
+            </a:r>
+            <a:r>
+              <a:rPr lang="zh-CN" altLang="en-US" sz="3200" dirty="0">
+                <a:latin typeface="+mn-ea"/>
+              </a:rPr>
+              <a:t>年创立以来一直担任</a:t>
+            </a:r>
+            <a:r>
+              <a:rPr lang="en-US" altLang="zh-CN" sz="3200" dirty="0">
+                <a:latin typeface="+mn-ea"/>
+              </a:rPr>
+              <a:t>Rational Software Corporation</a:t>
+            </a:r>
+            <a:r>
+              <a:rPr lang="zh-CN" altLang="en-US" sz="3200" dirty="0">
+                <a:latin typeface="+mn-ea"/>
+              </a:rPr>
+              <a:t>的首席科学家，</a:t>
+            </a:r>
+            <a:r>
+              <a:rPr lang="en-US" altLang="zh-CN" sz="3200" dirty="0">
+                <a:latin typeface="+mn-ea"/>
+              </a:rPr>
+              <a:t>2003</a:t>
+            </a:r>
+            <a:r>
+              <a:rPr lang="zh-CN" altLang="en-US" sz="3200" dirty="0">
+                <a:latin typeface="+mn-ea"/>
+              </a:rPr>
+              <a:t>年被</a:t>
+            </a:r>
+            <a:r>
+              <a:rPr lang="en-US" altLang="zh-CN" sz="3200" dirty="0">
+                <a:latin typeface="+mn-ea"/>
+              </a:rPr>
+              <a:t>IBM</a:t>
+            </a:r>
+            <a:r>
+              <a:rPr lang="zh-CN" altLang="en-US" sz="3200" dirty="0">
+                <a:latin typeface="+mn-ea"/>
+              </a:rPr>
+              <a:t>收购，直到</a:t>
+            </a:r>
+            <a:r>
+              <a:rPr lang="en-US" altLang="zh-CN" sz="3200" dirty="0">
+                <a:latin typeface="+mn-ea"/>
+              </a:rPr>
+              <a:t>2008</a:t>
+            </a:r>
+            <a:r>
+              <a:rPr lang="zh-CN" altLang="en-US" sz="3200" dirty="0">
+                <a:latin typeface="+mn-ea"/>
+              </a:rPr>
+              <a:t>年</a:t>
+            </a:r>
+            <a:r>
+              <a:rPr lang="en-US" altLang="zh-CN" sz="3200" dirty="0">
+                <a:latin typeface="+mn-ea"/>
+              </a:rPr>
+              <a:t>3</a:t>
+            </a:r>
+            <a:r>
+              <a:rPr lang="zh-CN" altLang="en-US" sz="3200" dirty="0">
+                <a:latin typeface="+mn-ea"/>
+              </a:rPr>
+              <a:t>月一直工作。之后，他成为</a:t>
+            </a:r>
+            <a:r>
+              <a:rPr lang="en-US" altLang="zh-CN" sz="3200" dirty="0">
+                <a:latin typeface="+mn-ea"/>
+              </a:rPr>
+              <a:t>IBM Research</a:t>
+            </a:r>
+            <a:r>
+              <a:rPr lang="zh-CN" altLang="en-US" sz="3200" dirty="0">
+                <a:latin typeface="+mn-ea"/>
+              </a:rPr>
+              <a:t>的软件工程首席科学家。</a:t>
+            </a:r>
+          </a:p>
+          <a:p>
+            <a:pPr lvl="0"/>
+            <a:r>
+              <a:rPr lang="en-US" altLang="zh-CN" sz="3200" dirty="0" err="1">
+                <a:latin typeface="+mn-ea"/>
+              </a:rPr>
+              <a:t>Booch</a:t>
+            </a:r>
+            <a:r>
+              <a:rPr lang="zh-CN" altLang="en-US" sz="3200" dirty="0">
+                <a:latin typeface="+mn-ea"/>
+              </a:rPr>
+              <a:t>一生致力于改善软件开发的艺术和科学。在</a:t>
+            </a:r>
+            <a:r>
+              <a:rPr lang="en-US" altLang="zh-CN" sz="3200" dirty="0">
+                <a:latin typeface="+mn-ea"/>
+              </a:rPr>
+              <a:t>20</a:t>
+            </a:r>
+            <a:r>
+              <a:rPr lang="zh-CN" altLang="en-US" sz="3200" dirty="0">
+                <a:latin typeface="+mn-ea"/>
+              </a:rPr>
+              <a:t>世纪</a:t>
+            </a:r>
+            <a:r>
+              <a:rPr lang="en-US" altLang="zh-CN" sz="3200" dirty="0">
+                <a:latin typeface="+mn-ea"/>
+              </a:rPr>
+              <a:t>80</a:t>
+            </a:r>
+            <a:r>
+              <a:rPr lang="zh-CN" altLang="en-US" sz="3200" dirty="0">
+                <a:latin typeface="+mn-ea"/>
+              </a:rPr>
+              <a:t>年代，</a:t>
+            </a:r>
+            <a:r>
+              <a:rPr lang="en-US" altLang="zh-CN" sz="3200" dirty="0" err="1">
+                <a:latin typeface="+mn-ea"/>
+              </a:rPr>
+              <a:t>Booch</a:t>
+            </a:r>
+            <a:r>
+              <a:rPr lang="zh-CN" altLang="en-US" sz="3200" dirty="0">
+                <a:latin typeface="+mn-ea"/>
+              </a:rPr>
+              <a:t>写了一本关于</a:t>
+            </a:r>
+            <a:r>
+              <a:rPr lang="en-US" altLang="zh-CN" sz="3200" dirty="0">
+                <a:latin typeface="+mn-ea"/>
+              </a:rPr>
+              <a:t>Ada</a:t>
+            </a:r>
+            <a:r>
+              <a:rPr lang="zh-CN" altLang="en-US" sz="3200" dirty="0">
+                <a:latin typeface="+mn-ea"/>
+              </a:rPr>
+              <a:t>编程的非常受欢迎的书籍。</a:t>
+            </a:r>
+            <a:r>
+              <a:rPr lang="en-US" altLang="zh-CN" sz="3200" dirty="0">
+                <a:latin typeface="+mn-ea"/>
+              </a:rPr>
+              <a:t>Grady </a:t>
+            </a:r>
+            <a:r>
+              <a:rPr lang="en-US" altLang="zh-CN" sz="3200" dirty="0" err="1">
+                <a:latin typeface="+mn-ea"/>
+              </a:rPr>
+              <a:t>Booch</a:t>
+            </a:r>
+            <a:r>
+              <a:rPr lang="en-US" altLang="zh-CN" sz="3200" dirty="0">
+                <a:latin typeface="+mn-ea"/>
+              </a:rPr>
+              <a:t> </a:t>
+            </a:r>
+            <a:r>
+              <a:rPr lang="zh-CN" altLang="en-US" sz="3200" dirty="0">
+                <a:latin typeface="+mn-ea"/>
+              </a:rPr>
+              <a:t>在</a:t>
+            </a:r>
+            <a:r>
+              <a:rPr lang="en-US" altLang="zh-CN" sz="3200" dirty="0">
+                <a:latin typeface="+mn-ea"/>
+              </a:rPr>
+              <a:t>20</a:t>
+            </a:r>
+            <a:r>
+              <a:rPr lang="zh-CN" altLang="en-US" sz="3200" dirty="0">
+                <a:latin typeface="+mn-ea"/>
+              </a:rPr>
+              <a:t>世纪</a:t>
+            </a:r>
+            <a:r>
+              <a:rPr lang="en-US" altLang="zh-CN" sz="3200" dirty="0">
+                <a:latin typeface="+mn-ea"/>
+              </a:rPr>
+              <a:t>90</a:t>
+            </a:r>
+            <a:r>
+              <a:rPr lang="zh-CN" altLang="en-US" sz="3200" dirty="0">
+                <a:latin typeface="+mn-ea"/>
+              </a:rPr>
+              <a:t>年代与</a:t>
+            </a:r>
+            <a:r>
+              <a:rPr lang="en-US" altLang="zh-CN" sz="3200" dirty="0">
+                <a:latin typeface="+mn-ea"/>
+              </a:rPr>
+              <a:t>Ivar Jacobson</a:t>
+            </a:r>
+            <a:r>
+              <a:rPr lang="zh-CN" altLang="en-US" sz="3200" dirty="0">
+                <a:latin typeface="+mn-ea"/>
+              </a:rPr>
+              <a:t>和</a:t>
+            </a:r>
+            <a:r>
+              <a:rPr lang="en-US" altLang="zh-CN" sz="3200" dirty="0">
+                <a:latin typeface="+mn-ea"/>
+              </a:rPr>
+              <a:t>James </a:t>
+            </a:r>
+            <a:r>
+              <a:rPr lang="en-US" altLang="zh-CN" sz="3200" dirty="0" err="1">
+                <a:latin typeface="+mn-ea"/>
+              </a:rPr>
+              <a:t>Rumbaugh</a:t>
+            </a:r>
+            <a:r>
+              <a:rPr lang="zh-CN" altLang="en-US" sz="3200" dirty="0">
+                <a:latin typeface="+mn-ea"/>
+              </a:rPr>
+              <a:t>一起发展了统一建模语言。</a:t>
+            </a:r>
+            <a:endParaRPr lang="en-US" altLang="zh-CN" sz="3200" dirty="0">
+              <a:latin typeface="+mn-ea"/>
+            </a:endParaRPr>
+          </a:p>
+          <a:p>
+            <a:pPr lvl="0"/>
+            <a:endParaRPr lang="zh-CN" altLang="zh-CN" sz="3200" dirty="0">
+              <a:latin typeface="+mn-ea"/>
+            </a:endParaRPr>
           </a:p>
           <a:p>
             <a:endParaRPr lang="zh-CN" altLang="en-US" b="1" dirty="0"/>
@@ -28288,7 +29599,7 @@
                             </p:stCondLst>
                             <p:childTnLst>
                               <p:par>
-                                <p:cTn id="10" presetID="14" presetClass="entr" presetSubtype="10" fill="hold" grpId="0" nodeType="clickEffect">
+                                <p:cTn id="10" presetID="14" presetClass="entr" presetSubtype="10" fill="hold" nodeType="clickEffect">
                                   <p:stCondLst>
                                     <p:cond delay="0"/>
                                   </p:stCondLst>
@@ -28296,6 +29607,189 @@
                                     <p:set>
                                       <p:cBhvr>
                                         <p:cTn id="11" dur="1" fill="hold">
+                                          <p:stCondLst>
+                                            <p:cond delay="0"/>
+                                          </p:stCondLst>
+                                        </p:cTn>
+                                        <p:tgtEl>
+                                          <p:spTgt spid="4">
+                                            <p:txEl>
+                                              <p:pRg st="2" end="2"/>
+                                            </p:txEl>
+                                          </p:spTgt>
+                                        </p:tgtEl>
+                                        <p:attrNameLst>
+                                          <p:attrName>style.visibility</p:attrName>
+                                        </p:attrNameLst>
+                                      </p:cBhvr>
+                                      <p:to>
+                                        <p:strVal val="visible"/>
+                                      </p:to>
+                                    </p:set>
+                                    <p:animEffect transition="in" filter="randombar(horizontal)">
+                                      <p:cBhvr>
+                                        <p:cTn id="12" dur="500"/>
+                                        <p:tgtEl>
+                                          <p:spTgt spid="4">
+                                            <p:txEl>
+                                              <p:pRg st="2" end="2"/>
+                                            </p:txEl>
+                                          </p:spTgt>
+                                        </p:tgtEl>
+                                      </p:cBhvr>
+                                    </p:animEffect>
+                                  </p:childTnLst>
+                                </p:cTn>
+                              </p:par>
+                            </p:childTnLst>
+                          </p:cTn>
+                        </p:par>
+                      </p:childTnLst>
+                    </p:cTn>
+                  </p:par>
+                  <p:par>
+                    <p:cTn id="13" fill="hold">
+                      <p:stCondLst>
+                        <p:cond delay="indefinite"/>
+                      </p:stCondLst>
+                      <p:childTnLst>
+                        <p:par>
+                          <p:cTn id="14" fill="hold">
+                            <p:stCondLst>
+                              <p:cond delay="0"/>
+                            </p:stCondLst>
+                            <p:childTnLst>
+                              <p:par>
+                                <p:cTn id="15" presetID="14" presetClass="entr" presetSubtype="10" fill="hold" nodeType="clickEffect">
+                                  <p:stCondLst>
+                                    <p:cond delay="0"/>
+                                  </p:stCondLst>
+                                  <p:childTnLst>
+                                    <p:set>
+                                      <p:cBhvr>
+                                        <p:cTn id="16" dur="1" fill="hold">
+                                          <p:stCondLst>
+                                            <p:cond delay="0"/>
+                                          </p:stCondLst>
+                                        </p:cTn>
+                                        <p:tgtEl>
+                                          <p:spTgt spid="4">
+                                            <p:txEl>
+                                              <p:pRg st="3" end="3"/>
+                                            </p:txEl>
+                                          </p:spTgt>
+                                        </p:tgtEl>
+                                        <p:attrNameLst>
+                                          <p:attrName>style.visibility</p:attrName>
+                                        </p:attrNameLst>
+                                      </p:cBhvr>
+                                      <p:to>
+                                        <p:strVal val="visible"/>
+                                      </p:to>
+                                    </p:set>
+                                    <p:animEffect transition="in" filter="randombar(horizontal)">
+                                      <p:cBhvr>
+                                        <p:cTn id="17" dur="500"/>
+                                        <p:tgtEl>
+                                          <p:spTgt spid="4">
+                                            <p:txEl>
+                                              <p:pRg st="3" end="3"/>
+                                            </p:txEl>
+                                          </p:spTgt>
+                                        </p:tgtEl>
+                                      </p:cBhvr>
+                                    </p:animEffect>
+                                  </p:childTnLst>
+                                </p:cTn>
+                              </p:par>
+                            </p:childTnLst>
+                          </p:cTn>
+                        </p:par>
+                      </p:childTnLst>
+                    </p:cTn>
+                  </p:par>
+                  <p:par>
+                    <p:cTn id="18" fill="hold">
+                      <p:stCondLst>
+                        <p:cond delay="indefinite"/>
+                      </p:stCondLst>
+                      <p:childTnLst>
+                        <p:par>
+                          <p:cTn id="19" fill="hold">
+                            <p:stCondLst>
+                              <p:cond delay="0"/>
+                            </p:stCondLst>
+                            <p:childTnLst>
+                              <p:par>
+                                <p:cTn id="20" presetID="14" presetClass="entr" presetSubtype="10" fill="hold" nodeType="clickEffect">
+                                  <p:stCondLst>
+                                    <p:cond delay="0"/>
+                                  </p:stCondLst>
+                                  <p:childTnLst>
+                                    <p:set>
+                                      <p:cBhvr>
+                                        <p:cTn id="21" dur="1" fill="hold">
+                                          <p:stCondLst>
+                                            <p:cond delay="0"/>
+                                          </p:stCondLst>
+                                        </p:cTn>
+                                        <p:tgtEl>
+                                          <p:spTgt spid="4">
+                                            <p:txEl>
+                                              <p:pRg st="4" end="4"/>
+                                            </p:txEl>
+                                          </p:spTgt>
+                                        </p:tgtEl>
+                                        <p:attrNameLst>
+                                          <p:attrName>style.visibility</p:attrName>
+                                        </p:attrNameLst>
+                                      </p:cBhvr>
+                                      <p:to>
+                                        <p:strVal val="visible"/>
+                                      </p:to>
+                                    </p:set>
+                                    <p:animEffect transition="in" filter="randombar(horizontal)">
+                                      <p:cBhvr>
+                                        <p:cTn id="22" dur="500"/>
+                                        <p:tgtEl>
+                                          <p:spTgt spid="4">
+                                            <p:txEl>
+                                              <p:pRg st="4" end="4"/>
+                                            </p:txEl>
+                                          </p:spTgt>
+                                        </p:tgtEl>
+                                      </p:cBhvr>
+                                    </p:animEffect>
+                                  </p:childTnLst>
+                                </p:cTn>
+                              </p:par>
+                            </p:childTnLst>
+                          </p:cTn>
+                        </p:par>
+                      </p:childTnLst>
+                    </p:cTn>
+                  </p:par>
+                  <p:par>
+                    <p:cTn id="23" fill="hold">
+                      <p:stCondLst>
+                        <p:cond delay="indefinite"/>
+                      </p:stCondLst>
+                      <p:childTnLst>
+                        <p:par>
+                          <p:cTn id="24" fill="hold">
+                            <p:stCondLst>
+                              <p:cond delay="0"/>
+                            </p:stCondLst>
+                            <p:childTnLst>
+                              <p:par>
+                                <p:cTn id="25" presetID="14" presetClass="entr" presetSubtype="10" fill="hold" grpId="0" nodeType="clickEffect">
+                                  <p:stCondLst>
+                                    <p:cond delay="0"/>
+                                  </p:stCondLst>
+                                  <p:childTnLst>
+                                    <p:set>
+                                      <p:cBhvr>
+                                        <p:cTn id="26" dur="1" fill="hold">
                                           <p:stCondLst>
                                             <p:cond delay="0"/>
                                           </p:stCondLst>
@@ -28317,11 +29811,194 @@
                                     </p:set>
                                     <p:animEffect transition="in" filter="randombar(horizontal)">
                                       <p:cBhvr>
-                                        <p:cTn id="12" dur="500"/>
+                                        <p:cTn id="27" dur="500"/>
                                         <p:tgtEl>
                                           <p:spTgt spid="4">
                                             <p:txEl>
                                               <p:pRg st="1" end="1"/>
+                                            </p:txEl>
+                                          </p:spTgt>
+                                        </p:tgtEl>
+                                      </p:cBhvr>
+                                    </p:animEffect>
+                                  </p:childTnLst>
+                                </p:cTn>
+                              </p:par>
+                            </p:childTnLst>
+                          </p:cTn>
+                        </p:par>
+                      </p:childTnLst>
+                    </p:cTn>
+                  </p:par>
+                  <p:par>
+                    <p:cTn id="28" fill="hold">
+                      <p:stCondLst>
+                        <p:cond delay="indefinite"/>
+                      </p:stCondLst>
+                      <p:childTnLst>
+                        <p:par>
+                          <p:cTn id="29" fill="hold">
+                            <p:stCondLst>
+                              <p:cond delay="0"/>
+                            </p:stCondLst>
+                            <p:childTnLst>
+                              <p:par>
+                                <p:cTn id="30" presetID="14" presetClass="entr" presetSubtype="10" fill="hold" grpId="0" nodeType="clickEffect">
+                                  <p:stCondLst>
+                                    <p:cond delay="0"/>
+                                  </p:stCondLst>
+                                  <p:childTnLst>
+                                    <p:set>
+                                      <p:cBhvr>
+                                        <p:cTn id="31" dur="1" fill="hold">
+                                          <p:stCondLst>
+                                            <p:cond delay="0"/>
+                                          </p:stCondLst>
+                                        </p:cTn>
+                                        <p:tgtEl>
+                                          <p:spTgt spid="4">
+                                            <p:txEl>
+                                              <p:pRg st="2" end="2"/>
+                                            </p:txEl>
+                                          </p:spTgt>
+                                        </p:tgtEl>
+                                        <p:attrNameLst>
+                                          <p:attrName>style.visibility</p:attrName>
+                                        </p:attrNameLst>
+                                      </p:cBhvr>
+                                      <p:to>
+                                        <p:strVal val="visible"/>
+                                      </p:to>
+                                    </p:set>
+                                    <p:animEffect transition="in" filter="randombar(horizontal)">
+                                      <p:cBhvr>
+                                        <p:cTn id="32" dur="500"/>
+                                        <p:tgtEl>
+                                          <p:spTgt spid="4">
+                                            <p:txEl>
+                                              <p:pRg st="2" end="2"/>
+                                            </p:txEl>
+                                          </p:spTgt>
+                                        </p:tgtEl>
+                                      </p:cBhvr>
+                                    </p:animEffect>
+                                  </p:childTnLst>
+                                </p:cTn>
+                              </p:par>
+                            </p:childTnLst>
+                          </p:cTn>
+                        </p:par>
+                      </p:childTnLst>
+                    </p:cTn>
+                  </p:par>
+                  <p:par>
+                    <p:cTn id="33" fill="hold">
+                      <p:stCondLst>
+                        <p:cond delay="indefinite"/>
+                      </p:stCondLst>
+                      <p:childTnLst>
+                        <p:par>
+                          <p:cTn id="34" fill="hold">
+                            <p:stCondLst>
+                              <p:cond delay="0"/>
+                            </p:stCondLst>
+                            <p:childTnLst>
+                              <p:par>
+                                <p:cTn id="35" presetID="14" presetClass="entr" presetSubtype="10" fill="hold" grpId="0" nodeType="clickEffect">
+                                  <p:stCondLst>
+                                    <p:cond delay="0"/>
+                                  </p:stCondLst>
+                                  <p:childTnLst>
+                                    <p:set>
+                                      <p:cBhvr>
+                                        <p:cTn id="36" dur="1" fill="hold">
+                                          <p:stCondLst>
+                                            <p:cond delay="0"/>
+                                          </p:stCondLst>
+                                        </p:cTn>
+                                        <p:tgtEl>
+                                          <p:spTgt spid="4">
+                                            <p:txEl>
+                                              <p:pRg st="3" end="3"/>
+                                            </p:txEl>
+                                          </p:spTgt>
+                                        </p:tgtEl>
+                                        <p:attrNameLst>
+                                          <p:attrName>style.visibility</p:attrName>
+                                        </p:attrNameLst>
+                                      </p:cBhvr>
+                                      <p:to>
+                                        <p:strVal val="visible"/>
+                                      </p:to>
+                                    </p:set>
+                                    <p:animEffect transition="in" filter="randombar(horizontal)">
+                                      <p:cBhvr>
+                                        <p:cTn id="37" dur="500"/>
+                                        <p:tgtEl>
+                                          <p:spTgt spid="4">
+                                            <p:txEl>
+                                              <p:pRg st="3" end="3"/>
+                                            </p:txEl>
+                                          </p:spTgt>
+                                        </p:tgtEl>
+                                      </p:cBhvr>
+                                    </p:animEffect>
+                                  </p:childTnLst>
+                                </p:cTn>
+                              </p:par>
+                            </p:childTnLst>
+                          </p:cTn>
+                        </p:par>
+                      </p:childTnLst>
+                    </p:cTn>
+                  </p:par>
+                  <p:par>
+                    <p:cTn id="38" fill="hold">
+                      <p:stCondLst>
+                        <p:cond delay="indefinite"/>
+                      </p:stCondLst>
+                      <p:childTnLst>
+                        <p:par>
+                          <p:cTn id="39" fill="hold">
+                            <p:stCondLst>
+                              <p:cond delay="0"/>
+                            </p:stCondLst>
+                            <p:childTnLst>
+                              <p:par>
+                                <p:cTn id="40" presetID="14" presetClass="entr" presetSubtype="10" fill="hold" grpId="0" nodeType="clickEffect">
+                                  <p:stCondLst>
+                                    <p:cond delay="0"/>
+                                  </p:stCondLst>
+                                  <p:childTnLst>
+                                    <p:set>
+                                      <p:cBhvr>
+                                        <p:cTn id="41" dur="1" fill="hold">
+                                          <p:stCondLst>
+                                            <p:cond delay="0"/>
+                                          </p:stCondLst>
+                                        </p:cTn>
+                                        <p:tgtEl>
+                                          <p:spTgt spid="4">
+                                            <p:txEl>
+                                              <p:pRg st="4" end="4"/>
+                                            </p:txEl>
+                                          </p:spTgt>
+                                        </p:tgtEl>
+                                        <p:attrNameLst>
+                                          <p:attrName>style.visibility</p:attrName>
+                                        </p:attrNameLst>
+                                      </p:cBhvr>
+                                      <p:to>
+                                        <p:strVal val="visible"/>
+                                      </p:to>
+                                    </p:set>
+                                    <p:animEffect transition="in" filter="randombar(horizontal)">
+                                      <p:cBhvr>
+                                        <p:cTn id="42" dur="500"/>
+                                        <p:tgtEl>
+                                          <p:spTgt spid="4">
+                                            <p:txEl>
+                                              <p:pRg st="4" end="4"/>
                                             </p:txEl>
                                           </p:spTgt>
                                         </p:tgtEl>

--- a/PRD-2017-G24/STW/非受控文件/翻转课堂作业/UML概述/UML概述.pptx
+++ b/PRD-2017-G24/STW/非受控文件/翻转课堂作业/UML概述/UML概述.pptx
@@ -7284,7 +7284,7 @@
             <a:fld id="{BC02ACD8-9D28-445F-BAFE-92DA3311E912}" type="datetimeFigureOut">
               <a:rPr lang="zh-CN" altLang="en-US" smtClean="0"/>
               <a:pPr/>
-              <a:t>2017/11/11</a:t>
+              <a:t>2017/11/12</a:t>
             </a:fld>
             <a:endParaRPr lang="zh-CN" altLang="en-US"/>
           </a:p>
@@ -8016,7 +8016,7 @@
           <a:effectLst/>
           <a:extLst>
             <a:ext uri="{91240B29-F687-4f45-9708-019B960494DF}">
-              <a14:hiddenLine xmlns:a14="http://schemas.microsoft.com/office/drawing/2010/main" xmlns="" w="9525">
+              <a14:hiddenLine xmlns="" xmlns:a14="http://schemas.microsoft.com/office/drawing/2010/main" w="9525">
                 <a:solidFill>
                   <a:srgbClr val="000000"/>
                 </a:solidFill>
@@ -8209,7 +8209,7 @@
             <a:fld id="{08B9EBBA-996F-894A-B54A-D6246ED52CEA}" type="datetimeFigureOut">
               <a:rPr lang="en-US" dirty="0"/>
               <a:pPr/>
-              <a:t>11/11/2017</a:t>
+              <a:t>11/12/2017</a:t>
             </a:fld>
             <a:endParaRPr lang="en-US" dirty="0"/>
           </a:p>
@@ -8524,7 +8524,7 @@
             <a:fld id="{18C79C5D-2A6F-F04D-97DA-BEF2467B64E4}" type="datetimeFigureOut">
               <a:rPr lang="en-US" dirty="0"/>
               <a:pPr/>
-              <a:t>11/11/2017</a:t>
+              <a:t>11/12/2017</a:t>
             </a:fld>
             <a:endParaRPr lang="en-US" dirty="0"/>
           </a:p>
@@ -9009,7 +9009,7 @@
             <a:fld id="{8DFA1846-DA80-1C48-A609-854EA85C59AD}" type="datetimeFigureOut">
               <a:rPr lang="en-US" dirty="0"/>
               <a:pPr/>
-              <a:t>11/11/2017</a:t>
+              <a:t>11/12/2017</a:t>
             </a:fld>
             <a:endParaRPr lang="en-US" dirty="0"/>
           </a:p>
@@ -9375,7 +9375,7 @@
             <a:fld id="{FBF54567-0DE4-3F47-BF90-CB84690072F9}" type="datetimeFigureOut">
               <a:rPr lang="en-US" dirty="0"/>
               <a:pPr/>
-              <a:t>11/11/2017</a:t>
+              <a:t>11/12/2017</a:t>
             </a:fld>
             <a:endParaRPr lang="en-US" dirty="0"/>
           </a:p>
@@ -9526,7 +9526,7 @@
           <a:ln/>
           <a:extLst>
             <a:ext uri="{91240B29-F687-4f45-9708-019B960494DF}">
-              <a14:hiddenLine xmlns:a14="http://schemas.microsoft.com/office/drawing/2010/main" xmlns="" w="9525">
+              <a14:hiddenLine xmlns="" xmlns:a14="http://schemas.microsoft.com/office/drawing/2010/main" w="9525">
                 <a:solidFill>
                   <a:srgbClr val="000000"/>
                 </a:solidFill>
@@ -9645,7 +9645,7 @@
             <a:fld id="{C6C52C72-DE31-F449-A4ED-4C594FD91407}" type="datetimeFigureOut">
               <a:rPr lang="en-US" dirty="0"/>
               <a:pPr/>
-              <a:t>11/11/2017</a:t>
+              <a:t>11/12/2017</a:t>
             </a:fld>
             <a:endParaRPr lang="en-US" dirty="0"/>
           </a:p>
@@ -9798,7 +9798,7 @@
           <a:ln/>
           <a:extLst>
             <a:ext uri="{91240B29-F687-4f45-9708-019B960494DF}">
-              <a14:hiddenLine xmlns:a14="http://schemas.microsoft.com/office/drawing/2010/main" xmlns="" w="9525">
+              <a14:hiddenLine xmlns="" xmlns:a14="http://schemas.microsoft.com/office/drawing/2010/main" w="9525">
                 <a:solidFill>
                   <a:srgbClr val="000000"/>
                 </a:solidFill>
@@ -9927,7 +9927,7 @@
             <a:fld id="{ED62726E-379B-B349-9EED-81ED093FA806}" type="datetimeFigureOut">
               <a:rPr lang="en-US" dirty="0"/>
               <a:pPr/>
-              <a:t>11/11/2017</a:t>
+              <a:t>11/12/2017</a:t>
             </a:fld>
             <a:endParaRPr lang="en-US" dirty="0"/>
           </a:p>
@@ -10078,7 +10078,7 @@
           <a:ln/>
           <a:extLst>
             <a:ext uri="{91240B29-F687-4f45-9708-019B960494DF}">
-              <a14:hiddenLine xmlns:a14="http://schemas.microsoft.com/office/drawing/2010/main" xmlns="" w="9525">
+              <a14:hiddenLine xmlns="" xmlns:a14="http://schemas.microsoft.com/office/drawing/2010/main" w="9525">
                 <a:solidFill>
                   <a:srgbClr val="000000"/>
                 </a:solidFill>
@@ -10207,7 +10207,7 @@
             <a:fld id="{9B3A1323-8D79-1946-B0D7-40001CF92E9D}" type="datetimeFigureOut">
               <a:rPr lang="en-US" dirty="0"/>
               <a:pPr/>
-              <a:t>11/11/2017</a:t>
+              <a:t>11/12/2017</a:t>
             </a:fld>
             <a:endParaRPr lang="en-US" dirty="0"/>
           </a:p>
@@ -10547,7 +10547,7 @@
             <a:fld id="{8DFA1846-DA80-1C48-A609-854EA85C59AD}" type="datetimeFigureOut">
               <a:rPr lang="en-US" dirty="0"/>
               <a:pPr/>
-              <a:t>11/11/2017</a:t>
+              <a:t>11/12/2017</a:t>
             </a:fld>
             <a:endParaRPr lang="en-US" dirty="0"/>
           </a:p>
@@ -10698,7 +10698,7 @@
           <a:ln/>
           <a:extLst>
             <a:ext uri="{91240B29-F687-4f45-9708-019B960494DF}">
-              <a14:hiddenLine xmlns:a14="http://schemas.microsoft.com/office/drawing/2010/main" xmlns="" w="9525">
+              <a14:hiddenLine xmlns="" xmlns:a14="http://schemas.microsoft.com/office/drawing/2010/main" w="9525">
                 <a:solidFill>
                   <a:srgbClr val="000000"/>
                 </a:solidFill>
@@ -10883,7 +10883,7 @@
             <a:fld id="{57302355-E14B-8545-A8F8-0FE83CC9D524}" type="datetimeFigureOut">
               <a:rPr lang="en-US" dirty="0"/>
               <a:pPr/>
-              <a:t>11/11/2017</a:t>
+              <a:t>11/12/2017</a:t>
             </a:fld>
             <a:endParaRPr lang="en-US" dirty="0"/>
           </a:p>
@@ -11034,7 +11034,7 @@
           <a:ln/>
           <a:extLst>
             <a:ext uri="{91240B29-F687-4f45-9708-019B960494DF}">
-              <a14:hiddenLine xmlns:a14="http://schemas.microsoft.com/office/drawing/2010/main" xmlns="" w="9525">
+              <a14:hiddenLine xmlns="" xmlns:a14="http://schemas.microsoft.com/office/drawing/2010/main" w="9525">
                 <a:solidFill>
                   <a:srgbClr val="000000"/>
                 </a:solidFill>
@@ -11357,7 +11357,7 @@
             <a:fld id="{02640F58-564D-2B4F-AE67-E407BA4FCF45}" type="datetimeFigureOut">
               <a:rPr lang="en-US" dirty="0"/>
               <a:pPr/>
-              <a:t>11/11/2017</a:t>
+              <a:t>11/12/2017</a:t>
             </a:fld>
             <a:endParaRPr lang="en-US" dirty="0"/>
           </a:p>
@@ -11508,7 +11508,7 @@
           <a:ln/>
           <a:extLst>
             <a:ext uri="{91240B29-F687-4f45-9708-019B960494DF}">
-              <a14:hiddenLine xmlns:a14="http://schemas.microsoft.com/office/drawing/2010/main" xmlns="" w="9525">
+              <a14:hiddenLine xmlns="" xmlns:a14="http://schemas.microsoft.com/office/drawing/2010/main" w="9525">
                 <a:solidFill>
                   <a:srgbClr val="000000"/>
                 </a:solidFill>
@@ -11575,7 +11575,7 @@
             <a:fld id="{F13A34C8-038E-2045-AF43-DF7DBB8E0E9E}" type="datetimeFigureOut">
               <a:rPr lang="en-US" dirty="0"/>
               <a:pPr/>
-              <a:t>11/11/2017</a:t>
+              <a:t>11/12/2017</a:t>
             </a:fld>
             <a:endParaRPr lang="en-US" dirty="0"/>
           </a:p>
@@ -11667,7 +11667,7 @@
             <a:fld id="{8818C68F-D26B-8F47-958C-23B49CF8A634}" type="datetimeFigureOut">
               <a:rPr lang="en-US" dirty="0"/>
               <a:pPr/>
-              <a:t>11/11/2017</a:t>
+              <a:t>11/12/2017</a:t>
             </a:fld>
             <a:endParaRPr lang="en-US" dirty="0"/>
           </a:p>
@@ -11931,7 +11931,7 @@
           <a:ln/>
           <a:extLst>
             <a:ext uri="{91240B29-F687-4f45-9708-019B960494DF}">
-              <a14:hiddenLine xmlns:a14="http://schemas.microsoft.com/office/drawing/2010/main" xmlns="" w="9525">
+              <a14:hiddenLine xmlns="" xmlns:a14="http://schemas.microsoft.com/office/drawing/2010/main" w="9525">
                 <a:solidFill>
                   <a:srgbClr val="000000"/>
                 </a:solidFill>
@@ -12131,7 +12131,7 @@
             <a:fld id="{D0DF5E60-9974-AC48-9591-99C2BB44B7CF}" type="datetimeFigureOut">
               <a:rPr lang="en-US" dirty="0"/>
               <a:pPr/>
-              <a:t>11/11/2017</a:t>
+              <a:t>11/12/2017</a:t>
             </a:fld>
             <a:endParaRPr lang="en-US" dirty="0"/>
           </a:p>
@@ -12441,7 +12441,7 @@
             <a:fld id="{18C79C5D-2A6F-F04D-97DA-BEF2467B64E4}" type="datetimeFigureOut">
               <a:rPr lang="en-US" dirty="0"/>
               <a:pPr/>
-              <a:t>11/11/2017</a:t>
+              <a:t>11/12/2017</a:t>
             </a:fld>
             <a:endParaRPr lang="en-US" dirty="0"/>
           </a:p>
@@ -12708,7 +12708,7 @@
             <a:fld id="{09B482E8-6E0E-1B4F-B1FD-C69DB9E858D9}" type="datetimeFigureOut">
               <a:rPr lang="en-US" dirty="0"/>
               <a:pPr/>
-              <a:t>11/11/2017</a:t>
+              <a:t>11/12/2017</a:t>
             </a:fld>
             <a:endParaRPr lang="en-US" dirty="0"/>
           </a:p>
@@ -17866,7 +17866,7 @@
           <a:ln/>
           <a:extLst>
             <a:ext uri="{91240B29-F687-4f45-9708-019B960494DF}">
-              <a14:hiddenLine xmlns:a14="http://schemas.microsoft.com/office/drawing/2010/main" xmlns="" w="9525">
+              <a14:hiddenLine xmlns="" xmlns:a14="http://schemas.microsoft.com/office/drawing/2010/main" w="9525">
                 <a:solidFill>
                   <a:srgbClr val="000000"/>
                 </a:solidFill>
@@ -18159,7 +18159,7 @@
           <a:effectLst/>
           <a:extLst>
             <a:ext uri="{91240B29-F687-4f45-9708-019B960494DF}">
-              <a14:hiddenLine xmlns:a14="http://schemas.microsoft.com/office/drawing/2010/main" xmlns:p14="http://schemas.microsoft.com/office/powerpoint/2010/main" xmlns:a16="http://schemas.microsoft.com/office/drawing/2014/main" xmlns="" w="9525">
+              <a14:hiddenLine xmlns="" xmlns:a16="http://schemas.microsoft.com/office/drawing/2014/main" xmlns:p14="http://schemas.microsoft.com/office/powerpoint/2010/main" xmlns:a14="http://schemas.microsoft.com/office/drawing/2010/main" w="9525">
                 <a:solidFill>
                   <a:srgbClr val="000000"/>
                 </a:solidFill>
@@ -18714,7 +18714,7 @@
           <a:ln/>
           <a:extLst>
             <a:ext uri="{91240B29-F687-4f45-9708-019B960494DF}">
-              <a14:hiddenLine xmlns="" xmlns:a14="http://schemas.microsoft.com/office/drawing/2010/main" w="9525">
+              <a14:hiddenLine xmlns:a14="http://schemas.microsoft.com/office/drawing/2010/main" xmlns="" w="9525">
                 <a:solidFill>
                   <a:srgbClr val="000000"/>
                 </a:solidFill>
@@ -19042,7 +19042,7 @@
           <a:effectLst/>
           <a:extLst>
             <a:ext uri="{91240B29-F687-4f45-9708-019B960494DF}">
-              <a14:hiddenLine xmlns="" xmlns:a16="http://schemas.microsoft.com/office/drawing/2014/main" xmlns:p14="http://schemas.microsoft.com/office/powerpoint/2010/main" xmlns:a14="http://schemas.microsoft.com/office/drawing/2010/main" w="9525">
+              <a14:hiddenLine xmlns:a14="http://schemas.microsoft.com/office/drawing/2010/main" xmlns:p14="http://schemas.microsoft.com/office/powerpoint/2010/main" xmlns:a16="http://schemas.microsoft.com/office/drawing/2014/main" xmlns="" w="9525">
                 <a:solidFill>
                   <a:srgbClr val="000000"/>
                 </a:solidFill>
@@ -19594,7 +19594,7 @@
           <a:ln/>
           <a:extLst>
             <a:ext uri="{91240B29-F687-4f45-9708-019B960494DF}">
-              <a14:hiddenLine xmlns="" xmlns:a14="http://schemas.microsoft.com/office/drawing/2010/main" w="9525">
+              <a14:hiddenLine xmlns:a14="http://schemas.microsoft.com/office/drawing/2010/main" xmlns="" w="9525">
                 <a:solidFill>
                   <a:srgbClr val="000000"/>
                 </a:solidFill>
@@ -19887,7 +19887,7 @@
           <a:effectLst/>
           <a:extLst>
             <a:ext uri="{91240B29-F687-4f45-9708-019B960494DF}">
-              <a14:hiddenLine xmlns="" xmlns:a16="http://schemas.microsoft.com/office/drawing/2014/main" xmlns:p14="http://schemas.microsoft.com/office/powerpoint/2010/main" xmlns:a14="http://schemas.microsoft.com/office/drawing/2010/main" w="9525">
+              <a14:hiddenLine xmlns:a14="http://schemas.microsoft.com/office/drawing/2010/main" xmlns:p14="http://schemas.microsoft.com/office/powerpoint/2010/main" xmlns:a16="http://schemas.microsoft.com/office/drawing/2014/main" xmlns="" w="9525">
                 <a:solidFill>
                   <a:srgbClr val="000000"/>
                 </a:solidFill>
@@ -20309,7 +20309,7 @@
           <a:ln/>
           <a:extLst>
             <a:ext uri="{91240B29-F687-4f45-9708-019B960494DF}">
-              <a14:hiddenLine xmlns="" xmlns:a14="http://schemas.microsoft.com/office/drawing/2010/main" w="9525">
+              <a14:hiddenLine xmlns:a14="http://schemas.microsoft.com/office/drawing/2010/main" xmlns="" w="9525">
                 <a:solidFill>
                   <a:srgbClr val="000000"/>
                 </a:solidFill>
@@ -20637,7 +20637,7 @@
           <a:effectLst/>
           <a:extLst>
             <a:ext uri="{91240B29-F687-4f45-9708-019B960494DF}">
-              <a14:hiddenLine xmlns="" xmlns:a16="http://schemas.microsoft.com/office/drawing/2014/main" xmlns:p14="http://schemas.microsoft.com/office/powerpoint/2010/main" xmlns:a14="http://schemas.microsoft.com/office/drawing/2010/main" w="9525">
+              <a14:hiddenLine xmlns:a14="http://schemas.microsoft.com/office/drawing/2010/main" xmlns:p14="http://schemas.microsoft.com/office/powerpoint/2010/main" xmlns:a16="http://schemas.microsoft.com/office/drawing/2014/main" xmlns="" w="9525">
                 <a:solidFill>
                   <a:srgbClr val="000000"/>
                 </a:solidFill>
@@ -21070,7 +21070,7 @@
           <a:ln/>
           <a:extLst>
             <a:ext uri="{91240B29-F687-4f45-9708-019B960494DF}">
-              <a14:hiddenLine xmlns:a14="http://schemas.microsoft.com/office/drawing/2010/main" xmlns="" w="9525">
+              <a14:hiddenLine xmlns="" xmlns:a14="http://schemas.microsoft.com/office/drawing/2010/main" w="9525">
                 <a:solidFill>
                   <a:srgbClr val="000000"/>
                 </a:solidFill>
@@ -21636,7 +21636,7 @@
           <a:ln/>
           <a:extLst>
             <a:ext uri="{91240B29-F687-4f45-9708-019B960494DF}">
-              <a14:hiddenLine xmlns="" xmlns:a14="http://schemas.microsoft.com/office/drawing/2010/main" w="9525">
+              <a14:hiddenLine xmlns:a14="http://schemas.microsoft.com/office/drawing/2010/main" xmlns="" w="9525">
                 <a:solidFill>
                   <a:srgbClr val="000000"/>
                 </a:solidFill>
@@ -21929,7 +21929,7 @@
           <a:effectLst/>
           <a:extLst>
             <a:ext uri="{91240B29-F687-4f45-9708-019B960494DF}">
-              <a14:hiddenLine xmlns="" xmlns:a16="http://schemas.microsoft.com/office/drawing/2014/main" xmlns:p14="http://schemas.microsoft.com/office/powerpoint/2010/main" xmlns:a14="http://schemas.microsoft.com/office/drawing/2010/main" w="9525">
+              <a14:hiddenLine xmlns:a14="http://schemas.microsoft.com/office/drawing/2010/main" xmlns:p14="http://schemas.microsoft.com/office/powerpoint/2010/main" xmlns:a16="http://schemas.microsoft.com/office/drawing/2014/main" xmlns="" w="9525">
                 <a:solidFill>
                   <a:srgbClr val="000000"/>
                 </a:solidFill>
@@ -22667,7 +22667,7 @@
           <a:ln/>
           <a:extLst>
             <a:ext uri="{91240B29-F687-4f45-9708-019B960494DF}">
-              <a14:hiddenLine xmlns="" xmlns:a14="http://schemas.microsoft.com/office/drawing/2010/main" w="9525">
+              <a14:hiddenLine xmlns:a14="http://schemas.microsoft.com/office/drawing/2010/main" xmlns="" w="9525">
                 <a:solidFill>
                   <a:srgbClr val="000000"/>
                 </a:solidFill>
@@ -22995,7 +22995,7 @@
           <a:effectLst/>
           <a:extLst>
             <a:ext uri="{91240B29-F687-4f45-9708-019B960494DF}">
-              <a14:hiddenLine xmlns="" xmlns:a16="http://schemas.microsoft.com/office/drawing/2014/main" xmlns:p14="http://schemas.microsoft.com/office/powerpoint/2010/main" xmlns:a14="http://schemas.microsoft.com/office/drawing/2010/main" w="9525">
+              <a14:hiddenLine xmlns:a14="http://schemas.microsoft.com/office/drawing/2010/main" xmlns:p14="http://schemas.microsoft.com/office/powerpoint/2010/main" xmlns:a16="http://schemas.microsoft.com/office/drawing/2014/main" xmlns="" w="9525">
                 <a:solidFill>
                   <a:srgbClr val="000000"/>
                 </a:solidFill>
@@ -23555,7 +23555,7 @@
           <a:ln/>
           <a:extLst>
             <a:ext uri="{91240B29-F687-4f45-9708-019B960494DF}">
-              <a14:hiddenLine xmlns="" xmlns:a14="http://schemas.microsoft.com/office/drawing/2010/main" w="9525">
+              <a14:hiddenLine xmlns:a14="http://schemas.microsoft.com/office/drawing/2010/main" xmlns="" w="9525">
                 <a:solidFill>
                   <a:srgbClr val="000000"/>
                 </a:solidFill>
@@ -23848,7 +23848,7 @@
           <a:effectLst/>
           <a:extLst>
             <a:ext uri="{91240B29-F687-4f45-9708-019B960494DF}">
-              <a14:hiddenLine xmlns="" xmlns:a16="http://schemas.microsoft.com/office/drawing/2014/main" xmlns:p14="http://schemas.microsoft.com/office/powerpoint/2010/main" xmlns:a14="http://schemas.microsoft.com/office/drawing/2010/main" w="9525">
+              <a14:hiddenLine xmlns:a14="http://schemas.microsoft.com/office/drawing/2010/main" xmlns:p14="http://schemas.microsoft.com/office/powerpoint/2010/main" xmlns:a16="http://schemas.microsoft.com/office/drawing/2014/main" xmlns="" w="9525">
                 <a:solidFill>
                   <a:srgbClr val="000000"/>
                 </a:solidFill>
@@ -24279,7 +24279,7 @@
           <a:ln/>
           <a:extLst>
             <a:ext uri="{91240B29-F687-4f45-9708-019B960494DF}">
-              <a14:hiddenLine xmlns="" xmlns:a14="http://schemas.microsoft.com/office/drawing/2010/main" w="9525">
+              <a14:hiddenLine xmlns:a14="http://schemas.microsoft.com/office/drawing/2010/main" xmlns="" w="9525">
                 <a:solidFill>
                   <a:srgbClr val="000000"/>
                 </a:solidFill>
@@ -24607,7 +24607,7 @@
           <a:effectLst/>
           <a:extLst>
             <a:ext uri="{91240B29-F687-4f45-9708-019B960494DF}">
-              <a14:hiddenLine xmlns="" xmlns:a16="http://schemas.microsoft.com/office/drawing/2014/main" xmlns:p14="http://schemas.microsoft.com/office/powerpoint/2010/main" xmlns:a14="http://schemas.microsoft.com/office/drawing/2010/main" w="9525">
+              <a14:hiddenLine xmlns:a14="http://schemas.microsoft.com/office/drawing/2010/main" xmlns:p14="http://schemas.microsoft.com/office/powerpoint/2010/main" xmlns:a16="http://schemas.microsoft.com/office/drawing/2014/main" xmlns="" w="9525">
                 <a:solidFill>
                   <a:srgbClr val="000000"/>
                 </a:solidFill>
@@ -25159,7 +25159,7 @@
           <a:ln/>
           <a:extLst>
             <a:ext uri="{91240B29-F687-4f45-9708-019B960494DF}">
-              <a14:hiddenLine xmlns="" xmlns:a14="http://schemas.microsoft.com/office/drawing/2010/main" w="9525">
+              <a14:hiddenLine xmlns:a14="http://schemas.microsoft.com/office/drawing/2010/main" xmlns="" w="9525">
                 <a:solidFill>
                   <a:srgbClr val="000000"/>
                 </a:solidFill>
@@ -25452,7 +25452,7 @@
           <a:effectLst/>
           <a:extLst>
             <a:ext uri="{91240B29-F687-4f45-9708-019B960494DF}">
-              <a14:hiddenLine xmlns="" xmlns:a16="http://schemas.microsoft.com/office/drawing/2014/main" xmlns:p14="http://schemas.microsoft.com/office/powerpoint/2010/main" xmlns:a14="http://schemas.microsoft.com/office/drawing/2010/main" w="9525">
+              <a14:hiddenLine xmlns:a14="http://schemas.microsoft.com/office/drawing/2010/main" xmlns:p14="http://schemas.microsoft.com/office/powerpoint/2010/main" xmlns:a16="http://schemas.microsoft.com/office/drawing/2014/main" xmlns="" w="9525">
                 <a:solidFill>
                   <a:srgbClr val="000000"/>
                 </a:solidFill>
@@ -27059,7 +27059,7 @@
         </p:nvSpPr>
         <p:spPr>
           <a:xfrm>
-            <a:off x="2379417" y="270826"/>
+            <a:off x="3304327" y="206925"/>
             <a:ext cx="10571998" cy="970450"/>
           </a:xfrm>
         </p:spPr>
@@ -27070,22 +27070,6 @@
             <a:r>
               <a:rPr lang="zh-CN" altLang="en-US" dirty="0"/>
               <a:t>小组成员分工与评价</a:t>
-            </a:r>
-            <a:r>
-              <a:rPr lang="en-US" altLang="zh-CN" dirty="0"/>
-              <a:t>(</a:t>
-            </a:r>
-            <a:r>
-              <a:rPr lang="zh-CN" altLang="en-US" dirty="0"/>
-              <a:t>总分</a:t>
-            </a:r>
-            <a:r>
-              <a:rPr lang="en-US" altLang="zh-CN" dirty="0"/>
-              <a:t>5</a:t>
-            </a:r>
-            <a:r>
-              <a:rPr lang="zh-CN" altLang="en-US" dirty="0"/>
-              <a:t>分）</a:t>
             </a:r>
           </a:p>
         </p:txBody>
